--- a/Inside spring boot.pptx
+++ b/Inside spring boot.pptx
@@ -16,22 +16,23 @@
     <p:sldId id="269" r:id="rId10"/>
     <p:sldId id="262" r:id="rId11"/>
     <p:sldId id="263" r:id="rId12"/>
-    <p:sldId id="270" r:id="rId13"/>
+    <p:sldId id="284" r:id="rId13"/>
     <p:sldId id="264" r:id="rId14"/>
-    <p:sldId id="284" r:id="rId15"/>
-    <p:sldId id="285" r:id="rId16"/>
-    <p:sldId id="271" r:id="rId17"/>
-    <p:sldId id="286" r:id="rId18"/>
-    <p:sldId id="283" r:id="rId19"/>
-    <p:sldId id="276" r:id="rId20"/>
-    <p:sldId id="274" r:id="rId21"/>
-    <p:sldId id="282" r:id="rId22"/>
-    <p:sldId id="275" r:id="rId23"/>
-    <p:sldId id="277" r:id="rId24"/>
-    <p:sldId id="278" r:id="rId25"/>
-    <p:sldId id="279" r:id="rId26"/>
-    <p:sldId id="280" r:id="rId27"/>
-    <p:sldId id="281" r:id="rId28"/>
+    <p:sldId id="270" r:id="rId15"/>
+    <p:sldId id="287" r:id="rId16"/>
+    <p:sldId id="285" r:id="rId17"/>
+    <p:sldId id="271" r:id="rId18"/>
+    <p:sldId id="286" r:id="rId19"/>
+    <p:sldId id="283" r:id="rId20"/>
+    <p:sldId id="276" r:id="rId21"/>
+    <p:sldId id="274" r:id="rId22"/>
+    <p:sldId id="282" r:id="rId23"/>
+    <p:sldId id="275" r:id="rId24"/>
+    <p:sldId id="277" r:id="rId25"/>
+    <p:sldId id="278" r:id="rId26"/>
+    <p:sldId id="279" r:id="rId27"/>
+    <p:sldId id="280" r:id="rId28"/>
+    <p:sldId id="281" r:id="rId29"/>
   </p:sldIdLst>
   <p:sldSz cx="12192000" cy="6858000"/>
   <p:notesSz cx="6858000" cy="9144000"/>
@@ -197,6 +198,76 @@
   <inkml:trace contextRef="#ctx0" brushRef="#br0" timeOffset="160058.72">6154 10126 1557 0,'-85'-20'-44'16,"-19"-2"336"-16,4 5-654 15,-2 3 368-15,3 6-6 16,-10 1-3-16,14 6-1 16,-10 1-1-16,15 4-19 15,-14 3-16-15,14 4 2 16,-14 1-2-16,8 7 3 16,-19 6 17-16,12 5 17 0,-17 11-1 15,9 4 1-15,-15 16 1 16,16-3 1-16,-13 13-1 15,13-4 1-15,-10 12-1 16,15-7 2-16,-4 16-2 16,15-7 1-16,-6 14-1 15,15-12-1-15,-4 15-1 16,13-8-1-16,-2 15-2 16,18-6 1-16,4 16-3 15,18-7 1-15,5 20 0 16,11-9 0-16,7 21-1 15,9-11 4-15,4 18-1 16,5-20 0-16,15 19 0 16,-2-21 1-16,9 16-1 15,6-21 1-15,13 14-2 16,1-22 2-16,21 16-2 0,1-21 2 16,14 14-1-16,-2-18 4 15,17 9-1-15,-9-22 1 16,23 7 1-16,-7-17 1 15,21 10 0-15,-8-14 1 16,18 7-1-16,-14-12 0 16,19 1 0-16,-7-14-1 15,17 3 2-15,-13-9-1 16,27 1 0-16,-14-12 1 0,20 4 0 16,-12-9-3-16,16 2 2 15,-16-4 0-15,24 5-2 16,-24-6 5-16,35 0 9 15,-6-7 2-15,32-5 2 16,-16-8 2-16,42-7-4 16,-30-4-8-16,31-6-2 15,-30-2-2-15,34-1 0 16,-32-2 0-16,32-3-1 16,-29-2 1-16,36-8-1 15,-31-5-1-15,36-8 0 16,-32 1 1-16,33-3-3 15,-36 5 0-15,29 3-12 16,-39 10-3-16,25-2 0 16,-36 3 2-16,27-1 0 0,-31 0 13 15,21-6 2-15,-26 1 0 16,19-4 0-16,-30-1 2 16,25-8 0-16,-31 2-1 15,21-10-1-15,-22-1 5 16,21-17 3-16,-31 5-9 15,17-9-1-15,-34 6 1 16,7-6-7-16,-31 13-3 0,2-10 10 16,-26 3 2-16,4-14-1 15,-23 5 3-15,-1-4 0 16,-21 8 1-16,2 1 7 16,-20 9 10-16,-5 0 15 15,-13-1 6-15,1-11 1 16,-8 4-5-16,1-9 3 15,-7 4-2-15,-8-6 2 16,-7 10 2-16,-13-11 7 16,-7 6-10-16,-9-8-13 15,-2 6-4-15,-16-6 3 16,2 13-11-16,-16-9 13 16,-1 8-4-16,-15-13-6 15,6 3-9-15,-18-14 2 16,3 8-13-16,-18-10 14 15,9 11 4-15,-17-6 9 0,8 11 0 16,-16-3 0-16,14 15-13 16,-23-11 0-16,9 11-6 15,-16-7-3-15,13 5-1 16,-27-11-10-16,10 12-10 16,-17-5 11-16,13 5-1 15,-27-5 5-15,24 10 8 16,-22-9 9-16,19 11-10 0,-19-5 0 15,17 10-2-15,-21-1 2 16,25 6-2-16,-24-9 0 16,20 8-2-16,-14-6 0 15,17 0-2-15,-27 3-73 16,15 15-9-16,-29 1-1 16,14 13 1-16,-27-1-11 15,30 7 127-15,-8-12 30 16,31 2 4-16,-14-5 0 15,32 0 12-15,-18-5-56 16,15 7-19-16,-12 0-2 16,21 5-1-16,-18 5-2 15,17 10 1-15,-15 4-2 0,12 4 2 16,-21 2 0-16,18 0 2 16,-20 0 0-16,17-2 3 15,-14 0-2-15,23-1 2 16,-19-1 0-16,24 1-1 15,-13 2-1-15,23-1 1 16,-13 6-6-16,29 3 0 16,-8 8-3-16,16 3-2 15,-6 11-6-15,22 8-10 16,-13 11-55-16,15 3-41 16,-4 22-166-16,16 3-54 0,3 28-66 15</inkml:trace>
   <inkml:trace contextRef="#ctx0" brushRef="#br0" timeOffset="165577.19">23441 11023 504 0,'-12'-22'110'0,"10"-5"52"16,14-2-149-16,14-9 1 15,13-2-1-15,18-12 0 0,8 0-5 16,15-5 0 0,-5 8-4-16,10 0 0 15,-17 12-3-15,-2-3 0 16,-16 15 0-16,-4 1-2 0,-16 7-1 16,-2 4-11-16,-10 14-29 15,-5 3-121-15,-4 8-8 0,-5 16-65 16</inkml:trace>
   <inkml:trace contextRef="#ctx0" brushRef="#br0" timeOffset="165886.93">23320 11775 1094 0,'65'-28'-8'16,"4"-36"223"-16,47-34-458 15,30-3 139-15,72-23-110 16,-4-9-10-16</inkml:trace>
+</inkml:ink>
+</file>
+
+<file path=ppt/ink/ink10.xml><?xml version="1.0" encoding="utf-8"?>
+<inkml:ink xmlns:inkml="http://www.w3.org/2003/InkML">
+  <inkml:definitions>
+    <inkml:context xml:id="ctx0">
+      <inkml:inkSource xml:id="inkSrc0">
+        <inkml:traceFormat>
+          <inkml:channel name="X" type="integer" max="29376" units="cm"/>
+          <inkml:channel name="Y" type="integer" max="16524" units="cm"/>
+          <inkml:channel name="F" type="integer" max="4095" units="dev"/>
+          <inkml:channel name="T" type="integer" max="2.14748E9" units="dev"/>
+        </inkml:traceFormat>
+        <inkml:channelProperties>
+          <inkml:channelProperty channel="X" name="resolution" value="1000.20428" units="1/cm"/>
+          <inkml:channelProperty channel="Y" name="resolution" value="1000.24213" units="1/cm"/>
+          <inkml:channelProperty channel="F" name="resolution" value="0" units="1/dev"/>
+          <inkml:channelProperty channel="T" name="resolution" value="1" units="1/dev"/>
+        </inkml:channelProperties>
+      </inkml:inkSource>
+      <inkml:timestamp xml:id="ts0" timeString="2020-03-12T18:41:42.837"/>
+    </inkml:context>
+    <inkml:brush xml:id="br0">
+      <inkml:brushProperty name="width" value="0.05292" units="cm"/>
+      <inkml:brushProperty name="height" value="0.05292" units="cm"/>
+      <inkml:brushProperty name="color" value="#FF0000"/>
+    </inkml:brush>
+  </inkml:definitions>
+  <inkml:trace contextRef="#ctx0" brushRef="#br0">29299 3564 320 0,'14'-9'69'16,"9"-2"27"-16,17-3-106 15,11 4-18-15,17-3-16 16,1 4-5-16,10-5 2 16,-10 0 19-16,7-7 27 15,-13 1 33-15,4-3 34 16,-14 5 10-16,1-1 15 15,-11 4-17-15,-2 1-11 16,-8 2-26-16,-3 3-13 16,-12 3-17-16,-3 2-4 15,-8 0-5-15,-6 3 2 16,0 0 1-16,-1 1 2 16,0 0 1-16,0 0 0 15,0 0 0-15,-1 0-1 0,1 0-2 16,0 0-4-16,0 0-7 15,0 0-21-15,0 0-26 16,0 0-96-16,0-1 6 16</inkml:trace>
+  <inkml:trace contextRef="#ctx0" brushRef="#br0" timeOffset="2399.73">32966 120 530 0,'-25'-20'97'16,"5"4"57"-16,-14 3-166 16,-4 8 10-16,-15-3 1 15,-3 6 2-15,-11 2 5 16,5 2 2-16,-23 0 1 16,4-1-2-16,-19 6 7 15,6 0-2-15,-10 6 2 16,19 5 0-16,-6 6-1 15,20-1-7-15,-17 19-3 0,6 6-3 16,-16 6 0-16,5-4-1 16,-20 20 0-16,12-5 0 15,-8 13-1-15,12 3 0 16,-4 26-1-16,21-8 0 16,0 4-1-16,15-3 0 15,1 11-2-15,19-6 1 16,1 9-1-16,15 0 1 15,9 9-1-15,11-16 2 0,9 7-2 16,9-16 0 0,19 7 1-16,7-18 1 0,20 8 3 15,11-18 4-15,17 4 7 16,0-24 6-16,20-4 8 16,1-16 2-16,23-1 2 15,-1-13-3-15,22-3-1 16,-7-11-7-16,24-9 3 15,-15-12 2-15,23-12 12 16,-19-7 1-16,23-16 6 16,-24-2-4-16,20-20-1 15,-16-1-9-15,9-18 7 16,-31 5 5-16,5-13 23 16,-31 19 5-16,-7-15 13 15,-22 8-3-15,-9-16-4 0,-20 3-23 16,-23-24-12-16,-28 4-10 15,0-22-7-15,0 20 3 16,0 13 5 0,0 19 2-16,0-1-5 0,0 30-2 15,0-26-12-15,-18 4-7 16,-37-3-4-16,-13 14-5 16,-17-15-5-16,7 29-3 0,-17-11-4 15,6 8 2-15,-14 8-3 16,6 27 2-16,-2-1-1 15,21 14 4-15,-2 3 0 16,26 4 5-16,3-3-1 16,8 7 0-16,6-1-4 15,14 1-1-15,2 6-7 16,11-5 1-16,3 2-6 16,3 2 0-16,2 2-1 15,3-6 5-15,-1 4 0 16,4-2 7-16,-4-4-10 15,0 0-10-15,1 2-39 16,0-1-26-16,18 5-93 16,36 45-51-16,-29-31-44 15,-9-4-56-15</inkml:trace>
+  <inkml:trace contextRef="#ctx0" brushRef="#br0" timeOffset="3328.48">23702 3758 847 0,'0'18'196'0,"1"-16"54"15,-1-3-254-15,13-10-26 16,13 0-8-16,28-17 0 16,19-9 14-16,35-18 7 15,9-4 10-15,27-16 1 16,-9 7 5-16,20-11 9 16,-17 8 5-16,11-10 9 15,-22 12 1-15,8-1 0 16,-18 11-4-16,16-2 3 15,-10 16-10-15,16-12 1 16,-4 0 10-16,10-4-3 16,-23 10-5-16,-7 3-2 15,-29 16 0-15,-12 9-13 16,-28 12-18-16,-6 5-39 16,-13 4-40-16,-4 6-73 15,-10 3-32-15,-9 12-54 16,-11 10-21-16</inkml:trace>
+  <inkml:trace contextRef="#ctx0" brushRef="#br0" timeOffset="4361.09">24470 8319 807 0,'20'-15'174'16,"10"-15"85"0,13-7-237-16,28-9-14 0,8-3 1 15,34-19-2-15,6 0-10 16,30-13 3-16,-8-1-3 15,32-7 1-15,-20 15 0 16,5-3 1-16,-19 14-2 16,7-4 6-16,-31 9 5 0,8 1 12 15,-18 10 5-15,-9 1 15 16,-18 15 5-16,-5 4 15 16,-18 7-8-16,-9 5 1 15,-19 10-9-15,-6 2 13 16,-15-1-10-16,-6 1 10 15,-1 4 4-15,0-2 5 16,-1 0-16-16,1 0-1 16,0 1-14-16,0 0-6 15,0 0-13-15,1 0-4 16,0 0-9-16,0 0-1 16,0 0-2-16,-1 0-6 15,1 0-4-15,0 0-6 16,0 0-3-16,0 0-4 15,0 0 4-15,0 0 3 16,0 0 5-16,0 0 0 16,-2 0 3-16,2 0-9 0,0 0-6 15,0 0-11-15,0 0-7 16,0 0-10-16,0 0 1 16,0 0-6-16,0 0 11 15,0 1 8-15,0 0 13 16,2 0 6-16,-1 0 13 15,0 0 4-15,0 1-1 16,0-1 3-16,0 0 1 16,1 0-1-16,-1 0 0 0,-1 0 0 15,0 1-2-15,0-1 0 16,0 0-2-16,1 0 0 16,-1 0 0-16,0 0 2 15,0 0 0-15,0 1 3 16,0-1 1-16,0 0 3 15,0 0-2-15,0 0 0 16,0 0-2-16,0 1 1 16,0-2-3-16,0 0 0 15,0 1-7-15,0 0-3 16,0 0-2-16,0 0-3 16,0 0-5-16,0-1-36 15,0 0-26-15,0 1-9 16,1 1-9-16,9 5-44 15,16-4-12-15,42 47-68 0,-36-41-23 16</inkml:trace>
+  <inkml:trace contextRef="#ctx0" brushRef="#br0" timeOffset="7312.34">15372 8301 928 0,'-33'-35'159'0,"-9"-2"103"0,9 11-294 15,-13 7-4-15,1 11-17 16,-21 15-18-16,-1 14-6 16,-23 16 2-16,3 8 27 15,-27 17 18-15,3 0 19 16,-20 10 10-16,6-7 2 15,-19 9 0-15,21-5-1 16,-7 18 0-16,20-1-3 16,-7 21 0-16,26 2-1 15,1 25-3-15,21-9 3 0,8 25-1 16,24-10-1-16,11 18 1 16,16-22 2-16,13 12-3 15,12-19 2-15,5 10 0 16,5-24 0-16,4 13 1 15,-5-17 2-15,-1 5 1 16,-6-19 0-16,-7 0 2 16,-8-23 0-16,-12-5 4 15,-9-15 1-15,-16 6 3 16,-5-11 0-16,-18 6 3 16,-4-8-2-16,-20-1 1 15,4-9-3-15,-16-1-3 16,7-7-4-16,-18 2-12 15,9-7-1-15,-11-1 3 0,12-8 9 16,-6-8 32-16,18-12 16 16,0-5 16-16,18-5-3 15,1-7 7-15,16 2-27 16,10-2-7-16,15 3-18 16,10-7-5-16,9 5-19 15,9-1-9-15,6 2 0 16,11 0-1-16,3 9 4 0,16 4-1 15,4 8 4-15,12 8-1 16,1 5 3-16,12 8 0 16,-3 5 3-16,13 1 0 15,-4 1 3-15,13 8-1 16,-10 0 0-16,10 7 0 16,-12 4 1-16,7 13 0 15,-10-3-2-15,9 19 0 16,-14-2 2-16,6 12-1 15,-11-8 0-15,7 11 2 16,-10-18 0-16,13 0 0 16,-8-13 0-16,8-2 0 15,-10-15 1-15,8 1-2 16,-12-10 2-16,9-2-1 16,-8-10 1-16,8 0 1 15,-10-6 0-15,3 0 0 0,-12-5 0 16,0 4 0-16,-14-2 1 15,-2-2 0-15,-13-1 1 16,-4-2 48-16,-12-3 24 16,-1-3 38-16,-3 0 13 15,-2-1 18-15,1 0-40 16,-1 0-19-16,1 0-38 16,-1 0-11-16,1 0-19 15,0 0-5-15,0 0-7 0,0 0 2 16,-2 0 1-16,2 0 11 15,0 0 4-15,0 0 12 16,0 0 4-16,0 0 2 16,0 0-7-16,-1 0-2 15,1 0-9-15,0 0-4 16,0 0-5-16,0 0-3 16,0 0-4-16,0 0-2 15,0 0-2-15,0 0 1 16,0 0 1-16,0 0 3 15,-1 0 1-15,1 0 3 16,0 0 0-16,0 0-1 16,0 0-3-16,-1 0-3 0,1 0-4 15,-1 0-11-15,0 0-20 16,-1 0-77-16,1 0-76 16,0 0-287-16,0-1 3 15</inkml:trace>
+  <inkml:trace contextRef="#ctx0" brushRef="#br0" timeOffset="13940.86">13667 16193 508 0,'3'-1'190'16,"-1"-1"-4"-1,4-6-130-15,11-8-53 0,1-5-22 16,11-7 1-16,2 3 8 16,2 2 2-16,-6 7 3 15,4-2 1-15,-5 4 4 16,6-1 0-16,-1 3 4 15,11-8 6-15,1 3 2 16,13-4 3-16,0 0 1 16,12-3 4-16,-8 3-2 0,12-3 8 15,-11 3 2-15,6-4 13 16,-12 4 2-16,10-2 16 16,-11 1 4-16,6-3 10 15,-11 4-10-15,8-5-6 16,-12 4-19-16,0-1-10 15,-10 7-15-15,0-2 0 16,-11 6 0-16,-3 2 3 16,-7 5 1-16,-5 1 2 15,-4 3-3-15,-3 0-3 16,-1 1-4-16,-1-1-32 16,0 0-56-16,1-1-247 15,0 0 35-15</inkml:trace>
+  <inkml:trace contextRef="#ctx0" brushRef="#br0" timeOffset="15976.94">22730 15468 950 0,'1'0'257'0,"0"0"66"16,-1 0-269-16,0 0-41 16,0 0-15-16,0 0-10 15,0 0-6-15,0 0-1 16,0 0 5-16,1 0 0 16,4 0 3-16,24 9 4 15,38 13 4-15,-27-14 1 16,4 1 1-16,14 2 1 15,-9-3 1-15,20 0-3 16,0 0 2-16,12 0-1 16,-2 1 2-16,19 1-3 15,-6-1 2-15,16 2-1 16,-4 0 1-16,16 1-1 16,-8 0 2-16,12-1 0 0,-17-1 0 15,16-3 0-15,-15-3 1 16,16 0 4-16,-18-3 3 15,17-2 5-15,-14-2 4 16,15-4 5-16,-16 3-2 16,28-5 3-16,-10 2-2 0,17-3-4 15,-13 4-4-15,15-5-3 16,-23 5-6-16,6 1-2 16,-19 3 0-16,11 5 3 15,-18 3 0-15,13-1 3 16,-12 2 1-16,9 1 0 15,-20-2-1-15,5-4 19 16,-23-2 11-16,-7-2 16 16,-21 1 9-16,-8-1 10 15,-17 2-16-15,-8-2-7 16,-6 2-16-16,-2-1-9 16,-4-1-11-16,-1 1-6 15,0 0-8-15,0 0-29 16,0 1-32-16,0-2-164 15,13-1-215-15,26-3-11 16</inkml:trace>
+</inkml:ink>
+</file>
+
+<file path=ppt/ink/ink11.xml><?xml version="1.0" encoding="utf-8"?>
+<inkml:ink xmlns:inkml="http://www.w3.org/2003/InkML">
+  <inkml:definitions>
+    <inkml:context xml:id="ctx0">
+      <inkml:inkSource xml:id="inkSrc0">
+        <inkml:traceFormat>
+          <inkml:channel name="X" type="integer" max="29376" units="cm"/>
+          <inkml:channel name="Y" type="integer" max="16524" units="cm"/>
+          <inkml:channel name="F" type="integer" max="4095" units="dev"/>
+          <inkml:channel name="T" type="integer" max="2.14748E9" units="dev"/>
+        </inkml:traceFormat>
+        <inkml:channelProperties>
+          <inkml:channelProperty channel="X" name="resolution" value="1000.20428" units="1/cm"/>
+          <inkml:channelProperty channel="Y" name="resolution" value="1000.24213" units="1/cm"/>
+          <inkml:channelProperty channel="F" name="resolution" value="0" units="1/dev"/>
+          <inkml:channelProperty channel="T" name="resolution" value="1" units="1/dev"/>
+        </inkml:channelProperties>
+      </inkml:inkSource>
+      <inkml:timestamp xml:id="ts0" timeString="2020-03-12T18:42:43.396"/>
+    </inkml:context>
+    <inkml:brush xml:id="br0">
+      <inkml:brushProperty name="width" value="0.05292" units="cm"/>
+      <inkml:brushProperty name="height" value="0.05292" units="cm"/>
+      <inkml:brushProperty name="color" value="#FF0000"/>
+    </inkml:brush>
+  </inkml:definitions>
+  <inkml:trace contextRef="#ctx0" brushRef="#br0">12622 4798 778 0,'-41'-17'162'0,"-7"-5"71"16,2 8-247-16,-15 8-40 15,0 8-8-15,-19 3-1 16,0 6 5-16,-14 1 22 16,11-1 36-16,-19-1 11 15,14-6 15-15,-14-3 17 16,12-4-5-16,-13-3 5 15,14-5 3-15,-18-4-16 16,11 1-17-16,-13-2-2 16,9 4-7-16,-21 2-9 15,15 3 1-15,-18 3-3 16,6 3 1-16,-15-3 2 16,18 3 2-16,-15-5 0 0,8 0 3 15,-22-2-1 1,12 3 1-16,-20 0 1 0,9 5 3 15,-17 2 2-15,14 0 0 16,-20 1 6-16,21-1 1 16,-16-2 1-16,17-1 0 15,-14 1-1-15,24-2-7 16,-23 2-3-16,12 4-42 0,-20 0 1 16,16 5 0-1,-25-1 0-15,17-3 0 0,-20 1 41 16,22 0 1-16,-21-4 12 15,20 0-1-15,-15 6 0 16,22-2-2-16,-23 5-5 16,22 3-10-16,-18 0-1 15,17 1 1-15,-15 1-1 16,23-1 1-16,-23 2-1 16,24 2 3-16,-13-2-1 15,18-2 2-15,-14 7-2 16,25-6 2-16,-13 3-2 15,18-2 1-15,-7 5-1 16,19-7 1-16,-10 6 0 16,16-2-1-16,-10 10-2 15,18-3 1-15,-7 10-2 0,18 0 0 16,-5 5-2-16,18-4 1 16,-6 13-3-16,13-7 1 15,0 10-1-15,15 0 1 16,5 12-4-16,17-4 1 15,0 11-6-15,11-5-2 16,6 11-10-16,6-10 3 16,9 13-8-16,9-8 2 0,13 0-6 15,6-10 7-15,17-3-21 16,3-17 6-16,19 3 2 16,-2-9 10-16,17 4 0 15,-8-8 23-15,19 4-1 16,-7-6 2-16,21 1 0 15,-7-5 1-15,22-1 0 16,-10-5 3-16,19-2 0 16,-17-3 0-16,21 1 0 15,-13-4 0-15,12-4 0 16,-11 0 1-16,24-1 1 16,-16-2 1-16,16-1 0 15,-7 3 1-15,17-4 0 16,-20 1-1-16,25 2 1 15,-16-3 2-15,20-5-2 16,-15 5 1-16,25-2 1 0,-19-3 1 16,26 2-2-16,-21 5 1 15,20-3-1-15,-20 2-3 16,16-2 0-16,-19 4 1 16,23-8 0-16,-25-1 1 15,26-7 1-15,-17-1 0 16,21-2 0-16,-20 0 2 15,21-2 2-15,-20 7-1 0,14-4 0 16,-26 4 0-16,23 1 8 16,-24-1-4-16,20-2 3 15,-17 1 3-15,17-4-4 16,-25 1-11-16,21-2 1 16,-27-1-2-16,21 1-3 15,-21 1 5-15,14-5 1 16,-20 4 1-16,13 3 0 15,-26 3 0-15,13 4 1 16,-17 12-2-16,8 3 1 16,-19 6 4-16,16 5 5 15,-12 0 2-15,12-4-1 16,-14-3-2-16,15-3-5 16,-15-6-5-16,7-2-3 0,-15 0 1 15,6-6 1 1,-16 1 1-16,12-8-1 0,-15 1 2 15,14-5 0-15,-7-1 1 16,16-7-1-16,-15 4 2 16,13-6-1-16,-17 1 1 15,10-4-1-15,-21 0 1 16,6-2-1-16,-15 3 2 16,6-5-1-16,-18 3 1 15,1-2 1-15,-16 3 7 16,-4-2 25-16,-16 6 15 0,-4 1 24 15,-12 3 9-15,2-3 5 16,-4-1-22-16,-2-10 2 16,-4-4-12-16,-6-9 18 15,-5 2-5-15,-11-8 4 16,-4 5-13-16,-8-5-9 16,-7 5-27-16,-8-8-5 15,-4 5-3-15,-12-13 2 16,-1 4 2-16,-10-11 1 15,-1 2-2-15,-15-7 0 16,6 14-4-16,-15-1-6 16,8 9-3-16,-18-7-2 15,8 9-4-15,-17-5-2 16,10 7-3-16,-23-4 0 16,14 12 2-16,-14-5 0 0,14 10 0 15,-21-8 2-15,16 9-1 16,-14-11 1-16,18 4 0 15,-18-12-2-15,15 6 2 16,-13-6-24-16,16 9 1 0,-19-1-4 16,17 17 1-16,-12 5-5 15,17 10 4-15,-20 12-91 16,15 14-74-16,-13 16-151 16,9 6-61-16</inkml:trace>
+  <inkml:trace contextRef="#ctx0" brushRef="#br0" timeOffset="14498.81">14515 6288 639 0,'-8'-3'146'0,"-2"-2"55"15,5 0-191-15,1-1-11 16,5 7-11-16,-1-2-3 16,1 0 1-16,7-1 2 15,25-11 4-15,46-20 7 16,-29 10-1-16,8-10 3 15,-5-2 2-15,10-14 4 16,-7 3 0-16,11-8 1 16,-1 7-3-16,16-5 0 15,-3 6-4-15,19-6 0 16,-6 6-2-16,10-7 1 0,-15 9 0 16,-1 0 0-16,-20 6 1 15,-3 3 2-15,-19 9 0 16,-5 2 2-16,-10 6-2 15,-1 3 1-15,-9 6-2 0,-1 1 0 16,-6 3-2-16,1 1 1 16,-3 0 0-16,0 2 0 15,-2 0-2-15,0-1-17 16,1 1-37-16,9-4-143 16,4 1 18-16</inkml:trace>
+  <inkml:trace contextRef="#ctx0" brushRef="#br0" timeOffset="25568.88">18303 8462 494 0,'-10'19'203'15,"5"-13"-6"-15,5-6-117 0,6 2-91 16,13-6-6-1,9-2 2-15,20-6 3 0,11-6 16 16,18-9-2-16,2-4 0 16,18-11 1-16,-4 3 1 15,20-7 2 1,-3 4 4-16,26-6 6 0,-2-1 46 16,28-16 6-16,-8 6-6 15,24-6-4-15,-19 5-5 0,20 2-50 16,-21 11-5-1,22-3 0-15,-21 8 0 0,10 0 2 16,-27 8 2-16,15 0 2 16,-31 4 2-16,2-2 0 15,-25 7-1-15,-3 1 0 16,-29 8-2-16,-11 5-1 16,-18 4 0-16,-8 5-1 15,-15 1-1-15,-4 1 0 16,-3 2-1-16,-3 1-12 15,-2-1-33-15,-1 1-88 16,-5 2-49-16,-2-5-77 16,-2 1-65-16</inkml:trace>
+  <inkml:trace contextRef="#ctx0" brushRef="#br0" timeOffset="25960.49">19932 8614 667 0,'10'-4'130'16,"6"-2"61"-16,17-8-217 15,12 0-44-15,30-13-14 16,12-5 11-16,23-11 3 16,-2-1 26-16,21-16 43 15,-12 6 43-15,15-10 36 16,-14 9 15-16,17-9 23 16,-13 10-8-16,5-9-9 15,-23 10-30-15,0-1-16 16,-26 13-22-16,-9 4-8 15,-18 16-15-15,-2 2-6 16,-14 5-1-16,3 0-6 16,-6 5-55-16,5-1-209 15,-8-5 45-15</inkml:trace>
+  <inkml:trace contextRef="#ctx0" brushRef="#br0" timeOffset="34894.28">21170 4713 835 0,'-23'-7'176'0,"2"-5"98"16,10-3-260-16,5 10-32 15,8 1-13-15,12 0-8 16,8 0-17-16,14-4 5 16,9-1 35-16,11 2 7 15,-2 5 2-15,8 3-6 16,-11 8-1-16,7 12-6 15,-6 4 0-15,7 18-1 16,-6 6 6-16,7 26 1 16,-10 13 5-16,5 34 4 15,-14 7 3-15,3 43 0 0,-12-2 2 16,6 37 3-16,-12-14-1 16,7 35 1-16,-8-28 4 15,8 19 0-15,-3-39-4 16,16 4-2-16,0-49-2 15,15-4-2-15,-4-34-1 16,14-5 6-16,-5-22 4 16,12-6 3-16,-2-23 2 0,23-7 6 15,-3-19-2-15,26-12-1 16,-1-13 0-16,26-17 0 16,-10-13-5-16,21-22 1 15,-24-4-2-15,4-17 2 16,-29 5-1-16,-6-17 15 15,-31 11 6-15,-10-10 32 16,-24 15 14-16,-9-1 46 16,-18 25-9-16,-12 0 6 15,-6 18-22-15,-9 1-23 16,-4 6-44-16,-8-2-9 16,-2 10-21-16,-18 1-30 15,-1 7 4-15,-11 9-5 16,-5 7 1-16,-14 8 5 15,8 5 19-15,-7 8-3 16,10-2-1-16,3 14-9 16,15-3-12-16,0 17-12 0,10 9-2 15,-6 26-11-15,6 4 9 16,4 21 6-16,3-4 13 16,4 26 3-16,9-14 11 15,-2 24 1-15,4-11 4 16,2 23 0-16,4-18 2 0,-1 21 3 15,7-12 0-15,-5 19 1 16,1-17 3-16,-3 25 1 16,-8-17-1-16,-6 27 4 15,1-13-1-15,-13 34 0 16,-8-10 0-16,-9 35-5 16,-6-14-33-16,-17 45-133 15,8-12-96-15,-21 52-46 16</inkml:trace>
 </inkml:ink>
 </file>
 
@@ -679,6 +750,94 @@
 </inkml:ink>
 </file>
 
+<file path=ppt/ink/ink8.xml><?xml version="1.0" encoding="utf-8"?>
+<inkml:ink xmlns:inkml="http://www.w3.org/2003/InkML">
+  <inkml:definitions>
+    <inkml:context xml:id="ctx0">
+      <inkml:inkSource xml:id="inkSrc0">
+        <inkml:traceFormat>
+          <inkml:channel name="X" type="integer" max="29376" units="cm"/>
+          <inkml:channel name="Y" type="integer" max="16524" units="cm"/>
+          <inkml:channel name="F" type="integer" max="4095" units="dev"/>
+          <inkml:channel name="T" type="integer" max="2.14748E9" units="dev"/>
+        </inkml:traceFormat>
+        <inkml:channelProperties>
+          <inkml:channelProperty channel="X" name="resolution" value="1000.20428" units="1/cm"/>
+          <inkml:channelProperty channel="Y" name="resolution" value="1000.24213" units="1/cm"/>
+          <inkml:channelProperty channel="F" name="resolution" value="0" units="1/dev"/>
+          <inkml:channelProperty channel="T" name="resolution" value="1" units="1/dev"/>
+        </inkml:channelProperties>
+      </inkml:inkSource>
+      <inkml:timestamp xml:id="ts0" timeString="2020-03-11T17:01:02.672"/>
+    </inkml:context>
+    <inkml:brush xml:id="br0">
+      <inkml:brushProperty name="width" value="0.05292" units="cm"/>
+      <inkml:brushProperty name="height" value="0.05292" units="cm"/>
+      <inkml:brushProperty name="color" value="#FF0000"/>
+    </inkml:brush>
+  </inkml:definitions>
+  <inkml:trace contextRef="#ctx0" brushRef="#br0">21827 4209 766 0,'7'13'180'15,"-7"-21"28"-15,5 7-224 16,5 3-71-16,7 1 10 16,7 2 26-16,8-6 24 15,1 0 32-15,13-2 6 16,2-6 2-16,15-5 6 16,2 0 1-16,15-3 0 15,-5 0-4-15,16-3-1 16,-7 4-6-16,19 1 0 15,-10 1-4-15,17-1-1 16,-11 3-2-16,18-3-2 16,-11-1 1-16,16-2-1 15,-9 0 0-15,16-1 0 0,-16 3 0 16,10 1-1-16,-16 3 1 16,13 2 0-16,-18 5-1 15,13-1 1-15,-13 1 0 16,13 2 1-16,-16 2-1 15,9-1 1-15,-19 2-1 0,2 3 0 16,-20-2 0-16,0 0 0 16,-17 0 0-16,3 0-1 15,-16 3 2-15,1-2-1 16,-10 0 0-16,0 1 1 16,-4-1 0-16,5-1 0 15,-2-1 1-15,10-1-1 16,-3-1 0-16,7-1 0 15,-4 0 0-15,10-2 0 16,-6 1 0-16,14-2 0 16,-3 0 0-16,11-2 1 15,-5-1-1-15,12 0 1 16,-8-2 1-16,9 1 8 16,-6 2 3-16,8 3 2 15,-8-2 2-15,17 2 1 16,-8 1-8-16,16 1-2 15,-7-1-2-15,10 3 1 0,-12 0 1 16,10 2 3-16,-12-4 1 16,6 0 3-16,-12 2-1 15,2-4 2-15,-12 0 0 16,9-1 1-16,-9-1-1 16,9 4-2-16,-8-2-4 0,2 2-3 15,-17 1-2 1,1 1-1-16,-15-1 1 0,1 1 3 15,-11-2 1-15,-2 1-1 16,-14 1 0-16,-2-1-2 16,-9 1-3-16,0 1-1 15,-2 0 0-15,0 0-1 16,-1 0 1-16,1 0-8 16,-1 0-16-16,0 0-94 15,0 0-128-15,0-2-42 16,-10-3-115-16</inkml:trace>
+  <inkml:trace contextRef="#ctx0" brushRef="#br0" timeOffset="1310">5922 6433 592 0,'-1'8'155'16,"0"-6"37"-16,-1-4-171 16,2 2-40-16,0 0-2 15,0 0-2-15,1 0 5 16,0 0 8-16,12 6 9 0,12 3 1 16,35 12 4-16,-24-18 9 15,-1-2 5-15,9-4 8 16,-1-4 1-16,11-6 0 15,-7 1-10-15,12-3-3 16,-6 1-8-16,11 0 0 16,-7 4 0-16,11-1 2 15,-11 1 3-15,10-3 7 16,-13 1 0-16,2-2 7 16,-13 1-1-16,-4 1-1 15,-16 6-6-15,-3 0-3 16,-11 4-6-16,-1 0-3 15,-4 2-8-15,-1-1-27 16,-3 1-23-16,0 0-53 16,1 0-30-16,8 0-100 15,24 1-2-15</inkml:trace>
+  <inkml:trace contextRef="#ctx0" brushRef="#br0" timeOffset="2595.08">11553 6215 684 0,'-2'-3'125'0,"3"4"56"16,-1-1-213 0,0 0-5-16,0 0 7 0,0 0 2 15,0 0 18-15,0-1 11 16,0 1 5-16,0-1 4 16,0-1 0-16,1 2-1 15,0 0-4-15,16-1-1 16,8 0-4-16,43-1-2 15,-35 1 0-15,10-1 1 16,-4 0-1-16,6 1 1 16,-5-1 0-16,6-3 2 15,-4 4-1-15,6 1 0 16,-3 0 0-16,9 3 0 16,-2 3 0-16,7-2 1 15,-2 3 0-15,7-3 1 16,-4 1-1-16,9-8 4 15,-4 3 1-15,9-3-2 16,-12 1 0-16,6 4 0 0,-9 5-3 16,5-3 0-16,-5 5-1 15,12-1 1-15,-4-7-3 16,11 5-1-16,-7-2 0 16,7-3 0-16,-11 0 0 15,11 3 3-15,-8-5 4 0,8 3-3 16,-6 4 0-16,7 2 1 15,-7-2 0-15,5 1-2 16,-7-3 1-16,11-3 1 16,-8 4-2-16,9-3 0 15,-11 3-1-15,10-2 0 16,-10 1-1-16,10-2 1 16,-7 2 0-16,6-2 2 15,-10 0 0-15,10 0 0 16,-11 0-1-16,10 0 1 15,-4-2-2-15,8 3 4 16,-8 2-1-16,17-2 12 16,-6 1 7-16,17-2 8 15,-8 1-2-15,12-3 4 16,-16 0-12-16,6 0-11 16,-20 1-8-16,6-1-2 0,-16 0-2 15,5 0 1-15,-11-1 4 16,8-2 2-16,-11 1 3 15,6-2 1-15,-9 3-2 16,6 1 0-16,-9 3-3 16,2-1 0-16,-5 0-2 15,3 2 6-15,-9-3 7 16,1-1 12-16,-7-1 2 16,-1 2 5-16,-12-2-6 15,-1 0-2-15,-6 1-9 0,-3 0 3 16,-6 0-2-16,-2 0 2 15,-3 1-4-15,-1-1 2 16,-2 0-6-16,0 0-1 16,0 0-3-16,0 0-11 15,0 0-22-15,0 0-89 16,0 0-76-16,-2 0-83 16,1 0-76-16</inkml:trace>
+  <inkml:trace contextRef="#ctx0" brushRef="#br0" timeOffset="4332.47">24410 6419 741 0,'-12'12'220'16,"9"-11"36"-16,3-1-190 16,0 2-75-16,0-3 3 15,-1 1 4-15,-1 0 8 16,2 0 8-16,0 0 9 16,0 0-1-16,0 0-1 15,0-1-5-15,2 0-4 16,11-3-10-16,23-6-2 15,43-11-2-15,-23 8-2 16,-2 4 1-16,12 0-1 16,-2 0 2-16,15-2-4 15,-5 6-1-15,12-1 0 16,-5 1-1-16,10 2 0 16,-9 0 4-16,16-1 2 15,-7-1 1-15,18 2 1 16,-7-3 1-16,14-2-2 0,-13 2 1 15,12-1-1-15,-17 0 1 16,20 3 0-16,-12 0 1 16,16 2-1-16,-13 2 0 15,16-1 0-15,-22 4 0 16,15 0 0-16,-17 0 1 0,10-5 0 16,-15-1 1-16,14-1 0 15,-18-3 0-15,14 0 0 16,-15 1-1-16,16 2-2 15,-12 0-2-15,14 2-4 16,-13-4-2-16,20 7 0 16,-11-1 1-16,15 1 1 15,-15 1 5-15,12 0 0 16,-21-2 2-16,11 1 0 16,-21 2 1-16,9 1 0 15,-17-3 0-15,8 1 0 16,-13 2 1-16,4-4-1 15,-10 0 0-15,7 1 0 16,-13 2 1-16,1-1-2 16,-13 0 1-16,6-1 3 0,-12 1 2 15,0 0 3-15,-9-1 2 16,-2-1 4-16,-14 2-2 16,-7-2 0-16,-6-1-2 15,-3 1 2-15,-1 1-1 16,-1-2 4-16,0 0 2 15,0 1 0-15,0-1-2 16,-1-1-1-16,0 2-4 16,1 0 0-16,0 0-2 15,0 0 2-15,0 0-3 16,0 0-1-16,0 0-3 0,0 0-1 16,0 0-1-16,0 0-1 15,0 0 1-15,0 0 0 16,0 0 1-16,0 0 0 15,0 0 0-15,0 0-1 16,0 0 0-16,0 0-1 16,0 0 0-16,0 0 0 15,0 0 0-15,0 0 0 16,0 0 0-16,0 0 1 16,0 0 0-16,0 0 0 15,0 0 0-15,0 0 1 16,0 0-1-16,0 0 0 15,0 0 0-15,0 0 1 16,0 0 1-16,0 0 1 0,0 0 1 16,0 0 0-1,0 0 1-15,0 0 0 16,0 0-1-16,0 0-1 0,0 0 1 16,0 0 0-16,0 0 1 15,0 0 0-15,0 0-1 16,0 0-1-16,0 0-2 0,-1 0-1 15,1 0 0 1,0 0-2-16,0 0-1 0,0 0-9 16,0 0-10-16,0 0-42 15,0 0-33-15,0 0-242 16,-2 0 37-16</inkml:trace>
+  <inkml:trace contextRef="#ctx0" brushRef="#br0" timeOffset="6147.52">3442 6632 413 0,'-2'2'138'0,"0"-1"29"16,-2-1-100-16,-5 0-42 15,1-1-6-15,-1-2-3 16,2 0-17-16,-2-2-7 15,0 1-9-15,-6 0-20 0,-35 3-3 16,25 21 2-16,-4 5 4 16,-6 16 6-16,1 3 21 15,-8 14 3-15,6 9 1 16,-2 20 0-16,3 3 0 16,-6 21-1-16,9 0-1 15,4 14 0-15,4-12 1 16,9 15 4-16,9-12 5 15,9 9 18-15,2-16 9 0,12 9 1 16,4-17-2-16,13 12-4 16,-3-21-18-16,10 8-6 15,-1-12-2-15,1 12 4 16,-5-10 0-16,4 16 0 16,-9-9 0-16,-2 19 2 15,-7-12-4-15,-7 16 6 16,-9-13-1-16,-3 20 2 15,-6-14-2-15,-11 17 1 16,-8-19-5-16,-14 12-1 16,-6-18-2-16,-12 1 1 15,-1-24 2-15,-7-2 4 16,6-26 4-16,-9-8 27 16,6-23 23-16,-4-8 34 15,12-15 6-15,-2-6 15 16,13-5-20-16,-1-8-29 0,11-8-37 15,0-17-15-15,10-5-21 16,7-21-8-16,10-1 3 16,6-8 0-16,10 11 2 15,7-10 0-15,6 16 0 16,6-3-5-16,0 15-2 16,9 4-4-16,-4 19-5 0,5 7-15 15,-5 13-2-15,9 9-6 16,-3 10 2-16,9 14 0 15,-6 8 16-15,14 19 5 16,-5 0 8-16,10 16 5 16,-10 0 4-16,10 15 2 15,-10-4 0-15,7 16 3 16,-11-11-2-16,8 7 2 16,-11-12 0-16,6 2 0 15,-6-14 0-15,2 3 1 16,-9-17 0-16,4-1 1 15,-11-16 1-15,-1-8 1 16,-8-12 0-16,-1 0 3 16,-9-9 4-16,-2 1 9 15,-5-5 10-15,-3 0 31 16,-3-3 10-16,-2 0 14 16,0-2-8-16,-1 0-7 0,1 1-31 15,0 0-21-15,0 0-38 16,0 0-110-16,0 0-160 15,0 0-13-15,1 1-149 16</inkml:trace>
+  <inkml:trace contextRef="#ctx0" brushRef="#br0" timeOffset="9111.06">14239 7287 396 0,'0'-5'182'0,"-8"1"6"0,6 1-118 15,5 0-51-15,-3 2-16 16,1 0-30-16,15-4-3 16,9-3 23-16,38-14 15 15,-38 12 11-15,5-4 9 16,-1 0 11-16,7-2 7 15,-3-2-9-15,11-4 0 16,-3 2-8-16,7-4-5 16,-4 0-6-16,4-2-3 15,-3 1-6-15,11-4-3 16,-5 2-4-16,16-6-1 16,-1 5 0-16,9-4 0 15,-11 9 0-15,1 0 1 16,-15 5 0-16,-2 1 3 15,-12 5 6-15,-6-2 14 16,-5 4 1-16,-2 3 1 0,-8 1-2 16,-3 0-5-16,-5 4-14 15,-2 1 0-15,-3 0 2 16,-4 0 5-16,2 1 1 16,0 0 2-16,0 0-3 15,0-2-2-15,0 2-6 16,0 0 0-16,0 0-2 15,0 0-1-15,0 0 0 16,0 0-2-16,0 0 1 0,0 0-2 16,0 0 2-16,0 0-2 15,0 0-5-15,0 0-18 16,-1 0-14-16,1 0-71 16,0 0-80-16,0 0-78 15,0 2-51-15</inkml:trace>
+  <inkml:trace contextRef="#ctx0" brushRef="#br0" timeOffset="22253.63">17473 8426 221 0,'-19'43'139'16,"19"-43"-29"-16,0 0-37 15,-1 0-109-15,1 0-24 16,0 0-3-16,0 0 3 15,0 0 19-15,0 0 22 16,0 0 33-16,0 0 15 16,0 0 8-16,1 0 6 15,1-1-4-15,15 0 3 0,6-3-9 16,44-11-2 0,-31 5-5-16,11-4 0 0,-2-2-8 15,14-4-1-15,-3 1-5 16,11-4-2-16,-3 1-2 15,10 0 11-15,-8 2 5 16,15-2 9-16,-6 5 2 0,11-5 4 16,-4 1-6-16,9 1 1 15,-13 0-5-15,5-5 8 16,-15 5-3-16,5-1-3 16,-12 2-6-16,6 1-3 15,-9 3-10-15,3 0-4 16,-6 3 0-16,6-6 4 15,-9 1 1-15,2-1 1 16,-9 3 1-16,0 1 3 16,-15 6-6-16,-1 1 0 15,-8 3-2-15,-2-1 0 16,-5 1-6-16,0 2 0 16,-8 0-1-16,-2-1 0 15,-1 2 2-15,-3 0 5 16,0 1 3-16,0-1 3 15,0 1 0-15,0 0-2 0,0 0-6 16,0 0-5-16,0 0-2 16,0 0-2-16,0 0 1 15,0 0 1-15,0 0 1 16,0 0 0-16,0 0 0 16,0 0-11-16,0 0-20 15,0 0-71-15,0 0-29 0,0 0-130 16,1 0-28-1</inkml:trace>
+  <inkml:trace contextRef="#ctx0" brushRef="#br0" timeOffset="29855.63">19124 7350 802 0,'-3'12'183'16,"12"-12"54"-16,-6 3-220 15,5 3-47-15,5 5 6 16,3 4 14-16,9 6 9 15,2-1 3-15,3 6 1 16,-5-1-1-16,0 2-1 16,-3 0-1-16,-1 8 0 15,-4-1 2-15,2 14 1 16,-2 1 0-16,5 12 1 16,6-1-1-16,7 3 0 15,4-16 0-15,18-8 0 16,2-18 2-16,17-14-1 15,-1-15-1-15,10-13-1 0,-13-7 0 16,4-9 1-16,-14-3 2 16,4-6 3-16,-13 4 4 15,0-5 8-15,-15 11 11 16,-8 5 31-16,-15 9 8 0,-5 2 15 16,-9 6-6-16,-4 1-11 15,-5-2-33 1,-7 0-13-16,-4 4-22 0,-7 2-6 15,-2 3-4-15,-5 8-5 16,-2 2 2-16,-5 6-1 16,3 0 4-16,-3 5 1 15,3-1 1-15,-6 5 0 16,6 2 2-16,-7 7-1 16,4 2 2-16,-3 8 2 15,9-2-1-15,-3 9 0 16,9 0 2-16,2 15 1 15,2-1 3-15,-4 24 9 16,1 4 4-16,1 18 0 16,3-7 0-16,2 3-3 15,8-19-8-15,4-5-2 16,2-19-1-16,-4-6 0 0,4-12 2 16,1-7 24-16,1-15 16 15,1-8 26-15,4-6 8 16,-1-5 8-16,-2-2-23 15,2 2-17-15,0 0-26 16,0-1-11-16,0-1-10 16,0 1-6-16,-1-5-6 15,1 0-29-15,0 3-21 16,0-2-62-16,0-2-42 0,0 0-149 16,-2-1-62-1,-5-5-46-15</inkml:trace>
+  <inkml:trace contextRef="#ctx0" brushRef="#br0" timeOffset="32741.57">16006 9442 436 0,'-1'1'153'16,"-1"0"17"-16,0 0-100 15,-1 1-109-15,1-1-58 16,0 0-23-16,-1 0-8 16,1 0-1-16,0 0 53 15,1 2 67-15,0 0 44 16,-1-2 23-16,1 0 32 15,0 1 6-15,0-1 2 16,0 0-26-16,0 0-19 16,-1 0-31-16,1 0-17 15,0 1-15-15,0-2-23 16,0 0-13-16,0 0-27 16,0 0-2-16,-1 0 0 15,1 0 21-15,0 1 13 16,0 0 28-16,1 0 7 0,0 0 5 15,0 4 1-15,0-2 0 16,3 9-1-16,2-1 1 16,3 3-2-16,25 36 1 15,-13-38 0-15,0-1 0 16,5-2 1-16,0-3 2 16,7-7 5-16,-2 1 4 15,4-9 11-15,0-4 6 0,8-8 11 16,2-1 0-16,10-16 16 15,3 0-9-15,14-8-3 16,-2-1-11-16,9-10 0 16,-8 10-19-16,6-3 1 15,-13 11 0-15,2 0 4 16,-13 13 0-16,-4 5 0 16,-15 4 0-16,-7 5 8 15,-11 7 1-15,-5 2 11 16,-4-1 8-16,-4 6 16 15,0-2-1-15,-4-1 4 16,1 0-14-16,1 1-4 16,-1-1-18-16,1 1-7 15,0 0-10-15,0 0-2 16,0 0-3-16,0 0 0 0,0 0-2 16,0 0-1-16,0 0-1 15,0 0-1-15,0 0-1 16,0 0-3-16,-1 0 1 15,1 0-3-15,-1 0 0 16,1 0-2-16,0 0 2 16,0 0-3-16,0 0 3 15,0 0-1-15,0 0 1 16,0 0 0-16,0 0 2 16,0 0-2-16,0 0 2 0,0 0-1 15,0 0 1-15,0 0 0 16,0 0 2-16,0 0 0 15,0 0 2-15,0 0-1 16,0 0 0-16,0 0-1 16,0 0 1-16,0 0 0 15,0 0 0-15,0 0 0 16,0 0 1-16,0 0-2 16,0 0 1-16,0 0-1 15,0 0 1-15,0 0-1 16,0 0 0-16,0 0 1 15,0 0 0-15,0 0 1 16,0 0 0-16,0 0 0 16,0 0 0-16,0 0 0 15,0 0 0-15,0 0 1 0,0 0 0 16,0 0 0-16,0 0-2 16,0 0 3-16,0 0 0 15,0 0-1-15,0 0 2 16,0 0 1-16,0 0-3 15,0 0 1-15,0 0 0 16,0 0-1-16,0 0 0 16,0 0 0-16,0 0 0 15,0 0-1-15,0 0 0 0,0 0-1 16,0 0 0-16,0 0-1 16,0 0-1-16,0 0 0 15,0 0 1-15,0 0-1 16,0 0 1-16,0 0 0 15,0 0 1-15,0 0-1 16,0 0 1-16,0 0-2 16,0 0 1-16,0 0-1 15,1 0-1-15,0 0 1 16,-1 0-1-16,0 0 1 16,0 0 0-16,0 0 1 15,0 0 1-15,0 0 0 16,0 0 2-16,0 0-1 15,0 0 1-15,0-1-2 16,0 1 0-16,0 0-2 0,0 0 0 16,0 0 0-16,0 0-1 15,0 0-4-15,0 0-3 16,0 0-27-16,1 0-7 16,0 0-80-16,5 0-60 15,21-2-78-15,37-26-48 16</inkml:trace>
+  <inkml:trace contextRef="#ctx0" brushRef="#br0" timeOffset="35190.33">15994 11024 182 0,'0'-3'50'0,"0"0"11"16,2 3-54-1,-2-1-1-15,0 0-4 0,1 0-2 16,11-2 4-16,13-3 1 16,36-6 1-16,-27 3 4 15,0-1 4-15,8-1 0 16,-2-1-3-16,13-5 1 16,-1-3-4-16,17-4-1 15,-2-2 1-15,18-9 6 16,-1-1 2-16,21-6 3 15,-4 1-5-15,19-6 0 0,-11 3-5 16,17-5 0-16,-12 6 1 16,9-12 14-16,-14 2 10 15,8-6 28-15,-18 8 6 16,3-3 13-16,-23 15-11 16,1 5-5-16,-22 10-27 15,-7 3-9-15,-15 7-15 16,-4 6 4-16,-11 3 1 15,-7 2 9-15,-6 2 2 16,-4 0 1-16,-3 1-7 0,-1-1-14 16,-1 0-64-16,1 1-179 15,0 0 33-15</inkml:trace>
+  <inkml:trace contextRef="#ctx0" brushRef="#br0" timeOffset="39383.24">8718 10820 266 0,'10'3'57'0,"5"-4"49"15,1-7-86-15,11-2 11 16,0-1 0-16,11 0-11 16,0 0-19-16,10-4 1 15,-3 0-1-15,7-2 1 16,-7 2 1-16,4-2 4 16,-5 3 2-16,7 0 12 15,-5 3 3-15,11 0 0 16,-6 3-4-16,8 1-1 15,-8 1-12-15,9 2-1 0,-7-1 2 16,11-1 3-16,-2-1 7 16,14 3 2-16,-7-2-1 15,9-1-2-15,-7 0-4 16,7 3-6-16,-11-4-4 16,11 2-2-16,-7 2 0 15,3 4-3-15,-9 0-1 16,7 0 1-16,-13 3 1 0,10-3-1 15,-6 0 2-15,11-1 0 16,-9 2 0-16,8 1-2 16,-13 1 1-16,9 4 0 15,-9 1 0-15,14 3-1 16,-5-1 2-16,12 2 0 16,-9-4 0-16,9 0 1 15,-11-5 0-15,11 0 1 16,-7-2-1-16,5-1 0 15,-8 2-1-15,9 3 1 16,-13-1-1-16,9 2 0 16,-3 0 0-16,5 0 0 15,-10-1 0-15,13 2 0 16,-14-1 0-16,10 0 1 16,-9-2-1-16,12 1 0 0,-10 2 0 15,9-2-1-15,-9 0 2 16,11 2-1-16,-9-2 1 15,12-1-1-15,-5 1 1 16,6-3 0-16,-12 2 0 16,6-2 0-16,-11-1 1 15,6 3-1-15,-6-1 1 16,9-1 16-16,-5 0 6 16,9-6 3-16,-8 0 2 15,13-6-1-15,-8 3-14 0,5 2-7 16,-13 0-2-16,9 3-2 15,-16 3 1-15,10-1-1 16,-10 2-1-16,9 1 0 16,-17 0-1-16,6 0-1 15,-9 1 0-15,3 1 1 16,-9-2-1-16,10 2 1 16,-10 0 0-16,3 1 0 15,-7 1 0-15,1-1-1 16,-9 0 0-16,1-2 2 15,-13 0-2-15,1-1 2 16,-6 1 0-16,-1-1 4 16,-5-2-1-16,2 3 5 15,-5-3 1-15,-3-1 4 0,1 0-2 16,-3 0-1 0,-3-1-4-16,0 1-4 0,0 0-5 15,1 0-56-15,1 0-87 16,23 0-69-16,36-8-60 15</inkml:trace>
+  <inkml:trace contextRef="#ctx0" brushRef="#br0" timeOffset="46353.66">15172 11523 351 0,'21'-17'108'15,"-7"2"40"-15,5-3-96 16,4 1-12-16,12-1-4 16,4-1-19-16,17-12-15 15,7-1-3-15,18-11 0 16,-5-4 2-16,18-13 6 15,-12 6 12-15,13-7 12 16,-12 4 6-16,18-16 15 16,-11 7-4-16,19-16-6 15,-5 6-13-15,13-11-5 16,-8 19-16-16,10-7-3 0,-14 11-4 16,11-7-1-16,-18 10 1 15,13-6 0-15,-16 12 0 16,4 4 0-16,-19 13 0 15,5 1 0-15,-24 10 1 16,-2 1-1-16,-17 6 1 16,-9 2-1-16,-14 6-1 15,-7 2-10-15,-6 7-15 16,-1 4-65-16,-3 1-25 16,-2-2-90-16,0 2 1 0,0 11-39 15</inkml:trace>
+  <inkml:trace contextRef="#ctx0" brushRef="#br0" timeOffset="46857.02">15810 11471 632 0,'-27'17'181'0,"8"-14"44"0,10-6-175 15,2 0-83-15,12 3-10 16,9-9-3-16,6-1-8 16,17-10 8-16,11-5 40 15,18-16 7-15,1-3 5 16,15-11 12-16,-2-1 7 15,17-13 24-15,-9 12 8 16,17-15 9-16,-10 8-5 16,11-11 5-16,-9 9-21 0,13-11-8 15,-11 13-13 1,11-4-6-16,-12 14-11 0,6-6-4 16,-19 12-1-16,-1-2-1 15,-17 13 1-15,-7 2 0 16,-21 14 0-16,-9 6 1 15,-14 8 3-15,-5 1 4 16,-7 5 1-16,-3 1 1 16,-2-1-2-16,1 1-6 15,-1 0-6-15,0 0-24 16,1 0-31-16,0 0-143 16,0 0-80-16,0 0 2 15,0 0-150-15</inkml:trace>
+  <inkml:trace contextRef="#ctx0" brushRef="#br0" timeOffset="52952.05">15353 11374 385 0,'-7'14'176'16,"0"-7"-6"-16,8-7-87 15,1-4-66-15,3-1-23 16,-5 4-4-16,1-2-5 16,20-22-3-16,48-40 9 15,-17 23 3-15,3 1 2 16,20-9 1-16,-1 2 3 15,16-7 0-15,-7-1 2 0,25-13 4 16,-18 4 1 0,20-15 1-16,-10 4 0 0,21-5-1 15,-17 9-3-15,25-5-2 16,-15 11-2-16,13-1 0 16,-22 12 0-16,0 4-1 15,-21 15 1-15,-1 3 0 16,-20 11 0-16,4 0 0 15,-16 9 0-15,0 3-2 16,-13 5-6-16,-5 4-41 16,-10 5-28-16,-4 1-53 15,-9 7-28-15,-11 11 4 16,-13 3-20-16</inkml:trace>
+  <inkml:trace contextRef="#ctx0" brushRef="#br0" timeOffset="53338.16">15821 11531 416 0,'-1'-6'9'0,"12"-5"73"16,12-2-125-16,18-11-6 15,9-7 35-15,24-17 8 16,0-1 2-16,22-17 6 16,-5 0 12-16,16-7 27 15,-10 7 18-15,11-12 26 16,-18 8 24-16,11-6-9 15,-13 7-26-15,8 0-17 16,-17 14-27-16,7 2-27 16,-16 16 0-16,0 0-4 15,-14 10-16-15,4 3-42 16,-11 7-35-16,9-3-101 16,-5-3-16-16</inkml:trace>
+</inkml:ink>
+</file>
+
+<file path=ppt/ink/ink9.xml><?xml version="1.0" encoding="utf-8"?>
+<inkml:ink xmlns:inkml="http://www.w3.org/2003/InkML">
+  <inkml:definitions>
+    <inkml:context xml:id="ctx0">
+      <inkml:inkSource xml:id="inkSrc0">
+        <inkml:traceFormat>
+          <inkml:channel name="X" type="integer" max="29376" units="cm"/>
+          <inkml:channel name="Y" type="integer" max="16524" units="cm"/>
+          <inkml:channel name="F" type="integer" max="4095" units="dev"/>
+          <inkml:channel name="T" type="integer" max="2.14748E9" units="dev"/>
+        </inkml:traceFormat>
+        <inkml:channelProperties>
+          <inkml:channelProperty channel="X" name="resolution" value="1000.20428" units="1/cm"/>
+          <inkml:channelProperty channel="Y" name="resolution" value="1000.24213" units="1/cm"/>
+          <inkml:channelProperty channel="F" name="resolution" value="0" units="1/dev"/>
+          <inkml:channelProperty channel="T" name="resolution" value="1" units="1/dev"/>
+        </inkml:channelProperties>
+      </inkml:inkSource>
+      <inkml:timestamp xml:id="ts0" timeString="2020-03-12T18:22:19.786"/>
+    </inkml:context>
+    <inkml:brush xml:id="br0">
+      <inkml:brushProperty name="width" value="0.05292" units="cm"/>
+      <inkml:brushProperty name="height" value="0.05292" units="cm"/>
+      <inkml:brushProperty name="color" value="#FF0000"/>
+    </inkml:brush>
+  </inkml:definitions>
+  <inkml:trace contextRef="#ctx0" brushRef="#br0">30322 3177 341 0,'-2'10'107'0,"0"-7"5"0,-5-1-116 16,-11 5-25-16,-8 5-7 16,-10-1 12-16,-5 4 28 15,-1-3 55-15,8-6 13 16,1-9 4-16,8 3-10 15,-2-4-13-15,3 1-32 16,-4-1-6-16,3 1-7 16,-1 0-7-16,7-1-4 15,1 4-3-15,8-1-5 0,5 0-31 16,3 0-11-16,4 1-9 16,-2-1 2-16,1 0 10 15,14-2 34-15,25-6 17 16,36-12 9-16,-26 8-1 15,-1 0-4-15,0 0-1 16,-7 4-3-16,1 0 0 16,-13 3-1-16,-7 0 0 15,-8 4 0-15,-6 1 0 16,-6 0-2-16,-2 3-2 16,-1 3 6-16,-1-5 6 15,0 1 2-15,-10 22 2 16,-26 45 1-16,16-29-6 15,4-6-7-15,-1 5 0 16,9-5-1-16,5-1 1 16,5-5 0-16,6 0 1 0,6-7 1 15,7-3 3-15,2-7 1 16,8 0 0-16,0-6-2 16,13 9-14-16,0 5-23 15,10 23-96-15,-3 15 11 16</inkml:trace>
+  <inkml:trace contextRef="#ctx0" brushRef="#br0" timeOffset="3164.21">32249 157 429 0,'-53'34'66'0,"8"-1"49"0,7-5-131 15,-60 37 3-15,14-5 6 0,0 3 4 0,-1-2 2 0,-10 17-1 0,18-6 3 16,-6 10 0-16,8-10 2 16,7 1 3-16,16-21 2 15,7 4 2-15,23-25-2 16,14 0 4-16,15-6 0 0,24-4 11 15,17-9 2-15,27 1 5 16,8 4-5-16,27-6-3 16,-3-2-12-16,14 1-3 15,-10-4-4-15,13-6 1 16,-14 3 3-16,3-2 9 16,-23 0 1-16,-10-4 2 15,-26 0-3-15,-16 2-8 16,-22 5-17-16,-11 6 3 15,-15 15 1-15,-24 15 11 16,-14 3 10-16,-28 18 10 16,-8 3-4-16,-7 9-5 15,16-4-11-15,8 13-3 16,29-5-6-16,15-2 2 16,17-14 0-16,20 1 2 0,13-16 2 15,23-5 5-15,13-3 3 16,30 0 4-16,0-6-2 15,20-3 2-15,-9-6-4 16,8 2-3-16,-26-1-3 16,0 5-2-16,-25 2-2 15,-2 7 0-15,-20-1-1 16,-2 5 0-16,-12-4 1 16,-4 10 1-16,-13-3 0 15,-4 8 3-15,-2-6-1 0,2 2 1 16,2-13-1-16,7-3 2 15,2-6 0-15,7-3 4 16,1-7 1-16,8 0 7 16,-5-3 1-16,3-6 0 15,-8-2-4-15,-6 0-2 16,-9 0-10-16,-2-5-3 16,-4-1-2-16,-1 0 3 15,1-1 2-15,0-1 6 16,0 2 1-16,-1 0 2 15,1 0-3-15,-1 0-1 16,1 0-6-16,0 0 1 16,0 0-1-16,0 0 1 15,0 0 0-15,0 0 3 16,0 0-1-16,0 0 1 16,0 0-2-16,0 0 0 0,0 0-2 15,0 0 0-15,0 0-3 16,0 0-26-16,-1 0-34 15,1 0-85-15,-2 0-107 16,1 0-24-16</inkml:trace>
+  <inkml:trace contextRef="#ctx0" brushRef="#br0" timeOffset="3912.21">23442 3408 670 0,'-61'10'83'15,"-2"10"76"-15,11 8-210 16,-3 19-7-16,7 5 19 16,8 9 10-16,14-11 12 15,5-3 5-15,12-16 10 16,3-9 16-16,4-14 8 15,4-5 31-15,7-9 24 0,23-13 29 16,17-7-5-16,33-17-1 16,19-15-28-16,41-17-20 15,4 5-29-15,38-14-9 16,-5 6-8-16,42-15-3 16,-16 10-1-16,30-10-1 15,-18 11-1-15,29-16 1 16,-33 16 1-16,13-8 2 15,-37 10 2-15,-4 0 3 16,-45 23 2-16,-12 9 1 16,-37 18 1-16,-11 13-2 15,-25 3-4-15,-8 7-4 16,-17 7-5-16,-6 3-3 16,-10-2-2-16,-3 5-2 15,-5 0-2-15,1 0-25 0,-1 2-22 16,2 6-62-1,0 7-66-15,-2 15-88 0,-8 0-29 16</inkml:trace>
+  <inkml:trace contextRef="#ctx0" brushRef="#br0" timeOffset="4549">26404 8127 1420 0,'-11'76'289'0,"1"-66"112"16,14-8-472-16,19 3-19 0,17 1-3 15,43-5-1-15,27-10 24 16,49-16 48 0,12-16 15-16,39-27 0 0,-16-9 8 15,18-18 13-15,-25 6 7 16,25-9 20-16,-25 10 4 15,33-13 7-15,-16 15-11 16,35-8-9-16,-24 14-19 16,18 0-5-16,-40 25-10 0,7-3 3 15,-52 18-1-15,-15 4 0 16,-46 14 0-16,-15 4 2 16,-40 10-1-16,-8 4 2 15,-17 3 1-15,-6 2-1 16,0-1-1-16,-2 0-12 15,0 0-24-15,0 0-209 16,0 0-146-16,-2 0-42 16</inkml:trace>
+  <inkml:trace contextRef="#ctx0" brushRef="#br0" timeOffset="7271.34">16291 8870 1148 0,'-24'-1'231'0,"0"-15"112"16,6 8-359-16,-6 4-62 16,-6 11-29-16,-19 19-45 15,-7 17-1-15,-20 15 14 16,3 8 60-16,-9 13 28 15,11-6 46-15,-8 11 5 16,10-4 1-16,-11 21 2 16,9 1 3-16,-6 28 18 15,16-9-2-15,0 21-3 16,16-22-3-16,6 4-4 16,17-26-20-16,8 8-1 15,11-16 2-15,5 18 3 0,4-6 0 16,2 6 3-16,-3-19 2 15,-5-4 1-15,-4-27 4 16,-11-12 41-16,-8-17 19 16,-18-1 9-16,-9-10 2 15,-24 2-1-15,-3-4-40 16,-26-1-14-16,1-6-3 16,-17 0 5-16,14-2 1 0,-16-1 8 15,15-1-4-15,-6 1-8 16,17-1-7-16,-9-1-5 15,20-1-7-15,1-3 2 16,22-2 3-16,8-2 20 16,18 1 5-16,11 0-10 15,14 1-16-15,6 0-35 16,6 1-34-16,10-6-6 16,5-4 8-16,14-4 10 15,6-2 28-15,10 4 8 16,-3 7-2-16,3 12-4 15,-6 12-3-15,1 21-1 16,-7 10 5-16,-2 23 1 16,-6 6 6-16,-7 24 4 0,-9-5 5 15,-7 10 1-15,-8-8 3 16,-4 6 1-16,-1-21 2 16,-4 4 2-16,0-18 0 15,3-2-2-15,3-17 0 16,1 1-2-16,3-14-1 15,7 0-3-15,5-9-1 16,6-1-2-16,3-3 1 0,11-1-2 16,2-6 2-16,6 0 2 15,-1-6 3-15,3-3 1 16,-7 0 3-16,0-4 1 16,-9-2 1-16,-4 0 5 15,-10-2 5-15,-2 0 22 16,-6 1 17-16,-1-1 35 15,0-1 13-15,0 0 25 16,0 0-8-16,0 0 4 16,-1-1-27-16,1-1-8 15,-1 2-26-15,1 0-11 16,0 0-21-16,0 0-11 16,0 0-13-16,0 0-18 15,0 0-17-15,-1 0-54 16,1 0-58-16,0 0-314 15,0 0 46-15</inkml:trace>
+  <inkml:trace contextRef="#ctx0" brushRef="#br0" timeOffset="8814.61">23952 9957 562 0,'-6'10'176'0,"3"-6"26"16,2-2-151-16,-1 4-47 16,2-6-21-16,0 0-11 0,0 0-4 15,-1 0 3-15,1 0 11 16,0 0 21-16,0 0 22 16,0 0 19-16,0 0 1 15,0-1 7-15,1 0-3 16,10-6 1-16,23-6-11 15,51-57 3-15,-32 31-5 16,18-7-11-16,6-2-7 16,22-9-7-16,5 5-7 15,24-13-1-15,-7 5 1 0,14-2-4 16,-22 13 2-16,-1-1 0 16,-26 17-1-16,-6 3 7 15,-32 11 2-15,-5 4 40 16,-18 5 18-16,-8 2 19 15,-9 2 14-15,-3 4 15 16,-3 2-32-16,-2 0-13 16,0 0-16-16,0 0-20 15,-2 0-20-15,1 0-5 16,0 0-6-16,0 0-1 16,0 0 0-16,0 0 0 15,-1 0 0-15,1-2 0 16,0 2 0-16,1 0 0 15,0 0-1-15,0 0-2 16,0 0-1-16,0 0-2 16,0 0-1-16,0 0 0 0,0 0-1 15,0 0-1-15,0 0 2 16,0 0-1-16,0 0 1 16,0 0-1-16,0 0 0 15,0 0-2-15,0 0 0 0,0 0 0 16,0 0 1-16,0 0 0 15,0 0 2-15,0 0 1 16,0 0 1-16,0 0 0 16,0 0 1-16,0 0 0 15,0 0 0-15,0 0 1 16,0 0 1-16,0 0-1 16,0 0 2-16,0 0-1 15,0 0 0-15,0 0-1 16,0 0 1-16,0 0-1 15,0 0 0-15,0 0-1 16,0 0 1-16,0 0 0 16,0 0 0-16,0 0 1 15,0 0-1-15,0 0 1 16,0 0-1-16,0 0 0 16,0 0 0-16,0 0-1 15,0 0 0-15,0 0-3 0,0 0 0 16,0 0-16-16,0 0-10 15,0 0-42-15,0 0-30 16,0 0-86-16,0 0-58 16,0 0-136-16,1 0-21 15</inkml:trace>
+  <inkml:trace contextRef="#ctx0" brushRef="#br0" timeOffset="9715.04">23744 10817 317 0,'10'4'88'15,"-2"-6"13"-15,8-5-61 16,1-3-58-16,7 0 6 15,-1-2 16-15,4 0 15 16,-6 1 7-16,6-1 30 16,-1-3 14-16,8-7 22 15,-4 0-8-15,10-6 0 16,-1-1-17-16,9-2-3 16,-2 1-23-16,10 0-7 15,-6 4-13-15,11-6-10 16,-6-1-11-16,10-2 0 15,-4-1 0-15,10-1 0 16,-12 8-1-16,-1 3 1 16,-13 6 0-16,-3 2 1 0,-16 4 1 15,-4 2 16-15,-8 4 13 16,-4 2 30-16,-4 3 12 16,0 1 17-16,-4 0-7 15,-2 1-5-15,0 1-27 16,-1-1-10-16,0 0-16 15,1 1-7-15,0 0-9 0,0 0-1 16,0 0-2-16,0 0 1 16,0 0 2-16,0 0 3 15,0 0 2-15,-1 0 1 16,1 0-2-16,-1 0-1 16,1 0-6-16,0 0-1 15,0 0-3-15,0 0-3 16,0 0-2-16,0 0-5 15,0 0-8-15,0 0-29 16,0 0-28-16,0 0-89 16,0 0-59-16,0 0-42 15,1 0-2-15,0 1-36 16,14 8 51-16</inkml:trace>
+  <inkml:trace contextRef="#ctx0" brushRef="#br0" timeOffset="10750.68">23738 11507 895 0,'1'-3'157'15,"-1"3"18"1,7-1-291-16,-6 0-25 0,17-5 7 15,65-22 7-15,-30 3 80 16,16-8 31-16,-6-5 29 16,12-12 33-16,-7 0 20 15,11-12 28-15,-6 6 8 16,9-3-2-16,-6 6-26 16,13-3-17-16,-6 8-27 0,3-3-15 15,-10 4-9-15,5 2-3 16,-18 7-2-16,-1 5-2 15,-12 11 1-15,-6 4-1 16,-15 8 1-16,-9 6 3 16,-9 0 5-16,-4 3 23 15,-5 2 10-15,-1-2 14 16,-2 0 1-16,1 1 3 16,0 0-20-16,0 0-4 15,0 0-10-15,0 0 6 16,-1 0-3-16,1 0-1 15,0 0-6-15,0 0-6 16,0 0-11-16,0 0-5 16,0 0-1-16,-1 0-3 15,0 0 1-15,1 0-1 16,0 0 2-16,0 0-1 0,0 0 1 16,0 0 1-16,0 0-1 15,0 0 0-15,0 0 1 16,0 0 0-16,0 0 0 15,0 0 2-15,0 0 0 0,0 0 1 16,0 0 0-16,-2 0-2 16,2 0 1-16,0 0-2 15,0 0 0-15,0 0 1 16,0 0 0-16,0 0 3 16,0 0 1-16,0 0 3 15,0 0 2-15,0 0 0 16,0 0-1-16,0 0-1 15,0 0-4-15,0 0-1 16,0 0-2-16,0 0 0 16,0 0 0-16,0 0-3 15,0 0-2-15,0 0-21 16,0 0-14-16,0 0-74 16,0 0-57-16,2-1-120 15,9-1-26-15,28-9-69 16</inkml:trace>
+  <inkml:trace contextRef="#ctx0" brushRef="#br0" timeOffset="13293.7">26072 11368 589 0,'8'5'176'16,"-3"-7"70"-16,-6-4-158 0,-2-2-14 16,1-5-8-16,-4-8-10 15,-1 3-29-15,-4-2 10 16,-1 2-5-16,-4 1 22 15,0 3-4-15,-5-3 0 16,1 3-14-16,-5-4 6 16,5 2-22-16,-6-1-5 15,4 1-4-15,-4-1-2 16,-1 3-10-16,-4-2 0 16,3 2 0-16,-6 1-2 15,7 3 1-15,-4 0-1 0,8 5 0 16,-4 0-1-16,3 3 2 15,-7-2-2-15,2 2 0 16,-9 1-1-16,-1 0 1 16,-9 1 0-16,5 2 0 15,-6 1 0-15,4 0 1 16,-3 0-1-16,9 3-1 16,-14 4-1-16,5 3 1 15,-10 7-1-15,0 2 1 0,-8 3 1 16,7-3 2-16,-10 4 1 15,4-3 1-15,-4 3-2 16,5-2 0-16,-7 11-4 16,12-7-3-16,-3 9-2 15,10-6 2-15,1-1 0 16,13-11 5-16,0 3 4 16,8-12 1-16,-2 2 0 15,2 1-1-15,-3 5-2 16,3-4 0-16,-7 8-2 15,8 1-2-15,-2 0-2 16,9-1 2-16,1-1-4 16,7-4 1-16,2 1-2 15,4-2 0-15,-4 8 0 16,2 8 0-16,-2 3-10 0,2 3-4 16,-1 6-6-16,3-9 3 15,3-2 1-15,3-6 12 16,-2-1 8-16,0-3 8 15,2 5-1-15,-1-5 0 16,-1 3 0-16,3-2-1 0,-1-4-15 16,3-2 0-1,1 0-1-15,3-2 0 0,0 1-2 16,5-2 15-16,1 6-1 16,1-4 1-16,2 5-1 15,4 0 0-15,4 6-5 16,-3-6 0-16,9 2-2 15,2-3-1-15,6 1-3 16,0-8 6-16,12-3 2 16,-2-1 3-16,9 1 0 15,-4-2 4-15,13 1 1 16,-2 5-2-16,13-1-2 16,-1-5 0-16,14 1-2 15,-6-5-1-15,8-6 0 16,-13-4 3-16,10-8 1 15,-13-2 5-15,13-8 2 0,-7 2 1 16,13-5 2 0,-8 1-1-16,17-7 0 0,-12 3-2 15,8-10 2-15,-13 2 0 16,9-6 5-16,-17 2 5 16,1-6 6-16,-14 9 5 15,-3 0 15-15,-17 5-3 16,-3 1 16-16,-10 8-1 15,-7-2 9-15,-4 7-4 16,-4-3 10-16,-7 4-16 16,1-8 10-16,-1-1-12 0,-3-12-11 15,-2 3-7-15,-5-9 2 16,-4 2-2-16,-7-5 12 16,-4 5 12-16,-11-7 11 15,-5 4-5-15,-24-20-26 16,-5 5-14-16,-25-10-62 15,-14 6-65-15,-56 11-336 16,-18 23 58-16</inkml:trace>
+  <inkml:trace contextRef="#ctx0" brushRef="#br0" timeOffset="19530.81">11706 11661 918 0,'-21'-37'253'15,"-14"-5"81"-15,-9 3-260 16,-6 3-27-16,7 9-24 16,-13 3-12-16,-3 10-37 0,-20 11-23 15,-4 12-11-15,-21 13-5 16,0 7 13-16,-18 16 13 16,11 1 21-16,-8 8 11 15,8 1 6-15,-10 24-1 16,19 0-1-16,-6 18-4 15,19 1-1-15,5 20-5 16,25-13-1-16,7 13-4 16,19-7 0-16,6 14-3 15,19-18 1-15,14 10-3 16,10-18 4-16,14 3-2 16,3-23 4-16,8 7 0 15,-4-17 2-15,7 7 2 16,-4-9 5-16,5 12 1 0,-6-7 3 15,0 12 6 1,-6-9 0-16,-6 7 3 0,-12-13 1 16,-12 14 5-16,-15-7-1 15,-14 21 2-15,-14-7 0 16,-16 18 2-16,1-14-4 16,-17 6 7-16,0-22 0 15,-13 4 7-15,7-18 1 0,-14-6 25 16,16-20 2-16,-9-8 18 15,14-12-1 1,-6-11 9-16,15-10-12 0,-8-6-3 16,17-6-22-16,-2-13-19 15,15-6-19-15,2-15-17 16,11-5-11-16,9-19-2 16,15 0 7-16,10-9 1 15,12 13 4-15,12-3 0 16,3 19 0-16,16 5-13 15,2 19-3-15,18 7-4 16,-1 16 1-16,15 13-3 16,-6 14 14-16,14 9 5 15,-8 8 5-15,14 12 1 16,-9-1 5-16,13 14 1 16,-13-1 2-16,15 13 2 0,-11-8-2 15,13 12 2 1,-10-11 1-16,17 2 0 0,-14-15-1 15,5 0 1-15,-17-16 1 16,-7-4-2-16,-26-14 1 16,-11-4 3-16,-19-9 2 15,-10-6 58-15,-9-1 30 16,-3 0 45-16,-2-1 12 16,-1 0 15-16,0-1-55 15,0 1-28-15,-1 0-49 16,1 0-63-16,0 0-76 0,0-1-333 15,0-1 41-15</inkml:trace>
+  <inkml:trace contextRef="#ctx0" brushRef="#br0" timeOffset="20897.43">14645 8456 99 0,'-23'3'0'0,"-11"2"-53"16,1 6 41-16,-9 5 66 15,0 0 48-15,-10 7 14 16,2-1-10-16,-17 10-3 16,2 2-21-16,-21 16-11 15,5 8-32-15,-14 19-9 16,11 3-10-16,-8 17-4 0,17-4-12 15,2 22 1-15,14-3-6 16,4 22 1-16,17-1 1 16,9 21 1-16,8-17-6 15,6 13 5-15,11-19-1 16,0 17 1-16,0-22 0 16,1 13 0-16,-4-14 0 15,-4 3 3-15,-6-28 0 16,-12 0 5-16,-8-27 20 15,-14-5 34-15,-9-16 1 0,-15 4 2 16,-1-10-5 0,-16 2-17-16,6-10-34 0,-11-7 13 15,10-13 9-15,-6-10 20 16,19-9 1-16,-7-9 4 16,15-7-16-16,-11-12-11 15,12-5-17-15,-6-4-2 16,17-2-2-16,3-2-1 15,20 9 0-15,7-2 4 16,10 8-4-16,6 1-3 16,5 7-3-16,4-4-10 15,7 4-7-15,9-3-5 16,5 0 0-16,14 3-5 16,2 4 5-16,13 7-3 0,2 10 4 15,10 12 3-15,-3 7 5 16,8 12 3-1,-7 4 3-15,12 9-1 16,-7-2 0-16,12 9 1 0,-5-3 1 16,7 7-1-16,-12-5 2 15,6 8 1-15,-12-5-1 16,4 6 1-16,-14-4 0 16,4 5 1-16,-14-9 0 15,-3-2 1-15,-12-10 0 16,-7-8 0-16,-8-14 0 0,-3-3 4 15,-5-9 12-15,-3-4 43 16,-1-2 17-16,-1-1 29 16,-1-1 6-16,2 0 3 15,-1 1-35-15,1 0-12 16,0 0-24-16,0 0-10 16,0 0-15-16,0 0-8 15,0-2-23-15,0 1-86 16,0 0-86-16,0 0-218 15,0 1-39-15</inkml:trace>
+  <inkml:trace contextRef="#ctx0" brushRef="#br0" timeOffset="55627.94">27610 14397 508 0,'89'-25'194'0,"18"-4"62"16,-12 3-134-16,35-9 7 15,1 6-21-15,27-8-2 16,-14 4-44-16,11-4-9 15,-27 8-20-15,3 2-5 16,-32 8-13-16,6-1 4 16,-16 10-3-16,2-1 2 15,-19 3-5-15,5 3-3 16,-23 1-8-16,-3 2-17 16,-18 0-28-16,-7 0-111 15,-14 2-103-15,-12 4-81 0,-17 2-102 16</inkml:trace>
+  <inkml:trace contextRef="#ctx0" brushRef="#br0" timeOffset="57037.88">28046 14743 550 0,'3'19'251'15,"12"-14"-16"-15,9-14-120 0,33-13-79 16,20-5-23-16,39-11 15 16,6 0 3-16,28-7 7 15,-11 5-4-15,26-4 2 16,-15 7-10-16,34-3 4 16,-18 3-1-16,16 4 6 15,-31 4-5-15,7-1 16 16,-33 3-1-16,4 5 2 15,-25 3-6-15,1-1 1 16,-27 6-13-16,-9 5-4 0,-27 3-5 16,-11 3-2-16,-15 3-3 15,-7 1-4-15,-5-1-5 16,-2 1-1-16,-1-1-2 16,-2 0-7-16,0-1-5 15,0 0-6-15,1 0-1 16,-1 0-1-16,1 1 4 0,0 0 2 15,0 0 5 1,-2 0-2-16,2 0 1 16,0 0-5-16,0 0 0 0,0 0-1 15,0 0 2-15,0 0 2 16,0 0 5-16,0 0 3 16,0 0 4-16,0 0 0 15,0 0 1-15,2 0-1 16,-1 0-1-16,0 0 0 15,0 0-2-15,-1 0 0 16,0 0 1-16,0 0 1 16,0 0 0-16,0 0 0 15,1 0 0-15,-1 0-2 16,0 0 1-16,0 0-3 16,0 0 1-16,0 0-1 15,0 0 0-15,1 0 1 0,-1 0 1 16,0 0 1-16,0 1 0 15,0 0 0-15,0-1 0 16,0 0 0-16,0 0-1 16,0 0 0-16,0 0 0 15,0 0-1-15,0 0 0 16,0 0 0-16,0 0 0 16,0 0 0-16,0 0 1 15,0 0 1-15,0 0 0 16,0 0 0-16,0 0 1 0,0 0-2 15,0 0 1-15,0 0-1 16,0 0 0-16,0 0 0 16,1 0 2-16,-1 0 0 15,0 0 1-15,0 0 1 16,0 0 0-16,0 0-1 16,0 0-2-16,0 0 0 15,0 0-1-15,0 0 0 16,0 0 0-16,0 0 1 15,0 0 2-15,0 0 8 16,0 0 3-16,0 0 1 16,0 0-1-16,0 0-2 15,0 0-8-15,0 0-2 16,0 0-2-16,0 0 1 0,0 0 0 16,0 0 0-1,0 0 2-15,0 0-1 0,0 0 1 16,0 0 1-16,0 0 1 15,0 0 0-15,0 0 0 16,0 0-1-16,0 1 0 16,0-1-2-16,0 0-1 15,0 0 0-15,0 0 0 0,2 0 0 16,-2 0 0-16,0 0-1 16,0 0-1-16,1 1 1 15,-1-1-1-15,0 0 0 16,0 0 1-16,0 0 0 15,0 0 1-15,0 0 0 16,0 0 1-16,1 0 0 16,-1 0 2-16,1 0-2 15,-1 0 0-15,0 0 0 16,0 0-2-16,0 0 0 16,0 0 0-16,0 0 0 15,0 0 1-15,0 0 0 16,0 0 0-16,0 0 1 15,0 0-1-15,0 0 1 16,0 0-2-16,0 0 0 0,0 0 0 16,0 0 0-16,0 0 0 15,0 0-1-15,0 0 0 16,0 0 0-16,0 0-1 16,0 0-9-16,0 0-3 15,0 0-19-15,1 0-16 16,0 0-49-16,1 1-26 15,4 3-182-15,14 9-38 16,40 12-62-16</inkml:trace>
+  <inkml:trace contextRef="#ctx0" brushRef="#br0" timeOffset="65286.07">24113 10459 229 0,'33'-14'91'0,"12"-7"13"15,4-5-57-15,23-7 23 16,3 0-10-16,23-11 10 15,-4 5 1-15,19-5 2 16,-13 6-22-16,17-3-2 16,-16 8-18-16,12 0-8 0,-16 5-13 15,3-1-1 1,-21 8-5-16,-5 0 6 0,-22 5 0 16,-4 2 3-16,-17 5-2 15,-4 3-3-15,-11 4-15 16,-4-1-60-16,-7 8-31 0,-5 5-62 15,-8 5-48-15,-20 13-25 16</inkml:trace>
+  <inkml:trace contextRef="#ctx0" brushRef="#br0" timeOffset="65639.41">24021 11032 822 0,'-3'3'215'0,"6"-9"46"16,14-2-232-16,24-8-39 15,15-2-20-15,30-14-6 16,9-4 4-16,25-8 2 0,-7 5 2 15,8-10 10-15,-14 8 13 16,8 1 4-16,-24 5 3 16,1 0 1-16,-18 10 2 15,-2 4 2-15,-18 7-1 16,-2 2 0-16,-15 4-2 16,1 5-1-16,-11 2-6 15,-1 5-36-15,-5 4-40 16,1 4-156-16,-7 5 3 15</inkml:trace>
+</inkml:ink>
+</file>
+
 <file path=ppt/slideLayouts/slideLayout1.xml><?xml version="1.0" encoding="utf-8"?>
 <p:sldLayout xmlns:a="http://schemas.openxmlformats.org/drawingml/2006/main" xmlns:r="http://schemas.openxmlformats.org/officeDocument/2006/relationships" xmlns:p="http://schemas.openxmlformats.org/presentationml/2006/main" type="title" preserve="1">
   <p:cSld name="Title Slide">
@@ -828,7 +987,7 @@
           <a:p>
             <a:fld id="{88D38747-4367-4BD2-8D51-C97E202738E2}" type="datetime1">
               <a:rPr lang="en-US" smtClean="0"/>
-              <a:t>2/29/2020</a:t>
+              <a:t>3/11/2020</a:t>
             </a:fld>
             <a:endParaRPr lang="en-US" dirty="0"/>
           </a:p>
@@ -1029,7 +1188,7 @@
           <a:p>
             <a:fld id="{217E833E-1B6D-415F-AD29-75AE8C43BD0D}" type="datetime1">
               <a:rPr lang="en-US" smtClean="0"/>
-              <a:t>2/29/2020</a:t>
+              <a:t>3/11/2020</a:t>
             </a:fld>
             <a:endParaRPr lang="en-US" dirty="0"/>
           </a:p>
@@ -1239,7 +1398,7 @@
           <a:p>
             <a:fld id="{8452596F-08A7-4B70-989A-F2B1CF31E66B}" type="datetime1">
               <a:rPr lang="en-US" smtClean="0"/>
-              <a:t>2/29/2020</a:t>
+              <a:t>3/11/2020</a:t>
             </a:fld>
             <a:endParaRPr lang="en-US" dirty="0"/>
           </a:p>
@@ -1439,7 +1598,7 @@
           <a:p>
             <a:fld id="{73C55A3C-5767-4844-A0A3-83778C2E5409}" type="datetime1">
               <a:rPr lang="en-US" smtClean="0"/>
-              <a:t>2/29/2020</a:t>
+              <a:t>3/11/2020</a:t>
             </a:fld>
             <a:endParaRPr lang="en-US" dirty="0"/>
           </a:p>
@@ -1715,7 +1874,7 @@
           <a:p>
             <a:fld id="{CAE507A8-A5CF-4D38-AB86-7EDDA87A85D4}" type="datetime1">
               <a:rPr lang="en-US" smtClean="0"/>
-              <a:t>2/29/2020</a:t>
+              <a:t>3/11/2020</a:t>
             </a:fld>
             <a:endParaRPr lang="en-US" dirty="0"/>
           </a:p>
@@ -1984,7 +2143,7 @@
           <a:p>
             <a:fld id="{BDFCD27C-8599-43EF-BA1D-14DDC1946E06}" type="datetime1">
               <a:rPr lang="en-US" smtClean="0"/>
-              <a:t>2/29/2020</a:t>
+              <a:t>3/11/2020</a:t>
             </a:fld>
             <a:endParaRPr lang="en-US" dirty="0"/>
           </a:p>
@@ -2399,7 +2558,7 @@
           <a:p>
             <a:fld id="{49343D99-809A-49C0-96E5-4250D0B498EE}" type="datetime1">
               <a:rPr lang="en-US" smtClean="0"/>
-              <a:t>2/29/2020</a:t>
+              <a:t>3/11/2020</a:t>
             </a:fld>
             <a:endParaRPr lang="en-US" dirty="0"/>
           </a:p>
@@ -2541,7 +2700,7 @@
           <a:p>
             <a:fld id="{A143DE9B-B678-4EFB-BB7D-A4370204A0B0}" type="datetime1">
               <a:rPr lang="en-US" smtClean="0"/>
-              <a:t>2/29/2020</a:t>
+              <a:t>3/11/2020</a:t>
             </a:fld>
             <a:endParaRPr lang="en-US" dirty="0"/>
           </a:p>
@@ -2654,7 +2813,7 @@
           <a:p>
             <a:fld id="{E68812DA-F765-4142-A6A3-A8ED7235E082}" type="datetime1">
               <a:rPr lang="en-US" smtClean="0"/>
-              <a:t>2/29/2020</a:t>
+              <a:t>3/11/2020</a:t>
             </a:fld>
             <a:endParaRPr lang="en-US" dirty="0"/>
           </a:p>
@@ -2967,7 +3126,7 @@
           <a:p>
             <a:fld id="{3E0277FD-7DE6-41D4-930D-AC99F5AFE54E}" type="datetime1">
               <a:rPr lang="en-US" smtClean="0"/>
-              <a:t>2/29/2020</a:t>
+              <a:t>3/11/2020</a:t>
             </a:fld>
             <a:endParaRPr lang="en-US" dirty="0"/>
           </a:p>
@@ -3257,7 +3416,7 @@
           <a:p>
             <a:fld id="{9EA15526-7079-4B7B-987C-1B5FAE11A0FF}" type="datetime1">
               <a:rPr lang="en-US" smtClean="0"/>
-              <a:t>2/29/2020</a:t>
+              <a:t>3/11/2020</a:t>
             </a:fld>
             <a:endParaRPr lang="en-US" dirty="0"/>
           </a:p>
@@ -3501,7 +3660,7 @@
           <a:p>
             <a:fld id="{073ED0CC-082F-4160-86E5-0D6041F12778}" type="datetime1">
               <a:rPr lang="en-US" smtClean="0"/>
-              <a:t>2/29/2020</a:t>
+              <a:t>3/11/2020</a:t>
             </a:fld>
             <a:endParaRPr lang="en-US" dirty="0"/>
           </a:p>
@@ -6615,6 +6774,9 @@
             <a:off x="2028824" y="14959"/>
             <a:ext cx="9153511" cy="3036522"/>
           </a:xfrm>
+          <a:solidFill>
+            <a:srgbClr val="FF0000"/>
+          </a:solidFill>
         </p:spPr>
         <p:style>
           <a:lnRef idx="2">
@@ -6832,7 +6994,7 @@
                 </a:solidFill>
                 <a:latin typeface="Algerian" panose="04020705040A02060702" pitchFamily="82" charset="0"/>
               </a:rPr>
-              <a:t>#4</a:t>
+              <a:t>#5</a:t>
             </a:r>
             <a:endParaRPr lang="en-IN" sz="3600" dirty="0">
               <a:solidFill>
@@ -6934,29 +7096,41 @@
               <a:buAutoNum type="arabicPeriod"/>
             </a:pPr>
             <a:r>
-              <a:rPr lang="en-IN" sz="4800" b="1" dirty="0">
+              <a:rPr lang="en-IN" sz="4400" b="1" dirty="0">
+                <a:solidFill>
+                  <a:srgbClr val="FFC000"/>
+                </a:solidFill>
+              </a:rPr>
+              <a:t>Custom Starters</a:t>
+            </a:r>
+          </a:p>
+          <a:p>
+            <a:pPr marL="685800" indent="-685800" algn="ctr">
+              <a:buFont typeface="+mj-lt"/>
+              <a:buAutoNum type="arabicPeriod"/>
+            </a:pPr>
+            <a:r>
+              <a:rPr lang="en-IN" sz="1600" b="1" dirty="0">
                 <a:solidFill>
                   <a:srgbClr val="FFFF00"/>
                 </a:solidFill>
               </a:rPr>
-              <a:t>Custom Starters</a:t>
-            </a:r>
-          </a:p>
-          <a:p>
-            <a:pPr marL="685800" indent="-685800" algn="ctr">
-              <a:buFont typeface="+mj-lt"/>
-              <a:buAutoNum type="arabicPeriod"/>
-            </a:pPr>
-            <a:r>
-              <a:rPr lang="en-IN" b="1" dirty="0"/>
               <a:t>Exploring </a:t>
             </a:r>
             <a:r>
-              <a:rPr lang="en-IN" b="1" dirty="0" err="1"/>
+              <a:rPr lang="en-IN" sz="1600" b="1" dirty="0" err="1">
+                <a:solidFill>
+                  <a:srgbClr val="FFFF00"/>
+                </a:solidFill>
+              </a:rPr>
               <a:t>SpringApplication.run</a:t>
             </a:r>
             <a:r>
-              <a:rPr lang="en-IN" b="1" dirty="0"/>
+              <a:rPr lang="en-IN" sz="1600" b="1" dirty="0">
+                <a:solidFill>
+                  <a:srgbClr val="FFFF00"/>
+                </a:solidFill>
+              </a:rPr>
               <a:t>(…)</a:t>
             </a:r>
           </a:p>
@@ -7071,7 +7245,7 @@
     </p:spTree>
     <p:extLst>
       <p:ext uri="{BB962C8B-B14F-4D97-AF65-F5344CB8AC3E}">
-        <p14:creationId xmlns:p14="http://schemas.microsoft.com/office/powerpoint/2010/main" val="1489594076"/>
+        <p14:creationId xmlns:p14="http://schemas.microsoft.com/office/powerpoint/2010/main" val="3965943562"/>
       </p:ext>
     </p:extLst>
   </p:cSld>
@@ -8528,7 +8702,7 @@
                 </a:solidFill>
                 <a:latin typeface="Algerian" panose="04020705040A02060702" pitchFamily="82" charset="0"/>
               </a:rPr>
-              <a:t>#5</a:t>
+              <a:t>#4</a:t>
             </a:r>
             <a:endParaRPr lang="en-IN" sz="3600" dirty="0">
               <a:solidFill>
@@ -8630,20 +8804,6 @@
               <a:buAutoNum type="arabicPeriod"/>
             </a:pPr>
             <a:r>
-              <a:rPr lang="en-IN" b="1" dirty="0">
-                <a:solidFill>
-                  <a:srgbClr val="00B050"/>
-                </a:solidFill>
-              </a:rPr>
-              <a:t>Custom Starters</a:t>
-            </a:r>
-          </a:p>
-          <a:p>
-            <a:pPr marL="685800" indent="-685800" algn="ctr">
-              <a:buFont typeface="+mj-lt"/>
-              <a:buAutoNum type="arabicPeriod"/>
-            </a:pPr>
-            <a:r>
               <a:rPr lang="en-IN" sz="2800" b="1" dirty="0">
                 <a:solidFill>
                   <a:srgbClr val="FFFF00"/>
@@ -8717,6 +8877,27 @@
               <a:rPr lang="en-IN" b="1" dirty="0"/>
               <a:t>Spring vs Spring Boot</a:t>
             </a:r>
+          </a:p>
+          <a:p>
+            <a:pPr marL="685800" indent="-685800" algn="ctr">
+              <a:buFont typeface="+mj-lt"/>
+              <a:buAutoNum type="arabicPeriod"/>
+            </a:pPr>
+            <a:r>
+              <a:rPr lang="en-IN" b="1" dirty="0">
+                <a:solidFill>
+                  <a:schemeClr val="bg1"/>
+                </a:solidFill>
+              </a:rPr>
+              <a:t>Custom Starters</a:t>
+            </a:r>
+          </a:p>
+          <a:p>
+            <a:pPr marL="685800" indent="-685800" algn="ctr">
+              <a:buFont typeface="+mj-lt"/>
+              <a:buAutoNum type="arabicPeriod"/>
+            </a:pPr>
+            <a:endParaRPr lang="en-IN" b="1" dirty="0"/>
           </a:p>
         </p:txBody>
       </p:sp>
@@ -8779,7 +8960,7 @@
     </p:spTree>
     <p:extLst>
       <p:ext uri="{BB962C8B-B14F-4D97-AF65-F5344CB8AC3E}">
-        <p14:creationId xmlns:p14="http://schemas.microsoft.com/office/powerpoint/2010/main" val="3965943562"/>
+        <p14:creationId xmlns:p14="http://schemas.microsoft.com/office/powerpoint/2010/main" val="1489594076"/>
       </p:ext>
     </p:extLst>
   </p:cSld>
@@ -8806,41 +8987,12 @@
           <a:chExt cx="0" cy="0"/>
         </a:xfrm>
       </p:grpSpPr>
-      <p:pic>
-        <p:nvPicPr>
-          <p:cNvPr id="4" name="Picture 3">
-            <a:extLst>
-              <a:ext uri="{FF2B5EF4-FFF2-40B4-BE49-F238E27FC236}">
-                <a16:creationId xmlns:a16="http://schemas.microsoft.com/office/drawing/2014/main" id="{A73D6C18-6660-4FAB-B152-FD9F3B9EE11E}"/>
-              </a:ext>
-            </a:extLst>
-          </p:cNvPr>
-          <p:cNvPicPr>
-            <a:picLocks noChangeAspect="1"/>
-          </p:cNvPicPr>
-          <p:nvPr/>
-        </p:nvPicPr>
-        <p:blipFill rotWithShape="1">
-          <a:blip r:embed="rId2"/>
-          <a:srcRect t="8107" b="7624"/>
-          <a:stretch/>
-        </p:blipFill>
-        <p:spPr>
-          <a:xfrm>
-            <a:off x="20" y="10"/>
-            <a:ext cx="12191980" cy="6857990"/>
-          </a:xfrm>
-          <a:prstGeom prst="rect">
-            <a:avLst/>
-          </a:prstGeom>
-        </p:spPr>
-      </p:pic>
       <p:sp>
         <p:nvSpPr>
           <p:cNvPr id="2" name="Title 1">
             <a:extLst>
               <a:ext uri="{FF2B5EF4-FFF2-40B4-BE49-F238E27FC236}">
-                <a16:creationId xmlns:a16="http://schemas.microsoft.com/office/drawing/2014/main" id="{6C932BB9-2D1C-4F9B-8C9D-6C800303CA0B}"/>
+                <a16:creationId xmlns:a16="http://schemas.microsoft.com/office/drawing/2014/main" id="{F7C7A7AD-168E-4859-B7F1-00E770DAFE0E}"/>
               </a:ext>
             </a:extLst>
           </p:cNvPr>
@@ -8848,493 +9000,741 @@
             <a:spLocks noGrp="1"/>
           </p:cNvSpPr>
           <p:nvPr>
-            <p:ph type="ctrTitle"/>
+            <p:ph type="title"/>
           </p:nvPr>
         </p:nvSpPr>
         <p:spPr>
-          <a:xfrm>
-            <a:off x="2028824" y="14959"/>
-            <a:ext cx="9153511" cy="3036522"/>
-          </a:xfrm>
+          <a:solidFill>
+            <a:schemeClr val="accent6">
+              <a:lumMod val="40000"/>
+              <a:lumOff val="60000"/>
+            </a:schemeClr>
+          </a:solidFill>
         </p:spPr>
-        <p:style>
-          <a:lnRef idx="2">
-            <a:schemeClr val="dk1">
-              <a:shade val="50000"/>
-            </a:schemeClr>
-          </a:lnRef>
-          <a:fillRef idx="1">
-            <a:schemeClr val="dk1"/>
-          </a:fillRef>
-          <a:effectRef idx="0">
-            <a:schemeClr val="dk1"/>
-          </a:effectRef>
-          <a:fontRef idx="minor">
-            <a:schemeClr val="lt1"/>
-          </a:fontRef>
-        </p:style>
         <p:txBody>
-          <a:bodyPr>
-            <a:noAutofit/>
-          </a:bodyPr>
+          <a:bodyPr/>
           <a:lstStyle/>
           <a:p>
             <a:r>
-              <a:rPr lang="en-IN" sz="11500" dirty="0">
-                <a:solidFill>
-                  <a:srgbClr val="00B050"/>
-                </a:solidFill>
-                <a:latin typeface="Algerian" panose="04020705040A02060702" pitchFamily="82" charset="0"/>
-              </a:rPr>
-              <a:t>Inside </a:t>
-            </a:r>
-            <a:br>
-              <a:rPr lang="en-IN" sz="11500" dirty="0">
-                <a:solidFill>
-                  <a:srgbClr val="00B050"/>
-                </a:solidFill>
-                <a:latin typeface="Algerian" panose="04020705040A02060702" pitchFamily="82" charset="0"/>
-              </a:rPr>
-            </a:br>
-            <a:r>
-              <a:rPr lang="en-IN" sz="11500" dirty="0">
-                <a:solidFill>
-                  <a:srgbClr val="00B050"/>
-                </a:solidFill>
-                <a:latin typeface="Algerian" panose="04020705040A02060702" pitchFamily="82" charset="0"/>
-              </a:rPr>
-              <a:t>spring boot</a:t>
+              <a:rPr lang="en-IN" dirty="0" err="1"/>
+              <a:t>org.springframework.boot.SpringApplication</a:t>
+            </a:r>
+            <a:r>
+              <a:rPr lang="en-IN" dirty="0"/>
+              <a:t> </a:t>
             </a:r>
           </a:p>
         </p:txBody>
       </p:sp>
       <p:sp>
         <p:nvSpPr>
-          <p:cNvPr id="7" name="Rectangle 6">
+          <p:cNvPr id="3" name="Content Placeholder 2">
             <a:extLst>
               <a:ext uri="{FF2B5EF4-FFF2-40B4-BE49-F238E27FC236}">
-                <a16:creationId xmlns:a16="http://schemas.microsoft.com/office/drawing/2014/main" id="{B9FEB67F-C8BC-4904-8173-15226DC3004A}"/>
+                <a16:creationId xmlns:a16="http://schemas.microsoft.com/office/drawing/2014/main" id="{21475D0B-8934-4CDF-9263-310490EE9888}"/>
               </a:ext>
             </a:extLst>
           </p:cNvPr>
-          <p:cNvSpPr/>
-          <p:nvPr/>
+          <p:cNvSpPr>
+            <a:spLocks noGrp="1"/>
+          </p:cNvSpPr>
+          <p:nvPr>
+            <p:ph idx="1"/>
+          </p:nvPr>
         </p:nvSpPr>
         <p:spPr>
-          <a:xfrm>
-            <a:off x="1143249" y="6327360"/>
-            <a:ext cx="1137988" cy="254061"/>
-          </a:xfrm>
-          <a:prstGeom prst="rect">
-            <a:avLst/>
-          </a:prstGeom>
           <a:solidFill>
-            <a:srgbClr val="92D050"/>
+            <a:schemeClr val="accent2">
+              <a:lumMod val="20000"/>
+              <a:lumOff val="80000"/>
+            </a:schemeClr>
           </a:solidFill>
         </p:spPr>
-        <p:style>
-          <a:lnRef idx="1">
-            <a:schemeClr val="accent6"/>
-          </a:lnRef>
-          <a:fillRef idx="3">
-            <a:schemeClr val="accent6"/>
-          </a:fillRef>
-          <a:effectRef idx="2">
-            <a:schemeClr val="accent6"/>
-          </a:effectRef>
-          <a:fontRef idx="minor">
-            <a:schemeClr val="lt1"/>
-          </a:fontRef>
-        </p:style>
         <p:txBody>
-          <a:bodyPr rtlCol="0" anchor="ctr"/>
+          <a:bodyPr/>
           <a:lstStyle/>
           <a:p>
-            <a:pPr algn="ctr"/>
-            <a:r>
-              <a:rPr lang="en-IN" sz="2000" dirty="0" err="1">
-                <a:solidFill>
-                  <a:srgbClr val="FF0000"/>
-                </a:solidFill>
-                <a:latin typeface="Algerian" panose="04020705040A02060702" pitchFamily="82" charset="0"/>
-              </a:rPr>
-              <a:t>arvind</a:t>
-            </a:r>
-            <a:endParaRPr lang="en-IN" sz="1600" dirty="0">
-              <a:solidFill>
-                <a:srgbClr val="FF0000"/>
-              </a:solidFill>
-              <a:latin typeface="Algerian" panose="04020705040A02060702" pitchFamily="82" charset="0"/>
-            </a:endParaRPr>
+            <a:pPr>
+              <a:buFont typeface="Wingdings" panose="05000000000000000000" pitchFamily="2" charset="2"/>
+              <a:buChar char="q"/>
+            </a:pPr>
+            <a:r>
+              <a:rPr lang="en-US" dirty="0"/>
+              <a:t>Bootstrap and launch a Spring application from a Java main method</a:t>
+            </a:r>
+          </a:p>
+          <a:p>
+            <a:pPr lvl="1">
+              <a:buFont typeface="Wingdings" panose="05000000000000000000" pitchFamily="2" charset="2"/>
+              <a:buChar char="q"/>
+            </a:pPr>
+            <a:r>
+              <a:rPr lang="en-US" dirty="0"/>
+              <a:t>Creates </a:t>
+            </a:r>
+            <a:r>
+              <a:rPr lang="en-US" b="1" dirty="0" err="1"/>
+              <a:t>ApplicationContext</a:t>
+            </a:r>
+            <a:endParaRPr lang="en-US" b="1" dirty="0"/>
+          </a:p>
+          <a:p>
+            <a:pPr lvl="1">
+              <a:buFont typeface="Wingdings" panose="05000000000000000000" pitchFamily="2" charset="2"/>
+              <a:buChar char="q"/>
+            </a:pPr>
+            <a:r>
+              <a:rPr lang="en-US" dirty="0"/>
+              <a:t>Register a </a:t>
+            </a:r>
+            <a:r>
+              <a:rPr lang="en-US" b="1" dirty="0" err="1"/>
+              <a:t>CommandLinePropertySource</a:t>
+            </a:r>
+            <a:r>
+              <a:rPr lang="en-US" b="1" dirty="0"/>
+              <a:t> </a:t>
+            </a:r>
+          </a:p>
+          <a:p>
+            <a:pPr lvl="1">
+              <a:buFont typeface="Wingdings" panose="05000000000000000000" pitchFamily="2" charset="2"/>
+              <a:buChar char="q"/>
+            </a:pPr>
+            <a:r>
+              <a:rPr lang="en-US" dirty="0"/>
+              <a:t>Refreshes the </a:t>
+            </a:r>
+            <a:r>
+              <a:rPr lang="en-US" b="1" dirty="0" err="1"/>
+              <a:t>ApplicationContext</a:t>
+            </a:r>
+            <a:endParaRPr lang="en-US" b="1" dirty="0"/>
+          </a:p>
+          <a:p>
+            <a:pPr lvl="1">
+              <a:buFont typeface="Wingdings" panose="05000000000000000000" pitchFamily="2" charset="2"/>
+              <a:buChar char="q"/>
+            </a:pPr>
+            <a:r>
+              <a:rPr lang="en-US" dirty="0"/>
+              <a:t>Trigger any </a:t>
+            </a:r>
+            <a:r>
+              <a:rPr lang="en-US" b="1" dirty="0" err="1"/>
+              <a:t>CommandLineRunner</a:t>
+            </a:r>
+            <a:r>
+              <a:rPr lang="en-US" dirty="0"/>
+              <a:t> beans</a:t>
+            </a:r>
+          </a:p>
+          <a:p>
+            <a:pPr lvl="2">
+              <a:buFont typeface="Wingdings" panose="05000000000000000000" pitchFamily="2" charset="2"/>
+              <a:buChar char="q"/>
+            </a:pPr>
+            <a:endParaRPr lang="en-IN" dirty="0"/>
           </a:p>
         </p:txBody>
       </p:sp>
-      <p:sp>
-        <p:nvSpPr>
-          <p:cNvPr id="8" name="Rectangle: Diagonal Corners Snipped 7">
-            <a:extLst>
-              <a:ext uri="{FF2B5EF4-FFF2-40B4-BE49-F238E27FC236}">
-                <a16:creationId xmlns:a16="http://schemas.microsoft.com/office/drawing/2014/main" id="{F1015037-11C4-4CB2-B685-2546A227AE2A}"/>
-              </a:ext>
-            </a:extLst>
-          </p:cNvPr>
-          <p:cNvSpPr/>
-          <p:nvPr/>
-        </p:nvSpPr>
-        <p:spPr>
-          <a:xfrm>
-            <a:off x="357187" y="5520141"/>
-            <a:ext cx="1924050" cy="807219"/>
-          </a:xfrm>
-          <a:prstGeom prst="snip2DiagRect">
-            <a:avLst/>
-          </a:prstGeom>
-          <a:solidFill>
-            <a:srgbClr val="92D050"/>
-          </a:solidFill>
-        </p:spPr>
-        <p:style>
-          <a:lnRef idx="2">
-            <a:schemeClr val="accent1">
-              <a:shade val="50000"/>
-            </a:schemeClr>
-          </a:lnRef>
-          <a:fillRef idx="1">
-            <a:schemeClr val="accent1"/>
-          </a:fillRef>
-          <a:effectRef idx="0">
-            <a:schemeClr val="accent1"/>
-          </a:effectRef>
-          <a:fontRef idx="minor">
-            <a:schemeClr val="lt1"/>
-          </a:fontRef>
-        </p:style>
-        <p:txBody>
-          <a:bodyPr rtlCol="0" anchor="ctr"/>
-          <a:lstStyle/>
-          <a:p>
-            <a:pPr algn="ctr"/>
-            <a:r>
-              <a:rPr lang="en-IN" sz="2400" dirty="0">
-                <a:latin typeface="Algerian" panose="04020705040A02060702" pitchFamily="82" charset="0"/>
-              </a:rPr>
-              <a:t>GREEN LEARNER</a:t>
-            </a:r>
-          </a:p>
-        </p:txBody>
-      </p:sp>
-      <p:sp>
-        <p:nvSpPr>
-          <p:cNvPr id="10" name="Rectangle 9">
-            <a:extLst>
-              <a:ext uri="{FF2B5EF4-FFF2-40B4-BE49-F238E27FC236}">
-                <a16:creationId xmlns:a16="http://schemas.microsoft.com/office/drawing/2014/main" id="{BBE4053E-A750-4B1C-A028-C46D5E411C4B}"/>
-              </a:ext>
-            </a:extLst>
-          </p:cNvPr>
-          <p:cNvSpPr/>
-          <p:nvPr/>
-        </p:nvSpPr>
-        <p:spPr>
-          <a:xfrm>
-            <a:off x="11296649" y="0"/>
-            <a:ext cx="895331" cy="514527"/>
-          </a:xfrm>
-          <a:prstGeom prst="rect">
-            <a:avLst/>
-          </a:prstGeom>
-          <a:solidFill>
-            <a:srgbClr val="92D050"/>
-          </a:solidFill>
-        </p:spPr>
-        <p:style>
-          <a:lnRef idx="1">
-            <a:schemeClr val="accent6"/>
-          </a:lnRef>
-          <a:fillRef idx="3">
-            <a:schemeClr val="accent6"/>
-          </a:fillRef>
-          <a:effectRef idx="2">
-            <a:schemeClr val="accent6"/>
-          </a:effectRef>
-          <a:fontRef idx="minor">
-            <a:schemeClr val="lt1"/>
-          </a:fontRef>
-        </p:style>
-        <p:txBody>
-          <a:bodyPr rtlCol="0" anchor="ctr"/>
-          <a:lstStyle/>
-          <a:p>
-            <a:pPr algn="ctr"/>
-            <a:r>
-              <a:rPr lang="en-IN" sz="4400" dirty="0">
-                <a:solidFill>
-                  <a:schemeClr val="bg1"/>
-                </a:solidFill>
-                <a:latin typeface="Algerian" panose="04020705040A02060702" pitchFamily="82" charset="0"/>
-              </a:rPr>
-              <a:t>#6</a:t>
-            </a:r>
-            <a:endParaRPr lang="en-IN" sz="3600" dirty="0">
-              <a:solidFill>
-                <a:schemeClr val="bg1"/>
-              </a:solidFill>
-              <a:latin typeface="Algerian" panose="04020705040A02060702" pitchFamily="82" charset="0"/>
-            </a:endParaRPr>
-          </a:p>
-        </p:txBody>
-      </p:sp>
-      <p:sp>
-        <p:nvSpPr>
-          <p:cNvPr id="6" name="Rectangle 5">
-            <a:extLst>
-              <a:ext uri="{FF2B5EF4-FFF2-40B4-BE49-F238E27FC236}">
-                <a16:creationId xmlns:a16="http://schemas.microsoft.com/office/drawing/2014/main" id="{2E1E5C31-CEA6-4E24-B2BA-18A7337DCB5D}"/>
-              </a:ext>
-            </a:extLst>
-          </p:cNvPr>
-          <p:cNvSpPr/>
-          <p:nvPr/>
-        </p:nvSpPr>
-        <p:spPr>
-          <a:xfrm>
-            <a:off x="3424466" y="3134620"/>
-            <a:ext cx="6129338" cy="3319770"/>
-          </a:xfrm>
-          <a:prstGeom prst="rect">
-            <a:avLst/>
-          </a:prstGeom>
-          <a:solidFill>
-            <a:schemeClr val="accent3"/>
-          </a:solidFill>
-        </p:spPr>
-        <p:style>
-          <a:lnRef idx="2">
-            <a:schemeClr val="accent1">
-              <a:shade val="50000"/>
-            </a:schemeClr>
-          </a:lnRef>
-          <a:fillRef idx="1">
-            <a:schemeClr val="accent1"/>
-          </a:fillRef>
-          <a:effectRef idx="0">
-            <a:schemeClr val="accent1"/>
-          </a:effectRef>
-          <a:fontRef idx="minor">
-            <a:schemeClr val="lt1"/>
-          </a:fontRef>
-        </p:style>
-        <p:txBody>
-          <a:bodyPr rtlCol="0" anchor="ctr"/>
-          <a:lstStyle/>
-          <a:p>
-            <a:pPr marL="685800" indent="-685800" algn="ctr">
-              <a:buFont typeface="+mj-lt"/>
-              <a:buAutoNum type="arabicPeriod"/>
-            </a:pPr>
-            <a:r>
-              <a:rPr lang="en-IN" b="1" dirty="0">
-                <a:solidFill>
-                  <a:srgbClr val="00B050"/>
-                </a:solidFill>
-              </a:rPr>
-              <a:t>Internal architecture</a:t>
-            </a:r>
-          </a:p>
-          <a:p>
-            <a:pPr marL="685800" indent="-685800" algn="ctr">
-              <a:buFont typeface="+mj-lt"/>
-              <a:buAutoNum type="arabicPeriod"/>
-            </a:pPr>
-            <a:r>
-              <a:rPr lang="en-IN" b="1" dirty="0">
-                <a:solidFill>
-                  <a:srgbClr val="00B050"/>
-                </a:solidFill>
-              </a:rPr>
-              <a:t>Spring boot starters</a:t>
-            </a:r>
-          </a:p>
-          <a:p>
-            <a:pPr marL="685800" indent="-685800" algn="ctr">
-              <a:buFont typeface="+mj-lt"/>
-              <a:buAutoNum type="arabicPeriod"/>
-            </a:pPr>
-            <a:r>
-              <a:rPr lang="en-IN" b="1" dirty="0">
-                <a:solidFill>
-                  <a:srgbClr val="00B050"/>
-                </a:solidFill>
-              </a:rPr>
-              <a:t>Autoconfiguration</a:t>
-            </a:r>
-          </a:p>
-          <a:p>
-            <a:pPr marL="685800" indent="-685800" algn="ctr">
-              <a:buFont typeface="+mj-lt"/>
-              <a:buAutoNum type="arabicPeriod"/>
-            </a:pPr>
-            <a:r>
-              <a:rPr lang="en-IN" b="1" dirty="0">
-                <a:solidFill>
-                  <a:srgbClr val="00B050"/>
-                </a:solidFill>
-              </a:rPr>
-              <a:t>Custom Starters</a:t>
-            </a:r>
-          </a:p>
-          <a:p>
-            <a:pPr marL="685800" indent="-685800" algn="ctr">
-              <a:buFont typeface="+mj-lt"/>
-              <a:buAutoNum type="arabicPeriod"/>
-            </a:pPr>
-            <a:r>
-              <a:rPr lang="en-IN" b="1" dirty="0">
-                <a:solidFill>
-                  <a:srgbClr val="00B050"/>
-                </a:solidFill>
-              </a:rPr>
-              <a:t>Exploring </a:t>
-            </a:r>
-            <a:r>
-              <a:rPr lang="en-IN" b="1" dirty="0" err="1">
-                <a:solidFill>
-                  <a:srgbClr val="00B050"/>
-                </a:solidFill>
-              </a:rPr>
-              <a:t>SpringApplication.run</a:t>
-            </a:r>
-            <a:r>
-              <a:rPr lang="en-IN" b="1" dirty="0">
-                <a:solidFill>
-                  <a:srgbClr val="00B050"/>
-                </a:solidFill>
-              </a:rPr>
-              <a:t>(…)</a:t>
-            </a:r>
-          </a:p>
-          <a:p>
-            <a:pPr marL="685800" indent="-685800" algn="ctr">
-              <a:buFont typeface="+mj-lt"/>
-              <a:buAutoNum type="arabicPeriod"/>
-            </a:pPr>
-            <a:r>
-              <a:rPr lang="en-IN" sz="3600" b="1" dirty="0">
-                <a:solidFill>
-                  <a:srgbClr val="FFFF00"/>
-                </a:solidFill>
-              </a:rPr>
-              <a:t>Dependency management</a:t>
-            </a:r>
-          </a:p>
-          <a:p>
-            <a:pPr marL="685800" indent="-685800" algn="ctr">
-              <a:buFont typeface="+mj-lt"/>
-              <a:buAutoNum type="arabicPeriod"/>
-            </a:pPr>
-            <a:r>
-              <a:rPr lang="en-IN" b="1" dirty="0"/>
-              <a:t>Failure Analyzer</a:t>
-            </a:r>
-          </a:p>
-          <a:p>
-            <a:pPr marL="685800" indent="-685800" algn="ctr">
-              <a:buFont typeface="+mj-lt"/>
-              <a:buAutoNum type="arabicPeriod"/>
-            </a:pPr>
-            <a:r>
-              <a:rPr lang="en-IN" b="1" dirty="0"/>
-              <a:t>Spring boot banner</a:t>
-            </a:r>
-          </a:p>
-          <a:p>
-            <a:pPr marL="685800" indent="-685800" algn="ctr">
-              <a:buFont typeface="+mj-lt"/>
-              <a:buAutoNum type="arabicPeriod"/>
-            </a:pPr>
-            <a:r>
-              <a:rPr lang="en-IN" b="1" dirty="0"/>
-              <a:t>Server port</a:t>
-            </a:r>
-          </a:p>
-          <a:p>
-            <a:pPr marL="685800" indent="-685800" algn="ctr">
-              <a:buFont typeface="+mj-lt"/>
-              <a:buAutoNum type="arabicPeriod"/>
-            </a:pPr>
-            <a:r>
-              <a:rPr lang="en-IN" b="1" dirty="0"/>
-              <a:t>Spring vs Spring Boot</a:t>
-            </a:r>
-          </a:p>
-        </p:txBody>
-      </p:sp>
-      <p:pic>
-        <p:nvPicPr>
-          <p:cNvPr id="1032" name="Picture 8" descr="Image result for spring boot">
-            <a:extLst>
-              <a:ext uri="{FF2B5EF4-FFF2-40B4-BE49-F238E27FC236}">
-                <a16:creationId xmlns:a16="http://schemas.microsoft.com/office/drawing/2014/main" id="{BDCFC6E3-9BA9-4E09-A1F7-9D5A9F5903A0}"/>
-              </a:ext>
-            </a:extLst>
-          </p:cNvPr>
-          <p:cNvPicPr>
-            <a:picLocks noChangeAspect="1" noChangeArrowheads="1"/>
-          </p:cNvPicPr>
-          <p:nvPr/>
-        </p:nvPicPr>
-        <p:blipFill>
-          <a:blip r:embed="rId3">
-            <a:extLst>
-              <a:ext uri="{28A0092B-C50C-407E-A947-70E740481C1C}">
-                <a14:useLocalDpi xmlns:a14="http://schemas.microsoft.com/office/drawing/2010/main" val="0"/>
-              </a:ext>
-            </a:extLst>
-          </a:blip>
-          <a:srcRect/>
-          <a:stretch>
-            <a:fillRect/>
-          </a:stretch>
-        </p:blipFill>
-        <p:spPr bwMode="auto">
-          <a:xfrm rot="16200000">
-            <a:off x="-732449" y="732450"/>
-            <a:ext cx="3036524" cy="1571625"/>
-          </a:xfrm>
-          <a:prstGeom prst="rect">
-            <a:avLst/>
-          </a:prstGeom>
-          <a:ln>
-            <a:noFill/>
-          </a:ln>
-          <a:effectLst>
-            <a:outerShdw blurRad="292100" dist="139700" dir="2700000" algn="tl" rotWithShape="0">
-              <a:srgbClr val="333333">
-                <a:alpha val="65000"/>
-              </a:srgbClr>
-            </a:outerShdw>
-          </a:effectLst>
-          <a:extLst>
-            <a:ext uri="{909E8E84-426E-40DD-AFC4-6F175D3DCCD1}">
-              <a14:hiddenFill xmlns:a14="http://schemas.microsoft.com/office/drawing/2010/main">
-                <a:solidFill>
-                  <a:srgbClr val="FFFFFF"/>
-                </a:solidFill>
-              </a14:hiddenFill>
-            </a:ext>
-          </a:extLst>
-        </p:spPr>
-      </p:pic>
+      <mc:AlternateContent xmlns:mc="http://schemas.openxmlformats.org/markup-compatibility/2006">
+        <mc:Choice xmlns:p14="http://schemas.microsoft.com/office/powerpoint/2010/main" Requires="p14">
+          <p:contentPart p14:bwMode="auto" r:id="rId2">
+            <p14:nvContentPartPr>
+              <p14:cNvPr id="4" name="Ink 3">
+                <a:extLst>
+                  <a:ext uri="{FF2B5EF4-FFF2-40B4-BE49-F238E27FC236}">
+                    <a16:creationId xmlns:a16="http://schemas.microsoft.com/office/drawing/2014/main" id="{9688E242-DE15-47A0-8555-FCE01E146AF3}"/>
+                  </a:ext>
+                </a:extLst>
+              </p14:cNvPr>
+              <p14:cNvContentPartPr/>
+              <p14:nvPr/>
+            </p14:nvContentPartPr>
+            <p14:xfrm>
+              <a:off x="900360" y="1345680"/>
+              <a:ext cx="9835200" cy="2805840"/>
+            </p14:xfrm>
+          </p:contentPart>
+        </mc:Choice>
+        <mc:Fallback>
+          <p:pic>
+            <p:nvPicPr>
+              <p:cNvPr id="4" name="Ink 3">
+                <a:extLst>
+                  <a:ext uri="{FF2B5EF4-FFF2-40B4-BE49-F238E27FC236}">
+                    <a16:creationId xmlns:a16="http://schemas.microsoft.com/office/drawing/2014/main" id="{9688E242-DE15-47A0-8555-FCE01E146AF3}"/>
+                  </a:ext>
+                </a:extLst>
+              </p:cNvPr>
+              <p:cNvPicPr/>
+              <p:nvPr/>
+            </p:nvPicPr>
+            <p:blipFill>
+              <a:blip r:embed="rId3"/>
+              <a:stretch>
+                <a:fillRect/>
+              </a:stretch>
+            </p:blipFill>
+            <p:spPr>
+              <a:xfrm>
+                <a:off x="891000" y="1336320"/>
+                <a:ext cx="9853920" cy="2824560"/>
+              </a:xfrm>
+              <a:prstGeom prst="rect">
+                <a:avLst/>
+              </a:prstGeom>
+            </p:spPr>
+          </p:pic>
+        </mc:Fallback>
+      </mc:AlternateContent>
     </p:spTree>
     <p:extLst>
       <p:ext uri="{BB962C8B-B14F-4D97-AF65-F5344CB8AC3E}">
-        <p14:creationId xmlns:p14="http://schemas.microsoft.com/office/powerpoint/2010/main" val="3579262248"/>
+        <p14:creationId xmlns:p14="http://schemas.microsoft.com/office/powerpoint/2010/main" val="1495909548"/>
       </p:ext>
     </p:extLst>
   </p:cSld>
   <p:clrMapOvr>
     <a:masterClrMapping/>
   </p:clrMapOvr>
+  <p:timing>
+    <p:tnLst>
+      <p:par>
+        <p:cTn id="1" dur="indefinite" restart="never" nodeType="tmRoot">
+          <p:childTnLst>
+            <p:seq concurrent="1" nextAc="seek">
+              <p:cTn id="2" dur="indefinite" nodeType="mainSeq">
+                <p:childTnLst>
+                  <p:par>
+                    <p:cTn id="3" fill="hold">
+                      <p:stCondLst>
+                        <p:cond delay="indefinite"/>
+                      </p:stCondLst>
+                      <p:childTnLst>
+                        <p:par>
+                          <p:cTn id="4" fill="hold">
+                            <p:stCondLst>
+                              <p:cond delay="0"/>
+                            </p:stCondLst>
+                            <p:childTnLst>
+                              <p:par>
+                                <p:cTn id="5" presetID="42" presetClass="entr" presetSubtype="0" fill="hold" grpId="0" nodeType="clickEffect">
+                                  <p:stCondLst>
+                                    <p:cond delay="0"/>
+                                  </p:stCondLst>
+                                  <p:childTnLst>
+                                    <p:set>
+                                      <p:cBhvr>
+                                        <p:cTn id="6" dur="1" fill="hold">
+                                          <p:stCondLst>
+                                            <p:cond delay="0"/>
+                                          </p:stCondLst>
+                                        </p:cTn>
+                                        <p:tgtEl>
+                                          <p:spTgt spid="3">
+                                            <p:txEl>
+                                              <p:pRg st="0" end="0"/>
+                                            </p:txEl>
+                                          </p:spTgt>
+                                        </p:tgtEl>
+                                        <p:attrNameLst>
+                                          <p:attrName>style.visibility</p:attrName>
+                                        </p:attrNameLst>
+                                      </p:cBhvr>
+                                      <p:to>
+                                        <p:strVal val="visible"/>
+                                      </p:to>
+                                    </p:set>
+                                    <p:animEffect transition="in" filter="fade">
+                                      <p:cBhvr>
+                                        <p:cTn id="7" dur="1000"/>
+                                        <p:tgtEl>
+                                          <p:spTgt spid="3">
+                                            <p:txEl>
+                                              <p:pRg st="0" end="0"/>
+                                            </p:txEl>
+                                          </p:spTgt>
+                                        </p:tgtEl>
+                                      </p:cBhvr>
+                                    </p:animEffect>
+                                    <p:anim calcmode="lin" valueType="num">
+                                      <p:cBhvr>
+                                        <p:cTn id="8" dur="1000" fill="hold"/>
+                                        <p:tgtEl>
+                                          <p:spTgt spid="3">
+                                            <p:txEl>
+                                              <p:pRg st="0" end="0"/>
+                                            </p:txEl>
+                                          </p:spTgt>
+                                        </p:tgtEl>
+                                        <p:attrNameLst>
+                                          <p:attrName>ppt_x</p:attrName>
+                                        </p:attrNameLst>
+                                      </p:cBhvr>
+                                      <p:tavLst>
+                                        <p:tav tm="0">
+                                          <p:val>
+                                            <p:strVal val="#ppt_x"/>
+                                          </p:val>
+                                        </p:tav>
+                                        <p:tav tm="100000">
+                                          <p:val>
+                                            <p:strVal val="#ppt_x"/>
+                                          </p:val>
+                                        </p:tav>
+                                      </p:tavLst>
+                                    </p:anim>
+                                    <p:anim calcmode="lin" valueType="num">
+                                      <p:cBhvr>
+                                        <p:cTn id="9" dur="1000" fill="hold"/>
+                                        <p:tgtEl>
+                                          <p:spTgt spid="3">
+                                            <p:txEl>
+                                              <p:pRg st="0" end="0"/>
+                                            </p:txEl>
+                                          </p:spTgt>
+                                        </p:tgtEl>
+                                        <p:attrNameLst>
+                                          <p:attrName>ppt_y</p:attrName>
+                                        </p:attrNameLst>
+                                      </p:cBhvr>
+                                      <p:tavLst>
+                                        <p:tav tm="0">
+                                          <p:val>
+                                            <p:strVal val="#ppt_y+.1"/>
+                                          </p:val>
+                                        </p:tav>
+                                        <p:tav tm="100000">
+                                          <p:val>
+                                            <p:strVal val="#ppt_y"/>
+                                          </p:val>
+                                        </p:tav>
+                                      </p:tavLst>
+                                    </p:anim>
+                                  </p:childTnLst>
+                                </p:cTn>
+                              </p:par>
+                              <p:par>
+                                <p:cTn id="10" presetID="42" presetClass="entr" presetSubtype="0" fill="hold" grpId="0" nodeType="withEffect">
+                                  <p:stCondLst>
+                                    <p:cond delay="0"/>
+                                  </p:stCondLst>
+                                  <p:childTnLst>
+                                    <p:set>
+                                      <p:cBhvr>
+                                        <p:cTn id="11" dur="1" fill="hold">
+                                          <p:stCondLst>
+                                            <p:cond delay="0"/>
+                                          </p:stCondLst>
+                                        </p:cTn>
+                                        <p:tgtEl>
+                                          <p:spTgt spid="3">
+                                            <p:txEl>
+                                              <p:pRg st="1" end="1"/>
+                                            </p:txEl>
+                                          </p:spTgt>
+                                        </p:tgtEl>
+                                        <p:attrNameLst>
+                                          <p:attrName>style.visibility</p:attrName>
+                                        </p:attrNameLst>
+                                      </p:cBhvr>
+                                      <p:to>
+                                        <p:strVal val="visible"/>
+                                      </p:to>
+                                    </p:set>
+                                    <p:animEffect transition="in" filter="fade">
+                                      <p:cBhvr>
+                                        <p:cTn id="12" dur="1000"/>
+                                        <p:tgtEl>
+                                          <p:spTgt spid="3">
+                                            <p:txEl>
+                                              <p:pRg st="1" end="1"/>
+                                            </p:txEl>
+                                          </p:spTgt>
+                                        </p:tgtEl>
+                                      </p:cBhvr>
+                                    </p:animEffect>
+                                    <p:anim calcmode="lin" valueType="num">
+                                      <p:cBhvr>
+                                        <p:cTn id="13" dur="1000" fill="hold"/>
+                                        <p:tgtEl>
+                                          <p:spTgt spid="3">
+                                            <p:txEl>
+                                              <p:pRg st="1" end="1"/>
+                                            </p:txEl>
+                                          </p:spTgt>
+                                        </p:tgtEl>
+                                        <p:attrNameLst>
+                                          <p:attrName>ppt_x</p:attrName>
+                                        </p:attrNameLst>
+                                      </p:cBhvr>
+                                      <p:tavLst>
+                                        <p:tav tm="0">
+                                          <p:val>
+                                            <p:strVal val="#ppt_x"/>
+                                          </p:val>
+                                        </p:tav>
+                                        <p:tav tm="100000">
+                                          <p:val>
+                                            <p:strVal val="#ppt_x"/>
+                                          </p:val>
+                                        </p:tav>
+                                      </p:tavLst>
+                                    </p:anim>
+                                    <p:anim calcmode="lin" valueType="num">
+                                      <p:cBhvr>
+                                        <p:cTn id="14" dur="1000" fill="hold"/>
+                                        <p:tgtEl>
+                                          <p:spTgt spid="3">
+                                            <p:txEl>
+                                              <p:pRg st="1" end="1"/>
+                                            </p:txEl>
+                                          </p:spTgt>
+                                        </p:tgtEl>
+                                        <p:attrNameLst>
+                                          <p:attrName>ppt_y</p:attrName>
+                                        </p:attrNameLst>
+                                      </p:cBhvr>
+                                      <p:tavLst>
+                                        <p:tav tm="0">
+                                          <p:val>
+                                            <p:strVal val="#ppt_y+.1"/>
+                                          </p:val>
+                                        </p:tav>
+                                        <p:tav tm="100000">
+                                          <p:val>
+                                            <p:strVal val="#ppt_y"/>
+                                          </p:val>
+                                        </p:tav>
+                                      </p:tavLst>
+                                    </p:anim>
+                                  </p:childTnLst>
+                                </p:cTn>
+                              </p:par>
+                              <p:par>
+                                <p:cTn id="15" presetID="42" presetClass="entr" presetSubtype="0" fill="hold" grpId="0" nodeType="withEffect">
+                                  <p:stCondLst>
+                                    <p:cond delay="0"/>
+                                  </p:stCondLst>
+                                  <p:childTnLst>
+                                    <p:set>
+                                      <p:cBhvr>
+                                        <p:cTn id="16" dur="1" fill="hold">
+                                          <p:stCondLst>
+                                            <p:cond delay="0"/>
+                                          </p:stCondLst>
+                                        </p:cTn>
+                                        <p:tgtEl>
+                                          <p:spTgt spid="3">
+                                            <p:txEl>
+                                              <p:pRg st="2" end="2"/>
+                                            </p:txEl>
+                                          </p:spTgt>
+                                        </p:tgtEl>
+                                        <p:attrNameLst>
+                                          <p:attrName>style.visibility</p:attrName>
+                                        </p:attrNameLst>
+                                      </p:cBhvr>
+                                      <p:to>
+                                        <p:strVal val="visible"/>
+                                      </p:to>
+                                    </p:set>
+                                    <p:animEffect transition="in" filter="fade">
+                                      <p:cBhvr>
+                                        <p:cTn id="17" dur="1000"/>
+                                        <p:tgtEl>
+                                          <p:spTgt spid="3">
+                                            <p:txEl>
+                                              <p:pRg st="2" end="2"/>
+                                            </p:txEl>
+                                          </p:spTgt>
+                                        </p:tgtEl>
+                                      </p:cBhvr>
+                                    </p:animEffect>
+                                    <p:anim calcmode="lin" valueType="num">
+                                      <p:cBhvr>
+                                        <p:cTn id="18" dur="1000" fill="hold"/>
+                                        <p:tgtEl>
+                                          <p:spTgt spid="3">
+                                            <p:txEl>
+                                              <p:pRg st="2" end="2"/>
+                                            </p:txEl>
+                                          </p:spTgt>
+                                        </p:tgtEl>
+                                        <p:attrNameLst>
+                                          <p:attrName>ppt_x</p:attrName>
+                                        </p:attrNameLst>
+                                      </p:cBhvr>
+                                      <p:tavLst>
+                                        <p:tav tm="0">
+                                          <p:val>
+                                            <p:strVal val="#ppt_x"/>
+                                          </p:val>
+                                        </p:tav>
+                                        <p:tav tm="100000">
+                                          <p:val>
+                                            <p:strVal val="#ppt_x"/>
+                                          </p:val>
+                                        </p:tav>
+                                      </p:tavLst>
+                                    </p:anim>
+                                    <p:anim calcmode="lin" valueType="num">
+                                      <p:cBhvr>
+                                        <p:cTn id="19" dur="1000" fill="hold"/>
+                                        <p:tgtEl>
+                                          <p:spTgt spid="3">
+                                            <p:txEl>
+                                              <p:pRg st="2" end="2"/>
+                                            </p:txEl>
+                                          </p:spTgt>
+                                        </p:tgtEl>
+                                        <p:attrNameLst>
+                                          <p:attrName>ppt_y</p:attrName>
+                                        </p:attrNameLst>
+                                      </p:cBhvr>
+                                      <p:tavLst>
+                                        <p:tav tm="0">
+                                          <p:val>
+                                            <p:strVal val="#ppt_y+.1"/>
+                                          </p:val>
+                                        </p:tav>
+                                        <p:tav tm="100000">
+                                          <p:val>
+                                            <p:strVal val="#ppt_y"/>
+                                          </p:val>
+                                        </p:tav>
+                                      </p:tavLst>
+                                    </p:anim>
+                                  </p:childTnLst>
+                                </p:cTn>
+                              </p:par>
+                              <p:par>
+                                <p:cTn id="20" presetID="42" presetClass="entr" presetSubtype="0" fill="hold" grpId="0" nodeType="withEffect">
+                                  <p:stCondLst>
+                                    <p:cond delay="0"/>
+                                  </p:stCondLst>
+                                  <p:childTnLst>
+                                    <p:set>
+                                      <p:cBhvr>
+                                        <p:cTn id="21" dur="1" fill="hold">
+                                          <p:stCondLst>
+                                            <p:cond delay="0"/>
+                                          </p:stCondLst>
+                                        </p:cTn>
+                                        <p:tgtEl>
+                                          <p:spTgt spid="3">
+                                            <p:txEl>
+                                              <p:pRg st="3" end="3"/>
+                                            </p:txEl>
+                                          </p:spTgt>
+                                        </p:tgtEl>
+                                        <p:attrNameLst>
+                                          <p:attrName>style.visibility</p:attrName>
+                                        </p:attrNameLst>
+                                      </p:cBhvr>
+                                      <p:to>
+                                        <p:strVal val="visible"/>
+                                      </p:to>
+                                    </p:set>
+                                    <p:animEffect transition="in" filter="fade">
+                                      <p:cBhvr>
+                                        <p:cTn id="22" dur="1000"/>
+                                        <p:tgtEl>
+                                          <p:spTgt spid="3">
+                                            <p:txEl>
+                                              <p:pRg st="3" end="3"/>
+                                            </p:txEl>
+                                          </p:spTgt>
+                                        </p:tgtEl>
+                                      </p:cBhvr>
+                                    </p:animEffect>
+                                    <p:anim calcmode="lin" valueType="num">
+                                      <p:cBhvr>
+                                        <p:cTn id="23" dur="1000" fill="hold"/>
+                                        <p:tgtEl>
+                                          <p:spTgt spid="3">
+                                            <p:txEl>
+                                              <p:pRg st="3" end="3"/>
+                                            </p:txEl>
+                                          </p:spTgt>
+                                        </p:tgtEl>
+                                        <p:attrNameLst>
+                                          <p:attrName>ppt_x</p:attrName>
+                                        </p:attrNameLst>
+                                      </p:cBhvr>
+                                      <p:tavLst>
+                                        <p:tav tm="0">
+                                          <p:val>
+                                            <p:strVal val="#ppt_x"/>
+                                          </p:val>
+                                        </p:tav>
+                                        <p:tav tm="100000">
+                                          <p:val>
+                                            <p:strVal val="#ppt_x"/>
+                                          </p:val>
+                                        </p:tav>
+                                      </p:tavLst>
+                                    </p:anim>
+                                    <p:anim calcmode="lin" valueType="num">
+                                      <p:cBhvr>
+                                        <p:cTn id="24" dur="1000" fill="hold"/>
+                                        <p:tgtEl>
+                                          <p:spTgt spid="3">
+                                            <p:txEl>
+                                              <p:pRg st="3" end="3"/>
+                                            </p:txEl>
+                                          </p:spTgt>
+                                        </p:tgtEl>
+                                        <p:attrNameLst>
+                                          <p:attrName>ppt_y</p:attrName>
+                                        </p:attrNameLst>
+                                      </p:cBhvr>
+                                      <p:tavLst>
+                                        <p:tav tm="0">
+                                          <p:val>
+                                            <p:strVal val="#ppt_y+.1"/>
+                                          </p:val>
+                                        </p:tav>
+                                        <p:tav tm="100000">
+                                          <p:val>
+                                            <p:strVal val="#ppt_y"/>
+                                          </p:val>
+                                        </p:tav>
+                                      </p:tavLst>
+                                    </p:anim>
+                                  </p:childTnLst>
+                                </p:cTn>
+                              </p:par>
+                              <p:par>
+                                <p:cTn id="25" presetID="42" presetClass="entr" presetSubtype="0" fill="hold" grpId="0" nodeType="withEffect">
+                                  <p:stCondLst>
+                                    <p:cond delay="0"/>
+                                  </p:stCondLst>
+                                  <p:childTnLst>
+                                    <p:set>
+                                      <p:cBhvr>
+                                        <p:cTn id="26" dur="1" fill="hold">
+                                          <p:stCondLst>
+                                            <p:cond delay="0"/>
+                                          </p:stCondLst>
+                                        </p:cTn>
+                                        <p:tgtEl>
+                                          <p:spTgt spid="3">
+                                            <p:txEl>
+                                              <p:pRg st="4" end="4"/>
+                                            </p:txEl>
+                                          </p:spTgt>
+                                        </p:tgtEl>
+                                        <p:attrNameLst>
+                                          <p:attrName>style.visibility</p:attrName>
+                                        </p:attrNameLst>
+                                      </p:cBhvr>
+                                      <p:to>
+                                        <p:strVal val="visible"/>
+                                      </p:to>
+                                    </p:set>
+                                    <p:animEffect transition="in" filter="fade">
+                                      <p:cBhvr>
+                                        <p:cTn id="27" dur="1000"/>
+                                        <p:tgtEl>
+                                          <p:spTgt spid="3">
+                                            <p:txEl>
+                                              <p:pRg st="4" end="4"/>
+                                            </p:txEl>
+                                          </p:spTgt>
+                                        </p:tgtEl>
+                                      </p:cBhvr>
+                                    </p:animEffect>
+                                    <p:anim calcmode="lin" valueType="num">
+                                      <p:cBhvr>
+                                        <p:cTn id="28" dur="1000" fill="hold"/>
+                                        <p:tgtEl>
+                                          <p:spTgt spid="3">
+                                            <p:txEl>
+                                              <p:pRg st="4" end="4"/>
+                                            </p:txEl>
+                                          </p:spTgt>
+                                        </p:tgtEl>
+                                        <p:attrNameLst>
+                                          <p:attrName>ppt_x</p:attrName>
+                                        </p:attrNameLst>
+                                      </p:cBhvr>
+                                      <p:tavLst>
+                                        <p:tav tm="0">
+                                          <p:val>
+                                            <p:strVal val="#ppt_x"/>
+                                          </p:val>
+                                        </p:tav>
+                                        <p:tav tm="100000">
+                                          <p:val>
+                                            <p:strVal val="#ppt_x"/>
+                                          </p:val>
+                                        </p:tav>
+                                      </p:tavLst>
+                                    </p:anim>
+                                    <p:anim calcmode="lin" valueType="num">
+                                      <p:cBhvr>
+                                        <p:cTn id="29" dur="1000" fill="hold"/>
+                                        <p:tgtEl>
+                                          <p:spTgt spid="3">
+                                            <p:txEl>
+                                              <p:pRg st="4" end="4"/>
+                                            </p:txEl>
+                                          </p:spTgt>
+                                        </p:tgtEl>
+                                        <p:attrNameLst>
+                                          <p:attrName>ppt_y</p:attrName>
+                                        </p:attrNameLst>
+                                      </p:cBhvr>
+                                      <p:tavLst>
+                                        <p:tav tm="0">
+                                          <p:val>
+                                            <p:strVal val="#ppt_y+.1"/>
+                                          </p:val>
+                                        </p:tav>
+                                        <p:tav tm="100000">
+                                          <p:val>
+                                            <p:strVal val="#ppt_y"/>
+                                          </p:val>
+                                        </p:tav>
+                                      </p:tavLst>
+                                    </p:anim>
+                                  </p:childTnLst>
+                                </p:cTn>
+                              </p:par>
+                            </p:childTnLst>
+                          </p:cTn>
+                        </p:par>
+                      </p:childTnLst>
+                    </p:cTn>
+                  </p:par>
+                </p:childTnLst>
+              </p:cTn>
+              <p:prevCondLst>
+                <p:cond evt="onPrev" delay="0">
+                  <p:tgtEl>
+                    <p:sldTgt/>
+                  </p:tgtEl>
+                </p:cond>
+              </p:prevCondLst>
+              <p:nextCondLst>
+                <p:cond evt="onNext" delay="0">
+                  <p:tgtEl>
+                    <p:sldTgt/>
+                  </p:tgtEl>
+                </p:cond>
+              </p:nextCondLst>
+            </p:seq>
+          </p:childTnLst>
+        </p:cTn>
+      </p:par>
+    </p:tnLst>
+    <p:bldLst>
+      <p:bldP spid="3" grpId="0" uiExpand="1" build="p"/>
+    </p:bldLst>
+  </p:timing>
 </p:sld>
 </file>
 
@@ -9622,7 +10022,7 @@
                 </a:solidFill>
                 <a:latin typeface="Algerian" panose="04020705040A02060702" pitchFamily="82" charset="0"/>
               </a:rPr>
-              <a:t>#7</a:t>
+              <a:t>#5</a:t>
             </a:r>
             <a:endParaRPr lang="en-IN" sz="3600" dirty="0">
               <a:solidFill>
@@ -9647,8 +10047,8 @@
         </p:nvSpPr>
         <p:spPr>
           <a:xfrm>
-            <a:off x="3424466" y="3066430"/>
-            <a:ext cx="6129338" cy="3387960"/>
+            <a:off x="3424465" y="3134620"/>
+            <a:ext cx="7757869" cy="3319770"/>
           </a:xfrm>
           <a:prstGeom prst="rect">
             <a:avLst/>
@@ -9729,20 +10129,6 @@
                   <a:srgbClr val="00B050"/>
                 </a:solidFill>
               </a:rPr>
-              <a:t>Custom Starters</a:t>
-            </a:r>
-          </a:p>
-          <a:p>
-            <a:pPr marL="685800" indent="-685800" algn="ctr">
-              <a:buFont typeface="+mj-lt"/>
-              <a:buAutoNum type="arabicPeriod"/>
-            </a:pPr>
-            <a:r>
-              <a:rPr lang="en-IN" b="1" dirty="0">
-                <a:solidFill>
-                  <a:srgbClr val="00B050"/>
-                </a:solidFill>
-              </a:rPr>
               <a:t>Exploring </a:t>
             </a:r>
             <a:r>
@@ -9768,25 +10154,21 @@
               <a:buAutoNum type="arabicPeriod"/>
             </a:pPr>
             <a:r>
-              <a:rPr lang="en-IN" b="1" dirty="0">
-                <a:solidFill>
-                  <a:srgbClr val="00B050"/>
-                </a:solidFill>
-              </a:rPr>
-              <a:t>Dependency management</a:t>
-            </a:r>
-          </a:p>
-          <a:p>
-            <a:pPr marL="685800" indent="-685800" algn="ctr">
-              <a:buFont typeface="+mj-lt"/>
-              <a:buAutoNum type="arabicPeriod"/>
-            </a:pPr>
-            <a:r>
               <a:rPr lang="en-IN" sz="4800" b="1" dirty="0">
                 <a:solidFill>
                   <a:srgbClr val="FFFF00"/>
                 </a:solidFill>
               </a:rPr>
+              <a:t>Dependency management</a:t>
+            </a:r>
+          </a:p>
+          <a:p>
+            <a:pPr marL="685800" indent="-685800" algn="ctr">
+              <a:buFont typeface="+mj-lt"/>
+              <a:buAutoNum type="arabicPeriod"/>
+            </a:pPr>
+            <a:r>
+              <a:rPr lang="en-IN" b="1" dirty="0"/>
               <a:t>Failure Analyzer</a:t>
             </a:r>
           </a:p>
@@ -9878,10 +10260,61 @@
           </a:extLst>
         </p:spPr>
       </p:pic>
+      <mc:AlternateContent xmlns:mc="http://schemas.openxmlformats.org/markup-compatibility/2006">
+        <mc:Choice xmlns:p14="http://schemas.microsoft.com/office/powerpoint/2010/main" Requires="p14">
+          <p:contentPart p14:bwMode="auto" r:id="rId4">
+            <p14:nvContentPartPr>
+              <p14:cNvPr id="3" name="Ink 2">
+                <a:extLst>
+                  <a:ext uri="{FF2B5EF4-FFF2-40B4-BE49-F238E27FC236}">
+                    <a16:creationId xmlns:a16="http://schemas.microsoft.com/office/drawing/2014/main" id="{46010652-7089-4D06-92AD-1956CFC2B47F}"/>
+                  </a:ext>
+                </a:extLst>
+              </p14:cNvPr>
+              <p14:cNvContentPartPr/>
+              <p14:nvPr/>
+            </p14:nvContentPartPr>
+            <p14:xfrm>
+              <a:off x="3264120" y="56520"/>
+              <a:ext cx="8731440" cy="5383080"/>
+            </p14:xfrm>
+          </p:contentPart>
+        </mc:Choice>
+        <mc:Fallback>
+          <p:pic>
+            <p:nvPicPr>
+              <p:cNvPr id="3" name="Ink 2">
+                <a:extLst>
+                  <a:ext uri="{FF2B5EF4-FFF2-40B4-BE49-F238E27FC236}">
+                    <a16:creationId xmlns:a16="http://schemas.microsoft.com/office/drawing/2014/main" id="{46010652-7089-4D06-92AD-1956CFC2B47F}"/>
+                  </a:ext>
+                </a:extLst>
+              </p:cNvPr>
+              <p:cNvPicPr/>
+              <p:nvPr/>
+            </p:nvPicPr>
+            <p:blipFill>
+              <a:blip r:embed="rId5"/>
+              <a:stretch>
+                <a:fillRect/>
+              </a:stretch>
+            </p:blipFill>
+            <p:spPr>
+              <a:xfrm>
+                <a:off x="3254760" y="47160"/>
+                <a:ext cx="8750160" cy="5401800"/>
+              </a:xfrm>
+              <a:prstGeom prst="rect">
+                <a:avLst/>
+              </a:prstGeom>
+            </p:spPr>
+          </p:pic>
+        </mc:Fallback>
+      </mc:AlternateContent>
     </p:spTree>
     <p:extLst>
       <p:ext uri="{BB962C8B-B14F-4D97-AF65-F5344CB8AC3E}">
-        <p14:creationId xmlns:p14="http://schemas.microsoft.com/office/powerpoint/2010/main" val="4137341461"/>
+        <p14:creationId xmlns:p14="http://schemas.microsoft.com/office/powerpoint/2010/main" val="3579262248"/>
       </p:ext>
     </p:extLst>
   </p:cSld>
@@ -9892,392 +10325,6 @@
 </file>
 
 <file path=ppt/slides/slide17.xml><?xml version="1.0" encoding="utf-8"?>
-<p:sld xmlns:a="http://schemas.openxmlformats.org/drawingml/2006/main" xmlns:r="http://schemas.openxmlformats.org/officeDocument/2006/relationships" xmlns:p="http://schemas.openxmlformats.org/presentationml/2006/main">
-  <p:cSld>
-    <p:spTree>
-      <p:nvGrpSpPr>
-        <p:cNvPr id="1" name=""/>
-        <p:cNvGrpSpPr/>
-        <p:nvPr/>
-      </p:nvGrpSpPr>
-      <p:grpSpPr>
-        <a:xfrm>
-          <a:off x="0" y="0"/>
-          <a:ext cx="0" cy="0"/>
-          <a:chOff x="0" y="0"/>
-          <a:chExt cx="0" cy="0"/>
-        </a:xfrm>
-      </p:grpSpPr>
-      <p:sp>
-        <p:nvSpPr>
-          <p:cNvPr id="2" name="Title 1">
-            <a:extLst>
-              <a:ext uri="{FF2B5EF4-FFF2-40B4-BE49-F238E27FC236}">
-                <a16:creationId xmlns:a16="http://schemas.microsoft.com/office/drawing/2014/main" id="{F7C7A7AD-168E-4859-B7F1-00E770DAFE0E}"/>
-              </a:ext>
-            </a:extLst>
-          </p:cNvPr>
-          <p:cNvSpPr>
-            <a:spLocks noGrp="1"/>
-          </p:cNvSpPr>
-          <p:nvPr>
-            <p:ph type="title"/>
-          </p:nvPr>
-        </p:nvSpPr>
-        <p:spPr>
-          <a:solidFill>
-            <a:schemeClr val="accent6">
-              <a:lumMod val="40000"/>
-              <a:lumOff val="60000"/>
-            </a:schemeClr>
-          </a:solidFill>
-        </p:spPr>
-        <p:txBody>
-          <a:bodyPr/>
-          <a:lstStyle/>
-          <a:p>
-            <a:r>
-              <a:rPr lang="en-IN" dirty="0">
-                <a:latin typeface="Algerian" panose="04020705040A02060702" pitchFamily="82" charset="0"/>
-              </a:rPr>
-              <a:t>Use cases</a:t>
-            </a:r>
-          </a:p>
-        </p:txBody>
-      </p:sp>
-      <p:sp>
-        <p:nvSpPr>
-          <p:cNvPr id="3" name="Content Placeholder 2">
-            <a:extLst>
-              <a:ext uri="{FF2B5EF4-FFF2-40B4-BE49-F238E27FC236}">
-                <a16:creationId xmlns:a16="http://schemas.microsoft.com/office/drawing/2014/main" id="{21475D0B-8934-4CDF-9263-310490EE9888}"/>
-              </a:ext>
-            </a:extLst>
-          </p:cNvPr>
-          <p:cNvSpPr>
-            <a:spLocks noGrp="1"/>
-          </p:cNvSpPr>
-          <p:nvPr>
-            <p:ph idx="1"/>
-          </p:nvPr>
-        </p:nvSpPr>
-        <p:spPr>
-          <a:solidFill>
-            <a:schemeClr val="accent2">
-              <a:lumMod val="20000"/>
-              <a:lumOff val="80000"/>
-            </a:schemeClr>
-          </a:solidFill>
-        </p:spPr>
-        <p:txBody>
-          <a:bodyPr/>
-          <a:lstStyle/>
-          <a:p>
-            <a:pPr>
-              <a:buFont typeface="Wingdings" panose="05000000000000000000" pitchFamily="2" charset="2"/>
-              <a:buChar char="q"/>
-            </a:pPr>
-            <a:r>
-              <a:rPr lang="en-IN" dirty="0"/>
-              <a:t>Custom message in general</a:t>
-            </a:r>
-          </a:p>
-          <a:p>
-            <a:pPr>
-              <a:buFont typeface="Wingdings" panose="05000000000000000000" pitchFamily="2" charset="2"/>
-              <a:buChar char="q"/>
-            </a:pPr>
-            <a:r>
-              <a:rPr lang="en-IN" dirty="0"/>
-              <a:t>Custom message in case of specific exception</a:t>
-            </a:r>
-          </a:p>
-          <a:p>
-            <a:pPr>
-              <a:buFont typeface="Wingdings" panose="05000000000000000000" pitchFamily="2" charset="2"/>
-              <a:buChar char="q"/>
-            </a:pPr>
-            <a:endParaRPr lang="en-IN" dirty="0"/>
-          </a:p>
-        </p:txBody>
-      </p:sp>
-    </p:spTree>
-    <p:extLst>
-      <p:ext uri="{BB962C8B-B14F-4D97-AF65-F5344CB8AC3E}">
-        <p14:creationId xmlns:p14="http://schemas.microsoft.com/office/powerpoint/2010/main" val="724256230"/>
-      </p:ext>
-    </p:extLst>
-  </p:cSld>
-  <p:clrMapOvr>
-    <a:masterClrMapping/>
-  </p:clrMapOvr>
-  <p:timing>
-    <p:tnLst>
-      <p:par>
-        <p:cTn id="1" dur="indefinite" restart="never" nodeType="tmRoot">
-          <p:childTnLst>
-            <p:seq concurrent="1" nextAc="seek">
-              <p:cTn id="2" dur="indefinite" nodeType="mainSeq">
-                <p:childTnLst>
-                  <p:par>
-                    <p:cTn id="3" fill="hold">
-                      <p:stCondLst>
-                        <p:cond delay="indefinite"/>
-                      </p:stCondLst>
-                      <p:childTnLst>
-                        <p:par>
-                          <p:cTn id="4" fill="hold">
-                            <p:stCondLst>
-                              <p:cond delay="0"/>
-                            </p:stCondLst>
-                            <p:childTnLst>
-                              <p:par>
-                                <p:cTn id="5" presetID="42" presetClass="entr" presetSubtype="0" fill="hold" grpId="0" nodeType="clickEffect">
-                                  <p:stCondLst>
-                                    <p:cond delay="0"/>
-                                  </p:stCondLst>
-                                  <p:childTnLst>
-                                    <p:set>
-                                      <p:cBhvr>
-                                        <p:cTn id="6" dur="1" fill="hold">
-                                          <p:stCondLst>
-                                            <p:cond delay="0"/>
-                                          </p:stCondLst>
-                                        </p:cTn>
-                                        <p:tgtEl>
-                                          <p:spTgt spid="3">
-                                            <p:txEl>
-                                              <p:pRg st="0" end="0"/>
-                                            </p:txEl>
-                                          </p:spTgt>
-                                        </p:tgtEl>
-                                        <p:attrNameLst>
-                                          <p:attrName>style.visibility</p:attrName>
-                                        </p:attrNameLst>
-                                      </p:cBhvr>
-                                      <p:to>
-                                        <p:strVal val="visible"/>
-                                      </p:to>
-                                    </p:set>
-                                    <p:animEffect transition="in" filter="fade">
-                                      <p:cBhvr>
-                                        <p:cTn id="7" dur="1000"/>
-                                        <p:tgtEl>
-                                          <p:spTgt spid="3">
-                                            <p:txEl>
-                                              <p:pRg st="0" end="0"/>
-                                            </p:txEl>
-                                          </p:spTgt>
-                                        </p:tgtEl>
-                                      </p:cBhvr>
-                                    </p:animEffect>
-                                    <p:anim calcmode="lin" valueType="num">
-                                      <p:cBhvr>
-                                        <p:cTn id="8" dur="1000" fill="hold"/>
-                                        <p:tgtEl>
-                                          <p:spTgt spid="3">
-                                            <p:txEl>
-                                              <p:pRg st="0" end="0"/>
-                                            </p:txEl>
-                                          </p:spTgt>
-                                        </p:tgtEl>
-                                        <p:attrNameLst>
-                                          <p:attrName>ppt_x</p:attrName>
-                                        </p:attrNameLst>
-                                      </p:cBhvr>
-                                      <p:tavLst>
-                                        <p:tav tm="0">
-                                          <p:val>
-                                            <p:strVal val="#ppt_x"/>
-                                          </p:val>
-                                        </p:tav>
-                                        <p:tav tm="100000">
-                                          <p:val>
-                                            <p:strVal val="#ppt_x"/>
-                                          </p:val>
-                                        </p:tav>
-                                      </p:tavLst>
-                                    </p:anim>
-                                    <p:anim calcmode="lin" valueType="num">
-                                      <p:cBhvr>
-                                        <p:cTn id="9" dur="1000" fill="hold"/>
-                                        <p:tgtEl>
-                                          <p:spTgt spid="3">
-                                            <p:txEl>
-                                              <p:pRg st="0" end="0"/>
-                                            </p:txEl>
-                                          </p:spTgt>
-                                        </p:tgtEl>
-                                        <p:attrNameLst>
-                                          <p:attrName>ppt_y</p:attrName>
-                                        </p:attrNameLst>
-                                      </p:cBhvr>
-                                      <p:tavLst>
-                                        <p:tav tm="0">
-                                          <p:val>
-                                            <p:strVal val="#ppt_y+.1"/>
-                                          </p:val>
-                                        </p:tav>
-                                        <p:tav tm="100000">
-                                          <p:val>
-                                            <p:strVal val="#ppt_y"/>
-                                          </p:val>
-                                        </p:tav>
-                                      </p:tavLst>
-                                    </p:anim>
-                                  </p:childTnLst>
-                                </p:cTn>
-                              </p:par>
-                            </p:childTnLst>
-                          </p:cTn>
-                        </p:par>
-                      </p:childTnLst>
-                    </p:cTn>
-                  </p:par>
-                  <p:par>
-                    <p:cTn id="10" fill="hold">
-                      <p:stCondLst>
-                        <p:cond delay="indefinite"/>
-                      </p:stCondLst>
-                      <p:childTnLst>
-                        <p:par>
-                          <p:cTn id="11" fill="hold">
-                            <p:stCondLst>
-                              <p:cond delay="0"/>
-                            </p:stCondLst>
-                            <p:childTnLst>
-                              <p:par>
-                                <p:cTn id="12" presetID="42" presetClass="entr" presetSubtype="0" fill="hold" grpId="0" nodeType="clickEffect">
-                                  <p:stCondLst>
-                                    <p:cond delay="0"/>
-                                  </p:stCondLst>
-                                  <p:childTnLst>
-                                    <p:set>
-                                      <p:cBhvr>
-                                        <p:cTn id="13" dur="1" fill="hold">
-                                          <p:stCondLst>
-                                            <p:cond delay="0"/>
-                                          </p:stCondLst>
-                                        </p:cTn>
-                                        <p:tgtEl>
-                                          <p:spTgt spid="3">
-                                            <p:txEl>
-                                              <p:pRg st="1" end="1"/>
-                                            </p:txEl>
-                                          </p:spTgt>
-                                        </p:tgtEl>
-                                        <p:attrNameLst>
-                                          <p:attrName>style.visibility</p:attrName>
-                                        </p:attrNameLst>
-                                      </p:cBhvr>
-                                      <p:to>
-                                        <p:strVal val="visible"/>
-                                      </p:to>
-                                    </p:set>
-                                    <p:animEffect transition="in" filter="fade">
-                                      <p:cBhvr>
-                                        <p:cTn id="14" dur="1000"/>
-                                        <p:tgtEl>
-                                          <p:spTgt spid="3">
-                                            <p:txEl>
-                                              <p:pRg st="1" end="1"/>
-                                            </p:txEl>
-                                          </p:spTgt>
-                                        </p:tgtEl>
-                                      </p:cBhvr>
-                                    </p:animEffect>
-                                    <p:anim calcmode="lin" valueType="num">
-                                      <p:cBhvr>
-                                        <p:cTn id="15" dur="1000" fill="hold"/>
-                                        <p:tgtEl>
-                                          <p:spTgt spid="3">
-                                            <p:txEl>
-                                              <p:pRg st="1" end="1"/>
-                                            </p:txEl>
-                                          </p:spTgt>
-                                        </p:tgtEl>
-                                        <p:attrNameLst>
-                                          <p:attrName>ppt_x</p:attrName>
-                                        </p:attrNameLst>
-                                      </p:cBhvr>
-                                      <p:tavLst>
-                                        <p:tav tm="0">
-                                          <p:val>
-                                            <p:strVal val="#ppt_x"/>
-                                          </p:val>
-                                        </p:tav>
-                                        <p:tav tm="100000">
-                                          <p:val>
-                                            <p:strVal val="#ppt_x"/>
-                                          </p:val>
-                                        </p:tav>
-                                      </p:tavLst>
-                                    </p:anim>
-                                    <p:anim calcmode="lin" valueType="num">
-                                      <p:cBhvr>
-                                        <p:cTn id="16" dur="1000" fill="hold"/>
-                                        <p:tgtEl>
-                                          <p:spTgt spid="3">
-                                            <p:txEl>
-                                              <p:pRg st="1" end="1"/>
-                                            </p:txEl>
-                                          </p:spTgt>
-                                        </p:tgtEl>
-                                        <p:attrNameLst>
-                                          <p:attrName>ppt_y</p:attrName>
-                                        </p:attrNameLst>
-                                      </p:cBhvr>
-                                      <p:tavLst>
-                                        <p:tav tm="0">
-                                          <p:val>
-                                            <p:strVal val="#ppt_y+.1"/>
-                                          </p:val>
-                                        </p:tav>
-                                        <p:tav tm="100000">
-                                          <p:val>
-                                            <p:strVal val="#ppt_y"/>
-                                          </p:val>
-                                        </p:tav>
-                                      </p:tavLst>
-                                    </p:anim>
-                                  </p:childTnLst>
-                                </p:cTn>
-                              </p:par>
-                            </p:childTnLst>
-                          </p:cTn>
-                        </p:par>
-                      </p:childTnLst>
-                    </p:cTn>
-                  </p:par>
-                </p:childTnLst>
-              </p:cTn>
-              <p:prevCondLst>
-                <p:cond evt="onPrev" delay="0">
-                  <p:tgtEl>
-                    <p:sldTgt/>
-                  </p:tgtEl>
-                </p:cond>
-              </p:prevCondLst>
-              <p:nextCondLst>
-                <p:cond evt="onNext" delay="0">
-                  <p:tgtEl>
-                    <p:sldTgt/>
-                  </p:tgtEl>
-                </p:cond>
-              </p:nextCondLst>
-            </p:seq>
-          </p:childTnLst>
-        </p:cTn>
-      </p:par>
-    </p:tnLst>
-    <p:bldLst>
-      <p:bldP spid="3" grpId="0" uiExpand="1" build="p"/>
-    </p:bldLst>
-  </p:timing>
-</p:sld>
-</file>
-
-<file path=ppt/slides/slide18.xml><?xml version="1.0" encoding="utf-8"?>
 <p:sld xmlns:a="http://schemas.openxmlformats.org/drawingml/2006/main" xmlns:r="http://schemas.openxmlformats.org/officeDocument/2006/relationships" xmlns:p="http://schemas.openxmlformats.org/presentationml/2006/main">
   <p:cSld>
     <p:spTree>
@@ -10561,7 +10608,7 @@
                 </a:solidFill>
                 <a:latin typeface="Algerian" panose="04020705040A02060702" pitchFamily="82" charset="0"/>
               </a:rPr>
-              <a:t>#8</a:t>
+              <a:t>#6</a:t>
             </a:r>
             <a:endParaRPr lang="en-IN" sz="3600" dirty="0">
               <a:solidFill>
@@ -10586,8 +10633,8 @@
         </p:nvSpPr>
         <p:spPr>
           <a:xfrm>
-            <a:off x="3424466" y="3066430"/>
-            <a:ext cx="6129338" cy="3387960"/>
+            <a:off x="3424465" y="3066430"/>
+            <a:ext cx="7176859" cy="3639170"/>
           </a:xfrm>
           <a:prstGeom prst="rect">
             <a:avLst/>
@@ -10668,20 +10715,6 @@
                   <a:srgbClr val="00B050"/>
                 </a:solidFill>
               </a:rPr>
-              <a:t>Custom Starters</a:t>
-            </a:r>
-          </a:p>
-          <a:p>
-            <a:pPr marL="685800" indent="-685800" algn="ctr">
-              <a:buFont typeface="+mj-lt"/>
-              <a:buAutoNum type="arabicPeriod"/>
-            </a:pPr>
-            <a:r>
-              <a:rPr lang="en-IN" b="1" dirty="0">
-                <a:solidFill>
-                  <a:srgbClr val="00B050"/>
-                </a:solidFill>
-              </a:rPr>
               <a:t>Exploring </a:t>
             </a:r>
             <a:r>
@@ -10721,9 +10754,9 @@
               <a:buAutoNum type="arabicPeriod"/>
             </a:pPr>
             <a:r>
-              <a:rPr lang="en-IN" b="1" dirty="0">
+              <a:rPr lang="en-IN" sz="6600" b="1" dirty="0">
                 <a:solidFill>
-                  <a:srgbClr val="00B050"/>
+                  <a:srgbClr val="FFFF00"/>
                 </a:solidFill>
               </a:rPr>
               <a:t>Failure Analyzer</a:t>
@@ -10735,11 +10768,7 @@
               <a:buAutoNum type="arabicPeriod"/>
             </a:pPr>
             <a:r>
-              <a:rPr lang="en-IN" sz="4800" b="1" dirty="0">
-                <a:solidFill>
-                  <a:srgbClr val="FFFF00"/>
-                </a:solidFill>
-              </a:rPr>
+              <a:rPr lang="en-IN" b="1" dirty="0"/>
               <a:t>Spring boot banner</a:t>
             </a:r>
           </a:p>
@@ -10821,10 +10850,61 @@
           </a:extLst>
         </p:spPr>
       </p:pic>
+      <mc:AlternateContent xmlns:mc="http://schemas.openxmlformats.org/markup-compatibility/2006">
+        <mc:Choice xmlns:p14="http://schemas.microsoft.com/office/powerpoint/2010/main" Requires="p14">
+          <p:contentPart p14:bwMode="auto" r:id="rId4">
+            <p14:nvContentPartPr>
+              <p14:cNvPr id="3" name="Ink 2">
+                <a:extLst>
+                  <a:ext uri="{FF2B5EF4-FFF2-40B4-BE49-F238E27FC236}">
+                    <a16:creationId xmlns:a16="http://schemas.microsoft.com/office/drawing/2014/main" id="{62313ABF-6E76-4385-9D70-55CB4766E7FA}"/>
+                  </a:ext>
+                </a:extLst>
+              </p14:cNvPr>
+              <p14:cNvContentPartPr/>
+              <p14:nvPr/>
+            </p14:nvContentPartPr>
+            <p14:xfrm>
+              <a:off x="4338720" y="20160"/>
+              <a:ext cx="7856280" cy="5809680"/>
+            </p14:xfrm>
+          </p:contentPart>
+        </mc:Choice>
+        <mc:Fallback>
+          <p:pic>
+            <p:nvPicPr>
+              <p:cNvPr id="3" name="Ink 2">
+                <a:extLst>
+                  <a:ext uri="{FF2B5EF4-FFF2-40B4-BE49-F238E27FC236}">
+                    <a16:creationId xmlns:a16="http://schemas.microsoft.com/office/drawing/2014/main" id="{62313ABF-6E76-4385-9D70-55CB4766E7FA}"/>
+                  </a:ext>
+                </a:extLst>
+              </p:cNvPr>
+              <p:cNvPicPr/>
+              <p:nvPr/>
+            </p:nvPicPr>
+            <p:blipFill>
+              <a:blip r:embed="rId5"/>
+              <a:stretch>
+                <a:fillRect/>
+              </a:stretch>
+            </p:blipFill>
+            <p:spPr>
+              <a:xfrm>
+                <a:off x="4329360" y="10800"/>
+                <a:ext cx="7875000" cy="5828400"/>
+              </a:xfrm>
+              <a:prstGeom prst="rect">
+                <a:avLst/>
+              </a:prstGeom>
+            </p:spPr>
+          </p:pic>
+        </mc:Fallback>
+      </mc:AlternateContent>
     </p:spTree>
     <p:extLst>
       <p:ext uri="{BB962C8B-B14F-4D97-AF65-F5344CB8AC3E}">
-        <p14:creationId xmlns:p14="http://schemas.microsoft.com/office/powerpoint/2010/main" val="1239956102"/>
+        <p14:creationId xmlns:p14="http://schemas.microsoft.com/office/powerpoint/2010/main" val="4137341461"/>
       </p:ext>
     </p:extLst>
   </p:cSld>
@@ -10834,7 +10914,7 @@
 </p:sld>
 </file>
 
-<file path=ppt/slides/slide19.xml><?xml version="1.0" encoding="utf-8"?>
+<file path=ppt/slides/slide18.xml><?xml version="1.0" encoding="utf-8"?>
 <p:sld xmlns:a="http://schemas.openxmlformats.org/drawingml/2006/main" xmlns:r="http://schemas.openxmlformats.org/officeDocument/2006/relationships" xmlns:p="http://schemas.openxmlformats.org/presentationml/2006/main">
   <p:cSld>
     <p:spTree>
@@ -10883,7 +10963,7 @@
               <a:rPr lang="en-IN" dirty="0">
                 <a:latin typeface="Algerian" panose="04020705040A02060702" pitchFamily="82" charset="0"/>
               </a:rPr>
-              <a:t>Different cases</a:t>
+              <a:t>Use cases</a:t>
             </a:r>
           </a:p>
         </p:txBody>
@@ -10922,27 +11002,7 @@
             </a:pPr>
             <a:r>
               <a:rPr lang="en-IN" dirty="0"/>
-              <a:t>Disable</a:t>
-            </a:r>
-          </a:p>
-          <a:p>
-            <a:pPr lvl="1">
-              <a:buFont typeface="Wingdings" panose="05000000000000000000" pitchFamily="2" charset="2"/>
-              <a:buChar char="q"/>
-            </a:pPr>
-            <a:r>
-              <a:rPr lang="en-IN" dirty="0"/>
-              <a:t>Through config file</a:t>
-            </a:r>
-          </a:p>
-          <a:p>
-            <a:pPr lvl="1">
-              <a:buFont typeface="Wingdings" panose="05000000000000000000" pitchFamily="2" charset="2"/>
-              <a:buChar char="q"/>
-            </a:pPr>
-            <a:r>
-              <a:rPr lang="en-IN" dirty="0"/>
-              <a:t>Through code</a:t>
+              <a:t>Custom message in general</a:t>
             </a:r>
           </a:p>
           <a:p>
@@ -10952,27 +11012,7 @@
             </a:pPr>
             <a:r>
               <a:rPr lang="en-IN" dirty="0"/>
-              <a:t>Custom banner</a:t>
-            </a:r>
-          </a:p>
-          <a:p>
-            <a:pPr lvl="1">
-              <a:buFont typeface="Wingdings" panose="05000000000000000000" pitchFamily="2" charset="2"/>
-              <a:buChar char="q"/>
-            </a:pPr>
-            <a:r>
-              <a:rPr lang="en-IN" dirty="0"/>
-              <a:t>Txt</a:t>
-            </a:r>
-          </a:p>
-          <a:p>
-            <a:pPr lvl="1">
-              <a:buFont typeface="Wingdings" panose="05000000000000000000" pitchFamily="2" charset="2"/>
-              <a:buChar char="q"/>
-            </a:pPr>
-            <a:r>
-              <a:rPr lang="en-IN" dirty="0"/>
-              <a:t>Image</a:t>
+              <a:t>Custom message in case of specific exception</a:t>
             </a:r>
           </a:p>
           <a:p>
@@ -10980,30 +11020,65 @@
               <a:buFont typeface="Wingdings" panose="05000000000000000000" pitchFamily="2" charset="2"/>
               <a:buChar char="q"/>
             </a:pPr>
-            <a:r>
-              <a:rPr lang="en-IN" dirty="0"/>
-              <a:t>Custom banner generator</a:t>
-            </a:r>
-          </a:p>
-          <a:p>
-            <a:pPr lvl="1">
-              <a:buFont typeface="Wingdings" panose="05000000000000000000" pitchFamily="2" charset="2"/>
-              <a:buChar char="q"/>
-            </a:pPr>
-            <a:r>
-              <a:rPr lang="en-IN" dirty="0">
-                <a:hlinkClick r:id="rId2"/>
-              </a:rPr>
-              <a:t>http://patorjk.com/software/taag/#p=display&amp;h=3&amp;f=Doom&amp;t=Green%20Learner</a:t>
-            </a:r>
             <a:endParaRPr lang="en-IN" dirty="0"/>
           </a:p>
         </p:txBody>
       </p:sp>
+      <mc:AlternateContent xmlns:mc="http://schemas.openxmlformats.org/markup-compatibility/2006">
+        <mc:Choice xmlns:p14="http://schemas.microsoft.com/office/powerpoint/2010/main" Requires="p14">
+          <p:contentPart p14:bwMode="auto" r:id="rId2">
+            <p14:nvContentPartPr>
+              <p14:cNvPr id="4" name="Ink 3">
+                <a:extLst>
+                  <a:ext uri="{FF2B5EF4-FFF2-40B4-BE49-F238E27FC236}">
+                    <a16:creationId xmlns:a16="http://schemas.microsoft.com/office/drawing/2014/main" id="{B35805D2-ACAE-4A13-8273-8C7E2A399283}"/>
+                  </a:ext>
+                </a:extLst>
+              </p14:cNvPr>
+              <p14:cNvContentPartPr/>
+              <p14:nvPr/>
+            </p14:nvContentPartPr>
+            <p14:xfrm>
+              <a:off x="1035000" y="1588680"/>
+              <a:ext cx="7683480" cy="2330280"/>
+            </p14:xfrm>
+          </p:contentPart>
+        </mc:Choice>
+        <mc:Fallback>
+          <p:pic>
+            <p:nvPicPr>
+              <p:cNvPr id="4" name="Ink 3">
+                <a:extLst>
+                  <a:ext uri="{FF2B5EF4-FFF2-40B4-BE49-F238E27FC236}">
+                    <a16:creationId xmlns:a16="http://schemas.microsoft.com/office/drawing/2014/main" id="{B35805D2-ACAE-4A13-8273-8C7E2A399283}"/>
+                  </a:ext>
+                </a:extLst>
+              </p:cNvPr>
+              <p:cNvPicPr/>
+              <p:nvPr/>
+            </p:nvPicPr>
+            <p:blipFill>
+              <a:blip r:embed="rId3"/>
+              <a:stretch>
+                <a:fillRect/>
+              </a:stretch>
+            </p:blipFill>
+            <p:spPr>
+              <a:xfrm>
+                <a:off x="1025640" y="1579320"/>
+                <a:ext cx="7702200" cy="2349000"/>
+              </a:xfrm>
+              <a:prstGeom prst="rect">
+                <a:avLst/>
+              </a:prstGeom>
+            </p:spPr>
+          </p:pic>
+        </mc:Fallback>
+      </mc:AlternateContent>
     </p:spTree>
     <p:extLst>
       <p:ext uri="{BB962C8B-B14F-4D97-AF65-F5344CB8AC3E}">
-        <p14:creationId xmlns:p14="http://schemas.microsoft.com/office/powerpoint/2010/main" val="2449022940"/>
+        <p14:creationId xmlns:p14="http://schemas.microsoft.com/office/powerpoint/2010/main" val="724256230"/>
       </p:ext>
     </p:extLst>
   </p:cSld>
@@ -11127,200 +11202,6 @@
                                   </p:childTnLst>
                                 </p:cTn>
                               </p:par>
-                              <p:par>
-                                <p:cTn id="10" presetID="42" presetClass="entr" presetSubtype="0" fill="hold" grpId="0" nodeType="withEffect">
-                                  <p:stCondLst>
-                                    <p:cond delay="0"/>
-                                  </p:stCondLst>
-                                  <p:childTnLst>
-                                    <p:set>
-                                      <p:cBhvr>
-                                        <p:cTn id="11" dur="1" fill="hold">
-                                          <p:stCondLst>
-                                            <p:cond delay="0"/>
-                                          </p:stCondLst>
-                                        </p:cTn>
-                                        <p:tgtEl>
-                                          <p:spTgt spid="3">
-                                            <p:txEl>
-                                              <p:pRg st="1" end="1"/>
-                                            </p:txEl>
-                                          </p:spTgt>
-                                        </p:tgtEl>
-                                        <p:attrNameLst>
-                                          <p:attrName>style.visibility</p:attrName>
-                                        </p:attrNameLst>
-                                      </p:cBhvr>
-                                      <p:to>
-                                        <p:strVal val="visible"/>
-                                      </p:to>
-                                    </p:set>
-                                    <p:animEffect transition="in" filter="fade">
-                                      <p:cBhvr>
-                                        <p:cTn id="12" dur="1000"/>
-                                        <p:tgtEl>
-                                          <p:spTgt spid="3">
-                                            <p:txEl>
-                                              <p:pRg st="1" end="1"/>
-                                            </p:txEl>
-                                          </p:spTgt>
-                                        </p:tgtEl>
-                                      </p:cBhvr>
-                                    </p:animEffect>
-                                    <p:anim calcmode="lin" valueType="num">
-                                      <p:cBhvr>
-                                        <p:cTn id="13" dur="1000" fill="hold"/>
-                                        <p:tgtEl>
-                                          <p:spTgt spid="3">
-                                            <p:txEl>
-                                              <p:pRg st="1" end="1"/>
-                                            </p:txEl>
-                                          </p:spTgt>
-                                        </p:tgtEl>
-                                        <p:attrNameLst>
-                                          <p:attrName>ppt_x</p:attrName>
-                                        </p:attrNameLst>
-                                      </p:cBhvr>
-                                      <p:tavLst>
-                                        <p:tav tm="0">
-                                          <p:val>
-                                            <p:strVal val="#ppt_x"/>
-                                          </p:val>
-                                        </p:tav>
-                                        <p:tav tm="100000">
-                                          <p:val>
-                                            <p:strVal val="#ppt_x"/>
-                                          </p:val>
-                                        </p:tav>
-                                      </p:tavLst>
-                                    </p:anim>
-                                    <p:anim calcmode="lin" valueType="num">
-                                      <p:cBhvr>
-                                        <p:cTn id="14" dur="1000" fill="hold"/>
-                                        <p:tgtEl>
-                                          <p:spTgt spid="3">
-                                            <p:txEl>
-                                              <p:pRg st="1" end="1"/>
-                                            </p:txEl>
-                                          </p:spTgt>
-                                        </p:tgtEl>
-                                        <p:attrNameLst>
-                                          <p:attrName>ppt_y</p:attrName>
-                                        </p:attrNameLst>
-                                      </p:cBhvr>
-                                      <p:tavLst>
-                                        <p:tav tm="0">
-                                          <p:val>
-                                            <p:strVal val="#ppt_y+.1"/>
-                                          </p:val>
-                                        </p:tav>
-                                        <p:tav tm="100000">
-                                          <p:val>
-                                            <p:strVal val="#ppt_y"/>
-                                          </p:val>
-                                        </p:tav>
-                                      </p:tavLst>
-                                    </p:anim>
-                                  </p:childTnLst>
-                                </p:cTn>
-                              </p:par>
-                              <p:par>
-                                <p:cTn id="15" presetID="42" presetClass="entr" presetSubtype="0" fill="hold" grpId="0" nodeType="withEffect">
-                                  <p:stCondLst>
-                                    <p:cond delay="0"/>
-                                  </p:stCondLst>
-                                  <p:childTnLst>
-                                    <p:set>
-                                      <p:cBhvr>
-                                        <p:cTn id="16" dur="1" fill="hold">
-                                          <p:stCondLst>
-                                            <p:cond delay="0"/>
-                                          </p:stCondLst>
-                                        </p:cTn>
-                                        <p:tgtEl>
-                                          <p:spTgt spid="3">
-                                            <p:txEl>
-                                              <p:pRg st="2" end="2"/>
-                                            </p:txEl>
-                                          </p:spTgt>
-                                        </p:tgtEl>
-                                        <p:attrNameLst>
-                                          <p:attrName>style.visibility</p:attrName>
-                                        </p:attrNameLst>
-                                      </p:cBhvr>
-                                      <p:to>
-                                        <p:strVal val="visible"/>
-                                      </p:to>
-                                    </p:set>
-                                    <p:animEffect transition="in" filter="fade">
-                                      <p:cBhvr>
-                                        <p:cTn id="17" dur="1000"/>
-                                        <p:tgtEl>
-                                          <p:spTgt spid="3">
-                                            <p:txEl>
-                                              <p:pRg st="2" end="2"/>
-                                            </p:txEl>
-                                          </p:spTgt>
-                                        </p:tgtEl>
-                                      </p:cBhvr>
-                                    </p:animEffect>
-                                    <p:anim calcmode="lin" valueType="num">
-                                      <p:cBhvr>
-                                        <p:cTn id="18" dur="1000" fill="hold"/>
-                                        <p:tgtEl>
-                                          <p:spTgt spid="3">
-                                            <p:txEl>
-                                              <p:pRg st="2" end="2"/>
-                                            </p:txEl>
-                                          </p:spTgt>
-                                        </p:tgtEl>
-                                        <p:attrNameLst>
-                                          <p:attrName>ppt_x</p:attrName>
-                                        </p:attrNameLst>
-                                      </p:cBhvr>
-                                      <p:tavLst>
-                                        <p:tav tm="0">
-                                          <p:val>
-                                            <p:strVal val="#ppt_x"/>
-                                          </p:val>
-                                        </p:tav>
-                                        <p:tav tm="100000">
-                                          <p:val>
-                                            <p:strVal val="#ppt_x"/>
-                                          </p:val>
-                                        </p:tav>
-                                      </p:tavLst>
-                                    </p:anim>
-                                    <p:anim calcmode="lin" valueType="num">
-                                      <p:cBhvr>
-                                        <p:cTn id="19" dur="1000" fill="hold"/>
-                                        <p:tgtEl>
-                                          <p:spTgt spid="3">
-                                            <p:txEl>
-                                              <p:pRg st="2" end="2"/>
-                                            </p:txEl>
-                                          </p:spTgt>
-                                        </p:tgtEl>
-                                        <p:attrNameLst>
-                                          <p:attrName>ppt_y</p:attrName>
-                                        </p:attrNameLst>
-                                      </p:cBhvr>
-                                      <p:tavLst>
-                                        <p:tav tm="0">
-                                          <p:val>
-                                            <p:strVal val="#ppt_y+.1"/>
-                                          </p:val>
-                                        </p:tav>
-                                        <p:tav tm="100000">
-                                          <p:val>
-                                            <p:strVal val="#ppt_y"/>
-                                          </p:val>
-                                        </p:tav>
-                                      </p:tavLst>
-                                    </p:anim>
-                                  </p:childTnLst>
-                                </p:cTn>
-                              </p:par>
                             </p:childTnLst>
                           </p:cTn>
                         </p:par>
@@ -11328,26 +11209,26 @@
                     </p:cTn>
                   </p:par>
                   <p:par>
-                    <p:cTn id="20" fill="hold">
+                    <p:cTn id="10" fill="hold">
                       <p:stCondLst>
                         <p:cond delay="indefinite"/>
                       </p:stCondLst>
                       <p:childTnLst>
                         <p:par>
-                          <p:cTn id="21" fill="hold">
+                          <p:cTn id="11" fill="hold">
                             <p:stCondLst>
                               <p:cond delay="0"/>
                             </p:stCondLst>
                             <p:childTnLst>
                               <p:par>
-                                <p:cTn id="22" presetID="42" presetClass="entr" presetSubtype="0" fill="hold" grpId="0" nodeType="clickEffect">
+                                <p:cTn id="12" presetID="42" presetClass="entr" presetSubtype="0" fill="hold" grpId="0" nodeType="clickEffect">
                                   <p:stCondLst>
                                     <p:cond delay="0"/>
                                   </p:stCondLst>
                                   <p:childTnLst>
                                     <p:set>
                                       <p:cBhvr>
-                                        <p:cTn id="23" dur="1" fill="hold">
+                                        <p:cTn id="13" dur="1" fill="hold">
                                           <p:stCondLst>
                                             <p:cond delay="0"/>
                                           </p:stCondLst>
@@ -11355,7 +11236,7 @@
                                         <p:tgtEl>
                                           <p:spTgt spid="3">
                                             <p:txEl>
-                                              <p:pRg st="3" end="3"/>
+                                              <p:pRg st="1" end="1"/>
                                             </p:txEl>
                                           </p:spTgt>
                                         </p:tgtEl>
@@ -11369,11 +11250,11 @@
                                     </p:set>
                                     <p:animEffect transition="in" filter="fade">
                                       <p:cBhvr>
-                                        <p:cTn id="24" dur="1000"/>
-                                        <p:tgtEl>
-                                          <p:spTgt spid="3">
-                                            <p:txEl>
-                                              <p:pRg st="3" end="3"/>
+                                        <p:cTn id="14" dur="1000"/>
+                                        <p:tgtEl>
+                                          <p:spTgt spid="3">
+                                            <p:txEl>
+                                              <p:pRg st="1" end="1"/>
                                             </p:txEl>
                                           </p:spTgt>
                                         </p:tgtEl>
@@ -11381,11 +11262,11 @@
                                     </p:animEffect>
                                     <p:anim calcmode="lin" valueType="num">
                                       <p:cBhvr>
-                                        <p:cTn id="25" dur="1000" fill="hold"/>
-                                        <p:tgtEl>
-                                          <p:spTgt spid="3">
-                                            <p:txEl>
-                                              <p:pRg st="3" end="3"/>
+                                        <p:cTn id="15" dur="1000" fill="hold"/>
+                                        <p:tgtEl>
+                                          <p:spTgt spid="3">
+                                            <p:txEl>
+                                              <p:pRg st="1" end="1"/>
                                             </p:txEl>
                                           </p:spTgt>
                                         </p:tgtEl>
@@ -11408,417 +11289,11 @@
                                     </p:anim>
                                     <p:anim calcmode="lin" valueType="num">
                                       <p:cBhvr>
-                                        <p:cTn id="26" dur="1000" fill="hold"/>
-                                        <p:tgtEl>
-                                          <p:spTgt spid="3">
-                                            <p:txEl>
-                                              <p:pRg st="3" end="3"/>
-                                            </p:txEl>
-                                          </p:spTgt>
-                                        </p:tgtEl>
-                                        <p:attrNameLst>
-                                          <p:attrName>ppt_y</p:attrName>
-                                        </p:attrNameLst>
-                                      </p:cBhvr>
-                                      <p:tavLst>
-                                        <p:tav tm="0">
-                                          <p:val>
-                                            <p:strVal val="#ppt_y+.1"/>
-                                          </p:val>
-                                        </p:tav>
-                                        <p:tav tm="100000">
-                                          <p:val>
-                                            <p:strVal val="#ppt_y"/>
-                                          </p:val>
-                                        </p:tav>
-                                      </p:tavLst>
-                                    </p:anim>
-                                  </p:childTnLst>
-                                </p:cTn>
-                              </p:par>
-                              <p:par>
-                                <p:cTn id="27" presetID="42" presetClass="entr" presetSubtype="0" fill="hold" grpId="0" nodeType="withEffect">
-                                  <p:stCondLst>
-                                    <p:cond delay="0"/>
-                                  </p:stCondLst>
-                                  <p:childTnLst>
-                                    <p:set>
-                                      <p:cBhvr>
-                                        <p:cTn id="28" dur="1" fill="hold">
-                                          <p:stCondLst>
-                                            <p:cond delay="0"/>
-                                          </p:stCondLst>
-                                        </p:cTn>
-                                        <p:tgtEl>
-                                          <p:spTgt spid="3">
-                                            <p:txEl>
-                                              <p:pRg st="4" end="4"/>
-                                            </p:txEl>
-                                          </p:spTgt>
-                                        </p:tgtEl>
-                                        <p:attrNameLst>
-                                          <p:attrName>style.visibility</p:attrName>
-                                        </p:attrNameLst>
-                                      </p:cBhvr>
-                                      <p:to>
-                                        <p:strVal val="visible"/>
-                                      </p:to>
-                                    </p:set>
-                                    <p:animEffect transition="in" filter="fade">
-                                      <p:cBhvr>
-                                        <p:cTn id="29" dur="1000"/>
-                                        <p:tgtEl>
-                                          <p:spTgt spid="3">
-                                            <p:txEl>
-                                              <p:pRg st="4" end="4"/>
-                                            </p:txEl>
-                                          </p:spTgt>
-                                        </p:tgtEl>
-                                      </p:cBhvr>
-                                    </p:animEffect>
-                                    <p:anim calcmode="lin" valueType="num">
-                                      <p:cBhvr>
-                                        <p:cTn id="30" dur="1000" fill="hold"/>
-                                        <p:tgtEl>
-                                          <p:spTgt spid="3">
-                                            <p:txEl>
-                                              <p:pRg st="4" end="4"/>
-                                            </p:txEl>
-                                          </p:spTgt>
-                                        </p:tgtEl>
-                                        <p:attrNameLst>
-                                          <p:attrName>ppt_x</p:attrName>
-                                        </p:attrNameLst>
-                                      </p:cBhvr>
-                                      <p:tavLst>
-                                        <p:tav tm="0">
-                                          <p:val>
-                                            <p:strVal val="#ppt_x"/>
-                                          </p:val>
-                                        </p:tav>
-                                        <p:tav tm="100000">
-                                          <p:val>
-                                            <p:strVal val="#ppt_x"/>
-                                          </p:val>
-                                        </p:tav>
-                                      </p:tavLst>
-                                    </p:anim>
-                                    <p:anim calcmode="lin" valueType="num">
-                                      <p:cBhvr>
-                                        <p:cTn id="31" dur="1000" fill="hold"/>
-                                        <p:tgtEl>
-                                          <p:spTgt spid="3">
-                                            <p:txEl>
-                                              <p:pRg st="4" end="4"/>
-                                            </p:txEl>
-                                          </p:spTgt>
-                                        </p:tgtEl>
-                                        <p:attrNameLst>
-                                          <p:attrName>ppt_y</p:attrName>
-                                        </p:attrNameLst>
-                                      </p:cBhvr>
-                                      <p:tavLst>
-                                        <p:tav tm="0">
-                                          <p:val>
-                                            <p:strVal val="#ppt_y+.1"/>
-                                          </p:val>
-                                        </p:tav>
-                                        <p:tav tm="100000">
-                                          <p:val>
-                                            <p:strVal val="#ppt_y"/>
-                                          </p:val>
-                                        </p:tav>
-                                      </p:tavLst>
-                                    </p:anim>
-                                  </p:childTnLst>
-                                </p:cTn>
-                              </p:par>
-                              <p:par>
-                                <p:cTn id="32" presetID="42" presetClass="entr" presetSubtype="0" fill="hold" grpId="0" nodeType="withEffect">
-                                  <p:stCondLst>
-                                    <p:cond delay="0"/>
-                                  </p:stCondLst>
-                                  <p:childTnLst>
-                                    <p:set>
-                                      <p:cBhvr>
-                                        <p:cTn id="33" dur="1" fill="hold">
-                                          <p:stCondLst>
-                                            <p:cond delay="0"/>
-                                          </p:stCondLst>
-                                        </p:cTn>
-                                        <p:tgtEl>
-                                          <p:spTgt spid="3">
-                                            <p:txEl>
-                                              <p:pRg st="5" end="5"/>
-                                            </p:txEl>
-                                          </p:spTgt>
-                                        </p:tgtEl>
-                                        <p:attrNameLst>
-                                          <p:attrName>style.visibility</p:attrName>
-                                        </p:attrNameLst>
-                                      </p:cBhvr>
-                                      <p:to>
-                                        <p:strVal val="visible"/>
-                                      </p:to>
-                                    </p:set>
-                                    <p:animEffect transition="in" filter="fade">
-                                      <p:cBhvr>
-                                        <p:cTn id="34" dur="1000"/>
-                                        <p:tgtEl>
-                                          <p:spTgt spid="3">
-                                            <p:txEl>
-                                              <p:pRg st="5" end="5"/>
-                                            </p:txEl>
-                                          </p:spTgt>
-                                        </p:tgtEl>
-                                      </p:cBhvr>
-                                    </p:animEffect>
-                                    <p:anim calcmode="lin" valueType="num">
-                                      <p:cBhvr>
-                                        <p:cTn id="35" dur="1000" fill="hold"/>
-                                        <p:tgtEl>
-                                          <p:spTgt spid="3">
-                                            <p:txEl>
-                                              <p:pRg st="5" end="5"/>
-                                            </p:txEl>
-                                          </p:spTgt>
-                                        </p:tgtEl>
-                                        <p:attrNameLst>
-                                          <p:attrName>ppt_x</p:attrName>
-                                        </p:attrNameLst>
-                                      </p:cBhvr>
-                                      <p:tavLst>
-                                        <p:tav tm="0">
-                                          <p:val>
-                                            <p:strVal val="#ppt_x"/>
-                                          </p:val>
-                                        </p:tav>
-                                        <p:tav tm="100000">
-                                          <p:val>
-                                            <p:strVal val="#ppt_x"/>
-                                          </p:val>
-                                        </p:tav>
-                                      </p:tavLst>
-                                    </p:anim>
-                                    <p:anim calcmode="lin" valueType="num">
-                                      <p:cBhvr>
-                                        <p:cTn id="36" dur="1000" fill="hold"/>
-                                        <p:tgtEl>
-                                          <p:spTgt spid="3">
-                                            <p:txEl>
-                                              <p:pRg st="5" end="5"/>
-                                            </p:txEl>
-                                          </p:spTgt>
-                                        </p:tgtEl>
-                                        <p:attrNameLst>
-                                          <p:attrName>ppt_y</p:attrName>
-                                        </p:attrNameLst>
-                                      </p:cBhvr>
-                                      <p:tavLst>
-                                        <p:tav tm="0">
-                                          <p:val>
-                                            <p:strVal val="#ppt_y+.1"/>
-                                          </p:val>
-                                        </p:tav>
-                                        <p:tav tm="100000">
-                                          <p:val>
-                                            <p:strVal val="#ppt_y"/>
-                                          </p:val>
-                                        </p:tav>
-                                      </p:tavLst>
-                                    </p:anim>
-                                  </p:childTnLst>
-                                </p:cTn>
-                              </p:par>
-                            </p:childTnLst>
-                          </p:cTn>
-                        </p:par>
-                      </p:childTnLst>
-                    </p:cTn>
-                  </p:par>
-                  <p:par>
-                    <p:cTn id="37" fill="hold">
-                      <p:stCondLst>
-                        <p:cond delay="indefinite"/>
-                      </p:stCondLst>
-                      <p:childTnLst>
-                        <p:par>
-                          <p:cTn id="38" fill="hold">
-                            <p:stCondLst>
-                              <p:cond delay="0"/>
-                            </p:stCondLst>
-                            <p:childTnLst>
-                              <p:par>
-                                <p:cTn id="39" presetID="42" presetClass="entr" presetSubtype="0" fill="hold" grpId="0" nodeType="clickEffect">
-                                  <p:stCondLst>
-                                    <p:cond delay="0"/>
-                                  </p:stCondLst>
-                                  <p:childTnLst>
-                                    <p:set>
-                                      <p:cBhvr>
-                                        <p:cTn id="40" dur="1" fill="hold">
-                                          <p:stCondLst>
-                                            <p:cond delay="0"/>
-                                          </p:stCondLst>
-                                        </p:cTn>
-                                        <p:tgtEl>
-                                          <p:spTgt spid="3">
-                                            <p:txEl>
-                                              <p:pRg st="6" end="6"/>
-                                            </p:txEl>
-                                          </p:spTgt>
-                                        </p:tgtEl>
-                                        <p:attrNameLst>
-                                          <p:attrName>style.visibility</p:attrName>
-                                        </p:attrNameLst>
-                                      </p:cBhvr>
-                                      <p:to>
-                                        <p:strVal val="visible"/>
-                                      </p:to>
-                                    </p:set>
-                                    <p:animEffect transition="in" filter="fade">
-                                      <p:cBhvr>
-                                        <p:cTn id="41" dur="1000"/>
-                                        <p:tgtEl>
-                                          <p:spTgt spid="3">
-                                            <p:txEl>
-                                              <p:pRg st="6" end="6"/>
-                                            </p:txEl>
-                                          </p:spTgt>
-                                        </p:tgtEl>
-                                      </p:cBhvr>
-                                    </p:animEffect>
-                                    <p:anim calcmode="lin" valueType="num">
-                                      <p:cBhvr>
-                                        <p:cTn id="42" dur="1000" fill="hold"/>
-                                        <p:tgtEl>
-                                          <p:spTgt spid="3">
-                                            <p:txEl>
-                                              <p:pRg st="6" end="6"/>
-                                            </p:txEl>
-                                          </p:spTgt>
-                                        </p:tgtEl>
-                                        <p:attrNameLst>
-                                          <p:attrName>ppt_x</p:attrName>
-                                        </p:attrNameLst>
-                                      </p:cBhvr>
-                                      <p:tavLst>
-                                        <p:tav tm="0">
-                                          <p:val>
-                                            <p:strVal val="#ppt_x"/>
-                                          </p:val>
-                                        </p:tav>
-                                        <p:tav tm="100000">
-                                          <p:val>
-                                            <p:strVal val="#ppt_x"/>
-                                          </p:val>
-                                        </p:tav>
-                                      </p:tavLst>
-                                    </p:anim>
-                                    <p:anim calcmode="lin" valueType="num">
-                                      <p:cBhvr>
-                                        <p:cTn id="43" dur="1000" fill="hold"/>
-                                        <p:tgtEl>
-                                          <p:spTgt spid="3">
-                                            <p:txEl>
-                                              <p:pRg st="6" end="6"/>
-                                            </p:txEl>
-                                          </p:spTgt>
-                                        </p:tgtEl>
-                                        <p:attrNameLst>
-                                          <p:attrName>ppt_y</p:attrName>
-                                        </p:attrNameLst>
-                                      </p:cBhvr>
-                                      <p:tavLst>
-                                        <p:tav tm="0">
-                                          <p:val>
-                                            <p:strVal val="#ppt_y+.1"/>
-                                          </p:val>
-                                        </p:tav>
-                                        <p:tav tm="100000">
-                                          <p:val>
-                                            <p:strVal val="#ppt_y"/>
-                                          </p:val>
-                                        </p:tav>
-                                      </p:tavLst>
-                                    </p:anim>
-                                  </p:childTnLst>
-                                </p:cTn>
-                              </p:par>
-                              <p:par>
-                                <p:cTn id="44" presetID="42" presetClass="entr" presetSubtype="0" fill="hold" grpId="0" nodeType="withEffect">
-                                  <p:stCondLst>
-                                    <p:cond delay="0"/>
-                                  </p:stCondLst>
-                                  <p:childTnLst>
-                                    <p:set>
-                                      <p:cBhvr>
-                                        <p:cTn id="45" dur="1" fill="hold">
-                                          <p:stCondLst>
-                                            <p:cond delay="0"/>
-                                          </p:stCondLst>
-                                        </p:cTn>
-                                        <p:tgtEl>
-                                          <p:spTgt spid="3">
-                                            <p:txEl>
-                                              <p:pRg st="7" end="7"/>
-                                            </p:txEl>
-                                          </p:spTgt>
-                                        </p:tgtEl>
-                                        <p:attrNameLst>
-                                          <p:attrName>style.visibility</p:attrName>
-                                        </p:attrNameLst>
-                                      </p:cBhvr>
-                                      <p:to>
-                                        <p:strVal val="visible"/>
-                                      </p:to>
-                                    </p:set>
-                                    <p:animEffect transition="in" filter="fade">
-                                      <p:cBhvr>
-                                        <p:cTn id="46" dur="1000"/>
-                                        <p:tgtEl>
-                                          <p:spTgt spid="3">
-                                            <p:txEl>
-                                              <p:pRg st="7" end="7"/>
-                                            </p:txEl>
-                                          </p:spTgt>
-                                        </p:tgtEl>
-                                      </p:cBhvr>
-                                    </p:animEffect>
-                                    <p:anim calcmode="lin" valueType="num">
-                                      <p:cBhvr>
-                                        <p:cTn id="47" dur="1000" fill="hold"/>
-                                        <p:tgtEl>
-                                          <p:spTgt spid="3">
-                                            <p:txEl>
-                                              <p:pRg st="7" end="7"/>
-                                            </p:txEl>
-                                          </p:spTgt>
-                                        </p:tgtEl>
-                                        <p:attrNameLst>
-                                          <p:attrName>ppt_x</p:attrName>
-                                        </p:attrNameLst>
-                                      </p:cBhvr>
-                                      <p:tavLst>
-                                        <p:tav tm="0">
-                                          <p:val>
-                                            <p:strVal val="#ppt_x"/>
-                                          </p:val>
-                                        </p:tav>
-                                        <p:tav tm="100000">
-                                          <p:val>
-                                            <p:strVal val="#ppt_x"/>
-                                          </p:val>
-                                        </p:tav>
-                                      </p:tavLst>
-                                    </p:anim>
-                                    <p:anim calcmode="lin" valueType="num">
-                                      <p:cBhvr>
-                                        <p:cTn id="48" dur="1000" fill="hold"/>
-                                        <p:tgtEl>
-                                          <p:spTgt spid="3">
-                                            <p:txEl>
-                                              <p:pRg st="7" end="7"/>
+                                        <p:cTn id="16" dur="1000" fill="hold"/>
+                                        <p:tgtEl>
+                                          <p:spTgt spid="3">
+                                            <p:txEl>
+                                              <p:pRg st="1" end="1"/>
                                             </p:txEl>
                                           </p:spTgt>
                                         </p:tgtEl>
@@ -11876,125 +11351,7 @@
 </p:sld>
 </file>
 
-<file path=ppt/slides/slide2.xml><?xml version="1.0" encoding="utf-8"?>
-<p:sld xmlns:a="http://schemas.openxmlformats.org/drawingml/2006/main" xmlns:r="http://schemas.openxmlformats.org/officeDocument/2006/relationships" xmlns:p="http://schemas.openxmlformats.org/presentationml/2006/main">
-  <p:cSld>
-    <p:spTree>
-      <p:nvGrpSpPr>
-        <p:cNvPr id="1" name=""/>
-        <p:cNvGrpSpPr/>
-        <p:nvPr/>
-      </p:nvGrpSpPr>
-      <p:grpSpPr>
-        <a:xfrm>
-          <a:off x="0" y="0"/>
-          <a:ext cx="0" cy="0"/>
-          <a:chOff x="0" y="0"/>
-          <a:chExt cx="0" cy="0"/>
-        </a:xfrm>
-      </p:grpSpPr>
-      <p:sp>
-        <p:nvSpPr>
-          <p:cNvPr id="2" name="Title 1">
-            <a:extLst>
-              <a:ext uri="{FF2B5EF4-FFF2-40B4-BE49-F238E27FC236}">
-                <a16:creationId xmlns:a16="http://schemas.microsoft.com/office/drawing/2014/main" id="{F7C7A7AD-168E-4859-B7F1-00E770DAFE0E}"/>
-              </a:ext>
-            </a:extLst>
-          </p:cNvPr>
-          <p:cNvSpPr>
-            <a:spLocks noGrp="1"/>
-          </p:cNvSpPr>
-          <p:nvPr>
-            <p:ph type="title"/>
-          </p:nvPr>
-        </p:nvSpPr>
-        <p:spPr>
-          <a:solidFill>
-            <a:schemeClr val="accent6">
-              <a:lumMod val="40000"/>
-              <a:lumOff val="60000"/>
-            </a:schemeClr>
-          </a:solidFill>
-        </p:spPr>
-        <p:txBody>
-          <a:bodyPr/>
-          <a:lstStyle/>
-          <a:p>
-            <a:r>
-              <a:rPr lang="en-IN" dirty="0">
-                <a:latin typeface="Algerian" panose="04020705040A02060702" pitchFamily="82" charset="0"/>
-              </a:rPr>
-              <a:t>Typical spring login app</a:t>
-            </a:r>
-          </a:p>
-        </p:txBody>
-      </p:sp>
-      <mc:AlternateContent xmlns:mc="http://schemas.openxmlformats.org/markup-compatibility/2006" xmlns:p14="http://schemas.microsoft.com/office/powerpoint/2010/main">
-        <mc:Choice Requires="p14">
-          <p:contentPart p14:bwMode="auto" r:id="rId2">
-            <p14:nvContentPartPr>
-              <p14:cNvPr id="7" name="Ink 6">
-                <a:extLst>
-                  <a:ext uri="{FF2B5EF4-FFF2-40B4-BE49-F238E27FC236}">
-                    <a16:creationId xmlns:a16="http://schemas.microsoft.com/office/drawing/2014/main" id="{705160D6-31CA-45F4-BBFD-96A01E7BCC16}"/>
-                  </a:ext>
-                </a:extLst>
-              </p14:cNvPr>
-              <p14:cNvContentPartPr/>
-              <p14:nvPr/>
-            </p14:nvContentPartPr>
-            <p14:xfrm>
-              <a:off x="910080" y="279720"/>
-              <a:ext cx="9885600" cy="6553800"/>
-            </p14:xfrm>
-          </p:contentPart>
-        </mc:Choice>
-        <mc:Fallback xmlns="">
-          <p:pic>
-            <p:nvPicPr>
-              <p:cNvPr id="7" name="Ink 6">
-                <a:extLst>
-                  <a:ext uri="{FF2B5EF4-FFF2-40B4-BE49-F238E27FC236}">
-                    <a16:creationId xmlns:a16="http://schemas.microsoft.com/office/drawing/2014/main" id="{705160D6-31CA-45F4-BBFD-96A01E7BCC16}"/>
-                  </a:ext>
-                </a:extLst>
-              </p:cNvPr>
-              <p:cNvPicPr/>
-              <p:nvPr/>
-            </p:nvPicPr>
-            <p:blipFill>
-              <a:blip r:embed="rId3"/>
-              <a:stretch>
-                <a:fillRect/>
-              </a:stretch>
-            </p:blipFill>
-            <p:spPr>
-              <a:xfrm>
-                <a:off x="900720" y="270360"/>
-                <a:ext cx="9904320" cy="6572520"/>
-              </a:xfrm>
-              <a:prstGeom prst="rect">
-                <a:avLst/>
-              </a:prstGeom>
-            </p:spPr>
-          </p:pic>
-        </mc:Fallback>
-      </mc:AlternateContent>
-    </p:spTree>
-    <p:extLst>
-      <p:ext uri="{BB962C8B-B14F-4D97-AF65-F5344CB8AC3E}">
-        <p14:creationId xmlns:p14="http://schemas.microsoft.com/office/powerpoint/2010/main" val="2365038408"/>
-      </p:ext>
-    </p:extLst>
-  </p:cSld>
-  <p:clrMapOvr>
-    <a:masterClrMapping/>
-  </p:clrMapOvr>
-</p:sld>
-</file>
-
-<file path=ppt/slides/slide20.xml><?xml version="1.0" encoding="utf-8"?>
+<file path=ppt/slides/slide19.xml><?xml version="1.0" encoding="utf-8"?>
 <p:sld xmlns:a="http://schemas.openxmlformats.org/drawingml/2006/main" xmlns:r="http://schemas.openxmlformats.org/officeDocument/2006/relationships" xmlns:p="http://schemas.openxmlformats.org/presentationml/2006/main">
   <p:cSld>
     <p:spTree>
@@ -12272,13 +11629,13 @@
           <a:p>
             <a:pPr algn="ctr"/>
             <a:r>
-              <a:rPr lang="en-IN" sz="4400" dirty="0">
+              <a:rPr lang="en-IN" sz="4400">
                 <a:solidFill>
                   <a:schemeClr val="bg1"/>
                 </a:solidFill>
                 <a:latin typeface="Algerian" panose="04020705040A02060702" pitchFamily="82" charset="0"/>
               </a:rPr>
-              <a:t>#9</a:t>
+              <a:t>#7</a:t>
             </a:r>
             <a:endParaRPr lang="en-IN" sz="3600" dirty="0">
               <a:solidFill>
@@ -12385,20 +11742,6 @@
                   <a:srgbClr val="00B050"/>
                 </a:solidFill>
               </a:rPr>
-              <a:t>Custom Starters</a:t>
-            </a:r>
-          </a:p>
-          <a:p>
-            <a:pPr marL="685800" indent="-685800" algn="ctr">
-              <a:buFont typeface="+mj-lt"/>
-              <a:buAutoNum type="arabicPeriod"/>
-            </a:pPr>
-            <a:r>
-              <a:rPr lang="en-IN" b="1" dirty="0">
-                <a:solidFill>
-                  <a:srgbClr val="00B050"/>
-                </a:solidFill>
-              </a:rPr>
               <a:t>Exploring </a:t>
             </a:r>
             <a:r>
@@ -12452,9 +11795,9 @@
               <a:buAutoNum type="arabicPeriod"/>
             </a:pPr>
             <a:r>
-              <a:rPr lang="en-IN" b="1" dirty="0">
+              <a:rPr lang="en-IN" sz="4800" b="1" dirty="0">
                 <a:solidFill>
-                  <a:srgbClr val="00B050"/>
+                  <a:srgbClr val="FFFF00"/>
                 </a:solidFill>
               </a:rPr>
               <a:t>Spring boot banner</a:t>
@@ -12466,11 +11809,7 @@
               <a:buAutoNum type="arabicPeriod"/>
             </a:pPr>
             <a:r>
-              <a:rPr lang="en-IN" sz="3600" b="1" dirty="0">
-                <a:solidFill>
-                  <a:srgbClr val="FFFF00"/>
-                </a:solidFill>
-              </a:rPr>
+              <a:rPr lang="en-IN" b="1" dirty="0"/>
               <a:t>Server port</a:t>
             </a:r>
           </a:p>
@@ -12545,7 +11884,7 @@
     </p:spTree>
     <p:extLst>
       <p:ext uri="{BB962C8B-B14F-4D97-AF65-F5344CB8AC3E}">
-        <p14:creationId xmlns:p14="http://schemas.microsoft.com/office/powerpoint/2010/main" val="1908802531"/>
+        <p14:creationId xmlns:p14="http://schemas.microsoft.com/office/powerpoint/2010/main" val="1239956102"/>
       </p:ext>
     </p:extLst>
   </p:cSld>
@@ -12555,7 +11894,7 @@
 </p:sld>
 </file>
 
-<file path=ppt/slides/slide21.xml><?xml version="1.0" encoding="utf-8"?>
+<file path=ppt/slides/slide2.xml><?xml version="1.0" encoding="utf-8"?>
 <p:sld xmlns:a="http://schemas.openxmlformats.org/drawingml/2006/main" xmlns:r="http://schemas.openxmlformats.org/officeDocument/2006/relationships" xmlns:p="http://schemas.openxmlformats.org/presentationml/2006/main">
   <p:cSld>
     <p:spTree>
@@ -12604,7 +11943,125 @@
               <a:rPr lang="en-IN" dirty="0">
                 <a:latin typeface="Algerian" panose="04020705040A02060702" pitchFamily="82" charset="0"/>
               </a:rPr>
-              <a:t>Different use cases</a:t>
+              <a:t>Typical spring login app</a:t>
+            </a:r>
+          </a:p>
+        </p:txBody>
+      </p:sp>
+      <mc:AlternateContent xmlns:mc="http://schemas.openxmlformats.org/markup-compatibility/2006" xmlns:p14="http://schemas.microsoft.com/office/powerpoint/2010/main">
+        <mc:Choice Requires="p14">
+          <p:contentPart p14:bwMode="auto" r:id="rId2">
+            <p14:nvContentPartPr>
+              <p14:cNvPr id="7" name="Ink 6">
+                <a:extLst>
+                  <a:ext uri="{FF2B5EF4-FFF2-40B4-BE49-F238E27FC236}">
+                    <a16:creationId xmlns:a16="http://schemas.microsoft.com/office/drawing/2014/main" id="{705160D6-31CA-45F4-BBFD-96A01E7BCC16}"/>
+                  </a:ext>
+                </a:extLst>
+              </p14:cNvPr>
+              <p14:cNvContentPartPr/>
+              <p14:nvPr/>
+            </p14:nvContentPartPr>
+            <p14:xfrm>
+              <a:off x="910080" y="279720"/>
+              <a:ext cx="9885600" cy="6553800"/>
+            </p14:xfrm>
+          </p:contentPart>
+        </mc:Choice>
+        <mc:Fallback xmlns="">
+          <p:pic>
+            <p:nvPicPr>
+              <p:cNvPr id="7" name="Ink 6">
+                <a:extLst>
+                  <a:ext uri="{FF2B5EF4-FFF2-40B4-BE49-F238E27FC236}">
+                    <a16:creationId xmlns:a16="http://schemas.microsoft.com/office/drawing/2014/main" id="{705160D6-31CA-45F4-BBFD-96A01E7BCC16}"/>
+                  </a:ext>
+                </a:extLst>
+              </p:cNvPr>
+              <p:cNvPicPr/>
+              <p:nvPr/>
+            </p:nvPicPr>
+            <p:blipFill>
+              <a:blip r:embed="rId3"/>
+              <a:stretch>
+                <a:fillRect/>
+              </a:stretch>
+            </p:blipFill>
+            <p:spPr>
+              <a:xfrm>
+                <a:off x="900720" y="270360"/>
+                <a:ext cx="9904320" cy="6572520"/>
+              </a:xfrm>
+              <a:prstGeom prst="rect">
+                <a:avLst/>
+              </a:prstGeom>
+            </p:spPr>
+          </p:pic>
+        </mc:Fallback>
+      </mc:AlternateContent>
+    </p:spTree>
+    <p:extLst>
+      <p:ext uri="{BB962C8B-B14F-4D97-AF65-F5344CB8AC3E}">
+        <p14:creationId xmlns:p14="http://schemas.microsoft.com/office/powerpoint/2010/main" val="2365038408"/>
+      </p:ext>
+    </p:extLst>
+  </p:cSld>
+  <p:clrMapOvr>
+    <a:masterClrMapping/>
+  </p:clrMapOvr>
+</p:sld>
+</file>
+
+<file path=ppt/slides/slide20.xml><?xml version="1.0" encoding="utf-8"?>
+<p:sld xmlns:a="http://schemas.openxmlformats.org/drawingml/2006/main" xmlns:r="http://schemas.openxmlformats.org/officeDocument/2006/relationships" xmlns:p="http://schemas.openxmlformats.org/presentationml/2006/main">
+  <p:cSld>
+    <p:spTree>
+      <p:nvGrpSpPr>
+        <p:cNvPr id="1" name=""/>
+        <p:cNvGrpSpPr/>
+        <p:nvPr/>
+      </p:nvGrpSpPr>
+      <p:grpSpPr>
+        <a:xfrm>
+          <a:off x="0" y="0"/>
+          <a:ext cx="0" cy="0"/>
+          <a:chOff x="0" y="0"/>
+          <a:chExt cx="0" cy="0"/>
+        </a:xfrm>
+      </p:grpSpPr>
+      <p:sp>
+        <p:nvSpPr>
+          <p:cNvPr id="2" name="Title 1">
+            <a:extLst>
+              <a:ext uri="{FF2B5EF4-FFF2-40B4-BE49-F238E27FC236}">
+                <a16:creationId xmlns:a16="http://schemas.microsoft.com/office/drawing/2014/main" id="{F7C7A7AD-168E-4859-B7F1-00E770DAFE0E}"/>
+              </a:ext>
+            </a:extLst>
+          </p:cNvPr>
+          <p:cNvSpPr>
+            <a:spLocks noGrp="1"/>
+          </p:cNvSpPr>
+          <p:nvPr>
+            <p:ph type="title"/>
+          </p:nvPr>
+        </p:nvSpPr>
+        <p:spPr>
+          <a:solidFill>
+            <a:schemeClr val="accent6">
+              <a:lumMod val="40000"/>
+              <a:lumOff val="60000"/>
+            </a:schemeClr>
+          </a:solidFill>
+        </p:spPr>
+        <p:txBody>
+          <a:bodyPr/>
+          <a:lstStyle/>
+          <a:p>
+            <a:r>
+              <a:rPr lang="en-IN" dirty="0">
+                <a:latin typeface="Algerian" panose="04020705040A02060702" pitchFamily="82" charset="0"/>
+              </a:rPr>
+              <a:t>Different cases</a:t>
             </a:r>
           </a:p>
         </p:txBody>
@@ -12643,7 +12100,27 @@
             </a:pPr>
             <a:r>
               <a:rPr lang="en-IN" dirty="0"/>
-              <a:t>Overriding default port</a:t>
+              <a:t>Disable</a:t>
+            </a:r>
+          </a:p>
+          <a:p>
+            <a:pPr lvl="1">
+              <a:buFont typeface="Wingdings" panose="05000000000000000000" pitchFamily="2" charset="2"/>
+              <a:buChar char="q"/>
+            </a:pPr>
+            <a:r>
+              <a:rPr lang="en-IN" dirty="0"/>
+              <a:t>Through config file</a:t>
+            </a:r>
+          </a:p>
+          <a:p>
+            <a:pPr lvl="1">
+              <a:buFont typeface="Wingdings" panose="05000000000000000000" pitchFamily="2" charset="2"/>
+              <a:buChar char="q"/>
+            </a:pPr>
+            <a:r>
+              <a:rPr lang="en-IN" dirty="0"/>
+              <a:t>Through code</a:t>
             </a:r>
           </a:p>
           <a:p>
@@ -12653,7 +12130,27 @@
             </a:pPr>
             <a:r>
               <a:rPr lang="en-IN" dirty="0"/>
-              <a:t>Different port for different environment</a:t>
+              <a:t>Custom banner</a:t>
+            </a:r>
+          </a:p>
+          <a:p>
+            <a:pPr lvl="1">
+              <a:buFont typeface="Wingdings" panose="05000000000000000000" pitchFamily="2" charset="2"/>
+              <a:buChar char="q"/>
+            </a:pPr>
+            <a:r>
+              <a:rPr lang="en-IN" dirty="0"/>
+              <a:t>Txt</a:t>
+            </a:r>
+          </a:p>
+          <a:p>
+            <a:pPr lvl="1">
+              <a:buFont typeface="Wingdings" panose="05000000000000000000" pitchFamily="2" charset="2"/>
+              <a:buChar char="q"/>
+            </a:pPr>
+            <a:r>
+              <a:rPr lang="en-IN" dirty="0"/>
+              <a:t>Image</a:t>
             </a:r>
           </a:p>
           <a:p>
@@ -12663,24 +12160,20 @@
             </a:pPr>
             <a:r>
               <a:rPr lang="en-IN" dirty="0"/>
-              <a:t>Random available port</a:t>
-            </a:r>
-          </a:p>
-          <a:p>
-            <a:pPr>
+              <a:t>Custom banner generator</a:t>
+            </a:r>
+          </a:p>
+          <a:p>
+            <a:pPr lvl="1">
               <a:buFont typeface="Wingdings" panose="05000000000000000000" pitchFamily="2" charset="2"/>
               <a:buChar char="q"/>
             </a:pPr>
             <a:r>
-              <a:rPr lang="en-IN" dirty="0"/>
-              <a:t>Port from command line while starting the application</a:t>
-            </a:r>
-          </a:p>
-          <a:p>
-            <a:pPr>
-              <a:buFont typeface="Wingdings" panose="05000000000000000000" pitchFamily="2" charset="2"/>
-              <a:buChar char="q"/>
-            </a:pPr>
+              <a:rPr lang="en-IN" dirty="0">
+                <a:hlinkClick r:id="rId2"/>
+              </a:rPr>
+              <a:t>http://patorjk.com/software/taag/#p=display&amp;h=3&amp;f=Doom&amp;t=Green%20Learner</a:t>
+            </a:r>
             <a:endParaRPr lang="en-IN" dirty="0"/>
           </a:p>
         </p:txBody>
@@ -12688,7 +12181,7 @@
     </p:spTree>
     <p:extLst>
       <p:ext uri="{BB962C8B-B14F-4D97-AF65-F5344CB8AC3E}">
-        <p14:creationId xmlns:p14="http://schemas.microsoft.com/office/powerpoint/2010/main" val="1974088119"/>
+        <p14:creationId xmlns:p14="http://schemas.microsoft.com/office/powerpoint/2010/main" val="2449022940"/>
       </p:ext>
     </p:extLst>
   </p:cSld>
@@ -12812,33 +12305,15 @@
                                   </p:childTnLst>
                                 </p:cTn>
                               </p:par>
-                            </p:childTnLst>
-                          </p:cTn>
-                        </p:par>
-                      </p:childTnLst>
-                    </p:cTn>
-                  </p:par>
-                  <p:par>
-                    <p:cTn id="10" fill="hold">
-                      <p:stCondLst>
-                        <p:cond delay="indefinite"/>
-                      </p:stCondLst>
-                      <p:childTnLst>
-                        <p:par>
-                          <p:cTn id="11" fill="hold">
-                            <p:stCondLst>
-                              <p:cond delay="0"/>
-                            </p:stCondLst>
-                            <p:childTnLst>
                               <p:par>
-                                <p:cTn id="12" presetID="42" presetClass="entr" presetSubtype="0" fill="hold" grpId="0" nodeType="clickEffect">
+                                <p:cTn id="10" presetID="42" presetClass="entr" presetSubtype="0" fill="hold" grpId="0" nodeType="withEffect">
                                   <p:stCondLst>
                                     <p:cond delay="0"/>
                                   </p:stCondLst>
                                   <p:childTnLst>
                                     <p:set>
                                       <p:cBhvr>
-                                        <p:cTn id="13" dur="1" fill="hold">
+                                        <p:cTn id="11" dur="1" fill="hold">
                                           <p:stCondLst>
                                             <p:cond delay="0"/>
                                           </p:stCondLst>
@@ -12860,7 +12335,7 @@
                                     </p:set>
                                     <p:animEffect transition="in" filter="fade">
                                       <p:cBhvr>
-                                        <p:cTn id="14" dur="1000"/>
+                                        <p:cTn id="12" dur="1000"/>
                                         <p:tgtEl>
                                           <p:spTgt spid="3">
                                             <p:txEl>
@@ -12872,7 +12347,7 @@
                                     </p:animEffect>
                                     <p:anim calcmode="lin" valueType="num">
                                       <p:cBhvr>
-                                        <p:cTn id="15" dur="1000" fill="hold"/>
+                                        <p:cTn id="13" dur="1000" fill="hold"/>
                                         <p:tgtEl>
                                           <p:spTgt spid="3">
                                             <p:txEl>
@@ -12899,11 +12374,108 @@
                                     </p:anim>
                                     <p:anim calcmode="lin" valueType="num">
                                       <p:cBhvr>
-                                        <p:cTn id="16" dur="1000" fill="hold"/>
+                                        <p:cTn id="14" dur="1000" fill="hold"/>
                                         <p:tgtEl>
                                           <p:spTgt spid="3">
                                             <p:txEl>
                                               <p:pRg st="1" end="1"/>
+                                            </p:txEl>
+                                          </p:spTgt>
+                                        </p:tgtEl>
+                                        <p:attrNameLst>
+                                          <p:attrName>ppt_y</p:attrName>
+                                        </p:attrNameLst>
+                                      </p:cBhvr>
+                                      <p:tavLst>
+                                        <p:tav tm="0">
+                                          <p:val>
+                                            <p:strVal val="#ppt_y+.1"/>
+                                          </p:val>
+                                        </p:tav>
+                                        <p:tav tm="100000">
+                                          <p:val>
+                                            <p:strVal val="#ppt_y"/>
+                                          </p:val>
+                                        </p:tav>
+                                      </p:tavLst>
+                                    </p:anim>
+                                  </p:childTnLst>
+                                </p:cTn>
+                              </p:par>
+                              <p:par>
+                                <p:cTn id="15" presetID="42" presetClass="entr" presetSubtype="0" fill="hold" grpId="0" nodeType="withEffect">
+                                  <p:stCondLst>
+                                    <p:cond delay="0"/>
+                                  </p:stCondLst>
+                                  <p:childTnLst>
+                                    <p:set>
+                                      <p:cBhvr>
+                                        <p:cTn id="16" dur="1" fill="hold">
+                                          <p:stCondLst>
+                                            <p:cond delay="0"/>
+                                          </p:stCondLst>
+                                        </p:cTn>
+                                        <p:tgtEl>
+                                          <p:spTgt spid="3">
+                                            <p:txEl>
+                                              <p:pRg st="2" end="2"/>
+                                            </p:txEl>
+                                          </p:spTgt>
+                                        </p:tgtEl>
+                                        <p:attrNameLst>
+                                          <p:attrName>style.visibility</p:attrName>
+                                        </p:attrNameLst>
+                                      </p:cBhvr>
+                                      <p:to>
+                                        <p:strVal val="visible"/>
+                                      </p:to>
+                                    </p:set>
+                                    <p:animEffect transition="in" filter="fade">
+                                      <p:cBhvr>
+                                        <p:cTn id="17" dur="1000"/>
+                                        <p:tgtEl>
+                                          <p:spTgt spid="3">
+                                            <p:txEl>
+                                              <p:pRg st="2" end="2"/>
+                                            </p:txEl>
+                                          </p:spTgt>
+                                        </p:tgtEl>
+                                      </p:cBhvr>
+                                    </p:animEffect>
+                                    <p:anim calcmode="lin" valueType="num">
+                                      <p:cBhvr>
+                                        <p:cTn id="18" dur="1000" fill="hold"/>
+                                        <p:tgtEl>
+                                          <p:spTgt spid="3">
+                                            <p:txEl>
+                                              <p:pRg st="2" end="2"/>
+                                            </p:txEl>
+                                          </p:spTgt>
+                                        </p:tgtEl>
+                                        <p:attrNameLst>
+                                          <p:attrName>ppt_x</p:attrName>
+                                        </p:attrNameLst>
+                                      </p:cBhvr>
+                                      <p:tavLst>
+                                        <p:tav tm="0">
+                                          <p:val>
+                                            <p:strVal val="#ppt_x"/>
+                                          </p:val>
+                                        </p:tav>
+                                        <p:tav tm="100000">
+                                          <p:val>
+                                            <p:strVal val="#ppt_x"/>
+                                          </p:val>
+                                        </p:tav>
+                                      </p:tavLst>
+                                    </p:anim>
+                                    <p:anim calcmode="lin" valueType="num">
+                                      <p:cBhvr>
+                                        <p:cTn id="19" dur="1000" fill="hold"/>
+                                        <p:tgtEl>
+                                          <p:spTgt spid="3">
+                                            <p:txEl>
+                                              <p:pRg st="2" end="2"/>
                                             </p:txEl>
                                           </p:spTgt>
                                         </p:tgtEl>
@@ -12934,26 +12506,26 @@
                     </p:cTn>
                   </p:par>
                   <p:par>
-                    <p:cTn id="17" fill="hold">
+                    <p:cTn id="20" fill="hold">
                       <p:stCondLst>
                         <p:cond delay="indefinite"/>
                       </p:stCondLst>
                       <p:childTnLst>
                         <p:par>
-                          <p:cTn id="18" fill="hold">
+                          <p:cTn id="21" fill="hold">
                             <p:stCondLst>
                               <p:cond delay="0"/>
                             </p:stCondLst>
                             <p:childTnLst>
                               <p:par>
-                                <p:cTn id="19" presetID="42" presetClass="entr" presetSubtype="0" fill="hold" grpId="0" nodeType="clickEffect">
+                                <p:cTn id="22" presetID="42" presetClass="entr" presetSubtype="0" fill="hold" grpId="0" nodeType="clickEffect">
                                   <p:stCondLst>
                                     <p:cond delay="0"/>
                                   </p:stCondLst>
                                   <p:childTnLst>
                                     <p:set>
                                       <p:cBhvr>
-                                        <p:cTn id="20" dur="1" fill="hold">
+                                        <p:cTn id="23" dur="1" fill="hold">
                                           <p:stCondLst>
                                             <p:cond delay="0"/>
                                           </p:stCondLst>
@@ -12961,7 +12533,7 @@
                                         <p:tgtEl>
                                           <p:spTgt spid="3">
                                             <p:txEl>
-                                              <p:pRg st="2" end="2"/>
+                                              <p:pRg st="3" end="3"/>
                                             </p:txEl>
                                           </p:spTgt>
                                         </p:tgtEl>
@@ -12975,11 +12547,11 @@
                                     </p:set>
                                     <p:animEffect transition="in" filter="fade">
                                       <p:cBhvr>
-                                        <p:cTn id="21" dur="1000"/>
-                                        <p:tgtEl>
-                                          <p:spTgt spid="3">
-                                            <p:txEl>
-                                              <p:pRg st="2" end="2"/>
+                                        <p:cTn id="24" dur="1000"/>
+                                        <p:tgtEl>
+                                          <p:spTgt spid="3">
+                                            <p:txEl>
+                                              <p:pRg st="3" end="3"/>
                                             </p:txEl>
                                           </p:spTgt>
                                         </p:tgtEl>
@@ -12987,11 +12559,11 @@
                                     </p:animEffect>
                                     <p:anim calcmode="lin" valueType="num">
                                       <p:cBhvr>
-                                        <p:cTn id="22" dur="1000" fill="hold"/>
-                                        <p:tgtEl>
-                                          <p:spTgt spid="3">
-                                            <p:txEl>
-                                              <p:pRg st="2" end="2"/>
+                                        <p:cTn id="25" dur="1000" fill="hold"/>
+                                        <p:tgtEl>
+                                          <p:spTgt spid="3">
+                                            <p:txEl>
+                                              <p:pRg st="3" end="3"/>
                                             </p:txEl>
                                           </p:spTgt>
                                         </p:tgtEl>
@@ -13014,11 +12586,205 @@
                                     </p:anim>
                                     <p:anim calcmode="lin" valueType="num">
                                       <p:cBhvr>
-                                        <p:cTn id="23" dur="1000" fill="hold"/>
-                                        <p:tgtEl>
-                                          <p:spTgt spid="3">
-                                            <p:txEl>
-                                              <p:pRg st="2" end="2"/>
+                                        <p:cTn id="26" dur="1000" fill="hold"/>
+                                        <p:tgtEl>
+                                          <p:spTgt spid="3">
+                                            <p:txEl>
+                                              <p:pRg st="3" end="3"/>
+                                            </p:txEl>
+                                          </p:spTgt>
+                                        </p:tgtEl>
+                                        <p:attrNameLst>
+                                          <p:attrName>ppt_y</p:attrName>
+                                        </p:attrNameLst>
+                                      </p:cBhvr>
+                                      <p:tavLst>
+                                        <p:tav tm="0">
+                                          <p:val>
+                                            <p:strVal val="#ppt_y+.1"/>
+                                          </p:val>
+                                        </p:tav>
+                                        <p:tav tm="100000">
+                                          <p:val>
+                                            <p:strVal val="#ppt_y"/>
+                                          </p:val>
+                                        </p:tav>
+                                      </p:tavLst>
+                                    </p:anim>
+                                  </p:childTnLst>
+                                </p:cTn>
+                              </p:par>
+                              <p:par>
+                                <p:cTn id="27" presetID="42" presetClass="entr" presetSubtype="0" fill="hold" grpId="0" nodeType="withEffect">
+                                  <p:stCondLst>
+                                    <p:cond delay="0"/>
+                                  </p:stCondLst>
+                                  <p:childTnLst>
+                                    <p:set>
+                                      <p:cBhvr>
+                                        <p:cTn id="28" dur="1" fill="hold">
+                                          <p:stCondLst>
+                                            <p:cond delay="0"/>
+                                          </p:stCondLst>
+                                        </p:cTn>
+                                        <p:tgtEl>
+                                          <p:spTgt spid="3">
+                                            <p:txEl>
+                                              <p:pRg st="4" end="4"/>
+                                            </p:txEl>
+                                          </p:spTgt>
+                                        </p:tgtEl>
+                                        <p:attrNameLst>
+                                          <p:attrName>style.visibility</p:attrName>
+                                        </p:attrNameLst>
+                                      </p:cBhvr>
+                                      <p:to>
+                                        <p:strVal val="visible"/>
+                                      </p:to>
+                                    </p:set>
+                                    <p:animEffect transition="in" filter="fade">
+                                      <p:cBhvr>
+                                        <p:cTn id="29" dur="1000"/>
+                                        <p:tgtEl>
+                                          <p:spTgt spid="3">
+                                            <p:txEl>
+                                              <p:pRg st="4" end="4"/>
+                                            </p:txEl>
+                                          </p:spTgt>
+                                        </p:tgtEl>
+                                      </p:cBhvr>
+                                    </p:animEffect>
+                                    <p:anim calcmode="lin" valueType="num">
+                                      <p:cBhvr>
+                                        <p:cTn id="30" dur="1000" fill="hold"/>
+                                        <p:tgtEl>
+                                          <p:spTgt spid="3">
+                                            <p:txEl>
+                                              <p:pRg st="4" end="4"/>
+                                            </p:txEl>
+                                          </p:spTgt>
+                                        </p:tgtEl>
+                                        <p:attrNameLst>
+                                          <p:attrName>ppt_x</p:attrName>
+                                        </p:attrNameLst>
+                                      </p:cBhvr>
+                                      <p:tavLst>
+                                        <p:tav tm="0">
+                                          <p:val>
+                                            <p:strVal val="#ppt_x"/>
+                                          </p:val>
+                                        </p:tav>
+                                        <p:tav tm="100000">
+                                          <p:val>
+                                            <p:strVal val="#ppt_x"/>
+                                          </p:val>
+                                        </p:tav>
+                                      </p:tavLst>
+                                    </p:anim>
+                                    <p:anim calcmode="lin" valueType="num">
+                                      <p:cBhvr>
+                                        <p:cTn id="31" dur="1000" fill="hold"/>
+                                        <p:tgtEl>
+                                          <p:spTgt spid="3">
+                                            <p:txEl>
+                                              <p:pRg st="4" end="4"/>
+                                            </p:txEl>
+                                          </p:spTgt>
+                                        </p:tgtEl>
+                                        <p:attrNameLst>
+                                          <p:attrName>ppt_y</p:attrName>
+                                        </p:attrNameLst>
+                                      </p:cBhvr>
+                                      <p:tavLst>
+                                        <p:tav tm="0">
+                                          <p:val>
+                                            <p:strVal val="#ppt_y+.1"/>
+                                          </p:val>
+                                        </p:tav>
+                                        <p:tav tm="100000">
+                                          <p:val>
+                                            <p:strVal val="#ppt_y"/>
+                                          </p:val>
+                                        </p:tav>
+                                      </p:tavLst>
+                                    </p:anim>
+                                  </p:childTnLst>
+                                </p:cTn>
+                              </p:par>
+                              <p:par>
+                                <p:cTn id="32" presetID="42" presetClass="entr" presetSubtype="0" fill="hold" grpId="0" nodeType="withEffect">
+                                  <p:stCondLst>
+                                    <p:cond delay="0"/>
+                                  </p:stCondLst>
+                                  <p:childTnLst>
+                                    <p:set>
+                                      <p:cBhvr>
+                                        <p:cTn id="33" dur="1" fill="hold">
+                                          <p:stCondLst>
+                                            <p:cond delay="0"/>
+                                          </p:stCondLst>
+                                        </p:cTn>
+                                        <p:tgtEl>
+                                          <p:spTgt spid="3">
+                                            <p:txEl>
+                                              <p:pRg st="5" end="5"/>
+                                            </p:txEl>
+                                          </p:spTgt>
+                                        </p:tgtEl>
+                                        <p:attrNameLst>
+                                          <p:attrName>style.visibility</p:attrName>
+                                        </p:attrNameLst>
+                                      </p:cBhvr>
+                                      <p:to>
+                                        <p:strVal val="visible"/>
+                                      </p:to>
+                                    </p:set>
+                                    <p:animEffect transition="in" filter="fade">
+                                      <p:cBhvr>
+                                        <p:cTn id="34" dur="1000"/>
+                                        <p:tgtEl>
+                                          <p:spTgt spid="3">
+                                            <p:txEl>
+                                              <p:pRg st="5" end="5"/>
+                                            </p:txEl>
+                                          </p:spTgt>
+                                        </p:tgtEl>
+                                      </p:cBhvr>
+                                    </p:animEffect>
+                                    <p:anim calcmode="lin" valueType="num">
+                                      <p:cBhvr>
+                                        <p:cTn id="35" dur="1000" fill="hold"/>
+                                        <p:tgtEl>
+                                          <p:spTgt spid="3">
+                                            <p:txEl>
+                                              <p:pRg st="5" end="5"/>
+                                            </p:txEl>
+                                          </p:spTgt>
+                                        </p:tgtEl>
+                                        <p:attrNameLst>
+                                          <p:attrName>ppt_x</p:attrName>
+                                        </p:attrNameLst>
+                                      </p:cBhvr>
+                                      <p:tavLst>
+                                        <p:tav tm="0">
+                                          <p:val>
+                                            <p:strVal val="#ppt_x"/>
+                                          </p:val>
+                                        </p:tav>
+                                        <p:tav tm="100000">
+                                          <p:val>
+                                            <p:strVal val="#ppt_x"/>
+                                          </p:val>
+                                        </p:tav>
+                                      </p:tavLst>
+                                    </p:anim>
+                                    <p:anim calcmode="lin" valueType="num">
+                                      <p:cBhvr>
+                                        <p:cTn id="36" dur="1000" fill="hold"/>
+                                        <p:tgtEl>
+                                          <p:spTgt spid="3">
+                                            <p:txEl>
+                                              <p:pRg st="5" end="5"/>
                                             </p:txEl>
                                           </p:spTgt>
                                         </p:tgtEl>
@@ -13049,26 +12815,26 @@
                     </p:cTn>
                   </p:par>
                   <p:par>
-                    <p:cTn id="24" fill="hold">
+                    <p:cTn id="37" fill="hold">
                       <p:stCondLst>
                         <p:cond delay="indefinite"/>
                       </p:stCondLst>
                       <p:childTnLst>
                         <p:par>
-                          <p:cTn id="25" fill="hold">
+                          <p:cTn id="38" fill="hold">
                             <p:stCondLst>
                               <p:cond delay="0"/>
                             </p:stCondLst>
                             <p:childTnLst>
                               <p:par>
-                                <p:cTn id="26" presetID="42" presetClass="entr" presetSubtype="0" fill="hold" grpId="0" nodeType="clickEffect">
+                                <p:cTn id="39" presetID="42" presetClass="entr" presetSubtype="0" fill="hold" grpId="0" nodeType="clickEffect">
                                   <p:stCondLst>
                                     <p:cond delay="0"/>
                                   </p:stCondLst>
                                   <p:childTnLst>
                                     <p:set>
                                       <p:cBhvr>
-                                        <p:cTn id="27" dur="1" fill="hold">
+                                        <p:cTn id="40" dur="1" fill="hold">
                                           <p:stCondLst>
                                             <p:cond delay="0"/>
                                           </p:stCondLst>
@@ -13076,7 +12842,7 @@
                                         <p:tgtEl>
                                           <p:spTgt spid="3">
                                             <p:txEl>
-                                              <p:pRg st="3" end="3"/>
+                                              <p:pRg st="6" end="6"/>
                                             </p:txEl>
                                           </p:spTgt>
                                         </p:tgtEl>
@@ -13090,11 +12856,11 @@
                                     </p:set>
                                     <p:animEffect transition="in" filter="fade">
                                       <p:cBhvr>
-                                        <p:cTn id="28" dur="1000"/>
-                                        <p:tgtEl>
-                                          <p:spTgt spid="3">
-                                            <p:txEl>
-                                              <p:pRg st="3" end="3"/>
+                                        <p:cTn id="41" dur="1000"/>
+                                        <p:tgtEl>
+                                          <p:spTgt spid="3">
+                                            <p:txEl>
+                                              <p:pRg st="6" end="6"/>
                                             </p:txEl>
                                           </p:spTgt>
                                         </p:tgtEl>
@@ -13102,11 +12868,11 @@
                                     </p:animEffect>
                                     <p:anim calcmode="lin" valueType="num">
                                       <p:cBhvr>
-                                        <p:cTn id="29" dur="1000" fill="hold"/>
-                                        <p:tgtEl>
-                                          <p:spTgt spid="3">
-                                            <p:txEl>
-                                              <p:pRg st="3" end="3"/>
+                                        <p:cTn id="42" dur="1000" fill="hold"/>
+                                        <p:tgtEl>
+                                          <p:spTgt spid="3">
+                                            <p:txEl>
+                                              <p:pRg st="6" end="6"/>
                                             </p:txEl>
                                           </p:spTgt>
                                         </p:tgtEl>
@@ -13129,11 +12895,108 @@
                                     </p:anim>
                                     <p:anim calcmode="lin" valueType="num">
                                       <p:cBhvr>
-                                        <p:cTn id="30" dur="1000" fill="hold"/>
-                                        <p:tgtEl>
-                                          <p:spTgt spid="3">
-                                            <p:txEl>
-                                              <p:pRg st="3" end="3"/>
+                                        <p:cTn id="43" dur="1000" fill="hold"/>
+                                        <p:tgtEl>
+                                          <p:spTgt spid="3">
+                                            <p:txEl>
+                                              <p:pRg st="6" end="6"/>
+                                            </p:txEl>
+                                          </p:spTgt>
+                                        </p:tgtEl>
+                                        <p:attrNameLst>
+                                          <p:attrName>ppt_y</p:attrName>
+                                        </p:attrNameLst>
+                                      </p:cBhvr>
+                                      <p:tavLst>
+                                        <p:tav tm="0">
+                                          <p:val>
+                                            <p:strVal val="#ppt_y+.1"/>
+                                          </p:val>
+                                        </p:tav>
+                                        <p:tav tm="100000">
+                                          <p:val>
+                                            <p:strVal val="#ppt_y"/>
+                                          </p:val>
+                                        </p:tav>
+                                      </p:tavLst>
+                                    </p:anim>
+                                  </p:childTnLst>
+                                </p:cTn>
+                              </p:par>
+                              <p:par>
+                                <p:cTn id="44" presetID="42" presetClass="entr" presetSubtype="0" fill="hold" grpId="0" nodeType="withEffect">
+                                  <p:stCondLst>
+                                    <p:cond delay="0"/>
+                                  </p:stCondLst>
+                                  <p:childTnLst>
+                                    <p:set>
+                                      <p:cBhvr>
+                                        <p:cTn id="45" dur="1" fill="hold">
+                                          <p:stCondLst>
+                                            <p:cond delay="0"/>
+                                          </p:stCondLst>
+                                        </p:cTn>
+                                        <p:tgtEl>
+                                          <p:spTgt spid="3">
+                                            <p:txEl>
+                                              <p:pRg st="7" end="7"/>
+                                            </p:txEl>
+                                          </p:spTgt>
+                                        </p:tgtEl>
+                                        <p:attrNameLst>
+                                          <p:attrName>style.visibility</p:attrName>
+                                        </p:attrNameLst>
+                                      </p:cBhvr>
+                                      <p:to>
+                                        <p:strVal val="visible"/>
+                                      </p:to>
+                                    </p:set>
+                                    <p:animEffect transition="in" filter="fade">
+                                      <p:cBhvr>
+                                        <p:cTn id="46" dur="1000"/>
+                                        <p:tgtEl>
+                                          <p:spTgt spid="3">
+                                            <p:txEl>
+                                              <p:pRg st="7" end="7"/>
+                                            </p:txEl>
+                                          </p:spTgt>
+                                        </p:tgtEl>
+                                      </p:cBhvr>
+                                    </p:animEffect>
+                                    <p:anim calcmode="lin" valueType="num">
+                                      <p:cBhvr>
+                                        <p:cTn id="47" dur="1000" fill="hold"/>
+                                        <p:tgtEl>
+                                          <p:spTgt spid="3">
+                                            <p:txEl>
+                                              <p:pRg st="7" end="7"/>
+                                            </p:txEl>
+                                          </p:spTgt>
+                                        </p:tgtEl>
+                                        <p:attrNameLst>
+                                          <p:attrName>ppt_x</p:attrName>
+                                        </p:attrNameLst>
+                                      </p:cBhvr>
+                                      <p:tavLst>
+                                        <p:tav tm="0">
+                                          <p:val>
+                                            <p:strVal val="#ppt_x"/>
+                                          </p:val>
+                                        </p:tav>
+                                        <p:tav tm="100000">
+                                          <p:val>
+                                            <p:strVal val="#ppt_x"/>
+                                          </p:val>
+                                        </p:tav>
+                                      </p:tavLst>
+                                    </p:anim>
+                                    <p:anim calcmode="lin" valueType="num">
+                                      <p:cBhvr>
+                                        <p:cTn id="48" dur="1000" fill="hold"/>
+                                        <p:tgtEl>
+                                          <p:spTgt spid="3">
+                                            <p:txEl>
+                                              <p:pRg st="7" end="7"/>
                                             </p:txEl>
                                           </p:spTgt>
                                         </p:tgtEl>
@@ -13191,7 +13054,7 @@
 </p:sld>
 </file>
 
-<file path=ppt/slides/slide22.xml><?xml version="1.0" encoding="utf-8"?>
+<file path=ppt/slides/slide21.xml><?xml version="1.0" encoding="utf-8"?>
 <p:sld xmlns:a="http://schemas.openxmlformats.org/drawingml/2006/main" xmlns:r="http://schemas.openxmlformats.org/officeDocument/2006/relationships" xmlns:p="http://schemas.openxmlformats.org/presentationml/2006/main">
   <p:cSld>
     <p:spTree>
@@ -13439,6 +13302,1203 @@
         </p:nvSpPr>
         <p:spPr>
           <a:xfrm>
+            <a:off x="11296649" y="0"/>
+            <a:ext cx="895331" cy="514527"/>
+          </a:xfrm>
+          <a:prstGeom prst="rect">
+            <a:avLst/>
+          </a:prstGeom>
+          <a:solidFill>
+            <a:srgbClr val="92D050"/>
+          </a:solidFill>
+        </p:spPr>
+        <p:style>
+          <a:lnRef idx="1">
+            <a:schemeClr val="accent6"/>
+          </a:lnRef>
+          <a:fillRef idx="3">
+            <a:schemeClr val="accent6"/>
+          </a:fillRef>
+          <a:effectRef idx="2">
+            <a:schemeClr val="accent6"/>
+          </a:effectRef>
+          <a:fontRef idx="minor">
+            <a:schemeClr val="lt1"/>
+          </a:fontRef>
+        </p:style>
+        <p:txBody>
+          <a:bodyPr rtlCol="0" anchor="ctr"/>
+          <a:lstStyle/>
+          <a:p>
+            <a:pPr algn="ctr"/>
+            <a:r>
+              <a:rPr lang="en-IN" sz="4400" dirty="0">
+                <a:solidFill>
+                  <a:schemeClr val="bg1"/>
+                </a:solidFill>
+                <a:latin typeface="Algerian" panose="04020705040A02060702" pitchFamily="82" charset="0"/>
+              </a:rPr>
+              <a:t>#9</a:t>
+            </a:r>
+            <a:endParaRPr lang="en-IN" sz="3600" dirty="0">
+              <a:solidFill>
+                <a:schemeClr val="bg1"/>
+              </a:solidFill>
+              <a:latin typeface="Algerian" panose="04020705040A02060702" pitchFamily="82" charset="0"/>
+            </a:endParaRPr>
+          </a:p>
+        </p:txBody>
+      </p:sp>
+      <p:sp>
+        <p:nvSpPr>
+          <p:cNvPr id="6" name="Rectangle 5">
+            <a:extLst>
+              <a:ext uri="{FF2B5EF4-FFF2-40B4-BE49-F238E27FC236}">
+                <a16:creationId xmlns:a16="http://schemas.microsoft.com/office/drawing/2014/main" id="{2E1E5C31-CEA6-4E24-B2BA-18A7337DCB5D}"/>
+              </a:ext>
+            </a:extLst>
+          </p:cNvPr>
+          <p:cNvSpPr/>
+          <p:nvPr/>
+        </p:nvSpPr>
+        <p:spPr>
+          <a:xfrm>
+            <a:off x="3424466" y="3066430"/>
+            <a:ext cx="6129338" cy="3387960"/>
+          </a:xfrm>
+          <a:prstGeom prst="rect">
+            <a:avLst/>
+          </a:prstGeom>
+          <a:solidFill>
+            <a:schemeClr val="accent3"/>
+          </a:solidFill>
+        </p:spPr>
+        <p:style>
+          <a:lnRef idx="2">
+            <a:schemeClr val="accent1">
+              <a:shade val="50000"/>
+            </a:schemeClr>
+          </a:lnRef>
+          <a:fillRef idx="1">
+            <a:schemeClr val="accent1"/>
+          </a:fillRef>
+          <a:effectRef idx="0">
+            <a:schemeClr val="accent1"/>
+          </a:effectRef>
+          <a:fontRef idx="minor">
+            <a:schemeClr val="lt1"/>
+          </a:fontRef>
+        </p:style>
+        <p:txBody>
+          <a:bodyPr rtlCol="0" anchor="ctr"/>
+          <a:lstStyle/>
+          <a:p>
+            <a:pPr marL="685800" indent="-685800" algn="ctr">
+              <a:buFont typeface="+mj-lt"/>
+              <a:buAutoNum type="arabicPeriod"/>
+            </a:pPr>
+            <a:r>
+              <a:rPr lang="en-IN" b="1" dirty="0">
+                <a:solidFill>
+                  <a:srgbClr val="00B050"/>
+                </a:solidFill>
+              </a:rPr>
+              <a:t>Internal architecture</a:t>
+            </a:r>
+          </a:p>
+          <a:p>
+            <a:pPr marL="685800" indent="-685800" algn="ctr">
+              <a:buFont typeface="+mj-lt"/>
+              <a:buAutoNum type="arabicPeriod"/>
+            </a:pPr>
+            <a:r>
+              <a:rPr lang="en-IN" b="1" dirty="0">
+                <a:solidFill>
+                  <a:srgbClr val="00B050"/>
+                </a:solidFill>
+              </a:rPr>
+              <a:t>Spring boot starters</a:t>
+            </a:r>
+          </a:p>
+          <a:p>
+            <a:pPr marL="685800" indent="-685800" algn="ctr">
+              <a:buFont typeface="+mj-lt"/>
+              <a:buAutoNum type="arabicPeriod"/>
+            </a:pPr>
+            <a:r>
+              <a:rPr lang="en-IN" b="1" dirty="0">
+                <a:solidFill>
+                  <a:srgbClr val="00B050"/>
+                </a:solidFill>
+              </a:rPr>
+              <a:t>Autoconfiguration</a:t>
+            </a:r>
+          </a:p>
+          <a:p>
+            <a:pPr marL="685800" indent="-685800" algn="ctr">
+              <a:buFont typeface="+mj-lt"/>
+              <a:buAutoNum type="arabicPeriod"/>
+            </a:pPr>
+            <a:r>
+              <a:rPr lang="en-IN" b="1" dirty="0">
+                <a:solidFill>
+                  <a:srgbClr val="00B050"/>
+                </a:solidFill>
+              </a:rPr>
+              <a:t>Custom Starters</a:t>
+            </a:r>
+          </a:p>
+          <a:p>
+            <a:pPr marL="685800" indent="-685800" algn="ctr">
+              <a:buFont typeface="+mj-lt"/>
+              <a:buAutoNum type="arabicPeriod"/>
+            </a:pPr>
+            <a:r>
+              <a:rPr lang="en-IN" b="1" dirty="0">
+                <a:solidFill>
+                  <a:srgbClr val="00B050"/>
+                </a:solidFill>
+              </a:rPr>
+              <a:t>Exploring </a:t>
+            </a:r>
+            <a:r>
+              <a:rPr lang="en-IN" b="1" dirty="0" err="1">
+                <a:solidFill>
+                  <a:srgbClr val="00B050"/>
+                </a:solidFill>
+              </a:rPr>
+              <a:t>SpringApplication.run</a:t>
+            </a:r>
+            <a:r>
+              <a:rPr lang="en-IN" b="1" dirty="0">
+                <a:solidFill>
+                  <a:srgbClr val="00B050"/>
+                </a:solidFill>
+              </a:rPr>
+              <a:t>(…)</a:t>
+            </a:r>
+          </a:p>
+          <a:p>
+            <a:pPr marL="685800" indent="-685800" algn="ctr">
+              <a:buFont typeface="+mj-lt"/>
+              <a:buAutoNum type="arabicPeriod"/>
+            </a:pPr>
+            <a:r>
+              <a:rPr lang="en-IN" b="1" dirty="0">
+                <a:solidFill>
+                  <a:srgbClr val="00B050"/>
+                </a:solidFill>
+              </a:rPr>
+              <a:t>Dependency management</a:t>
+            </a:r>
+          </a:p>
+          <a:p>
+            <a:pPr marL="685800" indent="-685800" algn="ctr">
+              <a:buFont typeface="+mj-lt"/>
+              <a:buAutoNum type="arabicPeriod"/>
+            </a:pPr>
+            <a:r>
+              <a:rPr lang="en-IN" b="1" dirty="0">
+                <a:solidFill>
+                  <a:srgbClr val="00B050"/>
+                </a:solidFill>
+              </a:rPr>
+              <a:t>Failure Analyzer</a:t>
+            </a:r>
+          </a:p>
+          <a:p>
+            <a:pPr marL="685800" indent="-685800" algn="ctr">
+              <a:buFont typeface="+mj-lt"/>
+              <a:buAutoNum type="arabicPeriod"/>
+            </a:pPr>
+            <a:r>
+              <a:rPr lang="en-IN" b="1" dirty="0">
+                <a:solidFill>
+                  <a:srgbClr val="00B050"/>
+                </a:solidFill>
+              </a:rPr>
+              <a:t>Spring boot banner</a:t>
+            </a:r>
+          </a:p>
+          <a:p>
+            <a:pPr marL="685800" indent="-685800" algn="ctr">
+              <a:buFont typeface="+mj-lt"/>
+              <a:buAutoNum type="arabicPeriod"/>
+            </a:pPr>
+            <a:r>
+              <a:rPr lang="en-IN" sz="3600" b="1" dirty="0">
+                <a:solidFill>
+                  <a:srgbClr val="FFFF00"/>
+                </a:solidFill>
+              </a:rPr>
+              <a:t>Server port</a:t>
+            </a:r>
+          </a:p>
+          <a:p>
+            <a:pPr marL="685800" indent="-685800" algn="ctr">
+              <a:buFont typeface="+mj-lt"/>
+              <a:buAutoNum type="arabicPeriod"/>
+            </a:pPr>
+            <a:r>
+              <a:rPr lang="en-IN" b="1" dirty="0"/>
+              <a:t>Spring vs Spring Boot</a:t>
+            </a:r>
+          </a:p>
+        </p:txBody>
+      </p:sp>
+      <p:pic>
+        <p:nvPicPr>
+          <p:cNvPr id="1032" name="Picture 8" descr="Image result for spring boot">
+            <a:extLst>
+              <a:ext uri="{FF2B5EF4-FFF2-40B4-BE49-F238E27FC236}">
+                <a16:creationId xmlns:a16="http://schemas.microsoft.com/office/drawing/2014/main" id="{BDCFC6E3-9BA9-4E09-A1F7-9D5A9F5903A0}"/>
+              </a:ext>
+            </a:extLst>
+          </p:cNvPr>
+          <p:cNvPicPr>
+            <a:picLocks noChangeAspect="1" noChangeArrowheads="1"/>
+          </p:cNvPicPr>
+          <p:nvPr/>
+        </p:nvPicPr>
+        <p:blipFill>
+          <a:blip r:embed="rId3">
+            <a:extLst>
+              <a:ext uri="{28A0092B-C50C-407E-A947-70E740481C1C}">
+                <a14:useLocalDpi xmlns:a14="http://schemas.microsoft.com/office/drawing/2010/main" val="0"/>
+              </a:ext>
+            </a:extLst>
+          </a:blip>
+          <a:srcRect/>
+          <a:stretch>
+            <a:fillRect/>
+          </a:stretch>
+        </p:blipFill>
+        <p:spPr bwMode="auto">
+          <a:xfrm rot="16200000">
+            <a:off x="-732449" y="732450"/>
+            <a:ext cx="3036524" cy="1571625"/>
+          </a:xfrm>
+          <a:prstGeom prst="rect">
+            <a:avLst/>
+          </a:prstGeom>
+          <a:ln>
+            <a:noFill/>
+          </a:ln>
+          <a:effectLst>
+            <a:outerShdw blurRad="292100" dist="139700" dir="2700000" algn="tl" rotWithShape="0">
+              <a:srgbClr val="333333">
+                <a:alpha val="65000"/>
+              </a:srgbClr>
+            </a:outerShdw>
+          </a:effectLst>
+          <a:extLst>
+            <a:ext uri="{909E8E84-426E-40DD-AFC4-6F175D3DCCD1}">
+              <a14:hiddenFill xmlns:a14="http://schemas.microsoft.com/office/drawing/2010/main">
+                <a:solidFill>
+                  <a:srgbClr val="FFFFFF"/>
+                </a:solidFill>
+              </a14:hiddenFill>
+            </a:ext>
+          </a:extLst>
+        </p:spPr>
+      </p:pic>
+    </p:spTree>
+    <p:extLst>
+      <p:ext uri="{BB962C8B-B14F-4D97-AF65-F5344CB8AC3E}">
+        <p14:creationId xmlns:p14="http://schemas.microsoft.com/office/powerpoint/2010/main" val="1908802531"/>
+      </p:ext>
+    </p:extLst>
+  </p:cSld>
+  <p:clrMapOvr>
+    <a:masterClrMapping/>
+  </p:clrMapOvr>
+</p:sld>
+</file>
+
+<file path=ppt/slides/slide22.xml><?xml version="1.0" encoding="utf-8"?>
+<p:sld xmlns:a="http://schemas.openxmlformats.org/drawingml/2006/main" xmlns:r="http://schemas.openxmlformats.org/officeDocument/2006/relationships" xmlns:p="http://schemas.openxmlformats.org/presentationml/2006/main">
+  <p:cSld>
+    <p:spTree>
+      <p:nvGrpSpPr>
+        <p:cNvPr id="1" name=""/>
+        <p:cNvGrpSpPr/>
+        <p:nvPr/>
+      </p:nvGrpSpPr>
+      <p:grpSpPr>
+        <a:xfrm>
+          <a:off x="0" y="0"/>
+          <a:ext cx="0" cy="0"/>
+          <a:chOff x="0" y="0"/>
+          <a:chExt cx="0" cy="0"/>
+        </a:xfrm>
+      </p:grpSpPr>
+      <p:sp>
+        <p:nvSpPr>
+          <p:cNvPr id="2" name="Title 1">
+            <a:extLst>
+              <a:ext uri="{FF2B5EF4-FFF2-40B4-BE49-F238E27FC236}">
+                <a16:creationId xmlns:a16="http://schemas.microsoft.com/office/drawing/2014/main" id="{F7C7A7AD-168E-4859-B7F1-00E770DAFE0E}"/>
+              </a:ext>
+            </a:extLst>
+          </p:cNvPr>
+          <p:cNvSpPr>
+            <a:spLocks noGrp="1"/>
+          </p:cNvSpPr>
+          <p:nvPr>
+            <p:ph type="title"/>
+          </p:nvPr>
+        </p:nvSpPr>
+        <p:spPr>
+          <a:solidFill>
+            <a:schemeClr val="accent6">
+              <a:lumMod val="40000"/>
+              <a:lumOff val="60000"/>
+            </a:schemeClr>
+          </a:solidFill>
+        </p:spPr>
+        <p:txBody>
+          <a:bodyPr/>
+          <a:lstStyle/>
+          <a:p>
+            <a:r>
+              <a:rPr lang="en-IN" dirty="0">
+                <a:latin typeface="Algerian" panose="04020705040A02060702" pitchFamily="82" charset="0"/>
+              </a:rPr>
+              <a:t>Different use cases</a:t>
+            </a:r>
+          </a:p>
+        </p:txBody>
+      </p:sp>
+      <p:sp>
+        <p:nvSpPr>
+          <p:cNvPr id="3" name="Content Placeholder 2">
+            <a:extLst>
+              <a:ext uri="{FF2B5EF4-FFF2-40B4-BE49-F238E27FC236}">
+                <a16:creationId xmlns:a16="http://schemas.microsoft.com/office/drawing/2014/main" id="{21475D0B-8934-4CDF-9263-310490EE9888}"/>
+              </a:ext>
+            </a:extLst>
+          </p:cNvPr>
+          <p:cNvSpPr>
+            <a:spLocks noGrp="1"/>
+          </p:cNvSpPr>
+          <p:nvPr>
+            <p:ph idx="1"/>
+          </p:nvPr>
+        </p:nvSpPr>
+        <p:spPr>
+          <a:solidFill>
+            <a:schemeClr val="accent2">
+              <a:lumMod val="20000"/>
+              <a:lumOff val="80000"/>
+            </a:schemeClr>
+          </a:solidFill>
+        </p:spPr>
+        <p:txBody>
+          <a:bodyPr/>
+          <a:lstStyle/>
+          <a:p>
+            <a:pPr>
+              <a:buFont typeface="Wingdings" panose="05000000000000000000" pitchFamily="2" charset="2"/>
+              <a:buChar char="q"/>
+            </a:pPr>
+            <a:r>
+              <a:rPr lang="en-IN" dirty="0"/>
+              <a:t>Overriding default port</a:t>
+            </a:r>
+          </a:p>
+          <a:p>
+            <a:pPr>
+              <a:buFont typeface="Wingdings" panose="05000000000000000000" pitchFamily="2" charset="2"/>
+              <a:buChar char="q"/>
+            </a:pPr>
+            <a:r>
+              <a:rPr lang="en-IN" dirty="0"/>
+              <a:t>Different port for different environment</a:t>
+            </a:r>
+          </a:p>
+          <a:p>
+            <a:pPr>
+              <a:buFont typeface="Wingdings" panose="05000000000000000000" pitchFamily="2" charset="2"/>
+              <a:buChar char="q"/>
+            </a:pPr>
+            <a:r>
+              <a:rPr lang="en-IN" dirty="0"/>
+              <a:t>Random available port</a:t>
+            </a:r>
+          </a:p>
+          <a:p>
+            <a:pPr>
+              <a:buFont typeface="Wingdings" panose="05000000000000000000" pitchFamily="2" charset="2"/>
+              <a:buChar char="q"/>
+            </a:pPr>
+            <a:r>
+              <a:rPr lang="en-IN" dirty="0"/>
+              <a:t>Port from command line while starting the application</a:t>
+            </a:r>
+          </a:p>
+          <a:p>
+            <a:pPr>
+              <a:buFont typeface="Wingdings" panose="05000000000000000000" pitchFamily="2" charset="2"/>
+              <a:buChar char="q"/>
+            </a:pPr>
+            <a:endParaRPr lang="en-IN" dirty="0"/>
+          </a:p>
+        </p:txBody>
+      </p:sp>
+    </p:spTree>
+    <p:extLst>
+      <p:ext uri="{BB962C8B-B14F-4D97-AF65-F5344CB8AC3E}">
+        <p14:creationId xmlns:p14="http://schemas.microsoft.com/office/powerpoint/2010/main" val="1974088119"/>
+      </p:ext>
+    </p:extLst>
+  </p:cSld>
+  <p:clrMapOvr>
+    <a:masterClrMapping/>
+  </p:clrMapOvr>
+  <p:timing>
+    <p:tnLst>
+      <p:par>
+        <p:cTn id="1" dur="indefinite" restart="never" nodeType="tmRoot">
+          <p:childTnLst>
+            <p:seq concurrent="1" nextAc="seek">
+              <p:cTn id="2" dur="indefinite" nodeType="mainSeq">
+                <p:childTnLst>
+                  <p:par>
+                    <p:cTn id="3" fill="hold">
+                      <p:stCondLst>
+                        <p:cond delay="indefinite"/>
+                      </p:stCondLst>
+                      <p:childTnLst>
+                        <p:par>
+                          <p:cTn id="4" fill="hold">
+                            <p:stCondLst>
+                              <p:cond delay="0"/>
+                            </p:stCondLst>
+                            <p:childTnLst>
+                              <p:par>
+                                <p:cTn id="5" presetID="42" presetClass="entr" presetSubtype="0" fill="hold" grpId="0" nodeType="clickEffect">
+                                  <p:stCondLst>
+                                    <p:cond delay="0"/>
+                                  </p:stCondLst>
+                                  <p:childTnLst>
+                                    <p:set>
+                                      <p:cBhvr>
+                                        <p:cTn id="6" dur="1" fill="hold">
+                                          <p:stCondLst>
+                                            <p:cond delay="0"/>
+                                          </p:stCondLst>
+                                        </p:cTn>
+                                        <p:tgtEl>
+                                          <p:spTgt spid="3">
+                                            <p:txEl>
+                                              <p:pRg st="0" end="0"/>
+                                            </p:txEl>
+                                          </p:spTgt>
+                                        </p:tgtEl>
+                                        <p:attrNameLst>
+                                          <p:attrName>style.visibility</p:attrName>
+                                        </p:attrNameLst>
+                                      </p:cBhvr>
+                                      <p:to>
+                                        <p:strVal val="visible"/>
+                                      </p:to>
+                                    </p:set>
+                                    <p:animEffect transition="in" filter="fade">
+                                      <p:cBhvr>
+                                        <p:cTn id="7" dur="1000"/>
+                                        <p:tgtEl>
+                                          <p:spTgt spid="3">
+                                            <p:txEl>
+                                              <p:pRg st="0" end="0"/>
+                                            </p:txEl>
+                                          </p:spTgt>
+                                        </p:tgtEl>
+                                      </p:cBhvr>
+                                    </p:animEffect>
+                                    <p:anim calcmode="lin" valueType="num">
+                                      <p:cBhvr>
+                                        <p:cTn id="8" dur="1000" fill="hold"/>
+                                        <p:tgtEl>
+                                          <p:spTgt spid="3">
+                                            <p:txEl>
+                                              <p:pRg st="0" end="0"/>
+                                            </p:txEl>
+                                          </p:spTgt>
+                                        </p:tgtEl>
+                                        <p:attrNameLst>
+                                          <p:attrName>ppt_x</p:attrName>
+                                        </p:attrNameLst>
+                                      </p:cBhvr>
+                                      <p:tavLst>
+                                        <p:tav tm="0">
+                                          <p:val>
+                                            <p:strVal val="#ppt_x"/>
+                                          </p:val>
+                                        </p:tav>
+                                        <p:tav tm="100000">
+                                          <p:val>
+                                            <p:strVal val="#ppt_x"/>
+                                          </p:val>
+                                        </p:tav>
+                                      </p:tavLst>
+                                    </p:anim>
+                                    <p:anim calcmode="lin" valueType="num">
+                                      <p:cBhvr>
+                                        <p:cTn id="9" dur="1000" fill="hold"/>
+                                        <p:tgtEl>
+                                          <p:spTgt spid="3">
+                                            <p:txEl>
+                                              <p:pRg st="0" end="0"/>
+                                            </p:txEl>
+                                          </p:spTgt>
+                                        </p:tgtEl>
+                                        <p:attrNameLst>
+                                          <p:attrName>ppt_y</p:attrName>
+                                        </p:attrNameLst>
+                                      </p:cBhvr>
+                                      <p:tavLst>
+                                        <p:tav tm="0">
+                                          <p:val>
+                                            <p:strVal val="#ppt_y+.1"/>
+                                          </p:val>
+                                        </p:tav>
+                                        <p:tav tm="100000">
+                                          <p:val>
+                                            <p:strVal val="#ppt_y"/>
+                                          </p:val>
+                                        </p:tav>
+                                      </p:tavLst>
+                                    </p:anim>
+                                  </p:childTnLst>
+                                </p:cTn>
+                              </p:par>
+                            </p:childTnLst>
+                          </p:cTn>
+                        </p:par>
+                      </p:childTnLst>
+                    </p:cTn>
+                  </p:par>
+                  <p:par>
+                    <p:cTn id="10" fill="hold">
+                      <p:stCondLst>
+                        <p:cond delay="indefinite"/>
+                      </p:stCondLst>
+                      <p:childTnLst>
+                        <p:par>
+                          <p:cTn id="11" fill="hold">
+                            <p:stCondLst>
+                              <p:cond delay="0"/>
+                            </p:stCondLst>
+                            <p:childTnLst>
+                              <p:par>
+                                <p:cTn id="12" presetID="42" presetClass="entr" presetSubtype="0" fill="hold" grpId="0" nodeType="clickEffect">
+                                  <p:stCondLst>
+                                    <p:cond delay="0"/>
+                                  </p:stCondLst>
+                                  <p:childTnLst>
+                                    <p:set>
+                                      <p:cBhvr>
+                                        <p:cTn id="13" dur="1" fill="hold">
+                                          <p:stCondLst>
+                                            <p:cond delay="0"/>
+                                          </p:stCondLst>
+                                        </p:cTn>
+                                        <p:tgtEl>
+                                          <p:spTgt spid="3">
+                                            <p:txEl>
+                                              <p:pRg st="1" end="1"/>
+                                            </p:txEl>
+                                          </p:spTgt>
+                                        </p:tgtEl>
+                                        <p:attrNameLst>
+                                          <p:attrName>style.visibility</p:attrName>
+                                        </p:attrNameLst>
+                                      </p:cBhvr>
+                                      <p:to>
+                                        <p:strVal val="visible"/>
+                                      </p:to>
+                                    </p:set>
+                                    <p:animEffect transition="in" filter="fade">
+                                      <p:cBhvr>
+                                        <p:cTn id="14" dur="1000"/>
+                                        <p:tgtEl>
+                                          <p:spTgt spid="3">
+                                            <p:txEl>
+                                              <p:pRg st="1" end="1"/>
+                                            </p:txEl>
+                                          </p:spTgt>
+                                        </p:tgtEl>
+                                      </p:cBhvr>
+                                    </p:animEffect>
+                                    <p:anim calcmode="lin" valueType="num">
+                                      <p:cBhvr>
+                                        <p:cTn id="15" dur="1000" fill="hold"/>
+                                        <p:tgtEl>
+                                          <p:spTgt spid="3">
+                                            <p:txEl>
+                                              <p:pRg st="1" end="1"/>
+                                            </p:txEl>
+                                          </p:spTgt>
+                                        </p:tgtEl>
+                                        <p:attrNameLst>
+                                          <p:attrName>ppt_x</p:attrName>
+                                        </p:attrNameLst>
+                                      </p:cBhvr>
+                                      <p:tavLst>
+                                        <p:tav tm="0">
+                                          <p:val>
+                                            <p:strVal val="#ppt_x"/>
+                                          </p:val>
+                                        </p:tav>
+                                        <p:tav tm="100000">
+                                          <p:val>
+                                            <p:strVal val="#ppt_x"/>
+                                          </p:val>
+                                        </p:tav>
+                                      </p:tavLst>
+                                    </p:anim>
+                                    <p:anim calcmode="lin" valueType="num">
+                                      <p:cBhvr>
+                                        <p:cTn id="16" dur="1000" fill="hold"/>
+                                        <p:tgtEl>
+                                          <p:spTgt spid="3">
+                                            <p:txEl>
+                                              <p:pRg st="1" end="1"/>
+                                            </p:txEl>
+                                          </p:spTgt>
+                                        </p:tgtEl>
+                                        <p:attrNameLst>
+                                          <p:attrName>ppt_y</p:attrName>
+                                        </p:attrNameLst>
+                                      </p:cBhvr>
+                                      <p:tavLst>
+                                        <p:tav tm="0">
+                                          <p:val>
+                                            <p:strVal val="#ppt_y+.1"/>
+                                          </p:val>
+                                        </p:tav>
+                                        <p:tav tm="100000">
+                                          <p:val>
+                                            <p:strVal val="#ppt_y"/>
+                                          </p:val>
+                                        </p:tav>
+                                      </p:tavLst>
+                                    </p:anim>
+                                  </p:childTnLst>
+                                </p:cTn>
+                              </p:par>
+                            </p:childTnLst>
+                          </p:cTn>
+                        </p:par>
+                      </p:childTnLst>
+                    </p:cTn>
+                  </p:par>
+                  <p:par>
+                    <p:cTn id="17" fill="hold">
+                      <p:stCondLst>
+                        <p:cond delay="indefinite"/>
+                      </p:stCondLst>
+                      <p:childTnLst>
+                        <p:par>
+                          <p:cTn id="18" fill="hold">
+                            <p:stCondLst>
+                              <p:cond delay="0"/>
+                            </p:stCondLst>
+                            <p:childTnLst>
+                              <p:par>
+                                <p:cTn id="19" presetID="42" presetClass="entr" presetSubtype="0" fill="hold" grpId="0" nodeType="clickEffect">
+                                  <p:stCondLst>
+                                    <p:cond delay="0"/>
+                                  </p:stCondLst>
+                                  <p:childTnLst>
+                                    <p:set>
+                                      <p:cBhvr>
+                                        <p:cTn id="20" dur="1" fill="hold">
+                                          <p:stCondLst>
+                                            <p:cond delay="0"/>
+                                          </p:stCondLst>
+                                        </p:cTn>
+                                        <p:tgtEl>
+                                          <p:spTgt spid="3">
+                                            <p:txEl>
+                                              <p:pRg st="2" end="2"/>
+                                            </p:txEl>
+                                          </p:spTgt>
+                                        </p:tgtEl>
+                                        <p:attrNameLst>
+                                          <p:attrName>style.visibility</p:attrName>
+                                        </p:attrNameLst>
+                                      </p:cBhvr>
+                                      <p:to>
+                                        <p:strVal val="visible"/>
+                                      </p:to>
+                                    </p:set>
+                                    <p:animEffect transition="in" filter="fade">
+                                      <p:cBhvr>
+                                        <p:cTn id="21" dur="1000"/>
+                                        <p:tgtEl>
+                                          <p:spTgt spid="3">
+                                            <p:txEl>
+                                              <p:pRg st="2" end="2"/>
+                                            </p:txEl>
+                                          </p:spTgt>
+                                        </p:tgtEl>
+                                      </p:cBhvr>
+                                    </p:animEffect>
+                                    <p:anim calcmode="lin" valueType="num">
+                                      <p:cBhvr>
+                                        <p:cTn id="22" dur="1000" fill="hold"/>
+                                        <p:tgtEl>
+                                          <p:spTgt spid="3">
+                                            <p:txEl>
+                                              <p:pRg st="2" end="2"/>
+                                            </p:txEl>
+                                          </p:spTgt>
+                                        </p:tgtEl>
+                                        <p:attrNameLst>
+                                          <p:attrName>ppt_x</p:attrName>
+                                        </p:attrNameLst>
+                                      </p:cBhvr>
+                                      <p:tavLst>
+                                        <p:tav tm="0">
+                                          <p:val>
+                                            <p:strVal val="#ppt_x"/>
+                                          </p:val>
+                                        </p:tav>
+                                        <p:tav tm="100000">
+                                          <p:val>
+                                            <p:strVal val="#ppt_x"/>
+                                          </p:val>
+                                        </p:tav>
+                                      </p:tavLst>
+                                    </p:anim>
+                                    <p:anim calcmode="lin" valueType="num">
+                                      <p:cBhvr>
+                                        <p:cTn id="23" dur="1000" fill="hold"/>
+                                        <p:tgtEl>
+                                          <p:spTgt spid="3">
+                                            <p:txEl>
+                                              <p:pRg st="2" end="2"/>
+                                            </p:txEl>
+                                          </p:spTgt>
+                                        </p:tgtEl>
+                                        <p:attrNameLst>
+                                          <p:attrName>ppt_y</p:attrName>
+                                        </p:attrNameLst>
+                                      </p:cBhvr>
+                                      <p:tavLst>
+                                        <p:tav tm="0">
+                                          <p:val>
+                                            <p:strVal val="#ppt_y+.1"/>
+                                          </p:val>
+                                        </p:tav>
+                                        <p:tav tm="100000">
+                                          <p:val>
+                                            <p:strVal val="#ppt_y"/>
+                                          </p:val>
+                                        </p:tav>
+                                      </p:tavLst>
+                                    </p:anim>
+                                  </p:childTnLst>
+                                </p:cTn>
+                              </p:par>
+                            </p:childTnLst>
+                          </p:cTn>
+                        </p:par>
+                      </p:childTnLst>
+                    </p:cTn>
+                  </p:par>
+                  <p:par>
+                    <p:cTn id="24" fill="hold">
+                      <p:stCondLst>
+                        <p:cond delay="indefinite"/>
+                      </p:stCondLst>
+                      <p:childTnLst>
+                        <p:par>
+                          <p:cTn id="25" fill="hold">
+                            <p:stCondLst>
+                              <p:cond delay="0"/>
+                            </p:stCondLst>
+                            <p:childTnLst>
+                              <p:par>
+                                <p:cTn id="26" presetID="42" presetClass="entr" presetSubtype="0" fill="hold" grpId="0" nodeType="clickEffect">
+                                  <p:stCondLst>
+                                    <p:cond delay="0"/>
+                                  </p:stCondLst>
+                                  <p:childTnLst>
+                                    <p:set>
+                                      <p:cBhvr>
+                                        <p:cTn id="27" dur="1" fill="hold">
+                                          <p:stCondLst>
+                                            <p:cond delay="0"/>
+                                          </p:stCondLst>
+                                        </p:cTn>
+                                        <p:tgtEl>
+                                          <p:spTgt spid="3">
+                                            <p:txEl>
+                                              <p:pRg st="3" end="3"/>
+                                            </p:txEl>
+                                          </p:spTgt>
+                                        </p:tgtEl>
+                                        <p:attrNameLst>
+                                          <p:attrName>style.visibility</p:attrName>
+                                        </p:attrNameLst>
+                                      </p:cBhvr>
+                                      <p:to>
+                                        <p:strVal val="visible"/>
+                                      </p:to>
+                                    </p:set>
+                                    <p:animEffect transition="in" filter="fade">
+                                      <p:cBhvr>
+                                        <p:cTn id="28" dur="1000"/>
+                                        <p:tgtEl>
+                                          <p:spTgt spid="3">
+                                            <p:txEl>
+                                              <p:pRg st="3" end="3"/>
+                                            </p:txEl>
+                                          </p:spTgt>
+                                        </p:tgtEl>
+                                      </p:cBhvr>
+                                    </p:animEffect>
+                                    <p:anim calcmode="lin" valueType="num">
+                                      <p:cBhvr>
+                                        <p:cTn id="29" dur="1000" fill="hold"/>
+                                        <p:tgtEl>
+                                          <p:spTgt spid="3">
+                                            <p:txEl>
+                                              <p:pRg st="3" end="3"/>
+                                            </p:txEl>
+                                          </p:spTgt>
+                                        </p:tgtEl>
+                                        <p:attrNameLst>
+                                          <p:attrName>ppt_x</p:attrName>
+                                        </p:attrNameLst>
+                                      </p:cBhvr>
+                                      <p:tavLst>
+                                        <p:tav tm="0">
+                                          <p:val>
+                                            <p:strVal val="#ppt_x"/>
+                                          </p:val>
+                                        </p:tav>
+                                        <p:tav tm="100000">
+                                          <p:val>
+                                            <p:strVal val="#ppt_x"/>
+                                          </p:val>
+                                        </p:tav>
+                                      </p:tavLst>
+                                    </p:anim>
+                                    <p:anim calcmode="lin" valueType="num">
+                                      <p:cBhvr>
+                                        <p:cTn id="30" dur="1000" fill="hold"/>
+                                        <p:tgtEl>
+                                          <p:spTgt spid="3">
+                                            <p:txEl>
+                                              <p:pRg st="3" end="3"/>
+                                            </p:txEl>
+                                          </p:spTgt>
+                                        </p:tgtEl>
+                                        <p:attrNameLst>
+                                          <p:attrName>ppt_y</p:attrName>
+                                        </p:attrNameLst>
+                                      </p:cBhvr>
+                                      <p:tavLst>
+                                        <p:tav tm="0">
+                                          <p:val>
+                                            <p:strVal val="#ppt_y+.1"/>
+                                          </p:val>
+                                        </p:tav>
+                                        <p:tav tm="100000">
+                                          <p:val>
+                                            <p:strVal val="#ppt_y"/>
+                                          </p:val>
+                                        </p:tav>
+                                      </p:tavLst>
+                                    </p:anim>
+                                  </p:childTnLst>
+                                </p:cTn>
+                              </p:par>
+                            </p:childTnLst>
+                          </p:cTn>
+                        </p:par>
+                      </p:childTnLst>
+                    </p:cTn>
+                  </p:par>
+                </p:childTnLst>
+              </p:cTn>
+              <p:prevCondLst>
+                <p:cond evt="onPrev" delay="0">
+                  <p:tgtEl>
+                    <p:sldTgt/>
+                  </p:tgtEl>
+                </p:cond>
+              </p:prevCondLst>
+              <p:nextCondLst>
+                <p:cond evt="onNext" delay="0">
+                  <p:tgtEl>
+                    <p:sldTgt/>
+                  </p:tgtEl>
+                </p:cond>
+              </p:nextCondLst>
+            </p:seq>
+          </p:childTnLst>
+        </p:cTn>
+      </p:par>
+    </p:tnLst>
+    <p:bldLst>
+      <p:bldP spid="3" grpId="0" uiExpand="1" build="p"/>
+    </p:bldLst>
+  </p:timing>
+</p:sld>
+</file>
+
+<file path=ppt/slides/slide23.xml><?xml version="1.0" encoding="utf-8"?>
+<p:sld xmlns:a="http://schemas.openxmlformats.org/drawingml/2006/main" xmlns:r="http://schemas.openxmlformats.org/officeDocument/2006/relationships" xmlns:p="http://schemas.openxmlformats.org/presentationml/2006/main">
+  <p:cSld>
+    <p:spTree>
+      <p:nvGrpSpPr>
+        <p:cNvPr id="1" name=""/>
+        <p:cNvGrpSpPr/>
+        <p:nvPr/>
+      </p:nvGrpSpPr>
+      <p:grpSpPr>
+        <a:xfrm>
+          <a:off x="0" y="0"/>
+          <a:ext cx="0" cy="0"/>
+          <a:chOff x="0" y="0"/>
+          <a:chExt cx="0" cy="0"/>
+        </a:xfrm>
+      </p:grpSpPr>
+      <p:pic>
+        <p:nvPicPr>
+          <p:cNvPr id="4" name="Picture 3">
+            <a:extLst>
+              <a:ext uri="{FF2B5EF4-FFF2-40B4-BE49-F238E27FC236}">
+                <a16:creationId xmlns:a16="http://schemas.microsoft.com/office/drawing/2014/main" id="{A73D6C18-6660-4FAB-B152-FD9F3B9EE11E}"/>
+              </a:ext>
+            </a:extLst>
+          </p:cNvPr>
+          <p:cNvPicPr>
+            <a:picLocks noChangeAspect="1"/>
+          </p:cNvPicPr>
+          <p:nvPr/>
+        </p:nvPicPr>
+        <p:blipFill rotWithShape="1">
+          <a:blip r:embed="rId2"/>
+          <a:srcRect t="8107" b="7624"/>
+          <a:stretch/>
+        </p:blipFill>
+        <p:spPr>
+          <a:xfrm>
+            <a:off x="20" y="10"/>
+            <a:ext cx="12191980" cy="6857990"/>
+          </a:xfrm>
+          <a:prstGeom prst="rect">
+            <a:avLst/>
+          </a:prstGeom>
+        </p:spPr>
+      </p:pic>
+      <p:sp>
+        <p:nvSpPr>
+          <p:cNvPr id="2" name="Title 1">
+            <a:extLst>
+              <a:ext uri="{FF2B5EF4-FFF2-40B4-BE49-F238E27FC236}">
+                <a16:creationId xmlns:a16="http://schemas.microsoft.com/office/drawing/2014/main" id="{6C932BB9-2D1C-4F9B-8C9D-6C800303CA0B}"/>
+              </a:ext>
+            </a:extLst>
+          </p:cNvPr>
+          <p:cNvSpPr>
+            <a:spLocks noGrp="1"/>
+          </p:cNvSpPr>
+          <p:nvPr>
+            <p:ph type="ctrTitle"/>
+          </p:nvPr>
+        </p:nvSpPr>
+        <p:spPr>
+          <a:xfrm>
+            <a:off x="2028824" y="14959"/>
+            <a:ext cx="9153511" cy="3036522"/>
+          </a:xfrm>
+        </p:spPr>
+        <p:style>
+          <a:lnRef idx="2">
+            <a:schemeClr val="dk1">
+              <a:shade val="50000"/>
+            </a:schemeClr>
+          </a:lnRef>
+          <a:fillRef idx="1">
+            <a:schemeClr val="dk1"/>
+          </a:fillRef>
+          <a:effectRef idx="0">
+            <a:schemeClr val="dk1"/>
+          </a:effectRef>
+          <a:fontRef idx="minor">
+            <a:schemeClr val="lt1"/>
+          </a:fontRef>
+        </p:style>
+        <p:txBody>
+          <a:bodyPr>
+            <a:noAutofit/>
+          </a:bodyPr>
+          <a:lstStyle/>
+          <a:p>
+            <a:r>
+              <a:rPr lang="en-IN" sz="11500" dirty="0">
+                <a:solidFill>
+                  <a:srgbClr val="00B050"/>
+                </a:solidFill>
+                <a:latin typeface="Algerian" panose="04020705040A02060702" pitchFamily="82" charset="0"/>
+              </a:rPr>
+              <a:t>Inside </a:t>
+            </a:r>
+            <a:br>
+              <a:rPr lang="en-IN" sz="11500" dirty="0">
+                <a:solidFill>
+                  <a:srgbClr val="00B050"/>
+                </a:solidFill>
+                <a:latin typeface="Algerian" panose="04020705040A02060702" pitchFamily="82" charset="0"/>
+              </a:rPr>
+            </a:br>
+            <a:r>
+              <a:rPr lang="en-IN" sz="11500" dirty="0">
+                <a:solidFill>
+                  <a:srgbClr val="00B050"/>
+                </a:solidFill>
+                <a:latin typeface="Algerian" panose="04020705040A02060702" pitchFamily="82" charset="0"/>
+              </a:rPr>
+              <a:t>spring boot</a:t>
+            </a:r>
+          </a:p>
+        </p:txBody>
+      </p:sp>
+      <p:sp>
+        <p:nvSpPr>
+          <p:cNvPr id="7" name="Rectangle 6">
+            <a:extLst>
+              <a:ext uri="{FF2B5EF4-FFF2-40B4-BE49-F238E27FC236}">
+                <a16:creationId xmlns:a16="http://schemas.microsoft.com/office/drawing/2014/main" id="{B9FEB67F-C8BC-4904-8173-15226DC3004A}"/>
+              </a:ext>
+            </a:extLst>
+          </p:cNvPr>
+          <p:cNvSpPr/>
+          <p:nvPr/>
+        </p:nvSpPr>
+        <p:spPr>
+          <a:xfrm>
+            <a:off x="1143249" y="6327360"/>
+            <a:ext cx="1137988" cy="254061"/>
+          </a:xfrm>
+          <a:prstGeom prst="rect">
+            <a:avLst/>
+          </a:prstGeom>
+          <a:solidFill>
+            <a:srgbClr val="92D050"/>
+          </a:solidFill>
+        </p:spPr>
+        <p:style>
+          <a:lnRef idx="1">
+            <a:schemeClr val="accent6"/>
+          </a:lnRef>
+          <a:fillRef idx="3">
+            <a:schemeClr val="accent6"/>
+          </a:fillRef>
+          <a:effectRef idx="2">
+            <a:schemeClr val="accent6"/>
+          </a:effectRef>
+          <a:fontRef idx="minor">
+            <a:schemeClr val="lt1"/>
+          </a:fontRef>
+        </p:style>
+        <p:txBody>
+          <a:bodyPr rtlCol="0" anchor="ctr"/>
+          <a:lstStyle/>
+          <a:p>
+            <a:pPr algn="ctr"/>
+            <a:r>
+              <a:rPr lang="en-IN" sz="2000" dirty="0" err="1">
+                <a:solidFill>
+                  <a:srgbClr val="FF0000"/>
+                </a:solidFill>
+                <a:latin typeface="Algerian" panose="04020705040A02060702" pitchFamily="82" charset="0"/>
+              </a:rPr>
+              <a:t>arvind</a:t>
+            </a:r>
+            <a:endParaRPr lang="en-IN" sz="1600" dirty="0">
+              <a:solidFill>
+                <a:srgbClr val="FF0000"/>
+              </a:solidFill>
+              <a:latin typeface="Algerian" panose="04020705040A02060702" pitchFamily="82" charset="0"/>
+            </a:endParaRPr>
+          </a:p>
+        </p:txBody>
+      </p:sp>
+      <p:sp>
+        <p:nvSpPr>
+          <p:cNvPr id="8" name="Rectangle: Diagonal Corners Snipped 7">
+            <a:extLst>
+              <a:ext uri="{FF2B5EF4-FFF2-40B4-BE49-F238E27FC236}">
+                <a16:creationId xmlns:a16="http://schemas.microsoft.com/office/drawing/2014/main" id="{F1015037-11C4-4CB2-B685-2546A227AE2A}"/>
+              </a:ext>
+            </a:extLst>
+          </p:cNvPr>
+          <p:cNvSpPr/>
+          <p:nvPr/>
+        </p:nvSpPr>
+        <p:spPr>
+          <a:xfrm>
+            <a:off x="357187" y="5520141"/>
+            <a:ext cx="1924050" cy="807219"/>
+          </a:xfrm>
+          <a:prstGeom prst="snip2DiagRect">
+            <a:avLst/>
+          </a:prstGeom>
+          <a:solidFill>
+            <a:srgbClr val="92D050"/>
+          </a:solidFill>
+        </p:spPr>
+        <p:style>
+          <a:lnRef idx="2">
+            <a:schemeClr val="accent1">
+              <a:shade val="50000"/>
+            </a:schemeClr>
+          </a:lnRef>
+          <a:fillRef idx="1">
+            <a:schemeClr val="accent1"/>
+          </a:fillRef>
+          <a:effectRef idx="0">
+            <a:schemeClr val="accent1"/>
+          </a:effectRef>
+          <a:fontRef idx="minor">
+            <a:schemeClr val="lt1"/>
+          </a:fontRef>
+        </p:style>
+        <p:txBody>
+          <a:bodyPr rtlCol="0" anchor="ctr"/>
+          <a:lstStyle/>
+          <a:p>
+            <a:pPr algn="ctr"/>
+            <a:r>
+              <a:rPr lang="en-IN" sz="2400" dirty="0">
+                <a:latin typeface="Algerian" panose="04020705040A02060702" pitchFamily="82" charset="0"/>
+              </a:rPr>
+              <a:t>GREEN LEARNER</a:t>
+            </a:r>
+          </a:p>
+        </p:txBody>
+      </p:sp>
+      <p:sp>
+        <p:nvSpPr>
+          <p:cNvPr id="10" name="Rectangle 9">
+            <a:extLst>
+              <a:ext uri="{FF2B5EF4-FFF2-40B4-BE49-F238E27FC236}">
+                <a16:creationId xmlns:a16="http://schemas.microsoft.com/office/drawing/2014/main" id="{BBE4053E-A750-4B1C-A028-C46D5E411C4B}"/>
+              </a:ext>
+            </a:extLst>
+          </p:cNvPr>
+          <p:cNvSpPr/>
+          <p:nvPr/>
+        </p:nvSpPr>
+        <p:spPr>
+          <a:xfrm>
             <a:off x="11182335" y="0"/>
             <a:ext cx="1009645" cy="523875"/>
           </a:xfrm>
@@ -13756,1399 +14816,6 @@
 </p:sld>
 </file>
 
-<file path=ppt/slides/slide23.xml><?xml version="1.0" encoding="utf-8"?>
-<p:sld xmlns:a="http://schemas.openxmlformats.org/drawingml/2006/main" xmlns:r="http://schemas.openxmlformats.org/officeDocument/2006/relationships" xmlns:p="http://schemas.openxmlformats.org/presentationml/2006/main">
-  <p:cSld>
-    <p:spTree>
-      <p:nvGrpSpPr>
-        <p:cNvPr id="1" name=""/>
-        <p:cNvGrpSpPr/>
-        <p:nvPr/>
-      </p:nvGrpSpPr>
-      <p:grpSpPr>
-        <a:xfrm>
-          <a:off x="0" y="0"/>
-          <a:ext cx="0" cy="0"/>
-          <a:chOff x="0" y="0"/>
-          <a:chExt cx="0" cy="0"/>
-        </a:xfrm>
-      </p:grpSpPr>
-      <p:sp>
-        <p:nvSpPr>
-          <p:cNvPr id="2" name="Title 1">
-            <a:extLst>
-              <a:ext uri="{FF2B5EF4-FFF2-40B4-BE49-F238E27FC236}">
-                <a16:creationId xmlns:a16="http://schemas.microsoft.com/office/drawing/2014/main" id="{F7C7A7AD-168E-4859-B7F1-00E770DAFE0E}"/>
-              </a:ext>
-            </a:extLst>
-          </p:cNvPr>
-          <p:cNvSpPr>
-            <a:spLocks noGrp="1"/>
-          </p:cNvSpPr>
-          <p:nvPr>
-            <p:ph type="title"/>
-          </p:nvPr>
-        </p:nvSpPr>
-        <p:spPr>
-          <a:solidFill>
-            <a:schemeClr val="accent6">
-              <a:lumMod val="40000"/>
-              <a:lumOff val="60000"/>
-            </a:schemeClr>
-          </a:solidFill>
-        </p:spPr>
-        <p:txBody>
-          <a:bodyPr/>
-          <a:lstStyle/>
-          <a:p>
-            <a:r>
-              <a:rPr lang="en-IN" dirty="0">
-                <a:latin typeface="Algerian" panose="04020705040A02060702" pitchFamily="82" charset="0"/>
-              </a:rPr>
-              <a:t>Spring framework</a:t>
-            </a:r>
-          </a:p>
-        </p:txBody>
-      </p:sp>
-      <p:sp>
-        <p:nvSpPr>
-          <p:cNvPr id="3" name="Content Placeholder 2">
-            <a:extLst>
-              <a:ext uri="{FF2B5EF4-FFF2-40B4-BE49-F238E27FC236}">
-                <a16:creationId xmlns:a16="http://schemas.microsoft.com/office/drawing/2014/main" id="{21475D0B-8934-4CDF-9263-310490EE9888}"/>
-              </a:ext>
-            </a:extLst>
-          </p:cNvPr>
-          <p:cNvSpPr>
-            <a:spLocks noGrp="1"/>
-          </p:cNvSpPr>
-          <p:nvPr>
-            <p:ph idx="1"/>
-          </p:nvPr>
-        </p:nvSpPr>
-        <p:spPr>
-          <a:solidFill>
-            <a:schemeClr val="accent2">
-              <a:lumMod val="20000"/>
-              <a:lumOff val="80000"/>
-            </a:schemeClr>
-          </a:solidFill>
-        </p:spPr>
-        <p:txBody>
-          <a:bodyPr>
-            <a:normAutofit lnSpcReduction="10000"/>
-          </a:bodyPr>
-          <a:lstStyle/>
-          <a:p>
-            <a:pPr>
-              <a:buFont typeface="Wingdings" panose="05000000000000000000" pitchFamily="2" charset="2"/>
-              <a:buChar char="q"/>
-            </a:pPr>
-            <a:r>
-              <a:rPr lang="en-IN" dirty="0"/>
-              <a:t>Used to create complex java application</a:t>
-            </a:r>
-          </a:p>
-          <a:p>
-            <a:pPr>
-              <a:buFont typeface="Wingdings" panose="05000000000000000000" pitchFamily="2" charset="2"/>
-              <a:buChar char="q"/>
-            </a:pPr>
-            <a:r>
-              <a:rPr lang="en-IN" dirty="0"/>
-              <a:t>Dependency injection</a:t>
-            </a:r>
-          </a:p>
-          <a:p>
-            <a:pPr>
-              <a:buFont typeface="Wingdings" panose="05000000000000000000" pitchFamily="2" charset="2"/>
-              <a:buChar char="q"/>
-            </a:pPr>
-            <a:r>
-              <a:rPr lang="en-IN" dirty="0"/>
-              <a:t>Different modules</a:t>
-            </a:r>
-          </a:p>
-          <a:p>
-            <a:pPr lvl="1">
-              <a:buFont typeface="Wingdings" panose="05000000000000000000" pitchFamily="2" charset="2"/>
-              <a:buChar char="q"/>
-            </a:pPr>
-            <a:r>
-              <a:rPr lang="en-IN" dirty="0"/>
-              <a:t>Spring MVC</a:t>
-            </a:r>
-          </a:p>
-          <a:p>
-            <a:pPr lvl="1">
-              <a:buFont typeface="Wingdings" panose="05000000000000000000" pitchFamily="2" charset="2"/>
-              <a:buChar char="q"/>
-            </a:pPr>
-            <a:r>
-              <a:rPr lang="en-IN" dirty="0"/>
-              <a:t>Spring JDBC</a:t>
-            </a:r>
-          </a:p>
-          <a:p>
-            <a:pPr lvl="1">
-              <a:buFont typeface="Wingdings" panose="05000000000000000000" pitchFamily="2" charset="2"/>
-              <a:buChar char="q"/>
-            </a:pPr>
-            <a:r>
-              <a:rPr lang="en-IN" dirty="0"/>
-              <a:t>Spring Security</a:t>
-            </a:r>
-          </a:p>
-          <a:p>
-            <a:pPr lvl="1">
-              <a:buFont typeface="Wingdings" panose="05000000000000000000" pitchFamily="2" charset="2"/>
-              <a:buChar char="q"/>
-            </a:pPr>
-            <a:r>
-              <a:rPr lang="en-IN" dirty="0"/>
-              <a:t>Etc..</a:t>
-            </a:r>
-          </a:p>
-          <a:p>
-            <a:pPr>
-              <a:buFont typeface="Wingdings" panose="05000000000000000000" pitchFamily="2" charset="2"/>
-              <a:buChar char="q"/>
-            </a:pPr>
-            <a:r>
-              <a:rPr lang="en-IN" dirty="0"/>
-              <a:t>For normal spring </a:t>
-            </a:r>
-            <a:r>
-              <a:rPr lang="en-IN" dirty="0" err="1"/>
-              <a:t>mvc</a:t>
-            </a:r>
-            <a:r>
-              <a:rPr lang="en-IN" dirty="0"/>
-              <a:t>, add following jars</a:t>
-            </a:r>
-          </a:p>
-          <a:p>
-            <a:pPr lvl="1">
-              <a:buFont typeface="Wingdings" panose="05000000000000000000" pitchFamily="2" charset="2"/>
-              <a:buChar char="q"/>
-            </a:pPr>
-            <a:r>
-              <a:rPr lang="en-IN" dirty="0"/>
-              <a:t>Spring-web</a:t>
-            </a:r>
-          </a:p>
-          <a:p>
-            <a:pPr lvl="1">
-              <a:buFont typeface="Wingdings" panose="05000000000000000000" pitchFamily="2" charset="2"/>
-              <a:buChar char="q"/>
-            </a:pPr>
-            <a:r>
-              <a:rPr lang="en-IN" dirty="0"/>
-              <a:t>Spring-</a:t>
-            </a:r>
-            <a:r>
-              <a:rPr lang="en-IN" dirty="0" err="1"/>
-              <a:t>mvc</a:t>
-            </a:r>
-            <a:endParaRPr lang="en-IN" dirty="0"/>
-          </a:p>
-          <a:p>
-            <a:pPr lvl="1">
-              <a:buFont typeface="Wingdings" panose="05000000000000000000" pitchFamily="2" charset="2"/>
-              <a:buChar char="q"/>
-            </a:pPr>
-            <a:r>
-              <a:rPr lang="en-IN" dirty="0"/>
-              <a:t>After getting the war deploy it to some server</a:t>
-            </a:r>
-          </a:p>
-        </p:txBody>
-      </p:sp>
-    </p:spTree>
-    <p:extLst>
-      <p:ext uri="{BB962C8B-B14F-4D97-AF65-F5344CB8AC3E}">
-        <p14:creationId xmlns:p14="http://schemas.microsoft.com/office/powerpoint/2010/main" val="1423597803"/>
-      </p:ext>
-    </p:extLst>
-  </p:cSld>
-  <p:clrMapOvr>
-    <a:masterClrMapping/>
-  </p:clrMapOvr>
-  <p:timing>
-    <p:tnLst>
-      <p:par>
-        <p:cTn id="1" dur="indefinite" restart="never" nodeType="tmRoot">
-          <p:childTnLst>
-            <p:seq concurrent="1" nextAc="seek">
-              <p:cTn id="2" dur="indefinite" nodeType="mainSeq">
-                <p:childTnLst>
-                  <p:par>
-                    <p:cTn id="3" fill="hold">
-                      <p:stCondLst>
-                        <p:cond delay="indefinite"/>
-                      </p:stCondLst>
-                      <p:childTnLst>
-                        <p:par>
-                          <p:cTn id="4" fill="hold">
-                            <p:stCondLst>
-                              <p:cond delay="0"/>
-                            </p:stCondLst>
-                            <p:childTnLst>
-                              <p:par>
-                                <p:cTn id="5" presetID="42" presetClass="entr" presetSubtype="0" fill="hold" grpId="0" nodeType="clickEffect">
-                                  <p:stCondLst>
-                                    <p:cond delay="0"/>
-                                  </p:stCondLst>
-                                  <p:childTnLst>
-                                    <p:set>
-                                      <p:cBhvr>
-                                        <p:cTn id="6" dur="1" fill="hold">
-                                          <p:stCondLst>
-                                            <p:cond delay="0"/>
-                                          </p:stCondLst>
-                                        </p:cTn>
-                                        <p:tgtEl>
-                                          <p:spTgt spid="3">
-                                            <p:txEl>
-                                              <p:pRg st="0" end="0"/>
-                                            </p:txEl>
-                                          </p:spTgt>
-                                        </p:tgtEl>
-                                        <p:attrNameLst>
-                                          <p:attrName>style.visibility</p:attrName>
-                                        </p:attrNameLst>
-                                      </p:cBhvr>
-                                      <p:to>
-                                        <p:strVal val="visible"/>
-                                      </p:to>
-                                    </p:set>
-                                    <p:animEffect transition="in" filter="fade">
-                                      <p:cBhvr>
-                                        <p:cTn id="7" dur="1000"/>
-                                        <p:tgtEl>
-                                          <p:spTgt spid="3">
-                                            <p:txEl>
-                                              <p:pRg st="0" end="0"/>
-                                            </p:txEl>
-                                          </p:spTgt>
-                                        </p:tgtEl>
-                                      </p:cBhvr>
-                                    </p:animEffect>
-                                    <p:anim calcmode="lin" valueType="num">
-                                      <p:cBhvr>
-                                        <p:cTn id="8" dur="1000" fill="hold"/>
-                                        <p:tgtEl>
-                                          <p:spTgt spid="3">
-                                            <p:txEl>
-                                              <p:pRg st="0" end="0"/>
-                                            </p:txEl>
-                                          </p:spTgt>
-                                        </p:tgtEl>
-                                        <p:attrNameLst>
-                                          <p:attrName>ppt_x</p:attrName>
-                                        </p:attrNameLst>
-                                      </p:cBhvr>
-                                      <p:tavLst>
-                                        <p:tav tm="0">
-                                          <p:val>
-                                            <p:strVal val="#ppt_x"/>
-                                          </p:val>
-                                        </p:tav>
-                                        <p:tav tm="100000">
-                                          <p:val>
-                                            <p:strVal val="#ppt_x"/>
-                                          </p:val>
-                                        </p:tav>
-                                      </p:tavLst>
-                                    </p:anim>
-                                    <p:anim calcmode="lin" valueType="num">
-                                      <p:cBhvr>
-                                        <p:cTn id="9" dur="1000" fill="hold"/>
-                                        <p:tgtEl>
-                                          <p:spTgt spid="3">
-                                            <p:txEl>
-                                              <p:pRg st="0" end="0"/>
-                                            </p:txEl>
-                                          </p:spTgt>
-                                        </p:tgtEl>
-                                        <p:attrNameLst>
-                                          <p:attrName>ppt_y</p:attrName>
-                                        </p:attrNameLst>
-                                      </p:cBhvr>
-                                      <p:tavLst>
-                                        <p:tav tm="0">
-                                          <p:val>
-                                            <p:strVal val="#ppt_y+.1"/>
-                                          </p:val>
-                                        </p:tav>
-                                        <p:tav tm="100000">
-                                          <p:val>
-                                            <p:strVal val="#ppt_y"/>
-                                          </p:val>
-                                        </p:tav>
-                                      </p:tavLst>
-                                    </p:anim>
-                                  </p:childTnLst>
-                                </p:cTn>
-                              </p:par>
-                            </p:childTnLst>
-                          </p:cTn>
-                        </p:par>
-                      </p:childTnLst>
-                    </p:cTn>
-                  </p:par>
-                  <p:par>
-                    <p:cTn id="10" fill="hold">
-                      <p:stCondLst>
-                        <p:cond delay="indefinite"/>
-                      </p:stCondLst>
-                      <p:childTnLst>
-                        <p:par>
-                          <p:cTn id="11" fill="hold">
-                            <p:stCondLst>
-                              <p:cond delay="0"/>
-                            </p:stCondLst>
-                            <p:childTnLst>
-                              <p:par>
-                                <p:cTn id="12" presetID="42" presetClass="entr" presetSubtype="0" fill="hold" grpId="0" nodeType="clickEffect">
-                                  <p:stCondLst>
-                                    <p:cond delay="0"/>
-                                  </p:stCondLst>
-                                  <p:childTnLst>
-                                    <p:set>
-                                      <p:cBhvr>
-                                        <p:cTn id="13" dur="1" fill="hold">
-                                          <p:stCondLst>
-                                            <p:cond delay="0"/>
-                                          </p:stCondLst>
-                                        </p:cTn>
-                                        <p:tgtEl>
-                                          <p:spTgt spid="3">
-                                            <p:txEl>
-                                              <p:pRg st="1" end="1"/>
-                                            </p:txEl>
-                                          </p:spTgt>
-                                        </p:tgtEl>
-                                        <p:attrNameLst>
-                                          <p:attrName>style.visibility</p:attrName>
-                                        </p:attrNameLst>
-                                      </p:cBhvr>
-                                      <p:to>
-                                        <p:strVal val="visible"/>
-                                      </p:to>
-                                    </p:set>
-                                    <p:animEffect transition="in" filter="fade">
-                                      <p:cBhvr>
-                                        <p:cTn id="14" dur="1000"/>
-                                        <p:tgtEl>
-                                          <p:spTgt spid="3">
-                                            <p:txEl>
-                                              <p:pRg st="1" end="1"/>
-                                            </p:txEl>
-                                          </p:spTgt>
-                                        </p:tgtEl>
-                                      </p:cBhvr>
-                                    </p:animEffect>
-                                    <p:anim calcmode="lin" valueType="num">
-                                      <p:cBhvr>
-                                        <p:cTn id="15" dur="1000" fill="hold"/>
-                                        <p:tgtEl>
-                                          <p:spTgt spid="3">
-                                            <p:txEl>
-                                              <p:pRg st="1" end="1"/>
-                                            </p:txEl>
-                                          </p:spTgt>
-                                        </p:tgtEl>
-                                        <p:attrNameLst>
-                                          <p:attrName>ppt_x</p:attrName>
-                                        </p:attrNameLst>
-                                      </p:cBhvr>
-                                      <p:tavLst>
-                                        <p:tav tm="0">
-                                          <p:val>
-                                            <p:strVal val="#ppt_x"/>
-                                          </p:val>
-                                        </p:tav>
-                                        <p:tav tm="100000">
-                                          <p:val>
-                                            <p:strVal val="#ppt_x"/>
-                                          </p:val>
-                                        </p:tav>
-                                      </p:tavLst>
-                                    </p:anim>
-                                    <p:anim calcmode="lin" valueType="num">
-                                      <p:cBhvr>
-                                        <p:cTn id="16" dur="1000" fill="hold"/>
-                                        <p:tgtEl>
-                                          <p:spTgt spid="3">
-                                            <p:txEl>
-                                              <p:pRg st="1" end="1"/>
-                                            </p:txEl>
-                                          </p:spTgt>
-                                        </p:tgtEl>
-                                        <p:attrNameLst>
-                                          <p:attrName>ppt_y</p:attrName>
-                                        </p:attrNameLst>
-                                      </p:cBhvr>
-                                      <p:tavLst>
-                                        <p:tav tm="0">
-                                          <p:val>
-                                            <p:strVal val="#ppt_y+.1"/>
-                                          </p:val>
-                                        </p:tav>
-                                        <p:tav tm="100000">
-                                          <p:val>
-                                            <p:strVal val="#ppt_y"/>
-                                          </p:val>
-                                        </p:tav>
-                                      </p:tavLst>
-                                    </p:anim>
-                                  </p:childTnLst>
-                                </p:cTn>
-                              </p:par>
-                            </p:childTnLst>
-                          </p:cTn>
-                        </p:par>
-                      </p:childTnLst>
-                    </p:cTn>
-                  </p:par>
-                  <p:par>
-                    <p:cTn id="17" fill="hold">
-                      <p:stCondLst>
-                        <p:cond delay="indefinite"/>
-                      </p:stCondLst>
-                      <p:childTnLst>
-                        <p:par>
-                          <p:cTn id="18" fill="hold">
-                            <p:stCondLst>
-                              <p:cond delay="0"/>
-                            </p:stCondLst>
-                            <p:childTnLst>
-                              <p:par>
-                                <p:cTn id="19" presetID="42" presetClass="entr" presetSubtype="0" fill="hold" grpId="0" nodeType="clickEffect">
-                                  <p:stCondLst>
-                                    <p:cond delay="0"/>
-                                  </p:stCondLst>
-                                  <p:childTnLst>
-                                    <p:set>
-                                      <p:cBhvr>
-                                        <p:cTn id="20" dur="1" fill="hold">
-                                          <p:stCondLst>
-                                            <p:cond delay="0"/>
-                                          </p:stCondLst>
-                                        </p:cTn>
-                                        <p:tgtEl>
-                                          <p:spTgt spid="3">
-                                            <p:txEl>
-                                              <p:pRg st="2" end="2"/>
-                                            </p:txEl>
-                                          </p:spTgt>
-                                        </p:tgtEl>
-                                        <p:attrNameLst>
-                                          <p:attrName>style.visibility</p:attrName>
-                                        </p:attrNameLst>
-                                      </p:cBhvr>
-                                      <p:to>
-                                        <p:strVal val="visible"/>
-                                      </p:to>
-                                    </p:set>
-                                    <p:animEffect transition="in" filter="fade">
-                                      <p:cBhvr>
-                                        <p:cTn id="21" dur="1000"/>
-                                        <p:tgtEl>
-                                          <p:spTgt spid="3">
-                                            <p:txEl>
-                                              <p:pRg st="2" end="2"/>
-                                            </p:txEl>
-                                          </p:spTgt>
-                                        </p:tgtEl>
-                                      </p:cBhvr>
-                                    </p:animEffect>
-                                    <p:anim calcmode="lin" valueType="num">
-                                      <p:cBhvr>
-                                        <p:cTn id="22" dur="1000" fill="hold"/>
-                                        <p:tgtEl>
-                                          <p:spTgt spid="3">
-                                            <p:txEl>
-                                              <p:pRg st="2" end="2"/>
-                                            </p:txEl>
-                                          </p:spTgt>
-                                        </p:tgtEl>
-                                        <p:attrNameLst>
-                                          <p:attrName>ppt_x</p:attrName>
-                                        </p:attrNameLst>
-                                      </p:cBhvr>
-                                      <p:tavLst>
-                                        <p:tav tm="0">
-                                          <p:val>
-                                            <p:strVal val="#ppt_x"/>
-                                          </p:val>
-                                        </p:tav>
-                                        <p:tav tm="100000">
-                                          <p:val>
-                                            <p:strVal val="#ppt_x"/>
-                                          </p:val>
-                                        </p:tav>
-                                      </p:tavLst>
-                                    </p:anim>
-                                    <p:anim calcmode="lin" valueType="num">
-                                      <p:cBhvr>
-                                        <p:cTn id="23" dur="1000" fill="hold"/>
-                                        <p:tgtEl>
-                                          <p:spTgt spid="3">
-                                            <p:txEl>
-                                              <p:pRg st="2" end="2"/>
-                                            </p:txEl>
-                                          </p:spTgt>
-                                        </p:tgtEl>
-                                        <p:attrNameLst>
-                                          <p:attrName>ppt_y</p:attrName>
-                                        </p:attrNameLst>
-                                      </p:cBhvr>
-                                      <p:tavLst>
-                                        <p:tav tm="0">
-                                          <p:val>
-                                            <p:strVal val="#ppt_y+.1"/>
-                                          </p:val>
-                                        </p:tav>
-                                        <p:tav tm="100000">
-                                          <p:val>
-                                            <p:strVal val="#ppt_y"/>
-                                          </p:val>
-                                        </p:tav>
-                                      </p:tavLst>
-                                    </p:anim>
-                                  </p:childTnLst>
-                                </p:cTn>
-                              </p:par>
-                              <p:par>
-                                <p:cTn id="24" presetID="42" presetClass="entr" presetSubtype="0" fill="hold" grpId="0" nodeType="withEffect">
-                                  <p:stCondLst>
-                                    <p:cond delay="0"/>
-                                  </p:stCondLst>
-                                  <p:childTnLst>
-                                    <p:set>
-                                      <p:cBhvr>
-                                        <p:cTn id="25" dur="1" fill="hold">
-                                          <p:stCondLst>
-                                            <p:cond delay="0"/>
-                                          </p:stCondLst>
-                                        </p:cTn>
-                                        <p:tgtEl>
-                                          <p:spTgt spid="3">
-                                            <p:txEl>
-                                              <p:pRg st="3" end="3"/>
-                                            </p:txEl>
-                                          </p:spTgt>
-                                        </p:tgtEl>
-                                        <p:attrNameLst>
-                                          <p:attrName>style.visibility</p:attrName>
-                                        </p:attrNameLst>
-                                      </p:cBhvr>
-                                      <p:to>
-                                        <p:strVal val="visible"/>
-                                      </p:to>
-                                    </p:set>
-                                    <p:animEffect transition="in" filter="fade">
-                                      <p:cBhvr>
-                                        <p:cTn id="26" dur="1000"/>
-                                        <p:tgtEl>
-                                          <p:spTgt spid="3">
-                                            <p:txEl>
-                                              <p:pRg st="3" end="3"/>
-                                            </p:txEl>
-                                          </p:spTgt>
-                                        </p:tgtEl>
-                                      </p:cBhvr>
-                                    </p:animEffect>
-                                    <p:anim calcmode="lin" valueType="num">
-                                      <p:cBhvr>
-                                        <p:cTn id="27" dur="1000" fill="hold"/>
-                                        <p:tgtEl>
-                                          <p:spTgt spid="3">
-                                            <p:txEl>
-                                              <p:pRg st="3" end="3"/>
-                                            </p:txEl>
-                                          </p:spTgt>
-                                        </p:tgtEl>
-                                        <p:attrNameLst>
-                                          <p:attrName>ppt_x</p:attrName>
-                                        </p:attrNameLst>
-                                      </p:cBhvr>
-                                      <p:tavLst>
-                                        <p:tav tm="0">
-                                          <p:val>
-                                            <p:strVal val="#ppt_x"/>
-                                          </p:val>
-                                        </p:tav>
-                                        <p:tav tm="100000">
-                                          <p:val>
-                                            <p:strVal val="#ppt_x"/>
-                                          </p:val>
-                                        </p:tav>
-                                      </p:tavLst>
-                                    </p:anim>
-                                    <p:anim calcmode="lin" valueType="num">
-                                      <p:cBhvr>
-                                        <p:cTn id="28" dur="1000" fill="hold"/>
-                                        <p:tgtEl>
-                                          <p:spTgt spid="3">
-                                            <p:txEl>
-                                              <p:pRg st="3" end="3"/>
-                                            </p:txEl>
-                                          </p:spTgt>
-                                        </p:tgtEl>
-                                        <p:attrNameLst>
-                                          <p:attrName>ppt_y</p:attrName>
-                                        </p:attrNameLst>
-                                      </p:cBhvr>
-                                      <p:tavLst>
-                                        <p:tav tm="0">
-                                          <p:val>
-                                            <p:strVal val="#ppt_y+.1"/>
-                                          </p:val>
-                                        </p:tav>
-                                        <p:tav tm="100000">
-                                          <p:val>
-                                            <p:strVal val="#ppt_y"/>
-                                          </p:val>
-                                        </p:tav>
-                                      </p:tavLst>
-                                    </p:anim>
-                                  </p:childTnLst>
-                                </p:cTn>
-                              </p:par>
-                              <p:par>
-                                <p:cTn id="29" presetID="42" presetClass="entr" presetSubtype="0" fill="hold" grpId="0" nodeType="withEffect">
-                                  <p:stCondLst>
-                                    <p:cond delay="0"/>
-                                  </p:stCondLst>
-                                  <p:childTnLst>
-                                    <p:set>
-                                      <p:cBhvr>
-                                        <p:cTn id="30" dur="1" fill="hold">
-                                          <p:stCondLst>
-                                            <p:cond delay="0"/>
-                                          </p:stCondLst>
-                                        </p:cTn>
-                                        <p:tgtEl>
-                                          <p:spTgt spid="3">
-                                            <p:txEl>
-                                              <p:pRg st="4" end="4"/>
-                                            </p:txEl>
-                                          </p:spTgt>
-                                        </p:tgtEl>
-                                        <p:attrNameLst>
-                                          <p:attrName>style.visibility</p:attrName>
-                                        </p:attrNameLst>
-                                      </p:cBhvr>
-                                      <p:to>
-                                        <p:strVal val="visible"/>
-                                      </p:to>
-                                    </p:set>
-                                    <p:animEffect transition="in" filter="fade">
-                                      <p:cBhvr>
-                                        <p:cTn id="31" dur="1000"/>
-                                        <p:tgtEl>
-                                          <p:spTgt spid="3">
-                                            <p:txEl>
-                                              <p:pRg st="4" end="4"/>
-                                            </p:txEl>
-                                          </p:spTgt>
-                                        </p:tgtEl>
-                                      </p:cBhvr>
-                                    </p:animEffect>
-                                    <p:anim calcmode="lin" valueType="num">
-                                      <p:cBhvr>
-                                        <p:cTn id="32" dur="1000" fill="hold"/>
-                                        <p:tgtEl>
-                                          <p:spTgt spid="3">
-                                            <p:txEl>
-                                              <p:pRg st="4" end="4"/>
-                                            </p:txEl>
-                                          </p:spTgt>
-                                        </p:tgtEl>
-                                        <p:attrNameLst>
-                                          <p:attrName>ppt_x</p:attrName>
-                                        </p:attrNameLst>
-                                      </p:cBhvr>
-                                      <p:tavLst>
-                                        <p:tav tm="0">
-                                          <p:val>
-                                            <p:strVal val="#ppt_x"/>
-                                          </p:val>
-                                        </p:tav>
-                                        <p:tav tm="100000">
-                                          <p:val>
-                                            <p:strVal val="#ppt_x"/>
-                                          </p:val>
-                                        </p:tav>
-                                      </p:tavLst>
-                                    </p:anim>
-                                    <p:anim calcmode="lin" valueType="num">
-                                      <p:cBhvr>
-                                        <p:cTn id="33" dur="1000" fill="hold"/>
-                                        <p:tgtEl>
-                                          <p:spTgt spid="3">
-                                            <p:txEl>
-                                              <p:pRg st="4" end="4"/>
-                                            </p:txEl>
-                                          </p:spTgt>
-                                        </p:tgtEl>
-                                        <p:attrNameLst>
-                                          <p:attrName>ppt_y</p:attrName>
-                                        </p:attrNameLst>
-                                      </p:cBhvr>
-                                      <p:tavLst>
-                                        <p:tav tm="0">
-                                          <p:val>
-                                            <p:strVal val="#ppt_y+.1"/>
-                                          </p:val>
-                                        </p:tav>
-                                        <p:tav tm="100000">
-                                          <p:val>
-                                            <p:strVal val="#ppt_y"/>
-                                          </p:val>
-                                        </p:tav>
-                                      </p:tavLst>
-                                    </p:anim>
-                                  </p:childTnLst>
-                                </p:cTn>
-                              </p:par>
-                              <p:par>
-                                <p:cTn id="34" presetID="42" presetClass="entr" presetSubtype="0" fill="hold" grpId="0" nodeType="withEffect">
-                                  <p:stCondLst>
-                                    <p:cond delay="0"/>
-                                  </p:stCondLst>
-                                  <p:childTnLst>
-                                    <p:set>
-                                      <p:cBhvr>
-                                        <p:cTn id="35" dur="1" fill="hold">
-                                          <p:stCondLst>
-                                            <p:cond delay="0"/>
-                                          </p:stCondLst>
-                                        </p:cTn>
-                                        <p:tgtEl>
-                                          <p:spTgt spid="3">
-                                            <p:txEl>
-                                              <p:pRg st="5" end="5"/>
-                                            </p:txEl>
-                                          </p:spTgt>
-                                        </p:tgtEl>
-                                        <p:attrNameLst>
-                                          <p:attrName>style.visibility</p:attrName>
-                                        </p:attrNameLst>
-                                      </p:cBhvr>
-                                      <p:to>
-                                        <p:strVal val="visible"/>
-                                      </p:to>
-                                    </p:set>
-                                    <p:animEffect transition="in" filter="fade">
-                                      <p:cBhvr>
-                                        <p:cTn id="36" dur="1000"/>
-                                        <p:tgtEl>
-                                          <p:spTgt spid="3">
-                                            <p:txEl>
-                                              <p:pRg st="5" end="5"/>
-                                            </p:txEl>
-                                          </p:spTgt>
-                                        </p:tgtEl>
-                                      </p:cBhvr>
-                                    </p:animEffect>
-                                    <p:anim calcmode="lin" valueType="num">
-                                      <p:cBhvr>
-                                        <p:cTn id="37" dur="1000" fill="hold"/>
-                                        <p:tgtEl>
-                                          <p:spTgt spid="3">
-                                            <p:txEl>
-                                              <p:pRg st="5" end="5"/>
-                                            </p:txEl>
-                                          </p:spTgt>
-                                        </p:tgtEl>
-                                        <p:attrNameLst>
-                                          <p:attrName>ppt_x</p:attrName>
-                                        </p:attrNameLst>
-                                      </p:cBhvr>
-                                      <p:tavLst>
-                                        <p:tav tm="0">
-                                          <p:val>
-                                            <p:strVal val="#ppt_x"/>
-                                          </p:val>
-                                        </p:tav>
-                                        <p:tav tm="100000">
-                                          <p:val>
-                                            <p:strVal val="#ppt_x"/>
-                                          </p:val>
-                                        </p:tav>
-                                      </p:tavLst>
-                                    </p:anim>
-                                    <p:anim calcmode="lin" valueType="num">
-                                      <p:cBhvr>
-                                        <p:cTn id="38" dur="1000" fill="hold"/>
-                                        <p:tgtEl>
-                                          <p:spTgt spid="3">
-                                            <p:txEl>
-                                              <p:pRg st="5" end="5"/>
-                                            </p:txEl>
-                                          </p:spTgt>
-                                        </p:tgtEl>
-                                        <p:attrNameLst>
-                                          <p:attrName>ppt_y</p:attrName>
-                                        </p:attrNameLst>
-                                      </p:cBhvr>
-                                      <p:tavLst>
-                                        <p:tav tm="0">
-                                          <p:val>
-                                            <p:strVal val="#ppt_y+.1"/>
-                                          </p:val>
-                                        </p:tav>
-                                        <p:tav tm="100000">
-                                          <p:val>
-                                            <p:strVal val="#ppt_y"/>
-                                          </p:val>
-                                        </p:tav>
-                                      </p:tavLst>
-                                    </p:anim>
-                                  </p:childTnLst>
-                                </p:cTn>
-                              </p:par>
-                              <p:par>
-                                <p:cTn id="39" presetID="42" presetClass="entr" presetSubtype="0" fill="hold" grpId="0" nodeType="withEffect">
-                                  <p:stCondLst>
-                                    <p:cond delay="0"/>
-                                  </p:stCondLst>
-                                  <p:childTnLst>
-                                    <p:set>
-                                      <p:cBhvr>
-                                        <p:cTn id="40" dur="1" fill="hold">
-                                          <p:stCondLst>
-                                            <p:cond delay="0"/>
-                                          </p:stCondLst>
-                                        </p:cTn>
-                                        <p:tgtEl>
-                                          <p:spTgt spid="3">
-                                            <p:txEl>
-                                              <p:pRg st="6" end="6"/>
-                                            </p:txEl>
-                                          </p:spTgt>
-                                        </p:tgtEl>
-                                        <p:attrNameLst>
-                                          <p:attrName>style.visibility</p:attrName>
-                                        </p:attrNameLst>
-                                      </p:cBhvr>
-                                      <p:to>
-                                        <p:strVal val="visible"/>
-                                      </p:to>
-                                    </p:set>
-                                    <p:animEffect transition="in" filter="fade">
-                                      <p:cBhvr>
-                                        <p:cTn id="41" dur="1000"/>
-                                        <p:tgtEl>
-                                          <p:spTgt spid="3">
-                                            <p:txEl>
-                                              <p:pRg st="6" end="6"/>
-                                            </p:txEl>
-                                          </p:spTgt>
-                                        </p:tgtEl>
-                                      </p:cBhvr>
-                                    </p:animEffect>
-                                    <p:anim calcmode="lin" valueType="num">
-                                      <p:cBhvr>
-                                        <p:cTn id="42" dur="1000" fill="hold"/>
-                                        <p:tgtEl>
-                                          <p:spTgt spid="3">
-                                            <p:txEl>
-                                              <p:pRg st="6" end="6"/>
-                                            </p:txEl>
-                                          </p:spTgt>
-                                        </p:tgtEl>
-                                        <p:attrNameLst>
-                                          <p:attrName>ppt_x</p:attrName>
-                                        </p:attrNameLst>
-                                      </p:cBhvr>
-                                      <p:tavLst>
-                                        <p:tav tm="0">
-                                          <p:val>
-                                            <p:strVal val="#ppt_x"/>
-                                          </p:val>
-                                        </p:tav>
-                                        <p:tav tm="100000">
-                                          <p:val>
-                                            <p:strVal val="#ppt_x"/>
-                                          </p:val>
-                                        </p:tav>
-                                      </p:tavLst>
-                                    </p:anim>
-                                    <p:anim calcmode="lin" valueType="num">
-                                      <p:cBhvr>
-                                        <p:cTn id="43" dur="1000" fill="hold"/>
-                                        <p:tgtEl>
-                                          <p:spTgt spid="3">
-                                            <p:txEl>
-                                              <p:pRg st="6" end="6"/>
-                                            </p:txEl>
-                                          </p:spTgt>
-                                        </p:tgtEl>
-                                        <p:attrNameLst>
-                                          <p:attrName>ppt_y</p:attrName>
-                                        </p:attrNameLst>
-                                      </p:cBhvr>
-                                      <p:tavLst>
-                                        <p:tav tm="0">
-                                          <p:val>
-                                            <p:strVal val="#ppt_y+.1"/>
-                                          </p:val>
-                                        </p:tav>
-                                        <p:tav tm="100000">
-                                          <p:val>
-                                            <p:strVal val="#ppt_y"/>
-                                          </p:val>
-                                        </p:tav>
-                                      </p:tavLst>
-                                    </p:anim>
-                                  </p:childTnLst>
-                                </p:cTn>
-                              </p:par>
-                            </p:childTnLst>
-                          </p:cTn>
-                        </p:par>
-                      </p:childTnLst>
-                    </p:cTn>
-                  </p:par>
-                  <p:par>
-                    <p:cTn id="44" fill="hold">
-                      <p:stCondLst>
-                        <p:cond delay="indefinite"/>
-                      </p:stCondLst>
-                      <p:childTnLst>
-                        <p:par>
-                          <p:cTn id="45" fill="hold">
-                            <p:stCondLst>
-                              <p:cond delay="0"/>
-                            </p:stCondLst>
-                            <p:childTnLst>
-                              <p:par>
-                                <p:cTn id="46" presetID="42" presetClass="entr" presetSubtype="0" fill="hold" grpId="0" nodeType="clickEffect">
-                                  <p:stCondLst>
-                                    <p:cond delay="0"/>
-                                  </p:stCondLst>
-                                  <p:childTnLst>
-                                    <p:set>
-                                      <p:cBhvr>
-                                        <p:cTn id="47" dur="1" fill="hold">
-                                          <p:stCondLst>
-                                            <p:cond delay="0"/>
-                                          </p:stCondLst>
-                                        </p:cTn>
-                                        <p:tgtEl>
-                                          <p:spTgt spid="3">
-                                            <p:txEl>
-                                              <p:pRg st="7" end="7"/>
-                                            </p:txEl>
-                                          </p:spTgt>
-                                        </p:tgtEl>
-                                        <p:attrNameLst>
-                                          <p:attrName>style.visibility</p:attrName>
-                                        </p:attrNameLst>
-                                      </p:cBhvr>
-                                      <p:to>
-                                        <p:strVal val="visible"/>
-                                      </p:to>
-                                    </p:set>
-                                    <p:animEffect transition="in" filter="fade">
-                                      <p:cBhvr>
-                                        <p:cTn id="48" dur="1000"/>
-                                        <p:tgtEl>
-                                          <p:spTgt spid="3">
-                                            <p:txEl>
-                                              <p:pRg st="7" end="7"/>
-                                            </p:txEl>
-                                          </p:spTgt>
-                                        </p:tgtEl>
-                                      </p:cBhvr>
-                                    </p:animEffect>
-                                    <p:anim calcmode="lin" valueType="num">
-                                      <p:cBhvr>
-                                        <p:cTn id="49" dur="1000" fill="hold"/>
-                                        <p:tgtEl>
-                                          <p:spTgt spid="3">
-                                            <p:txEl>
-                                              <p:pRg st="7" end="7"/>
-                                            </p:txEl>
-                                          </p:spTgt>
-                                        </p:tgtEl>
-                                        <p:attrNameLst>
-                                          <p:attrName>ppt_x</p:attrName>
-                                        </p:attrNameLst>
-                                      </p:cBhvr>
-                                      <p:tavLst>
-                                        <p:tav tm="0">
-                                          <p:val>
-                                            <p:strVal val="#ppt_x"/>
-                                          </p:val>
-                                        </p:tav>
-                                        <p:tav tm="100000">
-                                          <p:val>
-                                            <p:strVal val="#ppt_x"/>
-                                          </p:val>
-                                        </p:tav>
-                                      </p:tavLst>
-                                    </p:anim>
-                                    <p:anim calcmode="lin" valueType="num">
-                                      <p:cBhvr>
-                                        <p:cTn id="50" dur="1000" fill="hold"/>
-                                        <p:tgtEl>
-                                          <p:spTgt spid="3">
-                                            <p:txEl>
-                                              <p:pRg st="7" end="7"/>
-                                            </p:txEl>
-                                          </p:spTgt>
-                                        </p:tgtEl>
-                                        <p:attrNameLst>
-                                          <p:attrName>ppt_y</p:attrName>
-                                        </p:attrNameLst>
-                                      </p:cBhvr>
-                                      <p:tavLst>
-                                        <p:tav tm="0">
-                                          <p:val>
-                                            <p:strVal val="#ppt_y+.1"/>
-                                          </p:val>
-                                        </p:tav>
-                                        <p:tav tm="100000">
-                                          <p:val>
-                                            <p:strVal val="#ppt_y"/>
-                                          </p:val>
-                                        </p:tav>
-                                      </p:tavLst>
-                                    </p:anim>
-                                  </p:childTnLst>
-                                </p:cTn>
-                              </p:par>
-                              <p:par>
-                                <p:cTn id="51" presetID="42" presetClass="entr" presetSubtype="0" fill="hold" grpId="0" nodeType="withEffect">
-                                  <p:stCondLst>
-                                    <p:cond delay="0"/>
-                                  </p:stCondLst>
-                                  <p:childTnLst>
-                                    <p:set>
-                                      <p:cBhvr>
-                                        <p:cTn id="52" dur="1" fill="hold">
-                                          <p:stCondLst>
-                                            <p:cond delay="0"/>
-                                          </p:stCondLst>
-                                        </p:cTn>
-                                        <p:tgtEl>
-                                          <p:spTgt spid="3">
-                                            <p:txEl>
-                                              <p:pRg st="8" end="8"/>
-                                            </p:txEl>
-                                          </p:spTgt>
-                                        </p:tgtEl>
-                                        <p:attrNameLst>
-                                          <p:attrName>style.visibility</p:attrName>
-                                        </p:attrNameLst>
-                                      </p:cBhvr>
-                                      <p:to>
-                                        <p:strVal val="visible"/>
-                                      </p:to>
-                                    </p:set>
-                                    <p:animEffect transition="in" filter="fade">
-                                      <p:cBhvr>
-                                        <p:cTn id="53" dur="1000"/>
-                                        <p:tgtEl>
-                                          <p:spTgt spid="3">
-                                            <p:txEl>
-                                              <p:pRg st="8" end="8"/>
-                                            </p:txEl>
-                                          </p:spTgt>
-                                        </p:tgtEl>
-                                      </p:cBhvr>
-                                    </p:animEffect>
-                                    <p:anim calcmode="lin" valueType="num">
-                                      <p:cBhvr>
-                                        <p:cTn id="54" dur="1000" fill="hold"/>
-                                        <p:tgtEl>
-                                          <p:spTgt spid="3">
-                                            <p:txEl>
-                                              <p:pRg st="8" end="8"/>
-                                            </p:txEl>
-                                          </p:spTgt>
-                                        </p:tgtEl>
-                                        <p:attrNameLst>
-                                          <p:attrName>ppt_x</p:attrName>
-                                        </p:attrNameLst>
-                                      </p:cBhvr>
-                                      <p:tavLst>
-                                        <p:tav tm="0">
-                                          <p:val>
-                                            <p:strVal val="#ppt_x"/>
-                                          </p:val>
-                                        </p:tav>
-                                        <p:tav tm="100000">
-                                          <p:val>
-                                            <p:strVal val="#ppt_x"/>
-                                          </p:val>
-                                        </p:tav>
-                                      </p:tavLst>
-                                    </p:anim>
-                                    <p:anim calcmode="lin" valueType="num">
-                                      <p:cBhvr>
-                                        <p:cTn id="55" dur="1000" fill="hold"/>
-                                        <p:tgtEl>
-                                          <p:spTgt spid="3">
-                                            <p:txEl>
-                                              <p:pRg st="8" end="8"/>
-                                            </p:txEl>
-                                          </p:spTgt>
-                                        </p:tgtEl>
-                                        <p:attrNameLst>
-                                          <p:attrName>ppt_y</p:attrName>
-                                        </p:attrNameLst>
-                                      </p:cBhvr>
-                                      <p:tavLst>
-                                        <p:tav tm="0">
-                                          <p:val>
-                                            <p:strVal val="#ppt_y+.1"/>
-                                          </p:val>
-                                        </p:tav>
-                                        <p:tav tm="100000">
-                                          <p:val>
-                                            <p:strVal val="#ppt_y"/>
-                                          </p:val>
-                                        </p:tav>
-                                      </p:tavLst>
-                                    </p:anim>
-                                  </p:childTnLst>
-                                </p:cTn>
-                              </p:par>
-                              <p:par>
-                                <p:cTn id="56" presetID="42" presetClass="entr" presetSubtype="0" fill="hold" grpId="0" nodeType="withEffect">
-                                  <p:stCondLst>
-                                    <p:cond delay="0"/>
-                                  </p:stCondLst>
-                                  <p:childTnLst>
-                                    <p:set>
-                                      <p:cBhvr>
-                                        <p:cTn id="57" dur="1" fill="hold">
-                                          <p:stCondLst>
-                                            <p:cond delay="0"/>
-                                          </p:stCondLst>
-                                        </p:cTn>
-                                        <p:tgtEl>
-                                          <p:spTgt spid="3">
-                                            <p:txEl>
-                                              <p:pRg st="9" end="9"/>
-                                            </p:txEl>
-                                          </p:spTgt>
-                                        </p:tgtEl>
-                                        <p:attrNameLst>
-                                          <p:attrName>style.visibility</p:attrName>
-                                        </p:attrNameLst>
-                                      </p:cBhvr>
-                                      <p:to>
-                                        <p:strVal val="visible"/>
-                                      </p:to>
-                                    </p:set>
-                                    <p:animEffect transition="in" filter="fade">
-                                      <p:cBhvr>
-                                        <p:cTn id="58" dur="1000"/>
-                                        <p:tgtEl>
-                                          <p:spTgt spid="3">
-                                            <p:txEl>
-                                              <p:pRg st="9" end="9"/>
-                                            </p:txEl>
-                                          </p:spTgt>
-                                        </p:tgtEl>
-                                      </p:cBhvr>
-                                    </p:animEffect>
-                                    <p:anim calcmode="lin" valueType="num">
-                                      <p:cBhvr>
-                                        <p:cTn id="59" dur="1000" fill="hold"/>
-                                        <p:tgtEl>
-                                          <p:spTgt spid="3">
-                                            <p:txEl>
-                                              <p:pRg st="9" end="9"/>
-                                            </p:txEl>
-                                          </p:spTgt>
-                                        </p:tgtEl>
-                                        <p:attrNameLst>
-                                          <p:attrName>ppt_x</p:attrName>
-                                        </p:attrNameLst>
-                                      </p:cBhvr>
-                                      <p:tavLst>
-                                        <p:tav tm="0">
-                                          <p:val>
-                                            <p:strVal val="#ppt_x"/>
-                                          </p:val>
-                                        </p:tav>
-                                        <p:tav tm="100000">
-                                          <p:val>
-                                            <p:strVal val="#ppt_x"/>
-                                          </p:val>
-                                        </p:tav>
-                                      </p:tavLst>
-                                    </p:anim>
-                                    <p:anim calcmode="lin" valueType="num">
-                                      <p:cBhvr>
-                                        <p:cTn id="60" dur="1000" fill="hold"/>
-                                        <p:tgtEl>
-                                          <p:spTgt spid="3">
-                                            <p:txEl>
-                                              <p:pRg st="9" end="9"/>
-                                            </p:txEl>
-                                          </p:spTgt>
-                                        </p:tgtEl>
-                                        <p:attrNameLst>
-                                          <p:attrName>ppt_y</p:attrName>
-                                        </p:attrNameLst>
-                                      </p:cBhvr>
-                                      <p:tavLst>
-                                        <p:tav tm="0">
-                                          <p:val>
-                                            <p:strVal val="#ppt_y+.1"/>
-                                          </p:val>
-                                        </p:tav>
-                                        <p:tav tm="100000">
-                                          <p:val>
-                                            <p:strVal val="#ppt_y"/>
-                                          </p:val>
-                                        </p:tav>
-                                      </p:tavLst>
-                                    </p:anim>
-                                  </p:childTnLst>
-                                </p:cTn>
-                              </p:par>
-                              <p:par>
-                                <p:cTn id="61" presetID="42" presetClass="entr" presetSubtype="0" fill="hold" grpId="0" nodeType="withEffect">
-                                  <p:stCondLst>
-                                    <p:cond delay="0"/>
-                                  </p:stCondLst>
-                                  <p:childTnLst>
-                                    <p:set>
-                                      <p:cBhvr>
-                                        <p:cTn id="62" dur="1" fill="hold">
-                                          <p:stCondLst>
-                                            <p:cond delay="0"/>
-                                          </p:stCondLst>
-                                        </p:cTn>
-                                        <p:tgtEl>
-                                          <p:spTgt spid="3">
-                                            <p:txEl>
-                                              <p:pRg st="10" end="10"/>
-                                            </p:txEl>
-                                          </p:spTgt>
-                                        </p:tgtEl>
-                                        <p:attrNameLst>
-                                          <p:attrName>style.visibility</p:attrName>
-                                        </p:attrNameLst>
-                                      </p:cBhvr>
-                                      <p:to>
-                                        <p:strVal val="visible"/>
-                                      </p:to>
-                                    </p:set>
-                                    <p:animEffect transition="in" filter="fade">
-                                      <p:cBhvr>
-                                        <p:cTn id="63" dur="1000"/>
-                                        <p:tgtEl>
-                                          <p:spTgt spid="3">
-                                            <p:txEl>
-                                              <p:pRg st="10" end="10"/>
-                                            </p:txEl>
-                                          </p:spTgt>
-                                        </p:tgtEl>
-                                      </p:cBhvr>
-                                    </p:animEffect>
-                                    <p:anim calcmode="lin" valueType="num">
-                                      <p:cBhvr>
-                                        <p:cTn id="64" dur="1000" fill="hold"/>
-                                        <p:tgtEl>
-                                          <p:spTgt spid="3">
-                                            <p:txEl>
-                                              <p:pRg st="10" end="10"/>
-                                            </p:txEl>
-                                          </p:spTgt>
-                                        </p:tgtEl>
-                                        <p:attrNameLst>
-                                          <p:attrName>ppt_x</p:attrName>
-                                        </p:attrNameLst>
-                                      </p:cBhvr>
-                                      <p:tavLst>
-                                        <p:tav tm="0">
-                                          <p:val>
-                                            <p:strVal val="#ppt_x"/>
-                                          </p:val>
-                                        </p:tav>
-                                        <p:tav tm="100000">
-                                          <p:val>
-                                            <p:strVal val="#ppt_x"/>
-                                          </p:val>
-                                        </p:tav>
-                                      </p:tavLst>
-                                    </p:anim>
-                                    <p:anim calcmode="lin" valueType="num">
-                                      <p:cBhvr>
-                                        <p:cTn id="65" dur="1000" fill="hold"/>
-                                        <p:tgtEl>
-                                          <p:spTgt spid="3">
-                                            <p:txEl>
-                                              <p:pRg st="10" end="10"/>
-                                            </p:txEl>
-                                          </p:spTgt>
-                                        </p:tgtEl>
-                                        <p:attrNameLst>
-                                          <p:attrName>ppt_y</p:attrName>
-                                        </p:attrNameLst>
-                                      </p:cBhvr>
-                                      <p:tavLst>
-                                        <p:tav tm="0">
-                                          <p:val>
-                                            <p:strVal val="#ppt_y+.1"/>
-                                          </p:val>
-                                        </p:tav>
-                                        <p:tav tm="100000">
-                                          <p:val>
-                                            <p:strVal val="#ppt_y"/>
-                                          </p:val>
-                                        </p:tav>
-                                      </p:tavLst>
-                                    </p:anim>
-                                  </p:childTnLst>
-                                </p:cTn>
-                              </p:par>
-                            </p:childTnLst>
-                          </p:cTn>
-                        </p:par>
-                      </p:childTnLst>
-                    </p:cTn>
-                  </p:par>
-                </p:childTnLst>
-              </p:cTn>
-              <p:prevCondLst>
-                <p:cond evt="onPrev" delay="0">
-                  <p:tgtEl>
-                    <p:sldTgt/>
-                  </p:tgtEl>
-                </p:cond>
-              </p:prevCondLst>
-              <p:nextCondLst>
-                <p:cond evt="onNext" delay="0">
-                  <p:tgtEl>
-                    <p:sldTgt/>
-                  </p:tgtEl>
-                </p:cond>
-              </p:nextCondLst>
-            </p:seq>
-          </p:childTnLst>
-        </p:cTn>
-      </p:par>
-    </p:tnLst>
-    <p:bldLst>
-      <p:bldP spid="3" grpId="0" uiExpand="1" build="p"/>
-    </p:bldLst>
-  </p:timing>
-</p:sld>
-</file>
-
 <file path=ppt/slides/slide24.xml><?xml version="1.0" encoding="utf-8"?>
 <p:sld xmlns:a="http://schemas.openxmlformats.org/drawingml/2006/main" xmlns:r="http://schemas.openxmlformats.org/officeDocument/2006/relationships" xmlns:p="http://schemas.openxmlformats.org/presentationml/2006/main">
   <p:cSld>
@@ -15198,7 +14865,7 @@
               <a:rPr lang="en-IN" dirty="0">
                 <a:latin typeface="Algerian" panose="04020705040A02060702" pitchFamily="82" charset="0"/>
               </a:rPr>
-              <a:t>Spring boot framework</a:t>
+              <a:t>Spring framework</a:t>
             </a:r>
           </a:p>
         </p:txBody>
@@ -15228,7 +14895,9 @@
           </a:solidFill>
         </p:spPr>
         <p:txBody>
-          <a:bodyPr/>
+          <a:bodyPr>
+            <a:normAutofit lnSpcReduction="10000"/>
+          </a:bodyPr>
           <a:lstStyle/>
           <a:p>
             <a:pPr>
@@ -15237,7 +14906,7 @@
             </a:pPr>
             <a:r>
               <a:rPr lang="en-IN" dirty="0"/>
-              <a:t>Extension of Spring framework</a:t>
+              <a:t>Used to create complex java application</a:t>
             </a:r>
           </a:p>
           <a:p>
@@ -15247,7 +14916,7 @@
             </a:pPr>
             <a:r>
               <a:rPr lang="en-IN" dirty="0"/>
-              <a:t>Takes opinionated view</a:t>
+              <a:t>Dependency injection</a:t>
             </a:r>
           </a:p>
           <a:p>
@@ -15257,7 +14926,47 @@
             </a:pPr>
             <a:r>
               <a:rPr lang="en-IN" dirty="0"/>
-              <a:t>Embedded server</a:t>
+              <a:t>Different modules</a:t>
+            </a:r>
+          </a:p>
+          <a:p>
+            <a:pPr lvl="1">
+              <a:buFont typeface="Wingdings" panose="05000000000000000000" pitchFamily="2" charset="2"/>
+              <a:buChar char="q"/>
+            </a:pPr>
+            <a:r>
+              <a:rPr lang="en-IN" dirty="0"/>
+              <a:t>Spring MVC</a:t>
+            </a:r>
+          </a:p>
+          <a:p>
+            <a:pPr lvl="1">
+              <a:buFont typeface="Wingdings" panose="05000000000000000000" pitchFamily="2" charset="2"/>
+              <a:buChar char="q"/>
+            </a:pPr>
+            <a:r>
+              <a:rPr lang="en-IN" dirty="0"/>
+              <a:t>Spring JDBC</a:t>
+            </a:r>
+          </a:p>
+          <a:p>
+            <a:pPr lvl="1">
+              <a:buFont typeface="Wingdings" panose="05000000000000000000" pitchFamily="2" charset="2"/>
+              <a:buChar char="q"/>
+            </a:pPr>
+            <a:r>
+              <a:rPr lang="en-IN" dirty="0"/>
+              <a:t>Spring Security</a:t>
+            </a:r>
+          </a:p>
+          <a:p>
+            <a:pPr lvl="1">
+              <a:buFont typeface="Wingdings" panose="05000000000000000000" pitchFamily="2" charset="2"/>
+              <a:buChar char="q"/>
+            </a:pPr>
+            <a:r>
+              <a:rPr lang="en-IN" dirty="0"/>
+              <a:t>Etc..</a:t>
             </a:r>
           </a:p>
           <a:p>
@@ -15267,7 +14976,7 @@
             </a:pPr>
             <a:r>
               <a:rPr lang="en-IN" dirty="0"/>
-              <a:t>To create spring </a:t>
+              <a:t>For normal spring </a:t>
             </a:r>
             <a:r>
               <a:rPr lang="en-IN" dirty="0" err="1"/>
@@ -15275,7 +14984,7 @@
             </a:r>
             <a:r>
               <a:rPr lang="en-IN" dirty="0"/>
-              <a:t>, add following</a:t>
+              <a:t>, add following jars</a:t>
             </a:r>
           </a:p>
           <a:p>
@@ -15285,27 +14994,32 @@
             </a:pPr>
             <a:r>
               <a:rPr lang="en-IN" dirty="0"/>
-              <a:t>Spring-starter-base</a:t>
-            </a:r>
-          </a:p>
-          <a:p>
-            <a:pPr>
+              <a:t>Spring-web</a:t>
+            </a:r>
+          </a:p>
+          <a:p>
+            <a:pPr lvl="1">
               <a:buFont typeface="Wingdings" panose="05000000000000000000" pitchFamily="2" charset="2"/>
               <a:buChar char="q"/>
             </a:pPr>
             <a:r>
               <a:rPr lang="en-IN" dirty="0"/>
-              <a:t>Doesn’t require xml config</a:t>
-            </a:r>
-          </a:p>
-          <a:p>
-            <a:pPr>
+              <a:t>Spring-</a:t>
+            </a:r>
+            <a:r>
+              <a:rPr lang="en-IN" dirty="0" err="1"/>
+              <a:t>mvc</a:t>
+            </a:r>
+            <a:endParaRPr lang="en-IN" dirty="0"/>
+          </a:p>
+          <a:p>
+            <a:pPr lvl="1">
               <a:buFont typeface="Wingdings" panose="05000000000000000000" pitchFamily="2" charset="2"/>
               <a:buChar char="q"/>
             </a:pPr>
             <a:r>
               <a:rPr lang="en-IN" dirty="0"/>
-              <a:t>Easier to launch, customize and manage</a:t>
+              <a:t>After getting the war deploy it to some server</a:t>
             </a:r>
           </a:p>
         </p:txBody>
@@ -15313,7 +15027,7 @@
     </p:spTree>
     <p:extLst>
       <p:ext uri="{BB962C8B-B14F-4D97-AF65-F5344CB8AC3E}">
-        <p14:creationId xmlns:p14="http://schemas.microsoft.com/office/powerpoint/2010/main" val="782496531"/>
+        <p14:creationId xmlns:p14="http://schemas.microsoft.com/office/powerpoint/2010/main" val="1423597803"/>
       </p:ext>
     </p:extLst>
   </p:cSld>
@@ -15667,33 +15381,15 @@
                                   </p:childTnLst>
                                 </p:cTn>
                               </p:par>
-                            </p:childTnLst>
-                          </p:cTn>
-                        </p:par>
-                      </p:childTnLst>
-                    </p:cTn>
-                  </p:par>
-                  <p:par>
-                    <p:cTn id="24" fill="hold">
-                      <p:stCondLst>
-                        <p:cond delay="indefinite"/>
-                      </p:stCondLst>
-                      <p:childTnLst>
-                        <p:par>
-                          <p:cTn id="25" fill="hold">
-                            <p:stCondLst>
-                              <p:cond delay="0"/>
-                            </p:stCondLst>
-                            <p:childTnLst>
                               <p:par>
-                                <p:cTn id="26" presetID="42" presetClass="entr" presetSubtype="0" fill="hold" grpId="0" nodeType="clickEffect">
+                                <p:cTn id="24" presetID="42" presetClass="entr" presetSubtype="0" fill="hold" grpId="0" nodeType="withEffect">
                                   <p:stCondLst>
                                     <p:cond delay="0"/>
                                   </p:stCondLst>
                                   <p:childTnLst>
                                     <p:set>
                                       <p:cBhvr>
-                                        <p:cTn id="27" dur="1" fill="hold">
+                                        <p:cTn id="25" dur="1" fill="hold">
                                           <p:stCondLst>
                                             <p:cond delay="0"/>
                                           </p:stCondLst>
@@ -15715,7 +15411,7 @@
                                     </p:set>
                                     <p:animEffect transition="in" filter="fade">
                                       <p:cBhvr>
-                                        <p:cTn id="28" dur="1000"/>
+                                        <p:cTn id="26" dur="1000"/>
                                         <p:tgtEl>
                                           <p:spTgt spid="3">
                                             <p:txEl>
@@ -15727,7 +15423,7 @@
                                     </p:animEffect>
                                     <p:anim calcmode="lin" valueType="num">
                                       <p:cBhvr>
-                                        <p:cTn id="29" dur="1000" fill="hold"/>
+                                        <p:cTn id="27" dur="1000" fill="hold"/>
                                         <p:tgtEl>
                                           <p:spTgt spid="3">
                                             <p:txEl>
@@ -15754,7 +15450,7 @@
                                     </p:anim>
                                     <p:anim calcmode="lin" valueType="num">
                                       <p:cBhvr>
-                                        <p:cTn id="30" dur="1000" fill="hold"/>
+                                        <p:cTn id="28" dur="1000" fill="hold"/>
                                         <p:tgtEl>
                                           <p:spTgt spid="3">
                                             <p:txEl>
@@ -15783,14 +15479,14 @@
                                 </p:cTn>
                               </p:par>
                               <p:par>
-                                <p:cTn id="31" presetID="42" presetClass="entr" presetSubtype="0" fill="hold" grpId="0" nodeType="withEffect">
+                                <p:cTn id="29" presetID="42" presetClass="entr" presetSubtype="0" fill="hold" grpId="0" nodeType="withEffect">
                                   <p:stCondLst>
                                     <p:cond delay="0"/>
                                   </p:stCondLst>
                                   <p:childTnLst>
                                     <p:set>
                                       <p:cBhvr>
-                                        <p:cTn id="32" dur="1" fill="hold">
+                                        <p:cTn id="30" dur="1" fill="hold">
                                           <p:stCondLst>
                                             <p:cond delay="0"/>
                                           </p:stCondLst>
@@ -15812,7 +15508,7 @@
                                     </p:set>
                                     <p:animEffect transition="in" filter="fade">
                                       <p:cBhvr>
-                                        <p:cTn id="33" dur="1000"/>
+                                        <p:cTn id="31" dur="1000"/>
                                         <p:tgtEl>
                                           <p:spTgt spid="3">
                                             <p:txEl>
@@ -15824,7 +15520,7 @@
                                     </p:animEffect>
                                     <p:anim calcmode="lin" valueType="num">
                                       <p:cBhvr>
-                                        <p:cTn id="34" dur="1000" fill="hold"/>
+                                        <p:cTn id="32" dur="1000" fill="hold"/>
                                         <p:tgtEl>
                                           <p:spTgt spid="3">
                                             <p:txEl>
@@ -15851,11 +15547,205 @@
                                     </p:anim>
                                     <p:anim calcmode="lin" valueType="num">
                                       <p:cBhvr>
-                                        <p:cTn id="35" dur="1000" fill="hold"/>
+                                        <p:cTn id="33" dur="1000" fill="hold"/>
                                         <p:tgtEl>
                                           <p:spTgt spid="3">
                                             <p:txEl>
                                               <p:pRg st="4" end="4"/>
+                                            </p:txEl>
+                                          </p:spTgt>
+                                        </p:tgtEl>
+                                        <p:attrNameLst>
+                                          <p:attrName>ppt_y</p:attrName>
+                                        </p:attrNameLst>
+                                      </p:cBhvr>
+                                      <p:tavLst>
+                                        <p:tav tm="0">
+                                          <p:val>
+                                            <p:strVal val="#ppt_y+.1"/>
+                                          </p:val>
+                                        </p:tav>
+                                        <p:tav tm="100000">
+                                          <p:val>
+                                            <p:strVal val="#ppt_y"/>
+                                          </p:val>
+                                        </p:tav>
+                                      </p:tavLst>
+                                    </p:anim>
+                                  </p:childTnLst>
+                                </p:cTn>
+                              </p:par>
+                              <p:par>
+                                <p:cTn id="34" presetID="42" presetClass="entr" presetSubtype="0" fill="hold" grpId="0" nodeType="withEffect">
+                                  <p:stCondLst>
+                                    <p:cond delay="0"/>
+                                  </p:stCondLst>
+                                  <p:childTnLst>
+                                    <p:set>
+                                      <p:cBhvr>
+                                        <p:cTn id="35" dur="1" fill="hold">
+                                          <p:stCondLst>
+                                            <p:cond delay="0"/>
+                                          </p:stCondLst>
+                                        </p:cTn>
+                                        <p:tgtEl>
+                                          <p:spTgt spid="3">
+                                            <p:txEl>
+                                              <p:pRg st="5" end="5"/>
+                                            </p:txEl>
+                                          </p:spTgt>
+                                        </p:tgtEl>
+                                        <p:attrNameLst>
+                                          <p:attrName>style.visibility</p:attrName>
+                                        </p:attrNameLst>
+                                      </p:cBhvr>
+                                      <p:to>
+                                        <p:strVal val="visible"/>
+                                      </p:to>
+                                    </p:set>
+                                    <p:animEffect transition="in" filter="fade">
+                                      <p:cBhvr>
+                                        <p:cTn id="36" dur="1000"/>
+                                        <p:tgtEl>
+                                          <p:spTgt spid="3">
+                                            <p:txEl>
+                                              <p:pRg st="5" end="5"/>
+                                            </p:txEl>
+                                          </p:spTgt>
+                                        </p:tgtEl>
+                                      </p:cBhvr>
+                                    </p:animEffect>
+                                    <p:anim calcmode="lin" valueType="num">
+                                      <p:cBhvr>
+                                        <p:cTn id="37" dur="1000" fill="hold"/>
+                                        <p:tgtEl>
+                                          <p:spTgt spid="3">
+                                            <p:txEl>
+                                              <p:pRg st="5" end="5"/>
+                                            </p:txEl>
+                                          </p:spTgt>
+                                        </p:tgtEl>
+                                        <p:attrNameLst>
+                                          <p:attrName>ppt_x</p:attrName>
+                                        </p:attrNameLst>
+                                      </p:cBhvr>
+                                      <p:tavLst>
+                                        <p:tav tm="0">
+                                          <p:val>
+                                            <p:strVal val="#ppt_x"/>
+                                          </p:val>
+                                        </p:tav>
+                                        <p:tav tm="100000">
+                                          <p:val>
+                                            <p:strVal val="#ppt_x"/>
+                                          </p:val>
+                                        </p:tav>
+                                      </p:tavLst>
+                                    </p:anim>
+                                    <p:anim calcmode="lin" valueType="num">
+                                      <p:cBhvr>
+                                        <p:cTn id="38" dur="1000" fill="hold"/>
+                                        <p:tgtEl>
+                                          <p:spTgt spid="3">
+                                            <p:txEl>
+                                              <p:pRg st="5" end="5"/>
+                                            </p:txEl>
+                                          </p:spTgt>
+                                        </p:tgtEl>
+                                        <p:attrNameLst>
+                                          <p:attrName>ppt_y</p:attrName>
+                                        </p:attrNameLst>
+                                      </p:cBhvr>
+                                      <p:tavLst>
+                                        <p:tav tm="0">
+                                          <p:val>
+                                            <p:strVal val="#ppt_y+.1"/>
+                                          </p:val>
+                                        </p:tav>
+                                        <p:tav tm="100000">
+                                          <p:val>
+                                            <p:strVal val="#ppt_y"/>
+                                          </p:val>
+                                        </p:tav>
+                                      </p:tavLst>
+                                    </p:anim>
+                                  </p:childTnLst>
+                                </p:cTn>
+                              </p:par>
+                              <p:par>
+                                <p:cTn id="39" presetID="42" presetClass="entr" presetSubtype="0" fill="hold" grpId="0" nodeType="withEffect">
+                                  <p:stCondLst>
+                                    <p:cond delay="0"/>
+                                  </p:stCondLst>
+                                  <p:childTnLst>
+                                    <p:set>
+                                      <p:cBhvr>
+                                        <p:cTn id="40" dur="1" fill="hold">
+                                          <p:stCondLst>
+                                            <p:cond delay="0"/>
+                                          </p:stCondLst>
+                                        </p:cTn>
+                                        <p:tgtEl>
+                                          <p:spTgt spid="3">
+                                            <p:txEl>
+                                              <p:pRg st="6" end="6"/>
+                                            </p:txEl>
+                                          </p:spTgt>
+                                        </p:tgtEl>
+                                        <p:attrNameLst>
+                                          <p:attrName>style.visibility</p:attrName>
+                                        </p:attrNameLst>
+                                      </p:cBhvr>
+                                      <p:to>
+                                        <p:strVal val="visible"/>
+                                      </p:to>
+                                    </p:set>
+                                    <p:animEffect transition="in" filter="fade">
+                                      <p:cBhvr>
+                                        <p:cTn id="41" dur="1000"/>
+                                        <p:tgtEl>
+                                          <p:spTgt spid="3">
+                                            <p:txEl>
+                                              <p:pRg st="6" end="6"/>
+                                            </p:txEl>
+                                          </p:spTgt>
+                                        </p:tgtEl>
+                                      </p:cBhvr>
+                                    </p:animEffect>
+                                    <p:anim calcmode="lin" valueType="num">
+                                      <p:cBhvr>
+                                        <p:cTn id="42" dur="1000" fill="hold"/>
+                                        <p:tgtEl>
+                                          <p:spTgt spid="3">
+                                            <p:txEl>
+                                              <p:pRg st="6" end="6"/>
+                                            </p:txEl>
+                                          </p:spTgt>
+                                        </p:tgtEl>
+                                        <p:attrNameLst>
+                                          <p:attrName>ppt_x</p:attrName>
+                                        </p:attrNameLst>
+                                      </p:cBhvr>
+                                      <p:tavLst>
+                                        <p:tav tm="0">
+                                          <p:val>
+                                            <p:strVal val="#ppt_x"/>
+                                          </p:val>
+                                        </p:tav>
+                                        <p:tav tm="100000">
+                                          <p:val>
+                                            <p:strVal val="#ppt_x"/>
+                                          </p:val>
+                                        </p:tav>
+                                      </p:tavLst>
+                                    </p:anim>
+                                    <p:anim calcmode="lin" valueType="num">
+                                      <p:cBhvr>
+                                        <p:cTn id="43" dur="1000" fill="hold"/>
+                                        <p:tgtEl>
+                                          <p:spTgt spid="3">
+                                            <p:txEl>
+                                              <p:pRg st="6" end="6"/>
                                             </p:txEl>
                                           </p:spTgt>
                                         </p:tgtEl>
@@ -15886,26 +15776,26 @@
                     </p:cTn>
                   </p:par>
                   <p:par>
-                    <p:cTn id="36" fill="hold">
+                    <p:cTn id="44" fill="hold">
                       <p:stCondLst>
                         <p:cond delay="indefinite"/>
                       </p:stCondLst>
                       <p:childTnLst>
                         <p:par>
-                          <p:cTn id="37" fill="hold">
+                          <p:cTn id="45" fill="hold">
                             <p:stCondLst>
                               <p:cond delay="0"/>
                             </p:stCondLst>
                             <p:childTnLst>
                               <p:par>
-                                <p:cTn id="38" presetID="42" presetClass="entr" presetSubtype="0" fill="hold" grpId="0" nodeType="clickEffect">
+                                <p:cTn id="46" presetID="42" presetClass="entr" presetSubtype="0" fill="hold" grpId="0" nodeType="clickEffect">
                                   <p:stCondLst>
                                     <p:cond delay="0"/>
                                   </p:stCondLst>
                                   <p:childTnLst>
                                     <p:set>
                                       <p:cBhvr>
-                                        <p:cTn id="39" dur="1" fill="hold">
+                                        <p:cTn id="47" dur="1" fill="hold">
                                           <p:stCondLst>
                                             <p:cond delay="0"/>
                                           </p:stCondLst>
@@ -15913,7 +15803,7 @@
                                         <p:tgtEl>
                                           <p:spTgt spid="3">
                                             <p:txEl>
-                                              <p:pRg st="5" end="5"/>
+                                              <p:pRg st="7" end="7"/>
                                             </p:txEl>
                                           </p:spTgt>
                                         </p:tgtEl>
@@ -15927,11 +15817,11 @@
                                     </p:set>
                                     <p:animEffect transition="in" filter="fade">
                                       <p:cBhvr>
-                                        <p:cTn id="40" dur="1000"/>
-                                        <p:tgtEl>
-                                          <p:spTgt spid="3">
-                                            <p:txEl>
-                                              <p:pRg st="5" end="5"/>
+                                        <p:cTn id="48" dur="1000"/>
+                                        <p:tgtEl>
+                                          <p:spTgt spid="3">
+                                            <p:txEl>
+                                              <p:pRg st="7" end="7"/>
                                             </p:txEl>
                                           </p:spTgt>
                                         </p:tgtEl>
@@ -15939,11 +15829,11 @@
                                     </p:animEffect>
                                     <p:anim calcmode="lin" valueType="num">
                                       <p:cBhvr>
-                                        <p:cTn id="41" dur="1000" fill="hold"/>
-                                        <p:tgtEl>
-                                          <p:spTgt spid="3">
-                                            <p:txEl>
-                                              <p:pRg st="5" end="5"/>
+                                        <p:cTn id="49" dur="1000" fill="hold"/>
+                                        <p:tgtEl>
+                                          <p:spTgt spid="3">
+                                            <p:txEl>
+                                              <p:pRg st="7" end="7"/>
                                             </p:txEl>
                                           </p:spTgt>
                                         </p:tgtEl>
@@ -15966,11 +15856,11 @@
                                     </p:anim>
                                     <p:anim calcmode="lin" valueType="num">
                                       <p:cBhvr>
-                                        <p:cTn id="42" dur="1000" fill="hold"/>
-                                        <p:tgtEl>
-                                          <p:spTgt spid="3">
-                                            <p:txEl>
-                                              <p:pRg st="5" end="5"/>
+                                        <p:cTn id="50" dur="1000" fill="hold"/>
+                                        <p:tgtEl>
+                                          <p:spTgt spid="3">
+                                            <p:txEl>
+                                              <p:pRg st="7" end="7"/>
                                             </p:txEl>
                                           </p:spTgt>
                                         </p:tgtEl>
@@ -15994,33 +15884,15 @@
                                   </p:childTnLst>
                                 </p:cTn>
                               </p:par>
-                            </p:childTnLst>
-                          </p:cTn>
-                        </p:par>
-                      </p:childTnLst>
-                    </p:cTn>
-                  </p:par>
-                  <p:par>
-                    <p:cTn id="43" fill="hold">
-                      <p:stCondLst>
-                        <p:cond delay="indefinite"/>
-                      </p:stCondLst>
-                      <p:childTnLst>
-                        <p:par>
-                          <p:cTn id="44" fill="hold">
-                            <p:stCondLst>
-                              <p:cond delay="0"/>
-                            </p:stCondLst>
-                            <p:childTnLst>
                               <p:par>
-                                <p:cTn id="45" presetID="42" presetClass="entr" presetSubtype="0" fill="hold" grpId="0" nodeType="clickEffect">
+                                <p:cTn id="51" presetID="42" presetClass="entr" presetSubtype="0" fill="hold" grpId="0" nodeType="withEffect">
                                   <p:stCondLst>
                                     <p:cond delay="0"/>
                                   </p:stCondLst>
                                   <p:childTnLst>
                                     <p:set>
                                       <p:cBhvr>
-                                        <p:cTn id="46" dur="1" fill="hold">
+                                        <p:cTn id="52" dur="1" fill="hold">
                                           <p:stCondLst>
                                             <p:cond delay="0"/>
                                           </p:stCondLst>
@@ -16028,7 +15900,7 @@
                                         <p:tgtEl>
                                           <p:spTgt spid="3">
                                             <p:txEl>
-                                              <p:pRg st="6" end="6"/>
+                                              <p:pRg st="8" end="8"/>
                                             </p:txEl>
                                           </p:spTgt>
                                         </p:tgtEl>
@@ -16042,11 +15914,11 @@
                                     </p:set>
                                     <p:animEffect transition="in" filter="fade">
                                       <p:cBhvr>
-                                        <p:cTn id="47" dur="1000"/>
-                                        <p:tgtEl>
-                                          <p:spTgt spid="3">
-                                            <p:txEl>
-                                              <p:pRg st="6" end="6"/>
+                                        <p:cTn id="53" dur="1000"/>
+                                        <p:tgtEl>
+                                          <p:spTgt spid="3">
+                                            <p:txEl>
+                                              <p:pRg st="8" end="8"/>
                                             </p:txEl>
                                           </p:spTgt>
                                         </p:tgtEl>
@@ -16054,11 +15926,11 @@
                                     </p:animEffect>
                                     <p:anim calcmode="lin" valueType="num">
                                       <p:cBhvr>
-                                        <p:cTn id="48" dur="1000" fill="hold"/>
-                                        <p:tgtEl>
-                                          <p:spTgt spid="3">
-                                            <p:txEl>
-                                              <p:pRg st="6" end="6"/>
+                                        <p:cTn id="54" dur="1000" fill="hold"/>
+                                        <p:tgtEl>
+                                          <p:spTgt spid="3">
+                                            <p:txEl>
+                                              <p:pRg st="8" end="8"/>
                                             </p:txEl>
                                           </p:spTgt>
                                         </p:tgtEl>
@@ -16081,11 +15953,205 @@
                                     </p:anim>
                                     <p:anim calcmode="lin" valueType="num">
                                       <p:cBhvr>
-                                        <p:cTn id="49" dur="1000" fill="hold"/>
-                                        <p:tgtEl>
-                                          <p:spTgt spid="3">
-                                            <p:txEl>
-                                              <p:pRg st="6" end="6"/>
+                                        <p:cTn id="55" dur="1000" fill="hold"/>
+                                        <p:tgtEl>
+                                          <p:spTgt spid="3">
+                                            <p:txEl>
+                                              <p:pRg st="8" end="8"/>
+                                            </p:txEl>
+                                          </p:spTgt>
+                                        </p:tgtEl>
+                                        <p:attrNameLst>
+                                          <p:attrName>ppt_y</p:attrName>
+                                        </p:attrNameLst>
+                                      </p:cBhvr>
+                                      <p:tavLst>
+                                        <p:tav tm="0">
+                                          <p:val>
+                                            <p:strVal val="#ppt_y+.1"/>
+                                          </p:val>
+                                        </p:tav>
+                                        <p:tav tm="100000">
+                                          <p:val>
+                                            <p:strVal val="#ppt_y"/>
+                                          </p:val>
+                                        </p:tav>
+                                      </p:tavLst>
+                                    </p:anim>
+                                  </p:childTnLst>
+                                </p:cTn>
+                              </p:par>
+                              <p:par>
+                                <p:cTn id="56" presetID="42" presetClass="entr" presetSubtype="0" fill="hold" grpId="0" nodeType="withEffect">
+                                  <p:stCondLst>
+                                    <p:cond delay="0"/>
+                                  </p:stCondLst>
+                                  <p:childTnLst>
+                                    <p:set>
+                                      <p:cBhvr>
+                                        <p:cTn id="57" dur="1" fill="hold">
+                                          <p:stCondLst>
+                                            <p:cond delay="0"/>
+                                          </p:stCondLst>
+                                        </p:cTn>
+                                        <p:tgtEl>
+                                          <p:spTgt spid="3">
+                                            <p:txEl>
+                                              <p:pRg st="9" end="9"/>
+                                            </p:txEl>
+                                          </p:spTgt>
+                                        </p:tgtEl>
+                                        <p:attrNameLst>
+                                          <p:attrName>style.visibility</p:attrName>
+                                        </p:attrNameLst>
+                                      </p:cBhvr>
+                                      <p:to>
+                                        <p:strVal val="visible"/>
+                                      </p:to>
+                                    </p:set>
+                                    <p:animEffect transition="in" filter="fade">
+                                      <p:cBhvr>
+                                        <p:cTn id="58" dur="1000"/>
+                                        <p:tgtEl>
+                                          <p:spTgt spid="3">
+                                            <p:txEl>
+                                              <p:pRg st="9" end="9"/>
+                                            </p:txEl>
+                                          </p:spTgt>
+                                        </p:tgtEl>
+                                      </p:cBhvr>
+                                    </p:animEffect>
+                                    <p:anim calcmode="lin" valueType="num">
+                                      <p:cBhvr>
+                                        <p:cTn id="59" dur="1000" fill="hold"/>
+                                        <p:tgtEl>
+                                          <p:spTgt spid="3">
+                                            <p:txEl>
+                                              <p:pRg st="9" end="9"/>
+                                            </p:txEl>
+                                          </p:spTgt>
+                                        </p:tgtEl>
+                                        <p:attrNameLst>
+                                          <p:attrName>ppt_x</p:attrName>
+                                        </p:attrNameLst>
+                                      </p:cBhvr>
+                                      <p:tavLst>
+                                        <p:tav tm="0">
+                                          <p:val>
+                                            <p:strVal val="#ppt_x"/>
+                                          </p:val>
+                                        </p:tav>
+                                        <p:tav tm="100000">
+                                          <p:val>
+                                            <p:strVal val="#ppt_x"/>
+                                          </p:val>
+                                        </p:tav>
+                                      </p:tavLst>
+                                    </p:anim>
+                                    <p:anim calcmode="lin" valueType="num">
+                                      <p:cBhvr>
+                                        <p:cTn id="60" dur="1000" fill="hold"/>
+                                        <p:tgtEl>
+                                          <p:spTgt spid="3">
+                                            <p:txEl>
+                                              <p:pRg st="9" end="9"/>
+                                            </p:txEl>
+                                          </p:spTgt>
+                                        </p:tgtEl>
+                                        <p:attrNameLst>
+                                          <p:attrName>ppt_y</p:attrName>
+                                        </p:attrNameLst>
+                                      </p:cBhvr>
+                                      <p:tavLst>
+                                        <p:tav tm="0">
+                                          <p:val>
+                                            <p:strVal val="#ppt_y+.1"/>
+                                          </p:val>
+                                        </p:tav>
+                                        <p:tav tm="100000">
+                                          <p:val>
+                                            <p:strVal val="#ppt_y"/>
+                                          </p:val>
+                                        </p:tav>
+                                      </p:tavLst>
+                                    </p:anim>
+                                  </p:childTnLst>
+                                </p:cTn>
+                              </p:par>
+                              <p:par>
+                                <p:cTn id="61" presetID="42" presetClass="entr" presetSubtype="0" fill="hold" grpId="0" nodeType="withEffect">
+                                  <p:stCondLst>
+                                    <p:cond delay="0"/>
+                                  </p:stCondLst>
+                                  <p:childTnLst>
+                                    <p:set>
+                                      <p:cBhvr>
+                                        <p:cTn id="62" dur="1" fill="hold">
+                                          <p:stCondLst>
+                                            <p:cond delay="0"/>
+                                          </p:stCondLst>
+                                        </p:cTn>
+                                        <p:tgtEl>
+                                          <p:spTgt spid="3">
+                                            <p:txEl>
+                                              <p:pRg st="10" end="10"/>
+                                            </p:txEl>
+                                          </p:spTgt>
+                                        </p:tgtEl>
+                                        <p:attrNameLst>
+                                          <p:attrName>style.visibility</p:attrName>
+                                        </p:attrNameLst>
+                                      </p:cBhvr>
+                                      <p:to>
+                                        <p:strVal val="visible"/>
+                                      </p:to>
+                                    </p:set>
+                                    <p:animEffect transition="in" filter="fade">
+                                      <p:cBhvr>
+                                        <p:cTn id="63" dur="1000"/>
+                                        <p:tgtEl>
+                                          <p:spTgt spid="3">
+                                            <p:txEl>
+                                              <p:pRg st="10" end="10"/>
+                                            </p:txEl>
+                                          </p:spTgt>
+                                        </p:tgtEl>
+                                      </p:cBhvr>
+                                    </p:animEffect>
+                                    <p:anim calcmode="lin" valueType="num">
+                                      <p:cBhvr>
+                                        <p:cTn id="64" dur="1000" fill="hold"/>
+                                        <p:tgtEl>
+                                          <p:spTgt spid="3">
+                                            <p:txEl>
+                                              <p:pRg st="10" end="10"/>
+                                            </p:txEl>
+                                          </p:spTgt>
+                                        </p:tgtEl>
+                                        <p:attrNameLst>
+                                          <p:attrName>ppt_x</p:attrName>
+                                        </p:attrNameLst>
+                                      </p:cBhvr>
+                                      <p:tavLst>
+                                        <p:tav tm="0">
+                                          <p:val>
+                                            <p:strVal val="#ppt_x"/>
+                                          </p:val>
+                                        </p:tav>
+                                        <p:tav tm="100000">
+                                          <p:val>
+                                            <p:strVal val="#ppt_x"/>
+                                          </p:val>
+                                        </p:tav>
+                                      </p:tavLst>
+                                    </p:anim>
+                                    <p:anim calcmode="lin" valueType="num">
+                                      <p:cBhvr>
+                                        <p:cTn id="65" dur="1000" fill="hold"/>
+                                        <p:tgtEl>
+                                          <p:spTgt spid="3">
+                                            <p:txEl>
+                                              <p:pRg st="10" end="10"/>
                                             </p:txEl>
                                           </p:spTgt>
                                         </p:tgtEl>
@@ -16188,9 +16254,12 @@
           <a:bodyPr/>
           <a:lstStyle/>
           <a:p>
-            <a:endParaRPr lang="en-IN" dirty="0">
-              <a:latin typeface="Algerian" panose="04020705040A02060702" pitchFamily="82" charset="0"/>
-            </a:endParaRPr>
+            <a:r>
+              <a:rPr lang="en-IN" dirty="0">
+                <a:latin typeface="Algerian" panose="04020705040A02060702" pitchFamily="82" charset="0"/>
+              </a:rPr>
+              <a:t>Spring boot framework</a:t>
+            </a:r>
           </a:p>
         </p:txBody>
       </p:sp>
@@ -16226,14 +16295,85 @@
               <a:buFont typeface="Wingdings" panose="05000000000000000000" pitchFamily="2" charset="2"/>
               <a:buChar char="q"/>
             </a:pPr>
-            <a:endParaRPr lang="en-IN" dirty="0"/>
+            <a:r>
+              <a:rPr lang="en-IN" dirty="0"/>
+              <a:t>Extension of Spring framework</a:t>
+            </a:r>
+          </a:p>
+          <a:p>
+            <a:pPr>
+              <a:buFont typeface="Wingdings" panose="05000000000000000000" pitchFamily="2" charset="2"/>
+              <a:buChar char="q"/>
+            </a:pPr>
+            <a:r>
+              <a:rPr lang="en-IN" dirty="0"/>
+              <a:t>Takes opinionated view</a:t>
+            </a:r>
+          </a:p>
+          <a:p>
+            <a:pPr>
+              <a:buFont typeface="Wingdings" panose="05000000000000000000" pitchFamily="2" charset="2"/>
+              <a:buChar char="q"/>
+            </a:pPr>
+            <a:r>
+              <a:rPr lang="en-IN" dirty="0"/>
+              <a:t>Embedded server</a:t>
+            </a:r>
+          </a:p>
+          <a:p>
+            <a:pPr>
+              <a:buFont typeface="Wingdings" panose="05000000000000000000" pitchFamily="2" charset="2"/>
+              <a:buChar char="q"/>
+            </a:pPr>
+            <a:r>
+              <a:rPr lang="en-IN" dirty="0"/>
+              <a:t>To create spring </a:t>
+            </a:r>
+            <a:r>
+              <a:rPr lang="en-IN" dirty="0" err="1"/>
+              <a:t>mvc</a:t>
+            </a:r>
+            <a:r>
+              <a:rPr lang="en-IN" dirty="0"/>
+              <a:t>, add following</a:t>
+            </a:r>
+          </a:p>
+          <a:p>
+            <a:pPr lvl="1">
+              <a:buFont typeface="Wingdings" panose="05000000000000000000" pitchFamily="2" charset="2"/>
+              <a:buChar char="q"/>
+            </a:pPr>
+            <a:r>
+              <a:rPr lang="en-IN" dirty="0"/>
+              <a:t>Spring-starter-base</a:t>
+            </a:r>
+          </a:p>
+          <a:p>
+            <a:pPr>
+              <a:buFont typeface="Wingdings" panose="05000000000000000000" pitchFamily="2" charset="2"/>
+              <a:buChar char="q"/>
+            </a:pPr>
+            <a:r>
+              <a:rPr lang="en-IN" dirty="0"/>
+              <a:t>Doesn’t require xml config</a:t>
+            </a:r>
+          </a:p>
+          <a:p>
+            <a:pPr>
+              <a:buFont typeface="Wingdings" panose="05000000000000000000" pitchFamily="2" charset="2"/>
+              <a:buChar char="q"/>
+            </a:pPr>
+            <a:r>
+              <a:rPr lang="en-IN" dirty="0"/>
+              <a:t>Easier to launch, customize and manage</a:t>
+            </a:r>
           </a:p>
         </p:txBody>
       </p:sp>
     </p:spTree>
     <p:extLst>
       <p:ext uri="{BB962C8B-B14F-4D97-AF65-F5344CB8AC3E}">
-        <p14:creationId xmlns:p14="http://schemas.microsoft.com/office/powerpoint/2010/main" val="2271095980"/>
+        <p14:creationId xmlns:p14="http://schemas.microsoft.com/office/powerpoint/2010/main" val="782496531"/>
       </p:ext>
     </p:extLst>
   </p:cSld>
@@ -16261,15 +16401,10 @@
                             </p:stCondLst>
                             <p:childTnLst>
                               <p:par>
-                                <p:cTn id="5" presetID="42" presetClass="entr" presetSubtype="0" fill="hold" grpId="0" nodeType="clickEffect" nodePh="1">
+                                <p:cTn id="5" presetID="42" presetClass="entr" presetSubtype="0" fill="hold" grpId="0" nodeType="clickEffect">
                                   <p:stCondLst>
                                     <p:cond delay="0"/>
                                   </p:stCondLst>
-                                  <p:endCondLst>
-                                    <p:cond evt="begin" delay="0">
-                                      <p:tn val="5"/>
-                                    </p:cond>
-                                  </p:endCondLst>
                                   <p:childTnLst>
                                     <p:set>
                                       <p:cBhvr>
@@ -16339,6 +16474,678 @@
                                           <p:spTgt spid="3">
                                             <p:txEl>
                                               <p:pRg st="0" end="0"/>
+                                            </p:txEl>
+                                          </p:spTgt>
+                                        </p:tgtEl>
+                                        <p:attrNameLst>
+                                          <p:attrName>ppt_y</p:attrName>
+                                        </p:attrNameLst>
+                                      </p:cBhvr>
+                                      <p:tavLst>
+                                        <p:tav tm="0">
+                                          <p:val>
+                                            <p:strVal val="#ppt_y+.1"/>
+                                          </p:val>
+                                        </p:tav>
+                                        <p:tav tm="100000">
+                                          <p:val>
+                                            <p:strVal val="#ppt_y"/>
+                                          </p:val>
+                                        </p:tav>
+                                      </p:tavLst>
+                                    </p:anim>
+                                  </p:childTnLst>
+                                </p:cTn>
+                              </p:par>
+                            </p:childTnLst>
+                          </p:cTn>
+                        </p:par>
+                      </p:childTnLst>
+                    </p:cTn>
+                  </p:par>
+                  <p:par>
+                    <p:cTn id="10" fill="hold">
+                      <p:stCondLst>
+                        <p:cond delay="indefinite"/>
+                      </p:stCondLst>
+                      <p:childTnLst>
+                        <p:par>
+                          <p:cTn id="11" fill="hold">
+                            <p:stCondLst>
+                              <p:cond delay="0"/>
+                            </p:stCondLst>
+                            <p:childTnLst>
+                              <p:par>
+                                <p:cTn id="12" presetID="42" presetClass="entr" presetSubtype="0" fill="hold" grpId="0" nodeType="clickEffect">
+                                  <p:stCondLst>
+                                    <p:cond delay="0"/>
+                                  </p:stCondLst>
+                                  <p:childTnLst>
+                                    <p:set>
+                                      <p:cBhvr>
+                                        <p:cTn id="13" dur="1" fill="hold">
+                                          <p:stCondLst>
+                                            <p:cond delay="0"/>
+                                          </p:stCondLst>
+                                        </p:cTn>
+                                        <p:tgtEl>
+                                          <p:spTgt spid="3">
+                                            <p:txEl>
+                                              <p:pRg st="1" end="1"/>
+                                            </p:txEl>
+                                          </p:spTgt>
+                                        </p:tgtEl>
+                                        <p:attrNameLst>
+                                          <p:attrName>style.visibility</p:attrName>
+                                        </p:attrNameLst>
+                                      </p:cBhvr>
+                                      <p:to>
+                                        <p:strVal val="visible"/>
+                                      </p:to>
+                                    </p:set>
+                                    <p:animEffect transition="in" filter="fade">
+                                      <p:cBhvr>
+                                        <p:cTn id="14" dur="1000"/>
+                                        <p:tgtEl>
+                                          <p:spTgt spid="3">
+                                            <p:txEl>
+                                              <p:pRg st="1" end="1"/>
+                                            </p:txEl>
+                                          </p:spTgt>
+                                        </p:tgtEl>
+                                      </p:cBhvr>
+                                    </p:animEffect>
+                                    <p:anim calcmode="lin" valueType="num">
+                                      <p:cBhvr>
+                                        <p:cTn id="15" dur="1000" fill="hold"/>
+                                        <p:tgtEl>
+                                          <p:spTgt spid="3">
+                                            <p:txEl>
+                                              <p:pRg st="1" end="1"/>
+                                            </p:txEl>
+                                          </p:spTgt>
+                                        </p:tgtEl>
+                                        <p:attrNameLst>
+                                          <p:attrName>ppt_x</p:attrName>
+                                        </p:attrNameLst>
+                                      </p:cBhvr>
+                                      <p:tavLst>
+                                        <p:tav tm="0">
+                                          <p:val>
+                                            <p:strVal val="#ppt_x"/>
+                                          </p:val>
+                                        </p:tav>
+                                        <p:tav tm="100000">
+                                          <p:val>
+                                            <p:strVal val="#ppt_x"/>
+                                          </p:val>
+                                        </p:tav>
+                                      </p:tavLst>
+                                    </p:anim>
+                                    <p:anim calcmode="lin" valueType="num">
+                                      <p:cBhvr>
+                                        <p:cTn id="16" dur="1000" fill="hold"/>
+                                        <p:tgtEl>
+                                          <p:spTgt spid="3">
+                                            <p:txEl>
+                                              <p:pRg st="1" end="1"/>
+                                            </p:txEl>
+                                          </p:spTgt>
+                                        </p:tgtEl>
+                                        <p:attrNameLst>
+                                          <p:attrName>ppt_y</p:attrName>
+                                        </p:attrNameLst>
+                                      </p:cBhvr>
+                                      <p:tavLst>
+                                        <p:tav tm="0">
+                                          <p:val>
+                                            <p:strVal val="#ppt_y+.1"/>
+                                          </p:val>
+                                        </p:tav>
+                                        <p:tav tm="100000">
+                                          <p:val>
+                                            <p:strVal val="#ppt_y"/>
+                                          </p:val>
+                                        </p:tav>
+                                      </p:tavLst>
+                                    </p:anim>
+                                  </p:childTnLst>
+                                </p:cTn>
+                              </p:par>
+                            </p:childTnLst>
+                          </p:cTn>
+                        </p:par>
+                      </p:childTnLst>
+                    </p:cTn>
+                  </p:par>
+                  <p:par>
+                    <p:cTn id="17" fill="hold">
+                      <p:stCondLst>
+                        <p:cond delay="indefinite"/>
+                      </p:stCondLst>
+                      <p:childTnLst>
+                        <p:par>
+                          <p:cTn id="18" fill="hold">
+                            <p:stCondLst>
+                              <p:cond delay="0"/>
+                            </p:stCondLst>
+                            <p:childTnLst>
+                              <p:par>
+                                <p:cTn id="19" presetID="42" presetClass="entr" presetSubtype="0" fill="hold" grpId="0" nodeType="clickEffect">
+                                  <p:stCondLst>
+                                    <p:cond delay="0"/>
+                                  </p:stCondLst>
+                                  <p:childTnLst>
+                                    <p:set>
+                                      <p:cBhvr>
+                                        <p:cTn id="20" dur="1" fill="hold">
+                                          <p:stCondLst>
+                                            <p:cond delay="0"/>
+                                          </p:stCondLst>
+                                        </p:cTn>
+                                        <p:tgtEl>
+                                          <p:spTgt spid="3">
+                                            <p:txEl>
+                                              <p:pRg st="2" end="2"/>
+                                            </p:txEl>
+                                          </p:spTgt>
+                                        </p:tgtEl>
+                                        <p:attrNameLst>
+                                          <p:attrName>style.visibility</p:attrName>
+                                        </p:attrNameLst>
+                                      </p:cBhvr>
+                                      <p:to>
+                                        <p:strVal val="visible"/>
+                                      </p:to>
+                                    </p:set>
+                                    <p:animEffect transition="in" filter="fade">
+                                      <p:cBhvr>
+                                        <p:cTn id="21" dur="1000"/>
+                                        <p:tgtEl>
+                                          <p:spTgt spid="3">
+                                            <p:txEl>
+                                              <p:pRg st="2" end="2"/>
+                                            </p:txEl>
+                                          </p:spTgt>
+                                        </p:tgtEl>
+                                      </p:cBhvr>
+                                    </p:animEffect>
+                                    <p:anim calcmode="lin" valueType="num">
+                                      <p:cBhvr>
+                                        <p:cTn id="22" dur="1000" fill="hold"/>
+                                        <p:tgtEl>
+                                          <p:spTgt spid="3">
+                                            <p:txEl>
+                                              <p:pRg st="2" end="2"/>
+                                            </p:txEl>
+                                          </p:spTgt>
+                                        </p:tgtEl>
+                                        <p:attrNameLst>
+                                          <p:attrName>ppt_x</p:attrName>
+                                        </p:attrNameLst>
+                                      </p:cBhvr>
+                                      <p:tavLst>
+                                        <p:tav tm="0">
+                                          <p:val>
+                                            <p:strVal val="#ppt_x"/>
+                                          </p:val>
+                                        </p:tav>
+                                        <p:tav tm="100000">
+                                          <p:val>
+                                            <p:strVal val="#ppt_x"/>
+                                          </p:val>
+                                        </p:tav>
+                                      </p:tavLst>
+                                    </p:anim>
+                                    <p:anim calcmode="lin" valueType="num">
+                                      <p:cBhvr>
+                                        <p:cTn id="23" dur="1000" fill="hold"/>
+                                        <p:tgtEl>
+                                          <p:spTgt spid="3">
+                                            <p:txEl>
+                                              <p:pRg st="2" end="2"/>
+                                            </p:txEl>
+                                          </p:spTgt>
+                                        </p:tgtEl>
+                                        <p:attrNameLst>
+                                          <p:attrName>ppt_y</p:attrName>
+                                        </p:attrNameLst>
+                                      </p:cBhvr>
+                                      <p:tavLst>
+                                        <p:tav tm="0">
+                                          <p:val>
+                                            <p:strVal val="#ppt_y+.1"/>
+                                          </p:val>
+                                        </p:tav>
+                                        <p:tav tm="100000">
+                                          <p:val>
+                                            <p:strVal val="#ppt_y"/>
+                                          </p:val>
+                                        </p:tav>
+                                      </p:tavLst>
+                                    </p:anim>
+                                  </p:childTnLst>
+                                </p:cTn>
+                              </p:par>
+                            </p:childTnLst>
+                          </p:cTn>
+                        </p:par>
+                      </p:childTnLst>
+                    </p:cTn>
+                  </p:par>
+                  <p:par>
+                    <p:cTn id="24" fill="hold">
+                      <p:stCondLst>
+                        <p:cond delay="indefinite"/>
+                      </p:stCondLst>
+                      <p:childTnLst>
+                        <p:par>
+                          <p:cTn id="25" fill="hold">
+                            <p:stCondLst>
+                              <p:cond delay="0"/>
+                            </p:stCondLst>
+                            <p:childTnLst>
+                              <p:par>
+                                <p:cTn id="26" presetID="42" presetClass="entr" presetSubtype="0" fill="hold" grpId="0" nodeType="clickEffect">
+                                  <p:stCondLst>
+                                    <p:cond delay="0"/>
+                                  </p:stCondLst>
+                                  <p:childTnLst>
+                                    <p:set>
+                                      <p:cBhvr>
+                                        <p:cTn id="27" dur="1" fill="hold">
+                                          <p:stCondLst>
+                                            <p:cond delay="0"/>
+                                          </p:stCondLst>
+                                        </p:cTn>
+                                        <p:tgtEl>
+                                          <p:spTgt spid="3">
+                                            <p:txEl>
+                                              <p:pRg st="3" end="3"/>
+                                            </p:txEl>
+                                          </p:spTgt>
+                                        </p:tgtEl>
+                                        <p:attrNameLst>
+                                          <p:attrName>style.visibility</p:attrName>
+                                        </p:attrNameLst>
+                                      </p:cBhvr>
+                                      <p:to>
+                                        <p:strVal val="visible"/>
+                                      </p:to>
+                                    </p:set>
+                                    <p:animEffect transition="in" filter="fade">
+                                      <p:cBhvr>
+                                        <p:cTn id="28" dur="1000"/>
+                                        <p:tgtEl>
+                                          <p:spTgt spid="3">
+                                            <p:txEl>
+                                              <p:pRg st="3" end="3"/>
+                                            </p:txEl>
+                                          </p:spTgt>
+                                        </p:tgtEl>
+                                      </p:cBhvr>
+                                    </p:animEffect>
+                                    <p:anim calcmode="lin" valueType="num">
+                                      <p:cBhvr>
+                                        <p:cTn id="29" dur="1000" fill="hold"/>
+                                        <p:tgtEl>
+                                          <p:spTgt spid="3">
+                                            <p:txEl>
+                                              <p:pRg st="3" end="3"/>
+                                            </p:txEl>
+                                          </p:spTgt>
+                                        </p:tgtEl>
+                                        <p:attrNameLst>
+                                          <p:attrName>ppt_x</p:attrName>
+                                        </p:attrNameLst>
+                                      </p:cBhvr>
+                                      <p:tavLst>
+                                        <p:tav tm="0">
+                                          <p:val>
+                                            <p:strVal val="#ppt_x"/>
+                                          </p:val>
+                                        </p:tav>
+                                        <p:tav tm="100000">
+                                          <p:val>
+                                            <p:strVal val="#ppt_x"/>
+                                          </p:val>
+                                        </p:tav>
+                                      </p:tavLst>
+                                    </p:anim>
+                                    <p:anim calcmode="lin" valueType="num">
+                                      <p:cBhvr>
+                                        <p:cTn id="30" dur="1000" fill="hold"/>
+                                        <p:tgtEl>
+                                          <p:spTgt spid="3">
+                                            <p:txEl>
+                                              <p:pRg st="3" end="3"/>
+                                            </p:txEl>
+                                          </p:spTgt>
+                                        </p:tgtEl>
+                                        <p:attrNameLst>
+                                          <p:attrName>ppt_y</p:attrName>
+                                        </p:attrNameLst>
+                                      </p:cBhvr>
+                                      <p:tavLst>
+                                        <p:tav tm="0">
+                                          <p:val>
+                                            <p:strVal val="#ppt_y+.1"/>
+                                          </p:val>
+                                        </p:tav>
+                                        <p:tav tm="100000">
+                                          <p:val>
+                                            <p:strVal val="#ppt_y"/>
+                                          </p:val>
+                                        </p:tav>
+                                      </p:tavLst>
+                                    </p:anim>
+                                  </p:childTnLst>
+                                </p:cTn>
+                              </p:par>
+                              <p:par>
+                                <p:cTn id="31" presetID="42" presetClass="entr" presetSubtype="0" fill="hold" grpId="0" nodeType="withEffect">
+                                  <p:stCondLst>
+                                    <p:cond delay="0"/>
+                                  </p:stCondLst>
+                                  <p:childTnLst>
+                                    <p:set>
+                                      <p:cBhvr>
+                                        <p:cTn id="32" dur="1" fill="hold">
+                                          <p:stCondLst>
+                                            <p:cond delay="0"/>
+                                          </p:stCondLst>
+                                        </p:cTn>
+                                        <p:tgtEl>
+                                          <p:spTgt spid="3">
+                                            <p:txEl>
+                                              <p:pRg st="4" end="4"/>
+                                            </p:txEl>
+                                          </p:spTgt>
+                                        </p:tgtEl>
+                                        <p:attrNameLst>
+                                          <p:attrName>style.visibility</p:attrName>
+                                        </p:attrNameLst>
+                                      </p:cBhvr>
+                                      <p:to>
+                                        <p:strVal val="visible"/>
+                                      </p:to>
+                                    </p:set>
+                                    <p:animEffect transition="in" filter="fade">
+                                      <p:cBhvr>
+                                        <p:cTn id="33" dur="1000"/>
+                                        <p:tgtEl>
+                                          <p:spTgt spid="3">
+                                            <p:txEl>
+                                              <p:pRg st="4" end="4"/>
+                                            </p:txEl>
+                                          </p:spTgt>
+                                        </p:tgtEl>
+                                      </p:cBhvr>
+                                    </p:animEffect>
+                                    <p:anim calcmode="lin" valueType="num">
+                                      <p:cBhvr>
+                                        <p:cTn id="34" dur="1000" fill="hold"/>
+                                        <p:tgtEl>
+                                          <p:spTgt spid="3">
+                                            <p:txEl>
+                                              <p:pRg st="4" end="4"/>
+                                            </p:txEl>
+                                          </p:spTgt>
+                                        </p:tgtEl>
+                                        <p:attrNameLst>
+                                          <p:attrName>ppt_x</p:attrName>
+                                        </p:attrNameLst>
+                                      </p:cBhvr>
+                                      <p:tavLst>
+                                        <p:tav tm="0">
+                                          <p:val>
+                                            <p:strVal val="#ppt_x"/>
+                                          </p:val>
+                                        </p:tav>
+                                        <p:tav tm="100000">
+                                          <p:val>
+                                            <p:strVal val="#ppt_x"/>
+                                          </p:val>
+                                        </p:tav>
+                                      </p:tavLst>
+                                    </p:anim>
+                                    <p:anim calcmode="lin" valueType="num">
+                                      <p:cBhvr>
+                                        <p:cTn id="35" dur="1000" fill="hold"/>
+                                        <p:tgtEl>
+                                          <p:spTgt spid="3">
+                                            <p:txEl>
+                                              <p:pRg st="4" end="4"/>
+                                            </p:txEl>
+                                          </p:spTgt>
+                                        </p:tgtEl>
+                                        <p:attrNameLst>
+                                          <p:attrName>ppt_y</p:attrName>
+                                        </p:attrNameLst>
+                                      </p:cBhvr>
+                                      <p:tavLst>
+                                        <p:tav tm="0">
+                                          <p:val>
+                                            <p:strVal val="#ppt_y+.1"/>
+                                          </p:val>
+                                        </p:tav>
+                                        <p:tav tm="100000">
+                                          <p:val>
+                                            <p:strVal val="#ppt_y"/>
+                                          </p:val>
+                                        </p:tav>
+                                      </p:tavLst>
+                                    </p:anim>
+                                  </p:childTnLst>
+                                </p:cTn>
+                              </p:par>
+                            </p:childTnLst>
+                          </p:cTn>
+                        </p:par>
+                      </p:childTnLst>
+                    </p:cTn>
+                  </p:par>
+                  <p:par>
+                    <p:cTn id="36" fill="hold">
+                      <p:stCondLst>
+                        <p:cond delay="indefinite"/>
+                      </p:stCondLst>
+                      <p:childTnLst>
+                        <p:par>
+                          <p:cTn id="37" fill="hold">
+                            <p:stCondLst>
+                              <p:cond delay="0"/>
+                            </p:stCondLst>
+                            <p:childTnLst>
+                              <p:par>
+                                <p:cTn id="38" presetID="42" presetClass="entr" presetSubtype="0" fill="hold" grpId="0" nodeType="clickEffect">
+                                  <p:stCondLst>
+                                    <p:cond delay="0"/>
+                                  </p:stCondLst>
+                                  <p:childTnLst>
+                                    <p:set>
+                                      <p:cBhvr>
+                                        <p:cTn id="39" dur="1" fill="hold">
+                                          <p:stCondLst>
+                                            <p:cond delay="0"/>
+                                          </p:stCondLst>
+                                        </p:cTn>
+                                        <p:tgtEl>
+                                          <p:spTgt spid="3">
+                                            <p:txEl>
+                                              <p:pRg st="5" end="5"/>
+                                            </p:txEl>
+                                          </p:spTgt>
+                                        </p:tgtEl>
+                                        <p:attrNameLst>
+                                          <p:attrName>style.visibility</p:attrName>
+                                        </p:attrNameLst>
+                                      </p:cBhvr>
+                                      <p:to>
+                                        <p:strVal val="visible"/>
+                                      </p:to>
+                                    </p:set>
+                                    <p:animEffect transition="in" filter="fade">
+                                      <p:cBhvr>
+                                        <p:cTn id="40" dur="1000"/>
+                                        <p:tgtEl>
+                                          <p:spTgt spid="3">
+                                            <p:txEl>
+                                              <p:pRg st="5" end="5"/>
+                                            </p:txEl>
+                                          </p:spTgt>
+                                        </p:tgtEl>
+                                      </p:cBhvr>
+                                    </p:animEffect>
+                                    <p:anim calcmode="lin" valueType="num">
+                                      <p:cBhvr>
+                                        <p:cTn id="41" dur="1000" fill="hold"/>
+                                        <p:tgtEl>
+                                          <p:spTgt spid="3">
+                                            <p:txEl>
+                                              <p:pRg st="5" end="5"/>
+                                            </p:txEl>
+                                          </p:spTgt>
+                                        </p:tgtEl>
+                                        <p:attrNameLst>
+                                          <p:attrName>ppt_x</p:attrName>
+                                        </p:attrNameLst>
+                                      </p:cBhvr>
+                                      <p:tavLst>
+                                        <p:tav tm="0">
+                                          <p:val>
+                                            <p:strVal val="#ppt_x"/>
+                                          </p:val>
+                                        </p:tav>
+                                        <p:tav tm="100000">
+                                          <p:val>
+                                            <p:strVal val="#ppt_x"/>
+                                          </p:val>
+                                        </p:tav>
+                                      </p:tavLst>
+                                    </p:anim>
+                                    <p:anim calcmode="lin" valueType="num">
+                                      <p:cBhvr>
+                                        <p:cTn id="42" dur="1000" fill="hold"/>
+                                        <p:tgtEl>
+                                          <p:spTgt spid="3">
+                                            <p:txEl>
+                                              <p:pRg st="5" end="5"/>
+                                            </p:txEl>
+                                          </p:spTgt>
+                                        </p:tgtEl>
+                                        <p:attrNameLst>
+                                          <p:attrName>ppt_y</p:attrName>
+                                        </p:attrNameLst>
+                                      </p:cBhvr>
+                                      <p:tavLst>
+                                        <p:tav tm="0">
+                                          <p:val>
+                                            <p:strVal val="#ppt_y+.1"/>
+                                          </p:val>
+                                        </p:tav>
+                                        <p:tav tm="100000">
+                                          <p:val>
+                                            <p:strVal val="#ppt_y"/>
+                                          </p:val>
+                                        </p:tav>
+                                      </p:tavLst>
+                                    </p:anim>
+                                  </p:childTnLst>
+                                </p:cTn>
+                              </p:par>
+                            </p:childTnLst>
+                          </p:cTn>
+                        </p:par>
+                      </p:childTnLst>
+                    </p:cTn>
+                  </p:par>
+                  <p:par>
+                    <p:cTn id="43" fill="hold">
+                      <p:stCondLst>
+                        <p:cond delay="indefinite"/>
+                      </p:stCondLst>
+                      <p:childTnLst>
+                        <p:par>
+                          <p:cTn id="44" fill="hold">
+                            <p:stCondLst>
+                              <p:cond delay="0"/>
+                            </p:stCondLst>
+                            <p:childTnLst>
+                              <p:par>
+                                <p:cTn id="45" presetID="42" presetClass="entr" presetSubtype="0" fill="hold" grpId="0" nodeType="clickEffect">
+                                  <p:stCondLst>
+                                    <p:cond delay="0"/>
+                                  </p:stCondLst>
+                                  <p:childTnLst>
+                                    <p:set>
+                                      <p:cBhvr>
+                                        <p:cTn id="46" dur="1" fill="hold">
+                                          <p:stCondLst>
+                                            <p:cond delay="0"/>
+                                          </p:stCondLst>
+                                        </p:cTn>
+                                        <p:tgtEl>
+                                          <p:spTgt spid="3">
+                                            <p:txEl>
+                                              <p:pRg st="6" end="6"/>
+                                            </p:txEl>
+                                          </p:spTgt>
+                                        </p:tgtEl>
+                                        <p:attrNameLst>
+                                          <p:attrName>style.visibility</p:attrName>
+                                        </p:attrNameLst>
+                                      </p:cBhvr>
+                                      <p:to>
+                                        <p:strVal val="visible"/>
+                                      </p:to>
+                                    </p:set>
+                                    <p:animEffect transition="in" filter="fade">
+                                      <p:cBhvr>
+                                        <p:cTn id="47" dur="1000"/>
+                                        <p:tgtEl>
+                                          <p:spTgt spid="3">
+                                            <p:txEl>
+                                              <p:pRg st="6" end="6"/>
+                                            </p:txEl>
+                                          </p:spTgt>
+                                        </p:tgtEl>
+                                      </p:cBhvr>
+                                    </p:animEffect>
+                                    <p:anim calcmode="lin" valueType="num">
+                                      <p:cBhvr>
+                                        <p:cTn id="48" dur="1000" fill="hold"/>
+                                        <p:tgtEl>
+                                          <p:spTgt spid="3">
+                                            <p:txEl>
+                                              <p:pRg st="6" end="6"/>
+                                            </p:txEl>
+                                          </p:spTgt>
+                                        </p:tgtEl>
+                                        <p:attrNameLst>
+                                          <p:attrName>ppt_x</p:attrName>
+                                        </p:attrNameLst>
+                                      </p:cBhvr>
+                                      <p:tavLst>
+                                        <p:tav tm="0">
+                                          <p:val>
+                                            <p:strVal val="#ppt_x"/>
+                                          </p:val>
+                                        </p:tav>
+                                        <p:tav tm="100000">
+                                          <p:val>
+                                            <p:strVal val="#ppt_x"/>
+                                          </p:val>
+                                        </p:tav>
+                                      </p:tavLst>
+                                    </p:anim>
+                                    <p:anim calcmode="lin" valueType="num">
+                                      <p:cBhvr>
+                                        <p:cTn id="49" dur="1000" fill="hold"/>
+                                        <p:tgtEl>
+                                          <p:spTgt spid="3">
+                                            <p:txEl>
+                                              <p:pRg st="6" end="6"/>
                                             </p:txEl>
                                           </p:spTgt>
                                         </p:tgtEl>
@@ -16486,7 +17293,7 @@
     </p:spTree>
     <p:extLst>
       <p:ext uri="{BB962C8B-B14F-4D97-AF65-F5344CB8AC3E}">
-        <p14:creationId xmlns:p14="http://schemas.microsoft.com/office/powerpoint/2010/main" val="1465250471"/>
+        <p14:creationId xmlns:p14="http://schemas.microsoft.com/office/powerpoint/2010/main" val="2271095980"/>
       </p:ext>
     </p:extLst>
   </p:cSld>
@@ -16650,6 +17457,259 @@
 </file>
 
 <file path=ppt/slides/slide27.xml><?xml version="1.0" encoding="utf-8"?>
+<p:sld xmlns:a="http://schemas.openxmlformats.org/drawingml/2006/main" xmlns:r="http://schemas.openxmlformats.org/officeDocument/2006/relationships" xmlns:p="http://schemas.openxmlformats.org/presentationml/2006/main">
+  <p:cSld>
+    <p:spTree>
+      <p:nvGrpSpPr>
+        <p:cNvPr id="1" name=""/>
+        <p:cNvGrpSpPr/>
+        <p:nvPr/>
+      </p:nvGrpSpPr>
+      <p:grpSpPr>
+        <a:xfrm>
+          <a:off x="0" y="0"/>
+          <a:ext cx="0" cy="0"/>
+          <a:chOff x="0" y="0"/>
+          <a:chExt cx="0" cy="0"/>
+        </a:xfrm>
+      </p:grpSpPr>
+      <p:sp>
+        <p:nvSpPr>
+          <p:cNvPr id="2" name="Title 1">
+            <a:extLst>
+              <a:ext uri="{FF2B5EF4-FFF2-40B4-BE49-F238E27FC236}">
+                <a16:creationId xmlns:a16="http://schemas.microsoft.com/office/drawing/2014/main" id="{F7C7A7AD-168E-4859-B7F1-00E770DAFE0E}"/>
+              </a:ext>
+            </a:extLst>
+          </p:cNvPr>
+          <p:cNvSpPr>
+            <a:spLocks noGrp="1"/>
+          </p:cNvSpPr>
+          <p:nvPr>
+            <p:ph type="title"/>
+          </p:nvPr>
+        </p:nvSpPr>
+        <p:spPr>
+          <a:solidFill>
+            <a:schemeClr val="accent6">
+              <a:lumMod val="40000"/>
+              <a:lumOff val="60000"/>
+            </a:schemeClr>
+          </a:solidFill>
+        </p:spPr>
+        <p:txBody>
+          <a:bodyPr/>
+          <a:lstStyle/>
+          <a:p>
+            <a:endParaRPr lang="en-IN" dirty="0">
+              <a:latin typeface="Algerian" panose="04020705040A02060702" pitchFamily="82" charset="0"/>
+            </a:endParaRPr>
+          </a:p>
+        </p:txBody>
+      </p:sp>
+      <p:sp>
+        <p:nvSpPr>
+          <p:cNvPr id="3" name="Content Placeholder 2">
+            <a:extLst>
+              <a:ext uri="{FF2B5EF4-FFF2-40B4-BE49-F238E27FC236}">
+                <a16:creationId xmlns:a16="http://schemas.microsoft.com/office/drawing/2014/main" id="{21475D0B-8934-4CDF-9263-310490EE9888}"/>
+              </a:ext>
+            </a:extLst>
+          </p:cNvPr>
+          <p:cNvSpPr>
+            <a:spLocks noGrp="1"/>
+          </p:cNvSpPr>
+          <p:nvPr>
+            <p:ph idx="1"/>
+          </p:nvPr>
+        </p:nvSpPr>
+        <p:spPr>
+          <a:solidFill>
+            <a:schemeClr val="accent2">
+              <a:lumMod val="20000"/>
+              <a:lumOff val="80000"/>
+            </a:schemeClr>
+          </a:solidFill>
+        </p:spPr>
+        <p:txBody>
+          <a:bodyPr/>
+          <a:lstStyle/>
+          <a:p>
+            <a:pPr>
+              <a:buFont typeface="Wingdings" panose="05000000000000000000" pitchFamily="2" charset="2"/>
+              <a:buChar char="q"/>
+            </a:pPr>
+            <a:endParaRPr lang="en-IN" dirty="0"/>
+          </a:p>
+        </p:txBody>
+      </p:sp>
+    </p:spTree>
+    <p:extLst>
+      <p:ext uri="{BB962C8B-B14F-4D97-AF65-F5344CB8AC3E}">
+        <p14:creationId xmlns:p14="http://schemas.microsoft.com/office/powerpoint/2010/main" val="1465250471"/>
+      </p:ext>
+    </p:extLst>
+  </p:cSld>
+  <p:clrMapOvr>
+    <a:masterClrMapping/>
+  </p:clrMapOvr>
+  <p:timing>
+    <p:tnLst>
+      <p:par>
+        <p:cTn id="1" dur="indefinite" restart="never" nodeType="tmRoot">
+          <p:childTnLst>
+            <p:seq concurrent="1" nextAc="seek">
+              <p:cTn id="2" dur="indefinite" nodeType="mainSeq">
+                <p:childTnLst>
+                  <p:par>
+                    <p:cTn id="3" fill="hold">
+                      <p:stCondLst>
+                        <p:cond delay="indefinite"/>
+                      </p:stCondLst>
+                      <p:childTnLst>
+                        <p:par>
+                          <p:cTn id="4" fill="hold">
+                            <p:stCondLst>
+                              <p:cond delay="0"/>
+                            </p:stCondLst>
+                            <p:childTnLst>
+                              <p:par>
+                                <p:cTn id="5" presetID="42" presetClass="entr" presetSubtype="0" fill="hold" grpId="0" nodeType="clickEffect" nodePh="1">
+                                  <p:stCondLst>
+                                    <p:cond delay="0"/>
+                                  </p:stCondLst>
+                                  <p:endCondLst>
+                                    <p:cond evt="begin" delay="0">
+                                      <p:tn val="5"/>
+                                    </p:cond>
+                                  </p:endCondLst>
+                                  <p:childTnLst>
+                                    <p:set>
+                                      <p:cBhvr>
+                                        <p:cTn id="6" dur="1" fill="hold">
+                                          <p:stCondLst>
+                                            <p:cond delay="0"/>
+                                          </p:stCondLst>
+                                        </p:cTn>
+                                        <p:tgtEl>
+                                          <p:spTgt spid="3">
+                                            <p:txEl>
+                                              <p:pRg st="0" end="0"/>
+                                            </p:txEl>
+                                          </p:spTgt>
+                                        </p:tgtEl>
+                                        <p:attrNameLst>
+                                          <p:attrName>style.visibility</p:attrName>
+                                        </p:attrNameLst>
+                                      </p:cBhvr>
+                                      <p:to>
+                                        <p:strVal val="visible"/>
+                                      </p:to>
+                                    </p:set>
+                                    <p:animEffect transition="in" filter="fade">
+                                      <p:cBhvr>
+                                        <p:cTn id="7" dur="1000"/>
+                                        <p:tgtEl>
+                                          <p:spTgt spid="3">
+                                            <p:txEl>
+                                              <p:pRg st="0" end="0"/>
+                                            </p:txEl>
+                                          </p:spTgt>
+                                        </p:tgtEl>
+                                      </p:cBhvr>
+                                    </p:animEffect>
+                                    <p:anim calcmode="lin" valueType="num">
+                                      <p:cBhvr>
+                                        <p:cTn id="8" dur="1000" fill="hold"/>
+                                        <p:tgtEl>
+                                          <p:spTgt spid="3">
+                                            <p:txEl>
+                                              <p:pRg st="0" end="0"/>
+                                            </p:txEl>
+                                          </p:spTgt>
+                                        </p:tgtEl>
+                                        <p:attrNameLst>
+                                          <p:attrName>ppt_x</p:attrName>
+                                        </p:attrNameLst>
+                                      </p:cBhvr>
+                                      <p:tavLst>
+                                        <p:tav tm="0">
+                                          <p:val>
+                                            <p:strVal val="#ppt_x"/>
+                                          </p:val>
+                                        </p:tav>
+                                        <p:tav tm="100000">
+                                          <p:val>
+                                            <p:strVal val="#ppt_x"/>
+                                          </p:val>
+                                        </p:tav>
+                                      </p:tavLst>
+                                    </p:anim>
+                                    <p:anim calcmode="lin" valueType="num">
+                                      <p:cBhvr>
+                                        <p:cTn id="9" dur="1000" fill="hold"/>
+                                        <p:tgtEl>
+                                          <p:spTgt spid="3">
+                                            <p:txEl>
+                                              <p:pRg st="0" end="0"/>
+                                            </p:txEl>
+                                          </p:spTgt>
+                                        </p:tgtEl>
+                                        <p:attrNameLst>
+                                          <p:attrName>ppt_y</p:attrName>
+                                        </p:attrNameLst>
+                                      </p:cBhvr>
+                                      <p:tavLst>
+                                        <p:tav tm="0">
+                                          <p:val>
+                                            <p:strVal val="#ppt_y+.1"/>
+                                          </p:val>
+                                        </p:tav>
+                                        <p:tav tm="100000">
+                                          <p:val>
+                                            <p:strVal val="#ppt_y"/>
+                                          </p:val>
+                                        </p:tav>
+                                      </p:tavLst>
+                                    </p:anim>
+                                  </p:childTnLst>
+                                </p:cTn>
+                              </p:par>
+                            </p:childTnLst>
+                          </p:cTn>
+                        </p:par>
+                      </p:childTnLst>
+                    </p:cTn>
+                  </p:par>
+                </p:childTnLst>
+              </p:cTn>
+              <p:prevCondLst>
+                <p:cond evt="onPrev" delay="0">
+                  <p:tgtEl>
+                    <p:sldTgt/>
+                  </p:tgtEl>
+                </p:cond>
+              </p:prevCondLst>
+              <p:nextCondLst>
+                <p:cond evt="onNext" delay="0">
+                  <p:tgtEl>
+                    <p:sldTgt/>
+                  </p:tgtEl>
+                </p:cond>
+              </p:nextCondLst>
+            </p:seq>
+          </p:childTnLst>
+        </p:cTn>
+      </p:par>
+    </p:tnLst>
+    <p:bldLst>
+      <p:bldP spid="3" grpId="0" uiExpand="1" build="p"/>
+    </p:bldLst>
+  </p:timing>
+</p:sld>
+</file>
+
+<file path=ppt/slides/slide28.xml><?xml version="1.0" encoding="utf-8"?>
 <p:sld xmlns:a="http://schemas.openxmlformats.org/drawingml/2006/main" xmlns:r="http://schemas.openxmlformats.org/officeDocument/2006/relationships" xmlns:p="http://schemas.openxmlformats.org/presentationml/2006/main">
   <p:cSld>
     <p:spTree>

--- a/Inside spring boot.pptx
+++ b/Inside spring boot.pptx
@@ -268,6 +268,324 @@
   <inkml:trace contextRef="#ctx0" brushRef="#br0" timeOffset="25568.88">18303 8462 494 0,'-10'19'203'15,"5"-13"-6"-15,5-6-117 0,6 2-91 16,13-6-6-1,9-2 2-15,20-6 3 0,11-6 16 16,18-9-2-16,2-4 0 16,18-11 1-16,-4 3 1 15,20-7 2 1,-3 4 4-16,26-6 6 0,-2-1 46 16,28-16 6-16,-8 6-6 15,24-6-4-15,-19 5-5 0,20 2-50 16,-21 11-5-1,22-3 0-15,-21 8 0 0,10 0 2 16,-27 8 2-16,15 0 2 16,-31 4 2-16,2-2 0 15,-25 7-1-15,-3 1 0 16,-29 8-2-16,-11 5-1 16,-18 4 0-16,-8 5-1 15,-15 1-1-15,-4 1 0 16,-3 2-1-16,-3 1-12 15,-2-1-33-15,-1 1-88 16,-5 2-49-16,-2-5-77 16,-2 1-65-16</inkml:trace>
   <inkml:trace contextRef="#ctx0" brushRef="#br0" timeOffset="25960.49">19932 8614 667 0,'10'-4'130'16,"6"-2"61"-16,17-8-217 15,12 0-44-15,30-13-14 16,12-5 11-16,23-11 3 16,-2-1 26-16,21-16 43 15,-12 6 43-15,15-10 36 16,-14 9 15-16,17-9 23 16,-13 10-8-16,5-9-9 15,-23 10-30-15,0-1-16 16,-26 13-22-16,-9 4-8 15,-18 16-15-15,-2 2-6 16,-14 5-1-16,3 0-6 16,-6 5-55-16,5-1-209 15,-8-5 45-15</inkml:trace>
   <inkml:trace contextRef="#ctx0" brushRef="#br0" timeOffset="34894.28">21170 4713 835 0,'-23'-7'176'0,"2"-5"98"16,10-3-260-16,5 10-32 15,8 1-13-15,12 0-8 16,8 0-17-16,14-4 5 16,9-1 35-16,11 2 7 15,-2 5 2-15,8 3-6 16,-11 8-1-16,7 12-6 15,-6 4 0-15,7 18-1 16,-6 6 6-16,7 26 1 16,-10 13 5-16,5 34 4 15,-14 7 3-15,3 43 0 0,-12-2 2 16,6 37 3-16,-12-14-1 16,7 35 1-16,-8-28 4 15,8 19 0-15,-3-39-4 16,16 4-2-16,0-49-2 15,15-4-2-15,-4-34-1 16,14-5 6-16,-5-22 4 16,12-6 3-16,-2-23 2 0,23-7 6 15,-3-19-2-15,26-12-1 16,-1-13 0-16,26-17 0 16,-10-13-5-16,21-22 1 15,-24-4-2-15,4-17 2 16,-29 5-1-16,-6-17 15 15,-31 11 6-15,-10-10 32 16,-24 15 14-16,-9-1 46 16,-18 25-9-16,-12 0 6 15,-6 18-22-15,-9 1-23 16,-4 6-44-16,-8-2-9 16,-2 10-21-16,-18 1-30 15,-1 7 4-15,-11 9-5 16,-5 7 1-16,-14 8 5 15,8 5 19-15,-7 8-3 16,10-2-1-16,3 14-9 16,15-3-12-16,0 17-12 0,10 9-2 15,-6 26-11-15,6 4 9 16,4 21 6-16,3-4 13 16,4 26 3-16,9-14 11 15,-2 24 1-15,4-11 4 16,2 23 0-16,4-18 2 0,-1 21 3 15,7-12 0-15,-5 19 1 16,1-17 3-16,-3 25 1 16,-8-17-1-16,-6 27 4 15,1-13-1-15,-13 34 0 16,-8-10 0-16,-9 35-5 16,-6-14-33-16,-17 45-133 15,8-12-96-15,-21 52-46 16</inkml:trace>
+</inkml:ink>
+</file>
+
+<file path=ppt/ink/ink12.xml><?xml version="1.0" encoding="utf-8"?>
+<inkml:ink xmlns:inkml="http://www.w3.org/2003/InkML">
+  <inkml:definitions>
+    <inkml:context xml:id="ctx0">
+      <inkml:inkSource xml:id="inkSrc0">
+        <inkml:traceFormat>
+          <inkml:channel name="X" type="integer" max="29376" units="cm"/>
+          <inkml:channel name="Y" type="integer" max="16524" units="cm"/>
+          <inkml:channel name="F" type="integer" max="4095" units="dev"/>
+          <inkml:channel name="T" type="integer" max="2.14748E9" units="dev"/>
+        </inkml:traceFormat>
+        <inkml:channelProperties>
+          <inkml:channelProperty channel="X" name="resolution" value="1000.20428" units="1/cm"/>
+          <inkml:channelProperty channel="Y" name="resolution" value="1000.24213" units="1/cm"/>
+          <inkml:channelProperty channel="F" name="resolution" value="0" units="1/dev"/>
+          <inkml:channelProperty channel="T" name="resolution" value="1" units="1/dev"/>
+        </inkml:channelProperties>
+      </inkml:inkSource>
+      <inkml:timestamp xml:id="ts0" timeString="2020-03-12T19:03:11.262"/>
+    </inkml:context>
+    <inkml:brush xml:id="br0">
+      <inkml:brushProperty name="width" value="0.05292" units="cm"/>
+      <inkml:brushProperty name="height" value="0.05292" units="cm"/>
+      <inkml:brushProperty name="color" value="#FF0000"/>
+    </inkml:brush>
+  </inkml:definitions>
+  <inkml:trace contextRef="#ctx0" brushRef="#br0">29466 3561 615 0,'-11'6'33'0,"-3"-1"37"0,2 2-214 15,2 4-31-15,4 2 22 16,10 2-10-16,7-5 94 15,12-3 61-15,4-6 75 16,10-4 59-16,-2-5-13 16,7-7 23-16,-4-3-27 15,10-6-9-15,-4 1-36 16,9-5-12-16,-4 5-30 16,4 1-7-16,-10 4-11 15,2 4-1-15,-12 7-4 16,-5 1 0-16,-10 3 0 0,-3 2 1 15,-7 2 0-15,-1-2 2 16,-6 1 2-16,2 0 13 16,-4 0 6-16,1 0 8 15,-1 0 1-15,0 0 0 16,0 0-14-16,0 0-6 16,1-1-9-16,0 1 0 15,0-1-1-15,-2 1 3 16,2 0 3-16,-1 0 3 15,1 0 0-15,0 0 0 16,0 0-5-16,0 0-4 16,0 0-6-16,0 0-17 15,0 0-21-15,0 0-75 16,0 0-30-16,0 0-58 16,8 0-53-16</inkml:trace>
+  <inkml:trace contextRef="#ctx0" brushRef="#br0" timeOffset="1401.1">32967 73 800 0,'-40'-33'157'16,"16"21"87"-16,-22 8-247 15,-6 4 7-15,-21 3-6 16,-17-5-12-16,-28 4-8 16,-8 6 3-16,-23-1-2 15,11-7 4-15,-17 12 5 16,20-18 2-16,-13 4-2 16,8 3 0-16,-27 40 2 15,26 24 6-15,-22 31-5 16,16 23 3-16,3 49 0 15,24-16-3-15,-3 28 0 16,32 5 6-16,4 23-3 0,27-19 1 16,20 21-12-16,30-31-10 15,29 15-14-15,31-40 0 16,26-10-1-16,17-37 15 16,28-16 19-16,2-42 19 15,25-26 14-15,-2-29 8 0,35-27 4 16,-12-17-3-16,35-28-4 15,-14-8-12-15,25-20-1 16,-35 8 6-16,-2-17 26 16,-45 9 13-16,-11-10 15 15,-42 14 2-15,-7-11-6 16,-17 14-23-16,-1-5 11 16,-19 17-7-16,-12-3 11 15,-14 10-3-15,-18 1 4 16,-14 16-27-16,-10-5-10 15,-4 11-18-15,-17-4-6 16,5 8-9-16,-8-2-2 16,1 13 1-16,-3-9-3 15,6 13 1-15,-11-1-3 16,7 8 3-16,-7-3-2 0,6 9 4 16,-2 2-3-16,12 15 3 15,4-4-8-15,13 4 0 16,5 6-7-16,11 2-3 15,3 1-9-15,7 1 3 16,2-6-3-16,3 2 4 16,-2 2 2-16,1 0 7 15,0-1-1-15,0 1 4 16,0 0 0-16,0 0 3 0,0 0 0 16,0 0 5-1,0-1 2-15,0 0 2 0,0 0 1 16,0 0 1-1,0 1 1-15,0 0 1 0,0 0 0 16,6 2 1-16,-3-1 3 16,3 0 1-16,-3-1 2 15,-3 0 1-15,0 0-1 16,0-1-2-16,1 0-21 16,1 0-35-16,1 0-147 15,3-2-89-15,12-1-51 16</inkml:trace>
+  <inkml:trace contextRef="#ctx0" brushRef="#br0" timeOffset="3050.22">9664 9063 710 0,'161'-112'-98'0,"23"-29"206"0,-12 5-328 16,47-32 257-16,-11 18-2 16,30-18-1-16,-25 19-17 15,20-6-2-15,-34 24 10 16,7-15 31-16,-40 26 7 15,7-1 18-15,-37 23 3 16,-7 4 3-16,-31 24-21 0,5-4 5 16,-25 14-16-16,-2 1-9 15,-12 17-23-15,-9 11-10 16,-23 15-12-16,-5 6-2 16,-16 9-4-16,-3 2-17 15,-8 3-17-15,-7 6-82 16,-8 4-60-16,-20 14-76 15,-14 4-58-15</inkml:trace>
+  <inkml:trace contextRef="#ctx0" brushRef="#br0" timeOffset="3491.37">10463 9832 712 0,'49'-8'139'0,"-12"-28"70"15,40-17-211-15,23-9-8 16,42-27 2-16,17-7 5 15,39-32 4-15,3 17-1 0,26-22-1 16,-17 12 2-16,23-12 1 16,-24 30 0-16,11-33 18 15,-27 18 14-15,22-9 16 16,-41 21 2-16,1-4 0 16,-31 28 2-16,-4 9-13 15,-42 23-16-15,-4 5-5 16,-21 16-4-16,-11 11-18 15,-18 10-3-15,-5 5-6 16,-12 9-3-16,-3 2-4 16,-10-1-7-16,1 4-32 15,-3-1-19-15,3 5-124 0,2 2-62 16,3-2-39 0</inkml:trace>
+  <inkml:trace contextRef="#ctx0" brushRef="#br0" timeOffset="4681.04">22541 7889 894 0,'-13'16'235'0,"6"-10"73"16,6-7-258-16,2 1-33 15,-1 0-22-15,0-1-13 16,1 0-10-16,17-1-4 15,15-2 12-15,49-8 6 16,-32 6 7-16,8-3 1 16,-3-2 3-16,16-4 0 15,-2-3 1-15,22-6-1 16,5 1 1-16,25-6 0 16,-6 3 0-16,32-3 0 15,-12 4 1-15,21-4-1 16,-9 6 3-16,21-6-1 0,-21 5 0 15,25 0 0-15,-19 2 0 16,12-3-2-16,-20 8 3 16,15 0 0-16,-23 3 2 15,27 4 4-15,-18 0 2 16,24-1 0-16,-16 2-2 16,25-5 0-16,-20 0-4 15,26-2-2-15,-24-1 3 16,17-3 0-16,-25 3-2 15,15-5 1-15,-29 3 0 16,28 1-3-16,-26 2 1 0,14 3-1 16,-22 4 0-16,18 3 1 15,-27 6-2-15,13 2 1 16,-18 1 1-16,-3 2-1 16,-28 0 0-16,-11-2 4 15,-26 1 3-15,-8-3 11 16,-18-3 1-16,-3 2 1 15,-9 1-1-15,-4-2-2 16,-5 1-10-16,-1 1 6 16,-2-1 4-16,-1 0 8 15,0 0 0-15,0 0 4 16,0 0-5-16,0 0 1 16,0 0-5-16,0 0 4 0,-1 0-2 15,0 0 1 1,-1 0-4-16,2 0-1 15,0 0-5-15,0-1 1 0,0 1-2 16,0 0 1-16,0 0-2 16,0 0 1-16,0 0-3 15,0 0-2-15,0 0-2 16,0 0-2-16,0 0-1 0,0 0-2 16,0 0 1-16,0 0-2 15,0 0 0-15,0 0-31 16,0 0-47-16,0 0-304 15,4 0 57-15</inkml:trace>
+  <inkml:trace contextRef="#ctx0" brushRef="#br0" timeOffset="18343.2">14202 9228 248 0,'8'-45'133'16,"-9"-7"19"-16,-22 1-35 15,3-1-42-15,5 11 0 16,-8-3 23-16,-3 9-27 16,-5 1 1-16,0 7-11 15,-7 4-11-15,2 6-24 16,-9 2-9-16,3 10-10 16,-16 4-4-16,-6 3 0 0,-17 10 0 15,0 7-1-15,-22 11-2 16,6 6-1-16,-17 13-2 15,10 1 0-15,-11 14-2 16,12-3 1-16,-10 15-2 16,20 1-1-16,-8 17-1 15,14-5 2-15,-4 30-2 16,17-4 1-16,-2 23 0 16,17-9 2-16,4 24-4 15,18-18 1-15,4 11 1 16,13-22-1-16,11 10-3 15,10-25 4-15,4 2-1 16,8-16 1-16,9 13 2 16,3-10 2-16,6 11 1 15,2-7 3-15,9 16 0 16,-5-12 1-16,1 14 0 0,-11-15 0 16,-3 17 1-16,-10-16-1 15,-6 16 1-15,-8-21-1 16,-7 11 4-16,-9-15-1 15,-14 11 3-15,-10-18-1 16,-13 9 3-16,-10-14-3 0,-12 1 4 16,2-23 1-16,-11-2 9 15,4-19 7-15,-8-5 4 16,6-15-2-16,-7-9 6 16,8-10-10-16,-9-9-9 15,11-8-4-15,-9-6-2 16,11 0-14-16,-2-7 0 15,20 1 2-15,4-5-1 16,17-1-3-16,1-7-2 16,9 3 1-16,2-6-5 15,8 6 0-15,5-1 1 16,8 5 1-16,10-4-4 16,4 7-1-16,13-3-6 15,2 4 0-15,14-2-1 16,2 6 5-16,13-2 1 15,0 4 6-15,18 1 3 0,0 7 4 16,12 3-1-16,-7 5 1 16,8 4-1-16,-9 3 0 15,10 6-1-15,-7 7 1 16,10 7 0-16,-10 4 0 16,11 8 1-16,-10-1 0 15,13 9 0-15,-8-3 1 16,13 6-1-16,-13-5 1 0,9 2 0 15,-14-5 0 1,11 4-1-16,-13-6 1 0,7 5-1 16,-14-3 1-16,10 1 0 15,-10-2 3-15,11 6-1 16,-8-3 1-16,7 3-1 16,-7-2 1-16,3-1-1 15,-10-4-1-15,6-1 0 16,-7-3 0-16,2 0 0 15,-8 3 0-15,4 0 1 16,-9-3 0-16,10 5-1 16,-6-4 1-16,13 4 0 15,-8-7 0-15,7 0 3 16,-11-6 3-16,7-7 1 16,-13-10 1-16,7 4 2 15,-8-3-1-15,9 0-2 0,-9 1-2 16,2 0-3-1,-9 1-1-15,5-2 1 0,-9-2-1 16,3-2 9-16,-3 3 0 16,2-1-1-16,-6 0-1 15,2 2-1-15,-3 1-7 16,6 1-1-16,-3-2 1 16,2 1 1-16,-5 0 2 15,1-1 8-15,-11-4 6 0,0 0 12 16,-8-1 4-16,-1-2 2 15,-4 1-7-15,1-1-7 16,-4 3-10-16,-1 1-4 16,-1-1-3-16,-2 0 4 15,-1 2 5-15,-2-4 20 16,-3 0 8-16,0 0 14 16,0 0 1-16,0 0-2 15,0 0-19-15,0 0-9 16,0 0-14-16,0 0-6 15,0 0-4-15,0 0 0 16,0 0-1-16,0 0 3 16,0-1 4-16,0 1 4 15,0 0 3-15,0 0 4 16,0 0-1-16,0 0-1 16,0 0-2-16,0 0 0 0,0 0-3 15,0 0 0-15,0 0-1 16,0 0 2-16,0 0-2 15,0 0 2-15,0 0-2 16,0 0 0-16,0 0-2 16,0 0 2-16,0 0-2 0,0 0 4 15,0 0 1-15,0 0 5 16,0 0 0-16,0 0 3 16,0 0-3-16,0 0-1 15,0 0-5-15,0 0-2 16,0 0-4-16,0 0-2 15,0 0-3-15,0 0 0 16,0 0 0-16,0 0-2 16,0 0 0-16,0 0 0 15,0 0 0-15,0 0-1 16,0 0 0-16,0 0 0 16,0 0 0-16,0 0-1 15,0 0 1-15,0 0 0 16,0 0 0-16,0 0 0 15,0 0 0-15,0 0 0 16,0 0 0-16,0 0 1 0,0 0-1 16,0 0-1-16,0 0 2 15,0 0-2-15,0 0 2 16,0 0-1-16,-1 0-1 16,1 0 1-16,0 0-1 15,0 0 0-15,0 0 1 16,0 0-1-16,0 0 0 15,0 0-5-15,0 0-6 16,0 0-33-16,0 0-33 16,0 0-202-16,0 0-169 0,5-5-38 15</inkml:trace>
+  <inkml:trace contextRef="#ctx0" brushRef="#br0" timeOffset="25791.87">19843 15710 781 0,'-1'11'335'15,"0"-13"-6"-15,1 4-178 0,0-4-142 16,0 1-42-16,0 1-13 16,-1 0-3-16,1 0 11 15,0 0 12-15,0 0 18 16,0 0-5-16,0 0-2 15,1-1-4-15,14 0-1 16,23-3-4-16,39-5 10 16,-20 0 1-16,-3 1 1 15,16-2-2-15,-5 0 6 0,13 6-4 16,-6 0 0-16,13 4-2 16,-7 5 3-16,21 2 0 15,-2 1 5-15,23 2 4 16,-8-4 2-16,22-7-1 15,-16-4 0-15,12-5-3 16,-20-2 0-16,17-2 4 16,-19 10 1-16,10-3 3 15,-13 5 3-15,15 1 1 16,-13 1 0-16,14-4 2 16,-9-1-4-16,17 0 0 15,-11-3-1-15,12-2-3 16,-15 2 0-16,14 0-1 15,-18 5 0-15,9-1 3 0,-16 2 1 16,8 2-1-16,-18 2 0 16,11 1 1-16,-17 0 0 15,8 4-1-15,-11-1 2 16,8 2 0-16,-15-1-1 16,5 3-2-16,-19-5 10 15,-4 1 23-15,-20-3 12 16,-5 2 18-16,-12-5 5 15,-5 2-4-15,-6-2-22 0,-3 1-9 16,-3 0-15-16,-4-1-8 16,-1 0-6-16,-1 0-7 15,0 0-4-15,0 0-9 16,0 0-3-16,0 0-16 16,0 0-9-16,1 0-41 15,0 0-27-15,1 1-130 16,7 4-72-16,22 10-35 15</inkml:trace>
+</inkml:ink>
+</file>
+
+<file path=ppt/ink/ink13.xml><?xml version="1.0" encoding="utf-8"?>
+<inkml:ink xmlns:inkml="http://www.w3.org/2003/InkML">
+  <inkml:definitions>
+    <inkml:context xml:id="ctx0">
+      <inkml:inkSource xml:id="inkSrc0">
+        <inkml:traceFormat>
+          <inkml:channel name="X" type="integer" max="29376" units="cm"/>
+          <inkml:channel name="Y" type="integer" max="16524" units="cm"/>
+          <inkml:channel name="F" type="integer" max="4095" units="dev"/>
+          <inkml:channel name="T" type="integer" max="2.14748E9" units="dev"/>
+        </inkml:traceFormat>
+        <inkml:channelProperties>
+          <inkml:channelProperty channel="X" name="resolution" value="1000.20428" units="1/cm"/>
+          <inkml:channelProperty channel="Y" name="resolution" value="1000.24213" units="1/cm"/>
+          <inkml:channelProperty channel="F" name="resolution" value="0" units="1/dev"/>
+          <inkml:channelProperty channel="T" name="resolution" value="1" units="1/dev"/>
+        </inkml:channelProperties>
+      </inkml:inkSource>
+      <inkml:timestamp xml:id="ts0" timeString="2020-03-12T19:03:57.001"/>
+    </inkml:context>
+    <inkml:brush xml:id="br0">
+      <inkml:brushProperty name="width" value="0.05292" units="cm"/>
+      <inkml:brushProperty name="height" value="0.05292" units="cm"/>
+      <inkml:brushProperty name="color" value="#FF0000"/>
+    </inkml:brush>
+  </inkml:definitions>
+  <inkml:trace contextRef="#ctx0" brushRef="#br0">10194 6001 627 0,'-4'-1'122'0,"5"-4"54"0,7-2-194 16,12 6-2-16,5 2-3 15,13 7 2-15,5 5 8 16,6 10 4-16,-5 7 1 15,7 12 0-15,-8 7 3 16,2 23 2-16,-3 9 0 16,12 25 0-16,-1-1 3 15,17 20 3-15,-1-18-3 16,12 5 7-16,-1-22 2 0,16-5 2 16,-9-23-2-16,16-8 1 15,-9-19-6-15,7-15 2 16,-13-11-2-16,11-14 16 15,-14-6 5-15,3-12 21 16,-17-3 8-16,-4-6 26 16,-20 4 3-16,-4-6 15 15,-15 7-10-15,-4-4 10 16,-10 6-16-16,-4-5-4 16,-6 7-18-16,-9-6-4 15,-4 3-15-15,-10-1-7 16,-2 4-11-16,-12-1-2 15,0 6-9-15,-10 7-7 16,0 5-8-16,-13 11-10 16,-4 7-4-16,-18 15-1 0,2 7 2 15,-11 16 4-15,8 4 4 16,-14 13 0-16,15 0 3 16,-17 17-3-16,12-4-1 15,-5 20-3-15,12-6 0 16,-11 12 2-16,13-10 1 15,-8 11 0-15,11-14 5 16,-3 11 0-16,15-12 0 0,-3 9 2 16,8-11 3-16,-11 14 1 15,7-16-1-15,-7 1 2 16,10-18-1-16,-5-7 1 16,10-21 0-16,-4-3 2 15,4-4-2-15,-11 0 2 16,9-4-1-16,-10 0 2 15,3-5-2-15,-1-4 3 16,11-5-3-16,-9-2 1 16,10-3-3-16,-11-1-11 15,5-6-35-15,-14-1-145 16,3 0-159-16,-13-13-30 16</inkml:trace>
+  <inkml:trace contextRef="#ctx0" brushRef="#br0" timeOffset="17539.03">5867 10753 167 0,'-21'8'165'0,"0"-2"1"15,10-6-37-15,2 0 2 16,5-2-45-16,2 2-10 16,2-1-42-16,-1 0-13 15,1 0-17-15,0 0-14 16,0 0-7-16,1-2 0 15,4-5 4-15,15-20 2 16,43-40 6-16,-29 33-3 16,-2 5 1-16,8-1 0 15,2 0 2-15,10-6 2 0,0 0 1 16,11-8 1-16,-3 2 0 16,6-2 0-16,-5 8 0 15,4 2 1-15,-11 10-1 16,0 2 0-16,-15 8 0 15,-5 3 1-15,-13 5 1 16,-7 0 9-16,-7 3 5 16,-3 2 7-16,-2 1 6 15,-2 1 19-15,-1 0-4 0,1-1 0 16,-1 0-7-16,0 1-9 16,1 0-37-16,0 0-151 15,0 0-70-15,0 0-45 16</inkml:trace>
+  <inkml:trace contextRef="#ctx0" brushRef="#br0" timeOffset="18192.33">6721 12247 429 0,'-2'17'156'16,"2"-13"-6"-16,5-3-98 15,4-3-80-15,8-4 0 16,5-2 9-16,10-7 10 16,5-6 8-16,9-3 2 15,2-3-1-15,8-10 0 16,-5 2 1-16,4-9 1 0,-7 2 1 15,1-2 2-15,-11 8 2 16,2-4 5-16,-7 9 0 16,-1-1 2-16,-6 7-2 15,1 2-1-15,-9 8-6 16,0 3 0-16,-6 6-2 16,-1 5-1-16,-4 1-1 0,-2 0 1 15,-3 1-1-15,-2-1-15 16,0 0-55-16,0 0-91 15,0-1-3-15</inkml:trace>
+  <inkml:trace contextRef="#ctx0" brushRef="#br0" timeOffset="21853.88">6287 10173 393 0,'-8'-14'206'0,"1"5"-9"16,2 7-112-16,2-2-14 0,0 4-50 15,3 0-15-15,0 0-6 16,-1-1 2-16,0 0 4 15,0 0 18-15,0-1 1 16,-2 1 0-16,-4-2-1 16,-13-6-2-16,-35-18-17 0,24 16 18 15,0-2 5-15,-8-1 19 16,2 1 2-16,-9 0 1 16,6 4-20-16,-10-1-9 15,5 4-18-15,-7 2-4 16,4 0-1-16,-12-3 2 15,2 3 0-15,-12-5 2 16,3-1 2-16,-13-1-1 16,7-2-4-16,-13-2 3 15,6 4-3-15,-14-1 2 16,9 4 2-16,-10 0 3 16,12 3-2-16,-10 1 1 15,11 3-6-15,-8 1 1 16,10 3-1-16,-6 2-1 15,16 4-7-15,-11 1-9 16,10 1-11-16,-11 5-4 0,9 1 2 16,-5-1 7-16,14 1 11 15,-8-3 9-15,13-3 5 16,-4 0-2-16,10 2-1 16,-3 1-3-16,15 4-3 15,0 8-21-15,13 1-13 16,1 8-18-16,10 2-7 0,6 4-19 15,9-2 9-15,7 3 1 16,5-3 17-16,9 1 9 16,1-5 22-16,8 4 11 15,1-2 13-15,10 8 1 16,-1-3 1-16,14 9 1 16,1-1 0-16,12 3-1 15,-4-6 2-15,14 4 0 16,-5-11 2-16,13 0 0 15,-7-9 3-15,12-4 5 16,-9-5 5-16,11 0 6 16,-12-5 2-16,17 1 3 15,-10-4-4-15,11-4-4 16,-6-4-7-16,14 0-1 16,-9-4-4-16,14-2-2 15,-11-2-1-15,11-2 1 0,-11-1-1 16,8-5 2-16,-12-1-1 15,8-6 1-15,-13 1-2 16,6-3 1-16,-12 6-4 16,4 1 2-16,-14 3-2 15,4 2-1-15,-15 3 1 16,8-2 0-16,-11-3-2 16,8-2 1-16,-10 0 2 15,0-6 6-15,-14-4 5 16,-5-2 11-16,-14 2 10 0,-3 1 29 15,-10 5 11-15,-3 3 28 16,-6 5 4-16,0 0 11 16,-4 0-27-16,-4-7-9 15,-1-2-35-15,-2-6-10 16,-3-3-21-16,0-8 0 16,-3 0-8-16,-5-6 8 15,-3 1 4-15,-6 2 15 16,-2 1 5-16,-5 0 3 15,1 5-4-15,-3-4-7 16,0 2-20-16,-6 0-3 16,5 4-5-16,-6-3-7 15,1 7 1-15,-1-4 6 16,7 4-3-16,-8 1 0 16,5 7 5-16,-5-1-1 15,4 6-3-15,-7 2-2 0,10 4 0 16,-3-1-2-16,9 3-2 15,-2-3 3-15,8 0-7 16,1-1-17-16,7 2-14 16,-2-1-89-16,6 1-237 15,-6-3 38-15</inkml:trace>
+  <inkml:trace contextRef="#ctx0" brushRef="#br0" timeOffset="26386.1">7077 11039 393 0,'-1'-3'250'15,"-8"1"-37"-15,-7 2-36 16,2 1-166-16,-4 2-1 15,0-2-1-15,-1 2-7 16,-2 1 1-16,-10 3 3 16,0-2 4-16,-7 2 18 15,0 1 2-15,-5-2 29 16,6-4 4-16,-4 1-2 0,3-3-18 16,-10-1 10-16,3-1-27 15,-9 2-7-15,2 0-2 16,-8-1 0-16,7 0-14 15,-8-2-2-15,7-3-2 16,-11 0 0-16,7-1-1 16,-13 5-1-16,6 0 0 15,-10 0 3-15,14 1 2 0,-9 0 0 16,9-4 3-16,-12 2-1 16,7-3-1-16,-15 4-2 15,6-2 1-15,-8 1-1 16,5-3-2-16,-13 4-1 15,7 0 0-15,-12 3 0 16,13 2 0-16,-9 0 0 16,9 0 1-16,-6 0-1 15,10 0-1-15,-12-1 0 16,15 3 0-16,-10 0 0 16,9-1 0-16,-10 5-1 15,11 0-1-15,-7 4-1 16,15 2-5-16,-5 6-15 15,13 0 1-15,-4 6-13 16,10 1-9-16,-4 10-14 0,13 3-1 16,1 14-30-16,11 0 0 15,1 16-13-15,11-3 9 16,2 12 1-16,11-5 24 16,9 13 3-16,7-10 22 15,9 10 8-15,5-10 13 16,11 8 5-16,3-11 10 15,17 8 3-15,3-13 2 16,15 4 1-16,-3-15 1 0,17 0 0 16,-3-14 0-16,19 0 0 15,-3-15 0-15,17-4 0 16,-6-8 1-16,18-3 0 16,-14-8 2-16,18-2 0 15,-11-2 1-15,23-3 0 16,-15-7 15-16,22-6 22 15,-13-2-2-15,16-4 3 16,-24-1-1-16,19-3-16 16,-20 6-20-16,9-5 0 15,-16 2-2-15,22-4 1 16,-22 4 0-16,13-7-1 16,-16 2 0-16,13-5 1 15,-25 4-1-15,10-9 1 16,-16 0 0-16,10-9 0 0,-16 3 0 15,8-7 1 1,-14 3 0-16,1-4 4 0,-19 7 7 16,-1-4 13-16,-17 4 8 15,-2 0 27-15,-14 11 15 16,-6 1 24-16,-15 8 1 16,-4 3 27-16,-9 9-15 15,-6-5-3-15,-5 1-24 16,-2-4 0-16,-6-3-22 0,-9-3-2 15,-5-1-13-15,-10-6-7 16,-2 1-15-16,-8-5-17 16,1 1-22-16,-12-3-11 15,4 4 2-15,-13-1 0 16,6 10 2-16,-13-5 10 16,11 5 12-16,-3 2 0 15,9 0-2-15,-9-3-1 16,10 5-6-16,-11 1-27 15,9 3-3-15,-6 2-10 16,16 3-2-16,0 5 2 16,12 0 23-16,-4 0 0 15,9 1 10-15,-7 2-42 16,7-1-46-16,-1 4-186 16,6 3 3-16</inkml:trace>
+  <inkml:trace contextRef="#ctx0" brushRef="#br0" timeOffset="35226.01">6178 10400 332 0,'-14'9'102'15,"1"-8"16"-15,3 3-86 0,0-3-31 16,3 1-5 0,4 1-9-16,3-1-33 0,0-2-9 15,0 0 0-15,0 0 5 16,1 0 8-16,8 0 33 15,20 1 11-15,38-6 0 16,-21 0 2-16,0-8-2 16,16-3 0-16,2-1 0 0,15-1-1 15,-1 2-1-15,20 2 0 16,-3 2-1-16,23-2 0 16,-5 0 0-16,24-3 0 15,-7 1 2-15,20-3 0 16,-16 2-2-16,19-4 7 15,-19 0 1-15,16-3 7 16,-17 1 3-16,18-3 4 16,-20 0-4-16,13 1 0 15,-21 6-7-15,9-3-2 16,-23 5-2-16,5 0-3 16,-20 3 0-16,0-1 0 15,-20 7 0-15,-1 2 1 16,-19 7 1-16,-9-2 2 15,-18 1-2-15,-6-1-4 16,-14 1-1-16,-8-3-5 16,-10 3-85-16,-28 0-8 0,-11-2-26 15</inkml:trace>
+  <inkml:trace contextRef="#ctx0" brushRef="#br0" timeOffset="35781.03">6963 10555 2 0,'156'-24'2'15,"-5"3"-1"-15,27-11 1 16,-14 1 1-16,30-13 5 15,-14-2 5-15,25-9 28 0,-17 2 10 16,20-5 7-16,-29 8-3 16,21-1-3-16,-30 9-29 15,17-4 0-15,-24 4 38 16,15 0-2-16,-29 4 0 16,2 0 0-16,-32 12-10 15,-7 5-48-15,-31 6 1 16,-8 4 0-16,-24 4 1 0,-10 4 12 15,-17 1 8-15,-6 1 10 16,-9 1 6-16,-4 0 11 16,-2-2-10-16,-1 2-4 15,0 0-12-15,-1 0-6 16,1 0-24-16,0 0-87 16,0 0-67-16,0 0-23 15,-1 0-98-15</inkml:trace>
+  <inkml:trace contextRef="#ctx0" brushRef="#br0" timeOffset="36205.37">9701 9379 913 0,'-31'-3'189'15,"12"-4"79"-15,0 0-337 16,5 4-84-16,1 10-78 15,3 6-27-15,5 5-10 16,3 5-16-16</inkml:trace>
+  <inkml:trace contextRef="#ctx0" brushRef="#br0" timeOffset="36503.91">10761 9749 23 0,'61'4'46'0,"-20"1"10"16,-11-4 93-16,-17 1 40 0,-7-2 57 16,-5 0 0-16,-4-1 0 15,1 1-92-15,1 0-54 16,-1 0-65-16,-25 12-24 15,-50 30-18-15,18 2-5 16,-3 3 1-16,-15 12-7 16,4 1-3-16,-18 17-42 15,4 0-41-15,-19 22-110 16,13 1-69-16,-13 13-45 16</inkml:trace>
+  <inkml:trace contextRef="#ctx0" brushRef="#br0" timeOffset="48886.15">12933 15008 229 0,'-22'22'92'16,"6"0"23"-16,3-6-55 15,5-2 4-15,5-6-1 16,1-3 3-16,0-7-19 16,1 2-11-16,0 0-22 15,1 0-11-15,0-1-10 16,4 0-2-16,24 0 4 15,46-8 1-15,-31-2 2 0,11-1 1 16,2-1 2 0,16-2-1-16,-3-3 2 0,20-4-1 15,-2 1 0-15,24-6-1 16,-7 3 0-16,19 2-2 16,-11 6 1-16,16 0-1 15,-21 9 1-15,16-3 1 16,-15 3 2-16,12 0 0 15,-19 0 0-15,9 0 2 16,-21 5-2-16,5-1 1 16,-20 2-3-16,2 4 0 15,-14 0-3-15,3-2-63 16,-11 3-73-16,2 6-15 16,-10 1-83-16</inkml:trace>
+  <inkml:trace contextRef="#ctx0" brushRef="#br0" timeOffset="49337.9">15045 15382 248 0,'43'-17'76'0,"15"-4"41"16,-1 2-71-16,24-7-6 15,2 3-4-15,21-6-10 16,-6 2-24-16,21-6-2 16,-10 0 0-16,17-6 1 15,-14 4 1-15,17-7 3 16,-16 6 11-16,13 1 22 15,-22 7 10-15,11-2 11 16,-16 10 0-16,13 3-7 16,-15 3-20-16,9 0 11 15,-17 5-10-15,3 1-1 0,-17 0-4 16,-2 2-1-16,-16 6-21 16,0 1 0-16,-15-1 0 15,0 3 5-15,-11-1-2 16,-2-1 0-16,-6-1-4 15,0 0-5-15,-7-1-22 16,2-6-139-16,3-2-63 16,1-14-41-16</inkml:trace>
+  <inkml:trace contextRef="#ctx0" brushRef="#br0" timeOffset="126350.12">3976 4160 548 0,'-30'-22'112'0,"-8"-1"45"16,2 0-171-16,-4 4-2 15,2 4-9-15,-9 5-6 16,0 3 9-16,-11 1 10 15,1 4 3-15,-12 2 8 16,9 2 5-16,-13 5-1 16,6 2-4-16,-14 4 0 15,8 4 0-15,-11 13-1 0,13 2 0 16,-11 12-1-16,9 2 0 16,-9 18-2-16,7-3-1 15,-9 20-6-15,15 4-3 16,-6 16-5-16,17-5-1 15,-10 20 1-15,12-12 5 16,-5 14 5-16,7-8 4 16,-4 16 3-16,17-14 0 15,3 14 1-15,6-18 0 0,9 13 0 16,12-14 2-16,4 13-1 16,6-13 0-16,6 11-2 15,7-14 3-15,8 12-4 16,2-17 0-16,9 10 0 15,2-14-1-15,11 15-1 16,-3-17 3-16,16 16-1 16,-3-15 2-16,11 12 1 15,-2-14-1-15,12 9 0 16,-7-17 1-16,20 9 1 16,-7-13-1-16,13 3 3 15,-9-8-1-15,18 3-1 16,-11-10 0-16,18 5 0 15,-12-16-1-15,20 6 1 16,-7-9-1-16,12 2 1 16,-7-4 0-16,22 5 1 0,-14-10 0 15,18-1 1-15,-13-8-1 16,24-3 1-16,-22-6-2 16,20 2 0-16,-15-6 0 15,17 4 0-15,-18-4-1 16,24 2 2-16,-18-9-1 15,16 4 1-15,-15-5 0 16,17 0 0-16,-22-7-1 0,21 2 0 16,-15-9 0-16,16-3 0 15,-18-5 0-15,23 0 2 16,-15-2-1-16,19-1 1 16,-11 1-2-16,24-1 2 15,-19-2 0-15,24-3 0 16,-20-5-1-16,21-1 0 15,-24-1 0-15,12 0-1 16,-26 4-1-16,17 5 1 16,-29 0-1-16,24 0 1 15,-17 3 0-15,17-3-1 16,-15-6 1-16,24 0 0 16,-25 1 0-16,21-3 1 15,-16 2 0-15,12 2 0 16,-20-1 1-16,23-6 0 0,-22 1-1 15,22-10 0-15,-18 0 0 16,18-9 0-16,-22 0 2 16,22-7 16-16,-23 2 10 15,16-9 24-15,-18 3 8 16,13-13 9-16,-23 0-15 0,20-11-5 16,-19 5-24-16,13-13-7 15,-23 10-10-15,16-12-2 16,-26 7-4-16,-1-8 1 15,-29 14 12-15,2-2 48 16,-35 13 13-16,-10 8 51 16,-17 10 20-16,-8-1-3 15,-10 6-45-15,-7-4-10 16,0-2-49-16,-6-7-16 16,-2 3-10-16,-9-9 2 15,-6 10-3-15,-13-8 7 16,-8 5-6-16,-23-13 2 15,-2 6-3-15,-23-14-12 16,-1 1-7-16,-19-8 4 16,8 15-9-16,-14-12 30 15,16 11 9-15,-14-6 2 16,15 11-4-16,-15-9-10 16,13 11-35-16,-24-2 2 0,10 13-4 15,-16-7 1 1,10 8 16-16,-34-7-47 0,17 6-20 15,-24-12 22-15,14 8 28 16,-14-5 13-16,31 7 53 16,-20-8 19-16,24 13-22 15,-17-7-27-15,13 7-17 16,-22-2-3-16,22 7-2 16,-23-8-41-16,13 8 5 15,-17-6 7-15,20 6 1 0,-26-3 4 16,27 3 40-16,-20-3-3 15,15 8-6-15,-14-7 0 16,17 3-2-16,-21-2 0 16,24 4-2-16,-21-7-1 15,15 9 0-15,-21 1-67 16,14 6-10-16,-22 1 16 16,21 8 0-16,-20-4 3 15,19 5 66-15,-10 1 5 16,17 3-13-16,-22 2 0 15,25 3-5-15,-19-3 1 16,18 2 4-16,-16-4 1 16,19-3 0-16,-17 1 5 15,22 4-1-15,-18-2 1 0,20 1 0 16,-13 3 2-16,22-4-4 16,-17-2 3-16,21 3-2 15,-14 0 0-15,24 2 0 16,-20 2 2-16,19 6-5 15,-12 2 1-15,18 0-2 16,-17 6-6-16,20 6-20 0,-7 3-132 16,13 5-109-16,-22 16-25 15</inkml:trace>
+  <inkml:trace contextRef="#ctx0" brushRef="#br0" timeOffset="130295.16">12940 7352 392 0,'-31'1'81'15,"18"-4"39"-15,-2-2-122 0,10 4-11 16,3 2-12-16,7 1-2 16,-5-2 0-16,1-1 4 15,17-1 12-15,19-5 12 16,47-19 0-16,-29 5 2 16,15-6-1-16,-3 2 1 15,12-9 2-15,-5 3 2 16,13-5 5-16,-9 0 0 0,13-6 1 15,-11 5-3-15,9-1-2 16,-12 6-5-16,2 3-2 16,-14 7 0-16,-1 4-1 15,-15 7 1-15,-7 2-2 16,-15 6-1-16,-6 0-11 16,-10 3-10-16,-6 1-35 15,-9 2-21-15,-17 6-30 16,-8 7-19-16</inkml:trace>
+  <inkml:trace contextRef="#ctx0" brushRef="#br0" timeOffset="131508.31">12399 7962 329 0,'30'-12'61'16,"13"-11"36"-16,6-7-101 16,24-10 3-16,6 4 1 15,24-4-1-15,-1 5 0 0,19-6 0 16,-12 1 0-16,13-3 2 15,-20 1 3-15,4-4 20 16,-21 8 16-16,4 0 30 16,-20 4 11-16,1 4 9 15,-13 6-16-15,-2 1-13 16,-14 7-28-16,-5 3-11 16,-8 5-13-16,-6 3-3 15,-9 2-3-15,-6 2 1 16,-4 0 1-16,-1 0 5 15,-3 1 3-15,1 0 4 16,0 0 0-16,0 0 1 16,0 0-3-16,0 0-3 15,0 0-2-15,0 0-3 16,0 0-2-16,0 0 0 16,0 0-1-16,0 0 0 0,0 0 3 15,0 0 1-15,0 0 1 16,-1 0-1-16,1 0-3 15,-1 0-3-15,1 0-2 16,0 0-4-16,0 0 0 16,0 0-1-16,0 0 2 0,0 0 0 15,0 0 2-15,0 0 0 16,0 0 2-16,0 0-1 16,0 0 1-16,0 0-2 15,0 0 2-15,0 0-1 16,0 0 0-16,0 0 0 15,0 0 1-15,0 0 0 16,0 0 2-16,0 0-2 16,0 0 1-16,0 0-1 15,0 0 0-15,0 0-1 16,0 0 1-16,0 0-1 16,0 0 0-16,0 0 0 15,0 0 1-15,0 0-1 16,0 0 0-16,0 0 0 15,0 0 0-15,0 0 0 16,0 0 1-16,0 0-1 0,0 0 0 16,0 0 0-16,0 0 0 15,0 0 0-15,0 0 0 16,0 0 0-16,0 0 1 16,0 0 0-16,0 0 1 15,0 0 1-15,0 0 1 16,0 0 1-16,0 0 2 15,0 0-1-15,0 0 1 0,0 0-1 16,0 0 1-16,0 0 6 16,0 0 5-16,0 0 7 15,0 0 1-15,0 0 2 16,0 0-7-16,0 0-5 16,0 0-6-16,0 0 0 15,0 0-2-15,0 0-1 16,0 0 0-16,0 0-12 15,0 0-115-15,0 0-163 16,1 0 6-16</inkml:trace>
+</inkml:ink>
+</file>
+
+<file path=ppt/ink/ink14.xml><?xml version="1.0" encoding="utf-8"?>
+<inkml:ink xmlns:inkml="http://www.w3.org/2003/InkML">
+  <inkml:definitions>
+    <inkml:context xml:id="ctx0">
+      <inkml:inkSource xml:id="inkSrc0">
+        <inkml:traceFormat>
+          <inkml:channel name="X" type="integer" max="29376" units="cm"/>
+          <inkml:channel name="Y" type="integer" max="16524" units="cm"/>
+          <inkml:channel name="F" type="integer" max="4095" units="dev"/>
+          <inkml:channel name="T" type="integer" max="2.14748E9" units="dev"/>
+        </inkml:traceFormat>
+        <inkml:channelProperties>
+          <inkml:channelProperty channel="X" name="resolution" value="1000.20428" units="1/cm"/>
+          <inkml:channelProperty channel="Y" name="resolution" value="1000.24213" units="1/cm"/>
+          <inkml:channelProperty channel="F" name="resolution" value="0" units="1/dev"/>
+          <inkml:channelProperty channel="T" name="resolution" value="1" units="1/dev"/>
+        </inkml:channelProperties>
+      </inkml:inkSource>
+      <inkml:timestamp xml:id="ts0" timeString="2020-03-13T17:00:33.227"/>
+    </inkml:context>
+    <inkml:brush xml:id="br0">
+      <inkml:brushProperty name="width" value="0.05292" units="cm"/>
+      <inkml:brushProperty name="height" value="0.05292" units="cm"/>
+      <inkml:brushProperty name="color" value="#FF0000"/>
+    </inkml:brush>
+  </inkml:definitions>
+  <inkml:trace contextRef="#ctx0" brushRef="#br0">29269 3416 1190 0,'-51'-31'118'0,"-6"-7"114"16,6 5-430-16,-2-3 84 15,9 6 9-15,0-13 19 16,12 1 59-16,4-17 40 16,11-1 17-16,8-18 3 15,10 5-8-15,14-21 0 16,8 11-11-16,9-6-6 15,6 19 0-15,5 1 7 16,-11 29 1-16,1 12 2 0,-9 14-5 16,-3 11-5-16,-6 18-9 15,-3 20-5 1,-5 19 0-16,-7 29-14 0,-8 10 2 16,-5 12 1-16,0-7 3 15,-1 3-1-15,1-17 13 16,8 0 1-16,2-19 1 15,5-6 0-15,5-22 0 16,9-5 1-16,4-14 1 16,9 2 0-16,3-5 0 0,6 5 0 15,0-1-1-15,4 5 1 16,-2-1-2-16,3 4 1 16,-4-1 3-16,0 7 0 15,-3-7 0-15,-4 7 0 16,-7-6-1-16,2 7-2 15,-6-3-1-15,-1 8-4 16,0 1-18-16,5 11-106 16,2-3-106-16,12 10-17 15</inkml:trace>
+  <inkml:trace contextRef="#ctx0" brushRef="#br0" timeOffset="2551.46">24198 3472 758 0,'-14'-9'145'0,"0"0"57"16,17 7-226-16,20-2-1 15,13-2 3-15,26-6 4 16,11-10 19-16,28-16 1 16,6-11 0-16,22-23 3 15,-7-8 3-15,28-20 10 16,-10 0 3-16,38-35 8 15,-5 8-1-15,31-25 6 16,-15 5-11-16,32-13-2 0,-27 36-9 16,15-12-3-16,-27 24-8 15,14-1 0-15,-38 23-3 16,0-5 1-16,-30 26 0 16,-6 11 0-16,-34 22 1 15,-11-2 1-15,-25 12 0 16,-14 7 1-16,-21 1-1 15,-5 10 0-15,-9 2 0 0,-4 5-1 16,1 1 0 0,0 0 1-16,0-1 0 0,-1 1 2 15,0 0 1-15,-1 0-1 16,1 1-1-16,-1 0 0 16,-7 13-2-16,-1 1 3 15,-18 30 1-15,24-42 21 16,2-7 7-16,1-1 14 15,1 4 1-15,-1 0 5 16,1 0-19-16,0 1-9 16,0 0-16-16,0 0-8 15,0 0-11-15,0 0-44 16,0 0-37-16,0 0-53 16,1 1-53-16,8 4-98 15,13 2 5-15</inkml:trace>
+  <inkml:trace contextRef="#ctx0" brushRef="#br0" timeOffset="3709.92">26318 8070 1045 0,'30'24'78'16,"-7"-27"147"-16,23 3-311 16,22 2-12-16,28-3 52 15,8 0 39-15,22-1 4 16,-13-9 3-16,6-6 2 15,-17-4 2-15,10-7 12 16,-15-2 7-16,16-8 19 16,-10-3 3-16,17-9 5 15,-10 1-10-15,18-5-6 16,-14 6-18-16,19-2-6 16,-12 9-6-16,14 2-3 15,-20 4-1-15,6 5-6 16,-20 11 1-16,-2 0 0 15,-23 9 1-15,-5 7-1 16,-18 1 5-16,-4 4 0 16,-17 0 0-16,-1 3 1 15,-10-4 1-15,2 2 3 16,-6-1 2-16,-3 0 3 0,-2 0 2 16,-1 0 0-16,-5-1-2 15,0 3 1-15,-2-2-1 16,-4-2 3-16,0 0 2 15,0 0 2-15,0 0-1 0,0 0 1 16,0 0-3-16,0 0-2 16,0 0-5-16,0 0-2 15,0 0-3-15,0 0-1 16,0 0 0-16,0 0-1 16,0 0 1-16,0 0 0 15,0 0 2-15,0 0-1 16,0 0 2-16,0 0-2 15,0 0-2-15,0 0-1 16,0 0 0-16,0 0-3 16,0 0 3-16,0 0 1 15,0 0 2-15,0 0 4 16,0 0 1-16,0 0-1 16,0 0-2-16,0 0-14 15,0 0-15-15,0 0-51 16,0 0-50-16,0 0-194 0,0-1 11 15</inkml:trace>
+  <inkml:trace contextRef="#ctx0" brushRef="#br0" timeOffset="5553.33">13691 8704 1163 0,'-10'-19'149'16,"-18"-7"175"-16,-22 4-395 15,1 0 103-15,1 5-14 0,-9 2-6 16,-4 2-18-16,-16 5-16 16,1 6 2-16,-19 6-11 15,4 6 1-15,-21 16 0 16,5 10 7-16,-22 23 1 15,9 9 13-15,-18 25 2 16,15-3 1-16,-2 17-1 16,29-12 0-16,5 16-2 15,28-12 0-15,10 26-2 16,16-3 0-16,2 25 0 16,16-9 3-16,4 31 0 15,8-22 3-15,11 17 1 16,8-23 1-16,5 11-3 15,6-31 1-15,7 14 0 0,-4-20 0 16,5 19 0 0,-6-14 4-16,-2 27 2 15,-3-8 1-15,-7 21 3 0,-8-15-1 16,-4 20 3-16,-6-22 0 16,-16 8 1-16,-2-18 0 15,-20 13 1-15,-6-28 0 16,-18 7 3-16,0-19-4 0,-15 3 1 15,9-25-2-15,-20 0-5 16,5-22-7-16,-19-8-3 16,8-21 0-16,-17-15 5 15,15-16 9-15,-8-7 21 16,20-8 14-16,-4-8-2 16,22 1 2-16,10-5 8 15,21-1-18-15,6-6-18 16,17 2-2-16,7-11-17 15,11 2-18-15,10-9-5 16,12-3 3-16,17-8 2 16,8 11 6-16,21-5 0 15,7 10 6-15,17 3-1 16,-3 8 3-16,18 1 1 16,-8 7 5-16,17 8 0 15,-11 9 2-15,15 16-1 16,-15 12 0-16,15 21-2 0,-16 11 0 15,16 27 0-15,-14 6 0 16,19 24 0-16,-18-1 2 16,15 14 0-16,-14-13 0 15,19 11 0-15,-19-17 0 16,18 11 0-16,-12-15-1 0,21 9 0 16,-17-16 1-16,18-2-1 15,-10-19 1 1,15 0 2-16,-19-26 1 0,16-8 1 15,-18-14 0-15,9-5 8 16,-18-11 1-16,9-4 3 16,-20-3-1-16,3 1 0 15,-17-2-5-15,-4 1-2 16,-21 1 0-16,-2-1 18 16,-20 0 4-16,-4-1 17 15,-10 0 9-15,-5-1 12 16,-8-1-8-16,-3 1 23 15,-5 1-1-15,-4-1 16 16,0-1-7-16,-1 1 4 16,-1 0-24-16,0 0-13 15,0 0-26-15,0 1-10 0,-1 0-21 16,1 0-46 0,0 0-51-16,0 0-274 0,1 0-91 15,3-1-101-15</inkml:trace>
+  <inkml:trace contextRef="#ctx0" brushRef="#br0" timeOffset="12935.91">23486 8772 869 0,'-2'-6'156'16,"3"2"84"-16,4 1-265 15,-5 2-8-15,1 1 7 16,17 1-1-16,10 5 8 16,45 24 2-16,-37-3 5 15,8 14 1-15,0 7 2 16,8 18 2-16,-8 4 3 0,9 26 1 15,-4 4 1-15,9 18 1 16,-3-1 1-16,18 16 1 16,0-20 1-16,18 10 0 15,0-20-1-15,31 5-2 16,-6-18 0-16,22 5-3 16,-12-19 2-16,16-9-1 15,-24-17 1-15,6-16 3 16,-20-18 6-16,7-11 8 15,-22-6 5-15,-3-12 5 16,-21-2 7-16,-12-1 14 16,-26 1 21-16,-9 5 67 15,-13 5 20-15,-4 3 23 16,-1 1-8-16,-1 1-28 16,0-1-94-16,-15-1-45 0,-24 1-33 15,-58 5-12-15,34 1-2 16,3 9 27-16,20 2 19 15,-8 12-5-15,10 3-1 16,-7 22-3-16,2 7-5 16,-10 30-7-16,11 0 3 15,-1 28-4-15,9-7 1 0,-2 30-6 16,13-8 5-16,3 32-11 16,6-12 3-16,6 31-11 15,9-6 1-15,0 28-19 16,0-17 11-16,-4 21 2 15,-2-30 19-15,-5-5 18 16,2-41 42-16,-6-11 37 16,1-41 18-16,-1-10 17 15,3-26-7-15,2-14-17 16,3-16-35-16,1-4-34 16,5-10-45-16,2-3-312 15,5-1-67-15,-5-19-107 16</inkml:trace>
+  <inkml:trace contextRef="#ctx0" brushRef="#br0" timeOffset="14867.95">24752 15448 499 0,'8'2'130'16,"-2"-4"34"-16,0-1-136 16,5-6-12-16,8-3-3 15,6-9 2-15,8-2 6 0,11-9 3 16,2-2-6-16,15-19 2 15,4-5 0-15,15-22-3 16,-1 1-6-16,18-20-1 16,-4 6-2-16,20-12-2 15,-8 8-2-15,15-13 0 16,-9 13-2-16,12-12-1 16,-16 14 0-16,19-4-2 15,-16 16-1-15,12 1-10 16,-21 18-9-16,2 0-21 15,-25 17-17-15,1 2-42 16,-26 9-22-16,0 8-62 16,-18 12-9-16</inkml:trace>
+  <inkml:trace contextRef="#ctx0" brushRef="#br0" timeOffset="15328.24">25014 16036 909 0,'-7'19'261'16,"5"-18"50"-16,2-1-296 15,5-2-62-15,-4 1-10 16,31-12 0-16,69-69 1 16,-21 20 52-16,22-14 1 15,0 1 0-15,19-16 0 16,-7 2 1-16,20-16 3 16,-8 1 3-16,21-25 8 15,-15 13 5-15,24-15 4 16,-19 13 2-16,12-14 6 15,-22 26-4-15,3-5 4 16,-26 23-1-16,1 4 6 16,-21 19-6-16,-2 4-1 15,-18 16-8-15,-1 2-3 0,-16 13-9 16,-8 8-4-16,-16 12-1 16,-6 3-1-16,-11 5-5 15,-4 2-29-15,-3 2-30 16,1-2-255-16,0 0 45 15</inkml:trace>
+</inkml:ink>
+</file>
+
+<file path=ppt/ink/ink15.xml><?xml version="1.0" encoding="utf-8"?>
+<inkml:ink xmlns:inkml="http://www.w3.org/2003/InkML">
+  <inkml:definitions>
+    <inkml:context xml:id="ctx0">
+      <inkml:inkSource xml:id="inkSrc0">
+        <inkml:traceFormat>
+          <inkml:channel name="X" type="integer" max="29376" units="cm"/>
+          <inkml:channel name="Y" type="integer" max="16524" units="cm"/>
+          <inkml:channel name="F" type="integer" max="4095" units="dev"/>
+          <inkml:channel name="T" type="integer" max="2.14748E9" units="dev"/>
+        </inkml:traceFormat>
+        <inkml:channelProperties>
+          <inkml:channelProperty channel="X" name="resolution" value="1000.20428" units="1/cm"/>
+          <inkml:channelProperty channel="Y" name="resolution" value="1000.24213" units="1/cm"/>
+          <inkml:channelProperty channel="F" name="resolution" value="0" units="1/dev"/>
+          <inkml:channelProperty channel="T" name="resolution" value="1" units="1/dev"/>
+        </inkml:channelProperties>
+      </inkml:inkSource>
+      <inkml:timestamp xml:id="ts0" timeString="2020-03-13T17:01:19.431"/>
+    </inkml:context>
+    <inkml:brush xml:id="br0">
+      <inkml:brushProperty name="width" value="0.05292" units="cm"/>
+      <inkml:brushProperty name="height" value="0.05292" units="cm"/>
+      <inkml:brushProperty name="color" value="#FF0000"/>
+    </inkml:brush>
+  </inkml:definitions>
+  <inkml:trace contextRef="#ctx0" brushRef="#br0">12763 6231 673 0,'5'-1'149'0,"-10"0"47"16,10-1-193-16,-5 0-17 0,2 1-2 15,26-9 8-15,43-21 10 16,-34 10-1-16,11-15 1 16,-3-2 0-16,20-12 1 15,2-5 1-15,17-11 1 16,-2 4 2-16,18-11 1 16,-7 1 2-16,15-11-1 15,-9 6-1-15,18-13-2 16,-15 16-2-16,14-5-2 15,-20 12 0-15,7-5 1 16,-20 17 6-16,1-6 12 16,-24 15 4-16,-5 3 6 15,-16 17-1-15,-10 5-4 16,-12 9-11-16,-7 5-5 16,-7 5-6-16,0 1-6 0,-4 1-13 15,1 0-59-15,-2 0-62 16,1 1-110-16,0 4-39 15</inkml:trace>
+  <inkml:trace contextRef="#ctx0" brushRef="#br0" timeOffset="6598.39">16804 5791 1077 0,'-12'-7'230'0,"-5"-1"104"15,5 6-326 1,-9 0-9-16,-2 2-6 0,-17-1-15 15,-3 0 1-15,-11-7 7 16,5-2 9-16,-4-6 12 16,15-3 10-16,4-11-4 15,13-2-4-15,8-15-6 16,14-2-12-16,12-10-211 16,8 7 209-16,10-2 0 15,2 14 3-15,9 2 0 16,-3 11 207-16,12 7-210 15,-5 8 2-15,7 6-1 16,-6 5 0-16,3 15-1 16,-13 6 0-16,-4 19 1 15,-14 9 2-15,-9 28-1 0,-12 4 5 16,-11 19 3-16,-1-7-2 16,0 12 1-16,5-20 1 15,7 5-1-15,5-22-1 16,9-5 1-16,3-20-1 15,8-9 2-15,2-17 0 16,13-4 2-16,0-11 0 16,8-8 3-16,-3-6 0 0,3-13 10 15,-8-11 4-15,2-20 6 16,-6-5 1-16,2-20 4 16,-9 8 2-16,-6 1 15 15,-12 12-2-15,-12-5 1 16,-13 19-3-16,-9 0-2 15,-1 11-20-15,-11 8-5 16,-1 13-5-16,-8 7-4 16,0 7-14-16,-8 8-10 15,4 8-11-15,-4 17-28 16,7 6-23-16,2 11-70 16,12 0-66-16,10 2-129 15,18-11-23-15</inkml:trace>
+  <inkml:trace contextRef="#ctx0" brushRef="#br0" timeOffset="7049.7">17774 5098 702 0,'25'-10'242'15,"-13"3"38"-15,-10 2-199 16,-2 3-25-16,1-1-34 0,-1 3-22 15,-1 0-12 1,0 0 1-16,0 2 2 0,-6 21 2 16,-14 41 7-16,12-26-1 15,2-5 0-15,7 6-1 16,7-7 2-16,7 4 0 16,3-9 0-16,12 2 1 15,0-8-3-15,10-4 0 16,-1-6-1-16,8-9-1 15,-3-5 1-15,3-10 2 16,-7-7 3-16,2-13 4 16,-5-3 5-16,0-10 21 15,-6-2 7-15,-3-9 20 16,-9 9 2-16,-7 0 16 16,-8 13-14-16,-10 1-4 15,-7 15-20-15,-13 0-11 16,-5 9-24-16,-9 4-9 0,0 6-10 15,-8 6-16-15,8 5-12 16,6 0-43-16,10-2-69 16,9 0-194-16,16-3 15 15,13 0-122-15</inkml:trace>
+  <inkml:trace contextRef="#ctx0" brushRef="#br0" timeOffset="7664.69">19102 4937 571 0,'-31'0'375'0,"-19"-7"-54"16,6-8-58-16,-12-4-224 15,-1 2-14-15,1-6 4 16,11-1-6-16,2-4 26 15,14-3 1-15,5-14-6 16,9-2-13-16,14-17-15 16,11-3-30-16,19-8-5 15,7 9 2-15,16 3 2 0,-1 20 3 16,2 4 1-16,-10 19 0 16,6 7-3-16,-12 13-3 15,4 6-7-15,-10 10-2 16,-4 13 1-16,-10 9 3 15,-5 18 5-15,-15 7 7 16,-6 24 6-16,-3 0 1 16,-8 18 2-16,-3-9 0 15,3 15 1-15,6-22-2 16,8 1-2-16,6-21-4 0,10-6-6 16,6-22-4-16,11-6-3 15,5-16 1-15,20-15 3 16,5-13 4-16,22-9 4 15,-3-11 5-15,-2-10 6 16,-20 1 20-16,-10-5 50 16,-26 2 10-16,-9-4 15 15,-11 4 1-15,-8-3-11 16,-8 3-48-16,-9-2-9 16,-6 6-16-16,-10 1-5 15,2 8-10-15,-7 4-4 16,5 7-6-16,-3 4-21 15,9 6-20-15,1 2-38 16,15 2-17-16,1-1-81 16,12 0-179-16,18-26 37 15</inkml:trace>
+  <inkml:trace contextRef="#ctx0" brushRef="#br0" timeOffset="8035.41">20060 3863 830 0,'29'-12'138'16,"-18"20"83"-16,-12 4-257 16,0 10 14-16,-7 20 2 15,1 11 14-15,-5 19 8 16,-3 1 2-16,5 8 0 16,7-10-1-16,4 4-1 15,7-17 0-15,16-1 0 16,5-15 0-16,18-10 1 15,6-17-1-15,22-15 3 16,-1-18 15-16,14-21 28 16,-10-12 8-16,4-14 32 15,-20-2 15-15,-4-12 12 16,-23 9-25-16,-8-12 0 16,-17 13-12-16,-12-1 4 15,-13 20-24-15,-12 6-14 16,-8 15-20-16,-21 13-53 0,-7 16-48 15,-36 22-57-15,-6 16-23 16,-18 31-104-16,4 9-105 16,-5 13 3-16</inkml:trace>
+  <inkml:trace contextRef="#ctx0" brushRef="#br0" timeOffset="8494.86">18626 6147 777 0,'-12'43'197'15,"16"-33"51"-15,15-13-190 16,15-2-69-16,35-16 31 15,23-11 19-15,37-29 2 16,11-12 0-16,38-19 8 16,-9-2-17-16,30-25 20 15,-10 7 8-15,34-13 10 16,-30 11-10-16,29-11 1 0,-32 22-20 16,7 3-7-16,-35 19-16 15,1 8-3-15,-43 27-10 16,-7 11 1-16,-34 14-5 15,-15 7 2-15,-26 7 1 16,-7 2 0-16,-16 4-2 16,-6 4 0-16,-6-2-2 15,-2 2 0-15,-2-2 0 16,0-1 1-16,1 0 1 16,-2 0 0-16,1 0-2 0,0 0-20 15,0 0-32-15,-1 0-336 16,-13 3 82-16</inkml:trace>
+  <inkml:trace contextRef="#ctx0" brushRef="#br0" timeOffset="11295.02">16283 4769 698 0,'-17'-11'241'0,"1"-3"17"16,9-1-113-16,8 6-211 0,8-6 47 16,6 1 2-16,12-10-5 15,6-3 6 1,19-10 2-16,8 1 5 0,24-13 0 16,5 0 5-16,23-13 1 15,2 7 3-15,26-20-3 16,-7 1 1-16,34-14-1 15,-3 1 1-15,30-19-2 16,-11 9 2-16,36-20 2 16,-18 9-1-16,29-10 1 15,-21 8 2-15,32-18-3 16,-26 20 5-16,24-11-3 16,-29 19 0-16,8-7-1 15,-40 27 2-15,-1 6-6 16,-44 22 2-16,-8 7 1 15,-29 23-3-15,-8 9-1 16,-22 8-1-16,1 11 2 0,-10 4-1 16,2 5 1-16,-9 6 3 15,3 12 1-15,-9 1 0 16,2 20 0-16,-8 9-1 16,2 24-1-16,-4 0-1 15,3 25 2-15,-4-15-1 16,11 13 2-16,-2-18 1 15,3 9 0-15,-2-14 1 16,1 10 1-16,-8-14-1 16,3 7 0-16,-6-13 0 0,2 0 2 15,-5-12-3-15,2-1 2 16,-6-12-1-16,2 0 1 16,-4-13-2-16,5 6 1 15,-4-8-1-15,-2 7 0 16,-6-7-2-16,-2 0 1 15,-9-10 0-15,-2 3 2 16,-4-9 1-16,-2 4 9 16,-7 0 3-16,-9 6 6 15,-5 0 2-15,-13 7 2 16,-8-2-5-16,-17 7-1 16,-4-2-7-16,-13 5-2 15,-1-4-3-15,-23 16-2 16,6-1-3-16,-15 14 1 15,1-5-1-15,-15 5-2 16,16-10 2-16,-13 6 0 16,7-13-2-16,-19 14 2 0,17-1-1 15,-14 0 2-15,12-13-1 16,-6 4 1-16,20-13 0 16,-7-1 0-16,18-3-2 15,-11 7 0-15,15-5-1 16,-12 13 0-16,15-7-1 0,-12 4 1 15,14-4 0-15,-15 5 1 16,11-10 0-16,-12 6 2 16,8-6-3-16,-11 8 1 15,12-8 0-15,-7 7-1 16,10-5-1-16,-6 7 1 16,11-7-1-16,-8 1 2 15,12-9 0 1,-10 3 2-16,6-9 0 0,-8 4 0 15,9-5-2-15,-16 9-8 16,8-5-4-16,-9 2-1 16,16-4 1-16,3-1 8 15,20-11 9-15,-1-7 23 16,14-10 3-16,-13-5 6 16,4-4 9-16,-15-8 5 0,8-3-17 15,-7-8 4-15,11-6 1 16,-10-8-8-16,11-3-2 15,-7-7 1-15,8 2-6 16,-9-10-2-16,12 0 1 16,-5-18-4-16,5 1-6 15,-9-11 1-15,8 8-4 0,-5 2-11 16,6 16 0-16,-3-2 3 16,11 11-3-1,-5-5 1-15,6 6 0 16,-5-4-1-16,5 8-4 0,-7-2-1 15,5 9-1-15,-6-1-3 16,10 11-1-16,-3 5-6 16,9 5-3-16,-1 0-8 15,7 3-2-15,-3-3 0 16,3-3 5-16,-2-1 4 16,5 3 8-16,-2-2 5 15,6 4 4-15,3 4 1 16,8 3 0-16,2 3-18 15,7 3-24-15,2 2-33 16,3-1-3-16,-2 1 2 16,1-1 20-16,7-2 23 15,20-11 34-15,50-37 4 0,-31 12 0 16,15-15 0-16,3 0 0 16,19-18 1-16,-8 8-2 15,17-12 0-15,-12 4 0 16,24-9-1-16,-9 14-2 15,19-10 0-15,-11 6 0 16,22-4 2-16,-21 6-1 16,2-6 2-16,-17 13-1 15,-5 3 3-15,-25 14-1 16,-7 9 2-16,-18 13 0 0,-7 3 2 16,-13 11 1-16,-3 5 5 15,-8 0 3-15,-3 4 15 16,-1 1 2-16,-1 0 5 15,0 0-8-15,0 0-20 16,-1 1-44-16,-2 3-135 16,-22 24-133-16,-34 43-29 15</inkml:trace>
+  <inkml:trace contextRef="#ctx0" brushRef="#br0" timeOffset="12293.76">20531 4790 790 0,'-5'8'176'0,"1"0"63"16,-4 3-234-16,-1-2-44 15,-1-1-18-15,1 1 8 0,3-1-2 16,4-7 12-16,10-3 13 16,5-4 25-16,18-11 12 15,10-5 5-15,23-15 13 16,5-4-3-16,24-15-1 15,-2 3-9 1,17-13 0-16,2 6-11 0,21-12-1 16,-10 10-2-16,17-11 1 15,-14 11 0-15,-1-1 0 16,-30 10 2-16,-4 2-2 16,-29 16 1-16,-6 5 0 15,-20 11-2-15,-3 4-3 16,-13 7-3-16,-3 2-30 15,-8 6-26-15,-4 2-52 16,-9 8 2-16,-16 15-106 0,-14 12 24 16,-33 19-8-16</inkml:trace>
+  <inkml:trace contextRef="#ctx0" brushRef="#br0" timeOffset="12568.31">20316 5227 992 0,'0'13'173'0,"1"-12"88"16,7-3-292-16,21-18-20 16,12-5 17-16,31-23 5 15,13-13 20-15,36-18 2 16,-3 5 6-16,21-17 1 15,-8 6 4-15,16-6-1 16,-20 12 1-16,16-9-1 16,-16 17-1-16,13 4-21 15,-15 16-56-15,19-9-181 16,-24 7 22-16</inkml:trace>
+  <inkml:trace contextRef="#ctx0" brushRef="#br0" timeOffset="16053.47">20454 5395 479 0,'5'4'194'16,"-24"-5"-3"-16,17-2-132 16,7 0-44-16,13-6-26 15,7-9-1-15,19-14 1 16,10-5 14-16,25-18 0 15,2-7 1-15,22-19 3 16,0 4 0-16,26-20 3 16,-7 6-1-16,21-21 3 15,-11 9 0-15,15-13 2 16,-20 14-2-16,9-8 2 16,-20 22-4-16,3 4-2 15,-25 22-4-15,-7 4-3 16,-25 25-2-16,-7 5-7 15,-22 15-8-15,-9 4-27 0,-6 9-8 16,-9 1-24-16,-7 6-2 16,-9 14-46-16,-9 8-40 15,-30 15 6-15</inkml:trace>
+  <inkml:trace contextRef="#ctx0" brushRef="#br0" timeOffset="16440.75">20029 5753 723 0,'-47'34'219'0,"13"-22"35"15,8-16-212-15,17 1-62 16,14 1-42-16,17-10-1 15,11-6 1-15,26-21 6 16,17-13 42-16,35-24 17 16,-1-3 0-16,23-15 4 15,1 3 1-15,22-18 6 16,-16 9 3-16,25-11 1 16,-15 12-2-16,10-8 0 15,-19 17-6-15,10 1-4 16,-27 17-3-16,4-3 1 15,-27 22-2-15,-4 4 0 16,-31 17 0-16,-3 4-8 16,-21 12-13-16,-2 3-62 0,-15 10-44 15,-1 2-94-15,-8 1-37 16</inkml:trace>
+  <inkml:trace contextRef="#ctx0" brushRef="#br0" timeOffset="23196.47">19383 7630 458 0,'-1'2'147'0,"-1"0"31"15,-1-2-132-15,3 0-15 16,-1 0-19-16,1 0-9 15,0 0-17-15,0 0-11 16,0 0 3-16,0 0 0 16,1 0 8-16,2 0 17 15,23-3 17-15,48-25 7 16,-29-1-1-16,13-16-1 16,0-4-11-16,16-12-6 15,-1 7-7-15,17-12 0 16,-4 7 0-16,15-9-2 15,-5 2 3-15,15-6 1 16,-14 7 4-16,9-2 15 16,-18 12 4-16,0 3 8 0,-21 14-1 15,-2 5-1-15,-16 14-13 16,1 2-1 0,-14 8-7-16,-5-2 1 0,-5 7-2 15,-6-2 0-15,-7 2-3 16,-4 2-3-16,-5 6-1 15,-2-6-1-15,0 4-1 16,-3-2-3-16,0 0-4 16,1 0-35-16,-2 0-15 15,1 0-59-15,-1 1-44 0,-18 16-66 16,-55 48-17-16</inkml:trace>
+  <inkml:trace contextRef="#ctx0" brushRef="#br0" timeOffset="23663.25">19709 7784 617 0,'-6'5'209'0,"2"-4"23"0,4-1-163 15,0 0-81 1,0-1-12-16,1 0-3 16,31-12-1-16,57-25 5 0,-28 7 28 15,13-11 0-15,-5 1 0 16,13-16 9-16,-7 2 4 16,15-13 8-1,-3 7 2-15,11-11 4 0,-12 12-6 16,11-2 0-16,-16 10-6 15,6-5-2-15,-15 10-6 0,0 3-3 16,-14 10-4-16,-5 3 1 16,-16 10-1-16,-3 5 4 15,-9 7 2-15,-8 0 1 16,-7 6 2-16,-2 1 11 16,-5 3 4-16,-2-1 7 15,-1 0 0-15,-1 0-1 16,-1 0-14-16,1 0-16 15,0 0-30-15,0 0-94 16,0 0-176-16,-1 1-9 16,-11 6-138-16</inkml:trace>
+  <inkml:trace contextRef="#ctx0" brushRef="#br0" timeOffset="28077.08">24448 4550 511 0,'-13'-28'174'16,"-1"-2"52"-16,-4-5-137 15,0 3 9-15,-8-2 8 16,-1 7-39-16,-8 1-19 15,-1 5-18-15,-8 4-3 16,5 8-27-16,-6 2-3 16,6 4 1-16,-4 8-5 0,4 6-2 15,-6 19-8 1,8 9-1-16,-6 24-2 0,8 10 3 16,0 15-1-16,13-11 4 15,12 4-15-15,12-17-1 16,12-10-19-16,7-16-1 15,6-10-11-15,0-14 15 16,5-19 4-16,0-13 19 16,12-24 7-16,0-13 15 0,11-34 2 15,-3-8 1-15,4-21 2 16,-11 1-3-16,-3-18 4 16,-14 21 3-16,-6-6 30 15,-15 25 33-15,-11-1 48 16,-10 28 10-16,-11 2 18 15,-3 20-30-15,-6-1-34 16,2 13-47-16,-4 4-14 16,10 10-22-16,3 3 7 15,12 9-1-15,3 4-4 16,7 4-4-16,-1 3-29 16,2 4-7-16,0-6-1 15,2 35 4-15,7 69 3 16,0-22 26-16,12 24-1 15,3-4 1-15,14 9 0 16,6-12-2-16,10 6-2 0,-1-21-6 16,14-2-47-16,-7-21-23 15,9 1-91-15,-5-15-74 16,2 2-33-16,-15-21-61 16</inkml:trace>
+  <inkml:trace contextRef="#ctx0" brushRef="#br0" timeOffset="28574.93">24970 3984 856 0,'-1'0'219'16,"0"0"52"-16,2 1-245 15,-1-1-57-15,0 2 0 16,0 0 8-16,4 22 5 15,15 36 14-15,-8-35-4 16,-1-6-1-16,1-5-3 16,0-5-2-16,-1-7 3 15,0-5 4-15,6-9 4 16,-2-5-2-16,2-20-39 16,-1-6-32-16,-2-20-87 15,-6-4-27-15,-6-9 79 16,-8 13 102-16,-10 2 69 0,-7 23 97 15,-6 9 35 1,-1 16-75-16,-4 12-67 0,6 11-37 16,-3 11-14-16,7 11-10 15,0 12 1-15,7 0 6 16,2 11 4 0,8-1 3-16,3 11 3 0,3 0 0 15,9 11-3-15,7-5-3 16,7 3 0-16,5-12-1 0,11-2-1 15,-3-15 0-15,11-8-2 16,-4-12-2-16,10-13 1 16,-1-13 3-16,11-17-45 15,-3-12-48-15,13-28-135 16,-7-18-20-16</inkml:trace>
+  <inkml:trace contextRef="#ctx0" brushRef="#br0" timeOffset="28963.49">25619 3474 649 0,'5'1'101'0,"-4"0"74"16,1 2-197-16,-2-3 5 16,0 2 10-16,5 8 4 0,7 18 4 15,25 44-1-15,-16-34-1 16,7 12 0-16,2-8 0 15,8 2 1-15,-3-11-1 16,8-6 3-16,-4-14 1 16,6-8 21-16,-3-9 16 15,7-12 19-15,-3-9 4 0,8-23 6 16,-5-8-17-16,6-23-10 16,-10-2-12-16,-3-12 21 15,-14 21 15-15,-11-3 26 16,-11 23 1-16,-6 8 28 15,-4 20-25-15,2 4-36 16,0 13-51-16,2 6-48 16,0 1-70-16,0 0-86 15,0 0 11-15,0 1 8 16,10 27 12-16,27 48-72 16,-8-29 46-16,4 4-49 15</inkml:trace>
+  <inkml:trace contextRef="#ctx0" brushRef="#br0" timeOffset="29740.3">27340 2984 303 0,'-121'49'63'0,"81"-29"29"16,9-2-90-16,-3 3-3 15,11-4 1-15,6-3 0 16,11-7 2-16,2-1-2 16,5-5-3-16,9-5 80 15,7-4 24-15,18-9 21 16,12-11 8-16,28-8 10 15,4-7-78-15,26-2-23 16,-5 1-23-16,9-3-2 16,-18 1-6-16,7-3 0 15,-24 3-1-15,-3 0 1 16,-17 12-3-16,-10 6 1 16,-20 13-7-16,-7 3-7 15,-12 5-13-15,-13-16-220 16,-6-5 63-16</inkml:trace>
+  <inkml:trace contextRef="#ctx0" brushRef="#br0" timeOffset="29994.83">27441 2265 465 0,'-26'14'98'0,"11"-1"24"15,14-7-135-15,16-5 4 16,7 1 13-16,25 9 35 15,9-6 20-15,20 3 2 16,-1 2-12-16,15 0-13 16,-16-1-26-16,11 11-4 15,-20 2-2-15,-1 8-1 16,-19 7 0-16,-10 17 4 16,-16 7-1-16,-12 22 2 15,-13 6-1-15,-19 25-95 16,-15-1-106-16,-22 25 4 15</inkml:trace>
+  <inkml:trace contextRef="#ctx0" brushRef="#br0" timeOffset="30526.43">25080 5440 716 0,'11'93'120'16,"12"14"82"-16,4-8-218 15,14 32 8-15,1-6 8 16,7 26-45-16,-3-14-17 15,3 8-58-15,-10-26-42 16,1-6-40-16,-9-37-16 0</inkml:trace>
+  <inkml:trace contextRef="#ctx0" brushRef="#br0" timeOffset="31539.89">25024 6207 1063 0,'4'5'115'0,"13"-8"153"16,8-2-326-16,24-1 15 16,12-6 37-16,17-6 8 15,2-3 1-15,17-7-2 16,-11-4 1-16,9-12-1 15,-16 1-3-15,-2-12-3 16,-19 5 3-16,-6-11 3 0,-19 9 1 16,-5-4 6-16,-12 15 21 15,-5 9 35-15,-9 14 8 16,-6 4-11-16,-6 7-22 16,-7-2-5-16,1 2-24 15,-3-1-2-15,8 6 6 0,5 1 7 16,2 9-15-16,2 15-17 15,-1 9-10-15,1 12 3 16,4 7 9-16,5-1-3 16,3-10 2-16,9-5-1 15,1-13-2-15,4-4-1 16,3-8 2-16,7-9 2 16,1-8 2-16,9-12 2 15,0-10 3-15,2-14 2 16,-7-5 0-16,-6-11 1 15,-11 5-2-15,-8-12 0 16,-8 6-1-16,-6-8 1 16,-4 7-1-16,-3 4 27 15,3 19 5-15,-2 10 16 16,3 16 3-16,0 6 3 0,3 6-22 16,-1 1-5-1,0-1-21-15,0 0-17 0,-1 2-5 16,-11 16-7-16,-42 39-1 15,38-36-17-15,12-2 16 16,12 5 1-16,8-2-2 16,13 10 1-16,10 2 21 15,17 0-4-15,3-7 2 16,16-1 5-16,-3-6 2 16,1-2 1-16,-14-1 0 0,-7-1-9 15,-16 1-4-15,-11 5-5 16,-15 0-2-16,-11 9-1 15,-6 2 2-15,-18 8-2 16,-8-2 1-16,-13 0-12 16,-1-9-22-16,-13-13 8 15,10-16-47-15,-4-17-21 16,13-14 3-16,0-26-34 16,13-17-81-16,7-36 105 15,16-8 44-15,6-25 69 16,7 8 93-16,7-8 129 15,-2 36-27-15,-1 15 20 16,-4 34-50-16,-2 20-27 0,-2 27-51 16,-3 5-33-1,0 6-51-15,5 5-8 0,-5-6-6 16,5 8 3-16,12 31 8 16,57 76 11-1,-30-30 2-15,14 26-2 0,-1-4-2 16,12 14 3-16,-5-17-3 15,6 1-27-15,-10-24-40 16,5 1-184-16,-17-21-23 16,-15-16-95-16</inkml:trace>
+  <inkml:trace contextRef="#ctx0" brushRef="#br0" timeOffset="31706.44">26722 5319 825 0,'53'-48'220'0,"19"-11"58"15,7-5-256-15,22-10-70 16,-9 10-82-16,1 11-146 16,-27 20-44-16</inkml:trace>
+  <inkml:trace contextRef="#ctx0" brushRef="#br0" timeOffset="32009.63">26001 7498 1419 0,'12'33'321'0,"-2"-8"88"16,-4-38-373 0,20 43-100-16,8 12 27 0,18 21-16 15,9 12 13-15,15 15-38 16,-10-15-14-16,6-1-49 16,-14-13 23-16,4 3-26 15,-19-12 22-15,-5-5 11 16,-17-14 46-16,-12-8-203 15,-20-21 111-15</inkml:trace>
+  <inkml:trace contextRef="#ctx0" brushRef="#br0" timeOffset="32859.75">25998 7346 881 0,'-3'-49'196'0,"13"10"84"16,13-9-250-16,8-7-23 15,14-6 7-15,0 13-9 32,6 15-4-32,-8 16-4 0,5 14 1 0,-6 17 0 15,7 21 2-15,-5 11 4 16,7 26 3-16,-11 9 1 16,-2 17 0-16,-11-7-3 15,-5-10-1-15,-17-26-3 16,-13-2-176-16,-10-17-10 15,-14-9 43-15,-8-6-40 0,-5-15 41 16,9-15 198-16,3-16 32 16,14-6-32-16,7-12 51 15,14 4-26-15,10-17-16 16,8-4-18-16,12-11-7 16,7 3-11-16,15-6-3 15,3 13-6-15,8 0-4 16,-8 16-3-16,2 6-1 15,-14 12-11-15,-3 5-2 16,-6 14 2-16,4 4 0 16,-8 7-2-16,0 6 3 15,-6 4 0-15,-3 8 2 16,-8 4-4-16,-7 12-35 16,-9 5-22-16,-15 8-9 0,-8-5 11 15,-3-6 87-15,4-14 38 16,4-10 13-16,12-13 1 15,5-14-49-15,3-14-87 16,2-20-6-16,2-12 7 16,9-20 12-16,4 3 43 15,10-2 15-15,2 14 5 0,9 2 3 16,-3 15-2-16,3-2-7 16,-6 12-12-16,1 2-2 15,-11 9-6-15,-6 8 0 16,-8 9 0-16,-3 7-5 15,-4 7 8-15,4 23 5 16,0 12-1-16,7 21-1 16,0 8 4-16,8 9-8 15,-2-17-7-15,5-13-1 16,-2-17-4-16,1-13-2 16,-3-13 2-16,4-7 7 15,-6-6 6-15,2-14 12 16,-5-8 6-16,-4-18 2 15,-7-8-3-15,-10-16-3 16,-10 3-10-16,-10-2 5 16,-1 18 8-16,-1 11 78 0,1 14-79 15,-1 14-71-15,3 12-11 16,-1 12-85-16,2 6-95 16,8 14 48-16,11-2 37 15,15-3-70-15,15-8 58 16</inkml:trace>
+  <inkml:trace contextRef="#ctx0" brushRef="#br0" timeOffset="33308.55">28182 6163 791 0,'1'-14'380'15,"-11"11"-25"-15,-13-5-191 16,-5 3-91-16,-14 1-60 15,0 2-9-15,-12 15-12 16,5 15-3-16,-4 19-5 16,9 10-2-16,3 15-1 15,13-1 7-15,12 0-5 16,13-17-3-16,8-4-8 16,10-18-10-16,7-8-32 15,4-14 6-15,7-13 9 16,-1-14 11-16,9-21 12 0,-4-12 35 15,7-28 3-15,-8-5-3 16,1-10 0-16,-12 12 0 16,-7 5 48-16,-17 20 10 15,-8 0 29-15,-13 13 7 16,-7 3 20-16,3 5-21 16,2 9 0-16,9 15-29 15,5 4-16-15,8 7-30 16,1 3-52-16,2 1-22 15,-3-2 0-15,4 17 7 0,67 66 8 16,-24-22 29-16,21 15-68 16,1-5-65-16,21 7-230 15,-7-9-20-15</inkml:trace>
+  <inkml:trace contextRef="#ctx0" brushRef="#br0" timeOffset="34192.86">28756 961 564 0,'6'-5'49'0,"10"31"88"15,7-10-168-15,14 14 0 16,7 13 32-16,18 15 0 16,-2-10-1-16,15 14-1 15,-7-9-1-15,7 3-1 16,-15-14 0-16,3 7 0 16,-14-11 0-16,1 0 1 15,-8-7 0-15,-2 7 1 16,-9-5 3-16,-4 15-2 15,-13 0-2-15,-18 28 1 16,-17 8-2-16,-30 37-1 16,-18 1 3-16,-22 25 3 15,1-14 3-15,1 2 25 0,23-40 3 16,14-11-2-16,24-29-3 16,17-10-5-16,13-14-25 15,12 6-1-15,8 1 0 16,15 12 3-16,8 2 0 15,19 14 1-15,7-5-1 16,22 2 1-16,-7-14 0 16,7 2 0-16,-15-10 1 15,0 12 2-15,-19 5-2 16,2 28 4-16,-11 11 0 0,-1 37 0 16,-13 5-1-16,-5 23-2 15,-12-22-2-15,-13-4 0 16,-10-38 1-16,-12-10 4 15,-8-32 4-15,-10-1 1 16,2-12-1-16,-9 12-3 16,4-5-3-16,0 11-2 15,11-3-2-15,8 11 0 16,11-9 0-16,13 3 2 16,10-13 2-16,17 14 22 15,12-6 7-15,27 16 1 16,13 5 0-16,32 19 0 15,2-5-22-15,15 15-6 0,-16-11-1 16,-6 5-1-16,-36-23-2 16,-19-3-2-16,-27-27 6 15,-16 1-122-15,-17-8-103 16,-11 1 1-16</inkml:trace>
+  <inkml:trace contextRef="#ctx0" brushRef="#br0" timeOffset="37259.69">27225 3038 205 0,'-22'7'153'16,"11"-5"-38"-16,0-3-20 15,7 3-132-15,-1-1-28 16,5-3-3-16,-1 1 2 15,1 0 20-15,0 0 46 16,1-1 38-16,20-7 19 16,52-24 2-16,-15 3-2 15,9-5-27-15,24-11-10 0,-2 1-10 16,23-16-2 0,-5 2-5-16,23-18-1 0,-6 8 0 15,22-11 3-15,-3 9 6 16,16-10 8-16,-20 12 3 15,16-5 14-15,-24 10-1 16,4-1-3-16,-24 19-8 16,3 0-5-16,-30 16-15 0,-5 7-4 15,-26 11-3 1,-5 2-1-16,-17 6 2 0,-7 3-1 16,-7-2 0-16,-6 2-4 15,-5 1-2-15,-3 9-46 16,-3-3-54-16,-8 18-41 15,-18 2-48-15</inkml:trace>
+  <inkml:trace contextRef="#ctx0" brushRef="#br0" timeOffset="40355.67">30576 1586 743 0,'11'10'288'0,"-12"-13"12"16,-1 0-175-16,1 3-95 15,1 0 0-15,0-1-12 16,-1-1 0-16,-1 1 0 16,-24-15 1-16,-52-36-16 0,29 17 0 15,4-1 12-15,1-3 20 16,16 5 0-16,7-3-2 15,11 6-2-15,8-1-19 16,6 3-24-16,5-9-8 16,8 9-1-16,14 0-6 15,9 3-2-15,14-4-12 16,7 10 0-16,0 0-15 16,-10 8 2-16,-7 3-1 15,-19 11 13-15,-6 10 7 16,-10 16 18-16,-10 28 6 15,-12 10 11-15,-16 32 1 16,-6 5 2-16,-20 17-1 16,1-15 0-16,2 0-1 15,14-35-2-15,7-9-5 0,21-26-4 16,11-13-3-16,13-13-2 16,14 3 3-16,10-9 6 15,16-7 3-15,3-10 6 16,16-13 2-16,-5-7-1 15,2-14 0-15,-15-1 2 16,-9-2 13-16,-21 7 15 0,-12-2 21 16,-18 8-1-16,-10 2-7 15,-7 6-15-15,-11-1-25 16,-4 0-23-16,-7 6-27 16,3 5-3-16,-1 1-10 15,10 8 10-15,6 7-6 16,14-5 11-16,7 5-96 15,13-5-1-15,16-26-26 16,13-5-2-16,14-8-2 16,3-7 102-16,5 2 20 15,-11 16 25-15,-3 7 21 16,-11 13 19-16,-9 0 1 16,-9 9-6-16,-4 2-10 15,-10 5-9-15,-2 2 7 16,-1 6 11-16,0-7 31 15,0 5 14-15,-11 35 16 0,-11 48-6 16,9-23-10-16,6 1-29 16,5-4-9-16,9-17-14 15,6-5-3-15,5-13 0 16,10-6 40-16,5-10 13 16,11-12 17-16,3-6 4 15,13-13 2-15,-5-6-41 16,6-5-11-16,-10-4-13 15,-5-8 2-15,-17 2 2 16,-12 1 31-16,-19-3 0 0,-22 6-5 16,-17 5-9-16,-17 10-10 15,-5 2-34-15,-10 15-30 16,11 9-16-16,3 2-50 16,18 1-30-16,11 3-126 15,17-10 21-15,19-7-59 16</inkml:trace>
+  <inkml:trace contextRef="#ctx0" brushRef="#br0" timeOffset="41028.6">31831 972 280 0,'15'22'105'0,"-14"-22"65"16,-3 8-55-1,-7-9 14-15,-8 2 28 0,-5 0-36 16,-9-2-27-16,-5-14-32 16,-3 3-7-16,5-5-30 15,-2-9-21-15,8-4 0 16,6-5-5-16,13-3-1 0,11-12-4 16,11 0-1-1,17-11-9-15,5 14 2 0,7 2 0 16,-4 13 2-16,-2 10-15 15,-9 18-1-15,-3 9-3 16,-6 10 0-16,-3 15 2 16,-7 6 18-16,-8 25 5 15,-7-1 6-15,-9 14 2 16,-5 0-1-16,0 9-1 16,6-14-1-16,9 7-4 15,10-11-1-15,16-4-3 16,9-18 1-16,12-11 8 15,0-21 6-15,9-9 10 16,-1-15 9-16,6-16 4 16,-8-9-3-16,8-11-2 15,-12-4-7-15,-7-17-3 16,-14 11-2-16,-10 0 20 0,-16 4-1 16,-15-11-5-16,-10 14-12 15,-10-5 5-15,-4 6-28 16,-1 6-1-16,11 14-13 15,3 3 28-15,11 8-7 16,10-1 1-16,7 9-7 16,11-3 10-16,16-3-19 0,17-3-3 15,5 11 6 1,18-10 10-16,-5 17 6 0,2 8-1 16,-13 8 1-16,-1 10-1 15,-16 17-4-15,-3 20 1 16,-11 22 3-16,-5 26 1 15,-6 1-4-15,6 35-128 16,1-8-121-16,10 5-9 16</inkml:trace>
+  <inkml:trace contextRef="#ctx0" brushRef="#br0" timeOffset="42503.56">30484 3528 809 0,'8'4'214'0,"-7"-4"74"15,1 0-232-15,-11-5-8 16,-6-5-28-16,-11-7-21 16,-2-5 2-16,-7-7 2 15,7-2 5-15,6-9 7 16,12 1 14-16,3-9-13 15,8 2-11-15,6-8-1 16,4 10 0-16,5 2-2 16,1 8-3-16,0 8-6 15,-7 14-2-15,2 3-12 0,0 6 0 16,7 4-9-16,2 2 5 16,7 4-4-16,0 8 8 15,0 8 1-15,-9 4 10 16,-2 14 2-16,-7 4 5 15,-5 8 4-15,-8 0 1 16,-1 12 1-16,-1-8-1 16,-1 8-2-16,3-9 1 15,2 1-2-15,3-14-1 0,1-7-22 16,1-16-12-16,-1-6-4 16,1-10 1-16,-1-2 2 15,-3-2 24-15,0 0 20 16,0-2 3-16,0 1 10 15,4-9 0-15,10-30-3 16,13-43-6-16,-14 32 8 16,-9 11-7-16,-7 5-3 15,-6 10-5-15,-3-1-10 16,-4 2-13-16,-2 2-10 16,0 4-10-16,1-3-21 15,0 5-10-15,6-8-75 16,7-8-56-16,10-11-14 15,9-2-68-15</inkml:trace>
+  <inkml:trace contextRef="#ctx0" brushRef="#br0" timeOffset="42924.86">31017 2861 132 0,'4'-1'190'16,"-1"1"-56"-16,-3 1-23 0,-1-1-16 15,-1 2-61-15,-11 22 2 16,-32 46-3-16,17-21 10 16,4 0-9-16,1 4 6 15,5-3-9-15,6-1-6 16,5-10-12-16,8-3-3 16,7-8-7-16,8-5-4 15,5-8 1-15,7-4 26 16,2-7 15-16,-1-6 13 15,-1-6 6-15,0-7 6 16,-9-3-22-16,-1-5-11 16,-3 0-11-16,-5-8 2 15,-6 1-3-15,-6-3 3 16,-5 0 1-16,-9-5 5 16,-1 5-4-16,-5 1-2 0,0 4-8 15,0 4-9-15,3 11-13 16,-3 4-18-16,6 3-13 15,4 4-19-15,3 1-25 16,3 1-130-16,7 0-57 16,5 3 1-16,-6-3 20 15,1 0-47-15</inkml:trace>
+  <inkml:trace contextRef="#ctx0" brushRef="#br0" timeOffset="43553.37">31594 2721 626 0,'-19'33'147'16,"7"-10"51"-16,2-5-177 16,-1-1-20-16,5 0 14 15,1-5 15-15,-1-5 50 16,3-3 36-16,-12-10-34 15,-11-9-24-15,-6-11-8 16,-4-11-50-16,-4-17-37 16,12 1 34-16,8-6 8 15,12 6-5-15,9-3-1 16,7 12 1-16,10 3-4 16,8 16 0-16,10 2 0 0,2 9 1 15,9 11-4 1,-1 3 2-16,0 1-4 0,-9 9 0 15,1 12-2-15,-9 0 3 16,-5 11 3-16,-9 8 3 16,-9 18 3-16,-9 5 0 15,-8 12 1-15,-4-4-1 16,-1 0 1-16,3-18-2 0,5-10-5 16,8-16-3-16,8-7-5 15,6-12-1-15,11-8 3 16,6-8 6-16,13-8 5 15,-1-6 5-15,5-5 4 16,-11 1 1-16,-6-2 17 16,-11 4 26-16,-9 8 45 15,-7 3 13-15,-3 6 10 16,-2 1-16-16,-14-8-104 16,-6-3-42-16,-18 2-19 15,-8 3-12-15,-16 5-3 16,9 11 75-16,-1 4-3 15,17-1 7-15,11-3-52 16,15-3-38-16,16-14-109 16,18-18-115-16,20-26-6 15,7-10-97-15</inkml:trace>
+  <inkml:trace contextRef="#ctx0" brushRef="#br0" timeOffset="43939.19">32168 2003 529 0,'11'-18'136'0,"12"-6"60"15,10 6-140-15,18 3-30 16,4 1 9-16,4 5-4 16,-8 7-17-16,2-2-3 15,-16 4-3-15,-1 2-5 16,-11 4-3-16,-3 10 0 15,-11 0 0-15,-5 13 2 16,-9 8 1-16,-7 22 3 16,-4 4-1-16,-5 17 0 15,3-16-1-15,4-2-3 16,9-21-3-16,12-9 8 16,11-16 19-16,22-5 26 15,13-11 7-15,23-9 5 16,4-9-6-16,16-12-19 0,-13-2-26 15,-3-9-4-15,-24 8-5 16,-11 4-4-16,-25 10-3 16,-10 7-24-16,-13 12-37 15,-25 16-212-15,-16 14 37 16</inkml:trace>
+  <inkml:trace contextRef="#ctx0" brushRef="#br0" timeOffset="45444.18">30706 5035 618 0,'-37'-35'208'16,"11"-12"21"-16,11-2-187 15,14-15-6-15,8-2-41 16,15-11-5-16,8 6 1 0,13-5 8 16,0 16 6-16,9 4 4 15,-7 14 1-15,-2 9-2 16,-10 13-4-16,2 3-4 16,-9 14-3-16,3 4-9 15,0 7 0-15,2 13-4 16,-3 9 2-16,-2 15 1 15,-7 9 10-15,-9 23 3 16,-10-1 3-16,-13 16 3 16,-4-8-1-16,-4 21-1 15,2-15 0-15,0 5-2 16,11-17 0-16,6 2-1 16,7-26 0-16,8-6-4 15,6-12 0-15,10-7 2 16,0-12 2-16,9-9 8 15,0-12 6-15,9-14 7 0,-1-7 0 16,2-13 1-16,-8-4-6 16,-5-8 10-16,-12 2 2 15,-10-10 12-15,-9 5 8 16,-11-17 2-16,-6 5-10 16,-14-10 2-16,0 15-9 15,-9-4-3-15,0 21 0 0,2 6 7 16,11 18 9-16,5 4-8 15,8 11-11-15,8 1-15 16,3 5-17-16,-2-1-47 16,0-1-28-16,-1 0-115 15,1 1-20-15,-3 10-122 16,-1 8-56-16</inkml:trace>
+  <inkml:trace contextRef="#ctx0" brushRef="#br0" timeOffset="46405.89">27623 7615 1196 0,'-7'25'269'0,"0"-15"84"0,2-4-412 16,8-8-46-16,9-5-8 16,16-15-1-1,12-14 22-15,28-34 56 0,14-18 41 16,24-23-5-16,1 1 0 16,24-18 1-16,-8 21-1 15,13-3-1-15,-21 19 1 0,5-4-5 16,-21 21-11-1,1-1-52-15,-20 15-35 0,4 3-125 16,-14 16-28-16,-9 14-56 16</inkml:trace>
+  <inkml:trace contextRef="#ctx0" brushRef="#br0" timeOffset="46704.52">27841 8002 1029 0,'-13'30'180'0,"9"-17"71"16,16-23-307-16,21-15-7 15,16-12 9-15,35-32 20 0,16-15 36 16,39-27 3-16,-2-4-1 15,21-27-1-15,-19 23-2 16,16-9 1-16,-28 17-2 16,11-2 0-16,-18 31 1 15,10-8-36-15,-23 20-47 16,1-3-134-16,-23 14-39 0,-8 1-78 16</inkml:trace>
+  <inkml:trace contextRef="#ctx0" brushRef="#br0" timeOffset="47455.96">31705 4317 892 0,'-7'3'174'0,"-4"15"71"16,-4 9-269-16,0 18-2 16,0 0-2-16,2 9 2 15,13-8 17-15,9 2 1 16,4-10 2-16,6 5-1 15,2-5 2-15,7-4 0 16,1-9 0-16,8-7 1 16,-2-6 8-16,9-11 10 0,-2-7 3 15,4-9 3-15,-8-7 0 16,0-13-4-16,-9 4-7 16,-6-4 22-16,-11 8 24 15,-9-1 15-15,-13 3-13 16,-10-8-5-16,-8 2-21 15,-16-12-29-15,-2 5-16 0,-7 4 4 16,5 12 3-16,-1 3-3 16,16 9 1-16,7 4-30 15,15 6-38-15,4 0-182 16,7 1-41-16,12 3-91 16</inkml:trace>
+  <inkml:trace contextRef="#ctx0" brushRef="#br0" timeOffset="47984.55">32226 4283 765 0,'-24'1'235'0,"-7"-7"39"15,1-3-240-15,0-6 6 16,4-2-35-16,2-11 1 0,6-2 7 15,5-11 17-15,10-1-5 16,7-11-2-16,8 4-12 16,13-10-9-16,9 9-7 15,5 2-2-15,-5 9-2 16,1 6-7-16,-15 18 2 0,-5 1-18 16,-11 11 0-1,-2 5-13-15,-2 4 2 16,0-5 13-16,-1 15 17 0,-1 24 4 15,-6 75 14-15,2-30 6 16,0-2-9-16,6-4-2 16,5-18-1-16,11-1-2 15,3-24-2-15,7-8 1 16,4-9 4-16,6-11 7 16,-3-12 8-16,12-15 4 15,0-6 1-15,6-14-2 16,-5-8-7-16,0-8-2 15,-12 7-3-15,-9 3 38 16,-13 14 23-16,-6 10 23 16,-7 11 24-16,-21-7-127 15,-5 0-35-15,-16-3-28 16,-10-1-24-16,-14 3-27 0,12 13 122 16,-5 5-104-1,8 1-57-15,4 3-87 0,15-5-93 16</inkml:trace>
+  <inkml:trace contextRef="#ctx0" brushRef="#br0" timeOffset="48445.84">32678 3400 784 0,'-2'-6'201'16,"2"7"38"-16,8-4-246 15,9-4-15-15,12-8-19 16,9-2 12-16,14-5 17 16,-5 5 20-16,-3 1 1 15,-13 11 0-15,-3 1-5 16,-12 8-8-16,-3-1-4 16,-7 7-2-16,-1 3 2 15,-5 7 4-15,-9 10 4 16,-4 7 3-16,-16 12 1 15,-6 5-3-15,-14 9 1 16,3-8-1-16,-2-1-1 16,15-14-1-16,9-5-6 15,15-15-5-15,7-2-5 0,10-8 1 16,8 1 5 0,7-1 9-16,10 1 9 0,7-3 4 15,7 2 2-15,-5-3-4 16,12 1-4-16,-10 1-3 15,-1 4 0-15,-13-2-1 16,-5 7 4-16,-19-1 3 0,-16 11 3 16,-12 3 0-16,-13 11-16 15,-7 2-46-15,-22 4-177 16,2-13 26-16</inkml:trace>
+  <inkml:trace contextRef="#ctx0" brushRef="#br0" timeOffset="49450.07">31107 54 657 0,'-91'-12'137'0,"11"-5"65"16,-20 15-199-16,10-1 0 15,-23 11-4-15,11 1 0 16,-21 37-2-16,19 12 2 0,-16 6 0 16,21 43 2-1,-8 38-2-15,27-11-1 0,-9 43 3 16,14 28-2-16,-3 16 3 15,12-7 5-15,-5 57 22 16,14-10 3-16,-3 59 1 16,12-21-3-16,7 51-1 15,15-32-23-15,13 34 8 16,11-50 5-16,22 23 3 16,18-54 1-16,23 14 0 15,10-46-12-15,27 10-5 16,-6-37-4-16,16 13 0 15,-5-45-1-15,21 2 2 16,-7-41-1-16,29-17-1 16,-13-37-1-16,22-12-2 15,-11-30 0-15,19-14 1 16,-22-19 3-16,22-16 2 16,-24-16 1-16,5-24 1 0,-24-14 6 15,16-32 7-15,-27-18 5 16,27-44 3-16,-2-6-2 15,21-45-3-15,-22 4-10 16,13-40-10-16,-27 20-11 16,-4-44-4-16,-30 31-9 15,-1-39-36-15,-14 26-30 0,11-60-192 16,-13 25 21-16</inkml:trace>
+  <inkml:trace contextRef="#ctx0" brushRef="#br0" timeOffset="50159.3">30488 225 884 0,'-25'3'106'0,"1"-2"91"15,28 3-269-15,20 6 0 16,8-11 8-16,23-7 51 15,9-9 8-15,34-21 2 0,0-5 5 16,36 4-1-16,4 9-2 16,21-1 0-16,-15 25-1 15,24 6-1-15,-26 5 1 16,10-15-1-16,-20 17 0 16,10-6 0-16,-30-4 0 15,-3-2 1-15,-32 19 2 16,-8 14 0-16,-26 12 0 0,0 18 1 15,-11 31-1-15,-1 28 1 16,-2 1-1-16,-5 21 2 16,-8 12 2-16,-3 18 1 15,-6-7-1-15,-1 37 3 16,-2-8 0-16,-4 19 3 16,0-24 1-16,3 15 43 15,-2-43-3-15,2 7-1 16,6-23-3-16,11 9-3 15,-3-22-39-15,8 25 2 16,0-18-2-16,3 18 1 16,-3-15-1-16,-2 12 1 15,-6-29-2-15,-9 11 5 16,-3-23 1-16,-15 9 6 16,2-14 1-16,-9 19 2 15,6-14-2-15,-6 14-3 16,10-21-7-16,-4-1-2 0,11-24-3 15,1-13-3-15,3-25-25 16,-2-2-126-16,1-10-127 16,-10 2-23-16</inkml:trace>
+  <inkml:trace contextRef="#ctx0" brushRef="#br0" timeOffset="65251.98">19760 7697 1098 0,'-21'42'228'16,"1"-21"99"-16,8-15-350 15,11-2-22-15,7-4 5 16,6-4 7-16,23-16 3 15,13-9 29-15,25-18 5 16,11-13-2-16,25-25-1 16,-4 2 1-16,16-15-2 15,-13 11 2-15,10-13-1 16,-18 15 0-16,7-5-3 16,-19 13-19-16,-1-1-72 15,-20 23-52-15,-12 11-87 16,-26 21-33-16,-22 18-12 15,-21 22-19-15</inkml:trace>
+  <inkml:trace contextRef="#ctx0" brushRef="#br0" timeOffset="65447.47">20050 7816 840 0,'43'-8'174'0,"17"-18"85"16,13-14-245 0,28-14-8-16,12-5 2 0,37-23-12 15,-1 1-40-15,26-17-217 16,-8-1 48-16</inkml:trace>
+  <inkml:trace contextRef="#ctx0" brushRef="#br0" timeOffset="68295.07">12617 9188 691 0,'6'-8'165'0,"-5"0"58"15,-3 4-209-15,5-4-9 16,7 1-12-16,13-6-2 16,4-6-2-16,12-5 3 15,5 0 8-15,7-8 0 16,-5-4 1-16,16-12 3 15,-2-5 2-15,16-13 2 16,-2-1 0-16,16-7 4 16,-8 9 2-16,8-15 15 15,-7 6 15-15,15-10 5 16,-13 9-4-16,7-4-4 16,-12 19-16-16,0 2-18 0,-18 15-5 15,1 2-1-15,-13 10 0 16,-1 3-1-16,-11 6-3 15,-2 6-34-15,-10 4-31 16,1 4-89-16,-12 4-70 16,-8 10-43-16,-12 8-64 15</inkml:trace>
+  <inkml:trace contextRef="#ctx0" brushRef="#br0" timeOffset="68581.3">13161 9223 677 0,'-4'13'200'16,"-2"-12"38"-16,3-2-188 15,9-3-54-15,-5 3-5 16,13-8-2-16,25-14-1 15,78-61 15-15,-26 13 0 0,0-4 3 16,17-13 0 0,-12 6-1-16,12-7-1 15,-14 12 1-15,16-9-4 16,-10 10-4-16,18-8-158 16,-6 13-72-16,2-7-33 0</inkml:trace>
+  <inkml:trace contextRef="#ctx0" brushRef="#br0" timeOffset="80020.84">13785 9278 680 0,'14'10'239'15,"-10"-8"4"-15,-4-2-165 16,4-1-121-16,-4 0 3 16,1-1 16-16,23-8 6 15,56-35 21-15,-12-2 1 16,10-9-1-16,14-15-1 16,-8-2-1-16,12-7 2 15,-17 7-2-15,5-5 1 16,-9 11 0-16,8-1 0 0,-13 8-26 15,10-8-130-15,-9 8-73 16,-2 0-45-16</inkml:trace>
+  <inkml:trace contextRef="#ctx0" brushRef="#br0" timeOffset="80244.24">14200 9463 1064 0,'36'12'157'16,"-28"-44"132"-16,61-15-322 15,25-18-60-15,62-30-201 16,18-16 58-16</inkml:trace>
+  <inkml:trace contextRef="#ctx0" brushRef="#br0" timeOffset="83881.07">15778 11189 613 0,'50'-18'121'15,"-5"-4"62"-15,7-12-183 16,12-4-6-16,24-12 2 15,-4 5 1-15,16-9 0 16,-9 6 3-16,8-8 19 16,-18 11 15-16,8-5 23 15,-18 8 5-15,3-1 7 0,-14 10-19 16,2 0-14-16,-13 8-20 16,-1 3-8-1,-10 9-6-15,3 1-23 0,-8 5-36 16,5-1-137-16,1 0-57 15,10-9-61-15</inkml:trace>
+  <inkml:trace contextRef="#ctx0" brushRef="#br0" timeOffset="84803.75">22958 11479 846 0,'24'2'201'0,"-2"-6"65"16,4 7-239-16,13-10-65 0,9 2-19 15,25-2-27-15,1-1-19 16,15-5-18-16,-10-3 36 16,12-14 18-1,-15-2 41-15,10-10 56 0,-12 1 36 16,12-15 20-16,-11 5 3 16,15-9-7-16,-6 6-33 15,21-14-19-15,-2 11-19 16,30-13-9-16,-5 8-6 15,25-9-23-15,-7 13-17 16,17-2-17-16,-22 13-1 0,9-3 0 16,-28 13 24-16,0-2 25 15,-30 5 32-15,-3 1 29 16,-25 9 13-16,-1-2 30 16,-23 8 0-16,-3 5-9 15,-12 3-24-15,-7 3-4 16,-10 5-31-16,-2 0-7 15,-4 2-7-15,-1 0-8 16,-1 0-15-16,-1 0-44 16,1 0-43-16,0-1-190 15,0-1 15-15</inkml:trace>
+  <inkml:trace contextRef="#ctx0" brushRef="#br0" timeOffset="88841.6">2084 4368 781 0,'-65'6'146'0,"-10"15"73"16,7 13-235-16,-7 21-19 15,13 11 5-15,-1 23 0 0,11 2 6 16,7 26 1-16,14-8 10 15,2 20-1-15,11-11 5 16,9 21 2-16,8-11 4 16,6 16 1-16,16-14 3 15,16 24-1-15,9-14 0 16,15 27 0-16,6-9 1 16,5 24-1-16,-9-15 5 15,-2 22-5-15,-19-29-1 16,-7 25 4-16,-18-24 5 0,-20 18 2 15,-14-21 8-15,-20 17 7 16,-15-37-3-16,-23 20-1 16,-2-29-6-16,-22 1 0 15,7-27-3-15,-23 7 1 16,15-33-2-16,-15 0 1 16,16-19 4-16,-6-7 20 15,22-20 14-15,1-10 18 16,23-19 4-16,5-9-1 15,14-9-20-15,7-11-30 16,17-6-23-16,17-19-14 16,15-4-9-16,18-9-7 15,12 6 10-15,16-5 3 16,2 12 5-16,15 0 1 16,1 9 5-16,18 3-1 15,-6 14 1-15,13 17-4 0,-12 16 1 16,8 20-4-16,-17 11 2 15,8 17-2-15,-14 3 5 16,11 20-2-16,-12-2 4 16,14 16 1-16,-1-9 3 15,15 6 1-15,-7-20 4 0,27 2 4 16,-3-22-21-16,30 1-232 16,0-19 75-16</inkml:trace>
+  <inkml:trace contextRef="#ctx0" brushRef="#br0" timeOffset="99203.68">13912 14439 914 0,'-19'-21'280'15,"-4"5"61"-15,12 12-266 0,-11 3-27 16,2 6-41-16,-8 8-30 16,4 11-24-16,-3 16-11 15,2 13 8-15,2 17 3 16,12 1 24-16,3 8 8 16,10-10 11-16,5 0-3 15,4-12-11-15,9-1-34 16,5-12-20-16,9-10-33 15,0-18-4-15,9-17 8 16,-4-17 33-16,1-20 23 16,-9-8 34-16,-3-14 30 15,-11 8 26-15,-6-5 36 16,-7 9 16-16,-6 1 32 16,-1 10-6-16,-2 0 4 0,2 13-24 15,-1 7 0-15,3 9-26 16,1 4-19-16,0 6-30 15,0-2-27-15,0 0-17 16,1 1-7-16,17 22 4 16,50 44 5-16,-33-35 12 15,6-2-55-15,-3-6-43 16,3 0-222-16,-4-4-24 16,-8-5-107-16</inkml:trace>
+  <inkml:trace contextRef="#ctx0" brushRef="#br0" timeOffset="99642.56">14140 14241 981 0,'6'5'238'15,"-4"-19"71"-15,-2 14-293 16,3 1-43-16,11-1-3 15,7 0 6-15,8-3 4 16,5 2 19-16,11-2 3 16,-7 3 0-16,5 5 0 15,-7 5 0-15,5 8-3 16,-8 4-28-16,1 16-89 0,-10 4-54 16,-10 17-104-1,-15-1-11-15,-12 2 152 16,-10-15 183-16,-7-11 130 0,5-19 138 15,0-10 33-15,5-12-123 16,-1-8-96-16,9-7-76 16,-1-23-41-16,7-7-21 15,5-17-2-15,5-5 3 16,5-15 1-16,6 15 5 0,7 2-6 16,2 16-10-16,4 9-55 15,-1 22-35-15,2 10-50 16,-5 13-34-16,6 8-81 15,0 5 1-15,2 3-19 16</inkml:trace>
+  <inkml:trace contextRef="#ctx0" brushRef="#br0" timeOffset="100112.56">14639 13453 1165 0,'4'-12'350'0,"-3"10"60"16,-2 2-334-16,1 1-63 16,0-1-42-16,1 1-9 15,15 33 1-15,35 61 4 16,-15-24 24-16,13 14-1 16,-9-9-12-16,8 5-59 15,-8-14-35-15,5 13-257 16,-11 3 22-16</inkml:trace>
+  <inkml:trace contextRef="#ctx0" brushRef="#br0" timeOffset="100281.34">14700 14094 1003 0,'16'-24'255'0,"2"-9"82"16,-1-2-306-1,12-12-53-15,5 3-78 0,14 0-235 16,-2 7 4-16</inkml:trace>
+  <inkml:trace contextRef="#ctx0" brushRef="#br0" timeOffset="100442.91">15292 13532 1429 0,'-5'0'395'16,"10"2"92"-16,-8-2-418 16,2 0-94-16,1 0-145 15,0 0-209-15,1 0-108 16,3 1-137-16</inkml:trace>
+  <inkml:trace contextRef="#ctx0" brushRef="#br0" timeOffset="100693.24">15696 13084 1254 0,'21'49'246'0,"-21"-2"124"15,14 21-370-15,5 10-13 0,14 17 5 16,3-14 3-16,8 7-2 15,3-14 0-15,6 6-30 16,-6-8-1-16,2 8-21 16,-9-7-19-16,-3 15-75 15,-12-5-49-15,-11 20-128 16,-21-9-35-16</inkml:trace>
+  <inkml:trace contextRef="#ctx0" brushRef="#br0" timeOffset="100905.46">15430 13165 967 0,'29'-52'284'16,"8"-5"75"-16,3 5-292 15,19-15 5-15,3 6-49 16,13 1-84-16,-7 17-53 15,8 9-117-15,-9 20-123 16,13 17 9-16,-8 12-101 16</inkml:trace>
+  <inkml:trace contextRef="#ctx0" brushRef="#br0" timeOffset="101338.87">16508 12299 1192 0,'-8'-8'326'16,"-5"7"87"-16,-8 10-338 15,0 12-63-15,-12 25-11 16,-1 14-22-16,-1 31-1 16,7 3 4-16,9 9 4 15,13-14 5-15,11-2-10 16,8-25-1-16,11-7-7 0,3-17-12 15,9-13-28-15,3-16 9 16,11-20 0-16,-1-17 14 16,5-19 20-16,-7-12 21 15,-8-14 2-15,-18 10 9 16,-10 0 36-16,-11 15 12 16,-7 6 39-16,-9 11 17 15,-5-2 17-15,1 9-25 0,-4 3 0 16,9 7-31-1,5 8-22-15,8 6-31 0,1 1-27 16,2 4-23-16,-1-5-5 16,1 2 5-16,7 24-29 15,53 43-13-15,-23-24-77 16,2-4-68-16,10 4-229 16,-3-12 5-16</inkml:trace>
+  <inkml:trace contextRef="#ctx0" brushRef="#br0" timeOffset="101671.88">16876 12141 835 0,'2'-22'252'0,"5"9"46"15,2 10-243-15,11 1-11 16,6-1-35-16,17 8-3 0,4 3-3 15,10 6 0-15,-2 4-13 16,8 9-51-16,-12 2-29 16,-1 7-86-16,-11 4-19 15,-10 2 54-15,-17-11 136 16,-6-4 108-16,-13-13 106 16,-8-9 83-16,-2-9-24 0,-5-3-83 15,0-7-82-15,-1-12-26 16,6-10-69-16,8-24-26 15,7-8-27-15,16-13-58 16,9 6-27-16,14-5-150 16,4 17-118-16,0 5-18 15</inkml:trace>
+  <inkml:trace contextRef="#ctx0" brushRef="#br0" timeOffset="102788.15">18089 11099 1184 0,'-9'-28'308'16,"-10"-1"114"-16,-8 4-340 15,-12-9-32-15,1 9-10 16,-13 0-16-16,-2 2-27 15,-9-3 5-15,-4 8-9 16,-17 0-4-16,-1 7 1 16,-21 6-2-16,0 7-3 0,-25 8-7 15,0 8-8-15,-29 15-22 16,9 6 3-16,-35 23 0 16,6 4 9-16,-23 21 10 15,21 2 24 1,-34 18 0-16,30-7 5 0,-19 14-1 15,27-9 2-15,-19 11 2 16,29-5-5-16,-21 20 0 16,31-8 1-16,-24 27-2 15,26-3-3-15,-7 20 4 16,26-13-1-16,-9 23-4 16,33-25-3-16,-1 16-1 15,25-20 0-15,-5 11 0 16,21-18 3-16,-1 14 2 15,17-15 3-15,-3 17-1 16,21-10 2-16,8 23 1 0,9-14-4 16,9 15-1-16,18-20 0 15,13 6-3-15,8-29 0 16,24 11 4-16,9-19 1 16,13 10 0-16,-1-13 2 15,16 12-1-15,-4-22 0 16,16 3 2-16,-4-21-1 15,18-6-1-15,-5-25 0 16,23-5-2-16,-7-22-2 0,29-9-1 16,-6-17-2-16,26-12 0 15,-16-14 2-15,24-11-1 16,-18-6 3-16,20-9 0 16,-21-4 3-16,22-16-1 15,-20-1 3-15,22-18-5 16,-25-2 4-16,23-15-2 15,-20 5 1-15,19-19 0 16,-22 10 3-16,13-20-1 16,-25 2-1-16,13-22 0 15,-32 12 4-15,15-35 11 16,-18 15 2-16,8-22 5 16,-22 17 0-16,11-22-3 15,-26 27-8-15,5-23-2 16,-23 27-3-16,-4-26 4 15,-16 12 1-15,-1-27 4 16,-15 25-1-16,-2-18 2 0,-8 33-3 16,-10-1 9-16,-9 38 2 15,-9 0 21-15,-14 24 14 16,-9 4 25-16,-8 22-7 16,-13-7 2-16,0 9-22 0,-5-5-9 15,2 1-26-15,-8-14-6 16,3 10-8-16,-13-13-6 15,1 6-7-15,-9-9 1 16,11 19 4-16,-10-7 11 16,11 23 8-16,-9 4 3 15,4 14-3-15,-13 1 7 16,10 12-11-16,-7-2-2 16,16 5 0-16,0 1-1 15,14 5-15-15,-1-2-11 16,9 6-7-16,-2 2-34 15,4 5-24-15,0 2-61 16,6 10-124-16,-3 14-154 16,5 6-28-16</inkml:trace>
+  <inkml:trace contextRef="#ctx0" brushRef="#br0" timeOffset="103553.16">17398 14707 547 0,'60'-29'128'0,"14"-12"73"16,-1-16-159-16,23-11 36 15,-4 4 4-15,20-11-9 16,-9 6-18-16,14-14-3 16,-7 9-35-16,13-10-7 15,-17 8-2-15,10 0-4 16,-15 14 3-16,4-2 29 15,-21 13 1-15,-2 3-5 16,-21 10 0-16,-8 5-43 16,-23 15-70-16,-8 6-142 0,-10 10-69 15,-10 12-62-15</inkml:trace>
+  <inkml:trace contextRef="#ctx0" brushRef="#br0" timeOffset="104473.12">17403 15139 1087 0,'-6'18'210'0,"3"-14"53"15,9-6-326-15,16-3-26 16,10 1 12-16,21-9 9 15,14-3 55-15,21-8 7 16,2 1 4-16,22-4-2 16,-6 2 0-16,21 0 0 15,-9 4 4-15,17-1 1 16,-17 3 2-16,18 2 3 16,-17 4 0-16,7 7 0 15,-21 1 0-15,0 4-2 0,-26 3-1 16,-8 2 29-1,-26-3 5-15,-6 1 25 0,-12 1 25 16,-9-3 48-16,-10 2-5 16,-3-1 29-16,-4 0-10 15,-1-1-19-15,-1 0-45 16,1 0-17-16,-1 0-35 16,0 0-13-16,-1 0-7 0,1 0-2 15,0 0-5 1,1 0-1-16,0 0 0 15,0 0-1-15,0 0-2 0,0 0-1 16,-1 0-1-16,1 0-3 16,0 0-1-16,0 0-1 15,0 0 1-15,0 0-1 16,0 0 3-16,0 0 0 16,0 0 1-16,0 0 1 15,0 0 2-15,0 0-1 16,0 0 1-16,0 0 1 15,0 0 1-15,0 0 4 16,0 0 2-16,0 0 5 16,0 0 1-16,0 0 4 15,0 0-4-15,0 0-2 16,0 0-4-16,0 0-2 16,0 0-2-16,0 0-1 15,0 0-2-15,0 0 0 0,0 0-1 16,0 0 1-16,0 0 2 15,0 0 2-15,0 0 2 16,0 0 4-16,0 0 2 16,0 0-2-16,0 0-2 15,0 0-2-15,0 0-4 16,0 0-3-16,0 0 0 0,0 0-1 16,0 0 0-16,0 0 0 15,0 0 0-15,0 0 0 16,0 0 0-16,0 0 0 15,0 0 1-15,0 0-1 16,0 0 1-16,0 0 0 16,0 0-1-16,0 0 0 15,0 0 0-15,0 0-2 16,0 0-12-16,0 0-48 16,0 0-21-16,0 0-453 15,-1-1 98-15</inkml:trace>
+  <inkml:trace contextRef="#ctx0" brushRef="#br0" timeOffset="-14017.19">17537 8290 665 0,'-12'7'240'0,"4"-7"9"15,3-3-162-15,0 0-104 16,3 1-32-16,2 2-10 16,0 0-2-16,0 0-1 15,0-1 28-15,0 0 17 16,1 0 15-16,14-9 4 16,12-3 2-16,42-23-3 15,-34 22-2-15,13 1-1 16,-2 1-2-16,15-8 1 15,5 3 0-15,18-5 0 16,-1 1 0-16,19-2 1 16,-1 3 2-16,17-5 0 15,-10 1 0-15,16-6-1 16,-9 1 0-16,10-7 0 0,-12 2 4 16,15-10 9-1,-10 1 5-15,16-5 15 0,-16 3 12 16,2 3-4-16,-21 11-9 15,2 4-6-15,-24 6-14 16,4 5-15-16,-10 1 3 16,7-3-1-16,-8 3 2 0,3-2 1 15,-9 4-1 1,0-6-1-16,-9 5-12 0,-1-4-67 16,-7 3-68-16,11-10-79 15,-10 4-61-15</inkml:trace>
+  <inkml:trace contextRef="#ctx0" brushRef="#br0" timeOffset="-13516.05">18326 8214 835 0,'-8'1'190'16,"3"-4"-47"-16,6 4-303 16,9 2-26-16,8 0-10 15,18-8 19-15,11-1 110 16,17-5 65-16,2-4 4 15,13-9 5-15,-8 1 1 16,18-4 5-16,-2-1 5 16,16-12 10-16,-1 2 8 0,27-12 8 15,-10 0 7-15,26-9 18 16,-11 8-12-16,15 2-13 16,-18 12-11-16,12 0-14 15,-25 9-21-15,16 3 0 16,-20 4 1-16,5-9 1 15,-20 7 0-15,2-1-1 16,-24 5 2-16,-5-4 0 16,-17 10 1-16,-8 0 3 15,-15 5 1-15,-4-4 2 16,-12 5 0-16,-3-2-3 16,-6 1-6-16,-9-1-46 15,-10 1-123-15,-34 5 21 16</inkml:trace>
+  <inkml:trace contextRef="#ctx0" brushRef="#br0" timeOffset="-13162.99">18109 8608 663 0,'-2'6'116'16,"10"-10"45"-1,28-6-168-15,14-6-65 0,42-21 9 16,18-6 57-16,40-16 3 16,-1-3 0-16,28-8 1 15,-22 12 2-15,29-9 29 16,-18 11 6-16,11-2-2 15,-26 9-1-15,3 0 2 16,-37 15-32-16,-7 5-4 16,-25 12 1-16,-5 3 1 15,-18 8 0-15,0 4-27 16,-17 7-50-16,-5 4-112 16,-30-1-7-16</inkml:trace>
+</inkml:ink>
+</file>
+
+<file path=ppt/ink/ink16.xml><?xml version="1.0" encoding="utf-8"?>
+<inkml:ink xmlns:inkml="http://www.w3.org/2003/InkML">
+  <inkml:definitions>
+    <inkml:context xml:id="ctx0">
+      <inkml:inkSource xml:id="inkSrc0">
+        <inkml:traceFormat>
+          <inkml:channel name="X" type="integer" max="29376" units="cm"/>
+          <inkml:channel name="Y" type="integer" max="16524" units="cm"/>
+          <inkml:channel name="F" type="integer" max="4095" units="dev"/>
+          <inkml:channel name="T" type="integer" max="2.14748E9" units="dev"/>
+        </inkml:traceFormat>
+        <inkml:channelProperties>
+          <inkml:channelProperty channel="X" name="resolution" value="1000.20428" units="1/cm"/>
+          <inkml:channelProperty channel="Y" name="resolution" value="1000.24213" units="1/cm"/>
+          <inkml:channelProperty channel="F" name="resolution" value="0" units="1/dev"/>
+          <inkml:channelProperty channel="T" name="resolution" value="1" units="1/dev"/>
+        </inkml:channelProperties>
+      </inkml:inkSource>
+      <inkml:timestamp xml:id="ts0" timeString="2020-03-13T17:14:42.671"/>
+    </inkml:context>
+    <inkml:brush xml:id="br0">
+      <inkml:brushProperty name="width" value="0.05292" units="cm"/>
+      <inkml:brushProperty name="height" value="0.05292" units="cm"/>
+      <inkml:brushProperty name="color" value="#FF0000"/>
+    </inkml:brush>
+  </inkml:definitions>
+  <inkml:trace contextRef="#ctx0" brushRef="#br0">29726 3610 448 0,'-19'2'86'0,"3"-8"27"0,6 5-143 16,-5 0-12-16,2 2-12 15,-7 2-33-15,-2 2 17 16,-2-1 45-16,2-3 27 15,-1-7 24-15,4-6 41 16,0-7 48-16,1-3-27 16,-3-7 0-16,3 3-10 15,-2-4-2-15,4 3-48 16,0 2-10-16,4 5-13 16,2-1-8-16,5 5-8 0,1 8-18 15,5 0-11-15,6-3-26 16,10 0 3-16,18-6 6 15,6-10 17-15,9 1 9 16,-2 5 22-16,2 7-8 16,-12 11 0-16,3 12-2 15,-3 6 1-15,9 7 0 16,-4 4 9-16,4 15 3 16,-5-1 4-16,2 12 0 15,-10 2 3-15,1 6 0 16,-12-7 0-16,-1 4 0 15,-10-8 1-15,-1-6-2 16,-4-7 0-16,3-5 0 0,-4-10-1 16,4-6-1-16,2-5 0 15,-2-3 0-15,-1-6 1 16,2 1 1-16,0-3 1 16,5 0 0-16,3-4-1 15,9-3-65-15,5-3-30 16,10-12-16-16</inkml:trace>
+  <inkml:trace contextRef="#ctx0" brushRef="#br0" timeOffset="4605.28">17791 1793 968 0,'-36'-45'173'0,"-10"2"112"16,7 6-298-16,-13-4 6 16,4 6 8-16,-17-3-4 15,-2 0 7-15,-25-5-90 16,-1 4 1-16,-32-7 9 15,2 9 6-15,-20-15 12 0,17 12 131 16,-9-12 22 0,26 20-8-16,-15 1-9 0,10 25-22 15,-22 12-45-15,7 31-30 16,-25 14-12-16,-5 26-19 16,-28 33-7-16,14 9 7 15,-25 31-3-15,12-3 12 16,-5 27 20-16,30-18 8 15,-6 22 0-15,32-17 9 0,2 25-2 16,29-21 1-16,3 35-3 16,24-11 2-16,1 35 0 15,23-14 3-15,8 34-1 16,19-24 1-16,15 30 0 16,20-29 1-16,23 30-2 15,10-37 2-15,26 26-3 16,7-38 0-16,31 18-1 15,4-39 0-15,33 11-2 16,1-36 2-16,40 9-3 16,-6-37 2-16,40 2-1 15,-10-25 1-15,46 0 1 16,-14-26 2-16,43-3-2 16,-17-19 2-16,47-13-1 15,-28-27 2-15,49-13 0 0,-29-16 1 16,45-25-1-1,-37-13 2-15,43-22 0 0,-50-7 1 16,38-19 0-16,-47 0 2 16,31-27 5-16,-46 3 2 15,28-28 15-15,-50 3 10 16,11-25 24-16,-48 10 12 0,-2-29 20 16,-58 30-4-16,7-26 6 15,-50 20-19-15,-14-11-9 16,-35 29-20-1,1-36-5-15,-41 32-11 0,-9-25-1 16,-21 22 6-16,-22-19 28 16,-22 26 2-16,-28-27 4 15,-15 38-4-15,-25-28-12 16,-4 22-30-16,-34-16-8 16,14 24-6-16,-22-28-1 15,15 27 0-15,-26-11-3 16,19 17 1-16,-28-5-6 15,15 25 0-15,-29-9-2 16,16 19 1-16,-25-5-2 16,24 20 0-16,-25-5 0 15,19 19-2-15,-16 3-1 0,25 25 0 16,-25-5 1-16,29 15 1 16,-12 3 0-16,32 8 4 15,-9 1-1-15,35 15-2 16,-3-1-4-16,23 4 1 15,-10 16-52-15,7 13-9 16,-23 9-2-16,8 15 5 16,-15 8 0-16,17-11 51 15,5-4 12-15,32-15 4 16,9-3-1-16,26-13 0 0,9 2-5 16,16-5-2-16,5 3-2 15,5 1-1-15,3 2 0 16,2-2 5-16,3-2 0 15,0-7 3-15,3-4 0 16,-1-5 2-16,0 6-1 16,2 0 0-16,0 0-2 15,0 0-3-15,0 0-86 16,0 1-13-16,0 0-129 16,2 2-77-16,2 11-28 15</inkml:trace>
+  <inkml:trace contextRef="#ctx0" brushRef="#br0" timeOffset="8648.66">13770 17052 389 0,'18'-1'94'16,"-5"-5"32"-16,-5 0-106 15,2 1-22-15,5-2 4 16,4 6-1-16,2 1 0 0,6-3 11 16,1 1 7-16,8-3 6 15,1-2 17-15,10-1 11 16,0 1-5-16,14 2-5 16,-2-1-5-16,8 2-19 15,-4 3-11-15,11 5-3 16,-7 3-3-16,16 7 1 15,-3 2 1-15,13 4 0 16,-8 0 1-16,13-2 12 16,-12-5 9-16,7 0 22 15,-12-4 5-15,7-2 4 16,-13-2-12-16,7 4-8 16,-8 0-23-16,7 1-5 15,-12 2-5-15,3 8 0 16,-14-8-1-16,-1 4-2 15,-18-2 28-15,-5-3 25 0,-13-8 19 16,-5 2 44-16,-10-8 25 16,-3 2 6-16,-3 1-13 15,0-1-7-15,-1 0-42 16,0 1-20-16,0-1-34 16,0 1-13-16,1-1-15 15,0 1-22-15,-1 0-22 0,1 0-67 16,0 0-64-16,0 0-291 15,0 0 30-15</inkml:trace>
+  <inkml:trace contextRef="#ctx0" brushRef="#br0" timeOffset="9818.02">18630 17001 976 0,'-10'5'278'15,"8"-5"51"-15,-3 1-276 16,0-1-151-16,5 0-94 16,0 0 4-16,0-1 1 0,2 0 31 15,-1 0 56-15,15 0 96 16,7-1 7-16,37-1 2 16,-26 1 2-16,3 2-2 15,16-2 0-15,3 1-2 16,16 1-1-16,2-1-2 15,21 0 0-15,-2 1 0 16,26 2 2-16,-4 1 0 16,23 4 1-16,-5 3-1 15,18 4 0-15,-14 4-1 16,22 8 1-16,-19-5 0 0,14 0 0 16,-15-7-2-16,15-7 24 15,-18-5 1-15,21-8 14 16,-16-5 3-16,17 3 8 15,-18-1-23-15,18 1 2 16,-22 8-10-16,18 6 1 16,-20 4-7-16,20 5 9 15,-21 0 3-15,22-1 2 16,-18 2-4-16,14-4 2 16,-17 0-10-16,17-3 13 15,-21-4 0-15,15-5 6 16,-17 1-1-16,14-2 9 0,-24 3-16 15,12 0 0 1,-19-1 1-16,5 2 7 16,-21-6-8-16,9 0-2 0,-17-2 4 15,11 4 16-15,-15-3-1 16,8 0 10-16,-20 2-1 16,-7-3-7-16,-22 2-24 15,-11-1-8-15,-16 4-10 16,-5-2 28-16,-5 4 9 0,-3 1 12 15,-2-1 0 1,0-2 4-16,0 0-36 0,0 0-103 16,0 0-317-16,1-1-16 15,14-10-191-15</inkml:trace>
+  <inkml:trace contextRef="#ctx0" brushRef="#br0" timeOffset="13485.3">14012 9297 998 0,'-15'-38'190'0,"-6"-3"117"15,2 11-295 1,-3 3-5-16,2 9-3 0,-8 2-14 15,-4 5-20-15,-20 2-12 16,-9 4-4-16,-22 4 4 16,-4 7 17-16,-21 6 10 15,5 2 7-15,-22 10 8 16,12 5 2-16,-19 13-2 16,9 3-2-16,-10 14-1 15,23 3-2-15,-9 9-4 16,24-1-2-16,-6 26-3 15,21 2-3-15,-9 24 1 16,16 3 4-16,-3 29 2 16,14-13 3-16,-2 13 1 15,17-18 1-15,6 11-1 16,19-33 2-16,14 15 0 16,13-18-1-16,20 18 2 15,5-14 0-15,8 14-1 0,-1-21 3 16,9 5 2-16,-11-22 1 15,5 4 2-15,-7-13-1 16,5 15 2-16,-10-5-1 16,-1 18 1-16,-7-3 1 15,-11 17 1-15,-13-7 0 0,-21 11 2 16,-10-14-3-16,-23 16-3 16,-15-12-7-16,-31 20-11 15,-5-11-4-15,-25 18 1 16,1-21 6-16,-10-4 39 15,22-36 24-15,-7-9 22 16,21-33 6-16,-6-7 23 16,21-19-27-16,-4-8-8 15,20-13-19-15,4-11-13 16,21-9-33-16,5-6-23 16,16-4-15-16,9-20-14 15,13-7 3-15,16-17 1 16,13-3 15-16,15-4 8 15,4 17 11-15,13 1 2 16,-1 16 1-16,15 0 1 16,-3 10 0-16,17 6 1 0,-2 10 1 15,13 11 0-15,-7 12 2 16,19 18-3-16,-12 12-1 16,18 23-3-16,-11 12 1 15,19 26-1-15,-18 1 2 16,12 19 2-16,-14-7 1 15,14 21-1-15,-18-11 1 16,17 20 1-16,-12-10 0 0,16 14-2 16,-8-21 2-16,22 6 1 15,-11-27-3-15,27 2 5 16,-6-19 4-16,16 4 2 16,-15-13 1-16,22 8 3 15,-23-14-3-15,13 5 0 16,-22-13-4-16,13-2 2 15,-26-16-1-15,9-3 4 16,-16-15-1-16,10-4 4 16,-19-11-2-16,9 1 2 15,-19-2-2-15,8 2 1 16,-18 0-3-16,4 6 0 16,-18 1-3-16,-3 1 3 15,-19 1-1-15,-5-1 3 0,-16-3-1 16,-7-1 14-1,-8-3 30-15,-4-3 46 0,-5-1 16 16,-2 0 26-16,0 0-5 16,1 0-26-16,0 0-45 15,0 0-16-15,0 0-28 16,1 0-9-16,0 0-29 16,0 0-89-16,0 0-329 15,0 0 61-15</inkml:trace>
+  <inkml:trace contextRef="#ctx0" brushRef="#br0" timeOffset="20656.59">13688 18122 897 0,'12'6'152'0,"-3"-21"98"15,8-3-263-15,12-14-18 16,9-15 16-16,15-8 11 15,2 5 0-15,11-11 3 16,-4 11 1-16,6-3 1 16,-8 9-2-16,2-11 3 15,-11 11 1-15,0-4 0 16,-10 4 1-16,2 4 0 16,-7 10-2-16,3 0-2 15,-3 3 0-15,2 1-1 0,-5 0-19 16,4 3-45-1,-5 8-32-15,2 3-101 0,-6 5-51 16,3 3-29 0</inkml:trace>
+  <inkml:trace contextRef="#ctx0" brushRef="#br0" timeOffset="21061.83">14447 18133 723 0,'-3'19'302'0,"3"-17"-25"16,1 1-186-16,6-9-90 16,-7 5-42-16,2-1 7 15,19-7 15-15,59-74 9 16,-29 24 15-16,11-13-2 15,-2 1 1-15,10-3 0 16,-10 9 1-16,9-3-6 16,-9 10 1-16,12-5 0 15,-11 13 1-15,3 1-1 16,-11 12 0-16,5 3 3 16,-16 13-1-16,-7 1-1 15,-8 10 3-15,-10 3 22 16,-11 5 29-16,-4 1 46 0,-1 1 13 15,-2-1 8-15,1 1-22 16,0 0-30-16,0 0-70 16,0 0-224-16,0 0-163 15,0 0-45-15</inkml:trace>
+</inkml:ink>
+</file>
+
+<file path=ppt/ink/ink17.xml><?xml version="1.0" encoding="utf-8"?>
+<inkml:ink xmlns:inkml="http://www.w3.org/2003/InkML">
+  <inkml:definitions>
+    <inkml:context xml:id="ctx0">
+      <inkml:inkSource xml:id="inkSrc0">
+        <inkml:traceFormat>
+          <inkml:channel name="X" type="integer" max="29376" units="cm"/>
+          <inkml:channel name="Y" type="integer" max="16524" units="cm"/>
+          <inkml:channel name="F" type="integer" max="4095" units="dev"/>
+          <inkml:channel name="T" type="integer" max="2.14748E9" units="dev"/>
+        </inkml:traceFormat>
+        <inkml:channelProperties>
+          <inkml:channelProperty channel="X" name="resolution" value="1000.20428" units="1/cm"/>
+          <inkml:channelProperty channel="Y" name="resolution" value="1000.24213" units="1/cm"/>
+          <inkml:channelProperty channel="F" name="resolution" value="0" units="1/dev"/>
+          <inkml:channelProperty channel="T" name="resolution" value="1" units="1/dev"/>
+        </inkml:channelProperties>
+      </inkml:inkSource>
+      <inkml:timestamp xml:id="ts0" timeString="2020-03-13T17:15:24.498"/>
+    </inkml:context>
+    <inkml:brush xml:id="br0">
+      <inkml:brushProperty name="width" value="0.05292" units="cm"/>
+      <inkml:brushProperty name="height" value="0.05292" units="cm"/>
+      <inkml:brushProperty name="color" value="#FF0000"/>
+    </inkml:brush>
+  </inkml:definitions>
+  <inkml:trace contextRef="#ctx0" brushRef="#br0">19025 6440 950 0,'10'6'268'15,"-25"-11"49"-15,12 3-252 16,4 3-87-16,0 0-8 16,-1-1 4-16,0 0-5 15,0 0 2-15,0-1 5 16,1 0 7-16,8-4 3 15,29 1 9-15,58-76 6 16,-22 27-1-16,24-17 0 16,4-5 1-16,24-16-3 0,-5 6 1 15,25-10-1-15,-4 4 1 16,30-15-1-16,-13 5 3 16,21-8-2-16,-21 9 2 15,8-8 0-15,-32 20 1 16,1 1-1-16,-29 20 0 15,-5 7-2-15,-27 22 1 16,-11 9-4-16,-23 16-23 16,-7 6-63-16,-14 5-57 15,-2 7-86-15,-7 7-44 16,7 11-47-16</inkml:trace>
+  <inkml:trace contextRef="#ctx0" brushRef="#br0" timeOffset="18355.39">8650 9628 647 0,'0'-4'234'15,"-7"-2"20"-15,5 3-169 16,1 2-54-16,-1 0-27 0,2 1-10 16,0 0-12-16,0 0-6 15,0 0 2-15,0 0 0 16,2-2 7-16,-1 1 5 16,14-1 4-16,7-3 1 15,36-12-1-15,-25 1 0 16,-1 0 1-16,13-7 0 15,3-8 1-15,17-13 1 16,3 0 3-16,17-18-1 16,-3 0 0-16,17-4-1 15,-11 10 0-15,2 0-2 16,-18 14 6-16,0 0 17 16,-21 10 13-16,-2-1 20 15,-13 10 8-15,-4 1 2 16,-11 7-17-16,-1 4-11 15,-9 5-20-15,2 0-6 16,-3 2-31-16,4 0-98 16,3 4-89-16,11-2-73 0,-3-4-104 15</inkml:trace>
+  <inkml:trace contextRef="#ctx0" brushRef="#br0" timeOffset="21277.89">8838 10610 510 0,'3'-2'250'0,"-1"0"-18"15,-2 1-96-15,-2 0-120 16,1 0-13-16,1 1-5 0,0 0-5 15,0 0-7-15,-1 0 3 16,1 0-1-16,0 0 1 16,0 0 0-16,0 0 5 15,0 0-8-15,0 0-1 16,0-1 3-16,0 0 3 16,1-2 6-16,16-8 7 15,50-38 1-15,-32 26-2 0,13-7-1 16,3-1-2-1,15-8-2-15,-2 1 2 0,17-8-3 16,-1 6 1-16,7-4 1 16,-10 4 1-16,9-1 2 15,-14 3 2-15,5-6 0 16,-6 7-1-16,3-5-2 16,-13 2-3-16,0 1 1 15,-15 8-2-15,-7-1 2 16,-10 11 1-16,-5 6 2 15,-9 6 2-15,-4 3 4 16,-7 5 1-16,-1 1 6 16,-2 2 6-16,-1-2-1 15,0 0-3-15,0 0 6 0,-1 0-8 16,1 0-69 0,0 0-82-16,0 1-96 0,0 1-64 15</inkml:trace>
+  <inkml:trace contextRef="#ctx0" brushRef="#br0" timeOffset="23956.96">9658 11766 748 0,'-3'8'301'0,"1"-3"3"16,2-7-182-16,-1 2-94 15,1-2-34-15,0 2-23 16,0 0 1-16,0 0-13 16,0 0 8-16,0 0-9 15,0 0 15-15,0 0-2 16,0-1 13-16,1 0 0 15,13-7 11-15,15 2 4 16,41-49 0-16,-23 24-1 16,3 1 1-16,13-11 0 15,-2-1 1-15,11-5-1 0,-7 2 0 16,13-11 0-16,-10 8 1 16,6-3 0-16,-11 8 0 15,0 2 0-15,-15 11-1 16,-2 1-1-16,-12 11 0 15,-4 0 0-15,-10 6 1 16,-3 4 1-16,-8 3 3 16,-3 3 4-16,-4-1 2 15,1 3 15-15,-3 0 13 0,0 0 26 16,0 0 10 0,-1 0 7-16,1 0-10 0,-2 0-10 15,2 0-27-15,0 0-13 16,0 0-21-16,0 0-100 15,0 0-208-15,0 0-34 16,2 0-152-16</inkml:trace>
+  <inkml:trace contextRef="#ctx0" brushRef="#br0" timeOffset="29317.63">6423 12811 1056 0,'1'19'264'0,"-7"-35"75"15,3 15-301-15,-1-2-60 16,4 1-11-16,0 2-9 16,0 0 0-16,0-1 11 15,1 0 4-15,26-8 11 16,52-34 11-16,-29 4 2 16,19-18 2-16,0-4 0 15,17-11-2-15,-9 3 2 16,14-18 1-16,-12 11-1 15,11-10 0-15,-16 11 2 0,2-6-3 16,-16 26 2-16,-2 5-1 16,-19 17 1-16,-6 7 0 15,-14 18 4-15,-6 0 8 16,-8 5 9-16,-4 3 18 16,-1 2 9-16,0-3 1 15,-1 1-8-15,0 0-18 16,0 0-39-16,0 0-129 15,0 1-201-15,-20 38 7 16</inkml:trace>
+  <inkml:trace contextRef="#ctx0" brushRef="#br0" timeOffset="34475.98">19391 14156 354 0,'-6'14'156'16,"2"-7"-6"-16,0-5-77 15,2-2-68-15,1 0-26 16,1 0-12-16,0 0-18 15,0 0-2-15,0-1 6 16,0 0 18-16,1 0 20 16,15-9 23-16,19 6 9 15,35-54-1-15,-23 25 8 16,4-1-3-16,11-9 11 16,-2 1 2-16,21-8 4 0,-4 3-10 15,17-15-6-15,-3 3-16 16,19-10-7-1,-3 3-5-15,9-5 0 0,-11 11 0 16,8 3 12-16,-20 15 12 16,3-9 24-16,-17 12 11 15,6-2 16-15,-17 7-4 16,1-5 4-16,-15 13-12 16,-1 1-6-16,-14 8-15 15,-3 3-5-15,-14 5-18 0,-5 3-7 16,-5 3-8-16,-3 1-1 15,-6 2-3-15,3-1-31 16,0 2-30-16,-6-1-134 16,0 0-88-16,1 0-44 15</inkml:trace>
+  <inkml:trace contextRef="#ctx0" brushRef="#br0" timeOffset="36124.01">8798 14727 724 0,'-11'6'165'0,"-3"-4"75"15,4 0-212-15,3-2-18 16,6 1-7-16,1-2-7 16,0 0-13-16,0 0 1 15,1 0 4-15,9-7 6 16,18-7 4-16,48-55 0 15,-31 34 3-15,12-15 1 16,-4 5-1-16,12-11 1 16,-7 9 1-16,3-6-1 15,-8 11-1-15,4-3 13 16,-14 10 4-16,1-2 2 16,-10 9 2-16,-3 2 0 15,-9 8-12-15,-6 5-3 16,-8 6-1-16,-2 2 0 0,-4 4-2 15,0 2-1-15,-2 0-6 16,0 0-46-16,0 0-36 16,0 0-74-16,0 1-44 15,1 3-43-15,5 16-30 16</inkml:trace>
+  <inkml:trace contextRef="#ctx0" brushRef="#br0" timeOffset="36754.68">8951 15724 236 0,'13'0'145'16,"-1"0"-27"-16,-5-8-35 16,8-8-72-16,5-8-14 15,10-12 10-15,1-3-2 16,8-7 1-16,-1-1 0 16,8-4 5-16,-4 4 1 0,5 0 2 15,-8 11 0-15,5-1 0 16,-7 10-5-16,1-2 28 15,-9 7 2-15,-4-1 6 16,-10 8 2 0,-5 2 32-16,-6 9-16 0,-1 0 25 15,-3 4 5 1,0 0 13-16,0 0-27 0,0 0-8 16,0 0-28-16,0 0-11 15,0 0-16-15,-1 0-3 16,1 0-6-16,-1 0 1 15,1 0-1-15,0 0 1 16,0 0-4-16,0 0-2 16,0 0-19-16,0 0-81 15,0 0-96-15,0-1-122 16,0 0-68-16</inkml:trace>
+  <inkml:trace contextRef="#ctx0" brushRef="#br0" timeOffset="39433.3">20309 16864 688 0,'-40'-17'291'0,"35"16"22"16,0 1-177-16,0 2-54 15,3-2-38-15,1 0 1 16,0 0-24-16,0 0-3 16,-1 0-2-16,-1 0-6 15,1 0-12-15,0 0-2 16,1 0 1-16,-1 0-4 15,1 0-2-15,0 0-9 16,0 0-10-16,0 0-30 16,1 0 3-16,1-1 0 0,9-1 10 15,30-11 10-15,53-18 32 16,-25 2 0-16,-1-8 3 16,16-17 3-16,-4-3 6 15,17-24 10-15,-6 0 9 16,16-16 12-16,-10 11-1 15,16-15 22-15,-16 12 9 16,9-7-2-16,-21 20-18 16,-2 3 0-16,-25 24-27 0,-10 13-19 15,-18 16-4-15,-3 5 4 16,-8 7 0-16,-6 0-1 16,-1 4-1-16,-3 3-28 15,-1 0-41-15,14-1-199 16,7-3-98-16,8-17-73 15</inkml:trace>
+</inkml:ink>
+</file>
+
+<file path=ppt/ink/ink18.xml><?xml version="1.0" encoding="utf-8"?>
+<inkml:ink xmlns:inkml="http://www.w3.org/2003/InkML">
+  <inkml:definitions>
+    <inkml:context xml:id="ctx0">
+      <inkml:inkSource xml:id="inkSrc0">
+        <inkml:traceFormat>
+          <inkml:channel name="X" type="integer" max="29376" units="cm"/>
+          <inkml:channel name="Y" type="integer" max="16524" units="cm"/>
+          <inkml:channel name="F" type="integer" max="4095" units="dev"/>
+          <inkml:channel name="T" type="integer" max="2.14748E9" units="dev"/>
+        </inkml:traceFormat>
+        <inkml:channelProperties>
+          <inkml:channelProperty channel="X" name="resolution" value="1000.20428" units="1/cm"/>
+          <inkml:channelProperty channel="Y" name="resolution" value="1000.24213" units="1/cm"/>
+          <inkml:channelProperty channel="F" name="resolution" value="0" units="1/dev"/>
+          <inkml:channelProperty channel="T" name="resolution" value="1" units="1/dev"/>
+        </inkml:channelProperties>
+      </inkml:inkSource>
+      <inkml:timestamp xml:id="ts0" timeString="2020-03-13T17:16:31.524"/>
+    </inkml:context>
+    <inkml:brush xml:id="br0">
+      <inkml:brushProperty name="width" value="0.05292" units="cm"/>
+      <inkml:brushProperty name="height" value="0.05292" units="cm"/>
+      <inkml:brushProperty name="color" value="#FF0000"/>
+    </inkml:brush>
+  </inkml:definitions>
+  <inkml:trace contextRef="#ctx0" brushRef="#br0">16396 6787 387 0,'0'-9'94'16,"0"-1"43"-16,0 4-118 15,0 3 3-15,0 0 1 16,4-4-17-16,32-9-3 16,51-43 1-16,-10 12 0 0,8-9-1 15,25-21 1 1,-3-5-2-16,19-17 2 0,-11 5 3 16,25-22 10-16,-14 9 7 15,22-22 13-15,-7 4 3 16,24-16 9-16,-18 18-10 15,19-9-4-15,-21 18-11 16,12 2-3-16,-29 25-10 0,7 2-3 16,-23 23-4-1,1 9-5-15,-27 18-9 0,-2 2-34 16,-24 11-25 0,-9-2-96-16,-15 5-38 0,-2-6-36 15</inkml:trace>
+  <inkml:trace contextRef="#ctx0" brushRef="#br0" timeOffset="2441.78">12878 7837 562 0,'-30'7'62'15,"-4"-1"100"-15,6-2-176 16,5 5 12-16,6 1 19 15,3 3-4-15,6-2-17 16,5 3-2-16,3-2 0 0,3-2-2 16,3-4 3-16,7-4 2 15,-1-8 7-15,10-11 15 16,6-7 7-16,9-14 8 16,2-4 2-1,14-13-4-15,0 5-11 0,14-11-7 16,0 5-8-16,16-11-5 15,-4 7-1-15,14-11 0 16,-10 9-1-16,13-9 1 16,-8 12 1-16,1-3 0 15,-18 8 3-15,-3 4 22 16,-23 12 11-16,-11 7 16 16,-14 12 7-16,-6 8 9 15,-9 7-17-15,-4 3-10 16,-1 1-15-16,0 0-9 15,-1 0-22-15,0 0-86 16,1 0-39-16,0 0-143 0,1 0-47 16</inkml:trace>
+  <inkml:trace contextRef="#ctx0" brushRef="#br0" timeOffset="15069.71">10663 9249 447 0,'-6'6'284'15,"-1"-3"-52"1,1-3-72-16,4 0-151 0,1 0-40 16,0-2-16-16,1 1-2 15,0 0 3-15,0 0 23 16,1-1 10-16,2-1 19 16,14-12 0-16,32-35 0 15,-25 24 0-15,2 2-1 0,15-9 1 16,2-7 0-16,12-14 5 15,1-1 2-15,12-17 3 16,-5 4-2-16,11-5 1 16,-5 10-5-16,7-1-5 15,-13 14-4-15,3-5 0 16,-13 9 0-16,1-3 13 16,-12 10 7-16,-2 2 8 15,-13 14 1-15,-7 2 3 16,-9 13-10-16,-4 3-4 15,-5 3-8-15,-1 1-28 16,-1 1-43-16,0 0-131 16,1 0-58-16,3-1-61 15</inkml:trace>
+  <inkml:trace contextRef="#ctx0" brushRef="#br0" timeOffset="25098.93">17038 11071 379 0,'12'-9'46'0,"-6"4"52"15,0-1-115-15,7 1 0 0,0-2 13 16,3-3 2-16,-3 1 1 16,3 2 1-16,-4 0 1 15,3-2 1-15,-3 0-1 16,6-4 1-16,-1-1 0 15,4-6 0-15,1-2-1 16,8-8 3-16,-1 1 4 0,9-7 6 16,-1 2 3-1,8-7 4-15,0 2-2 16,7-5-4-16,-4 6-6 0,8-4-2 16,-6 5-4-16,6-4-1 15,-8 5 0-15,6-9 5 16,-6 6 14-16,0 0 12 15,-10 7 3-15,-1 4 6 16,-13 11 8-16,-4 3-2 16,-9 5-11-16,-1 4 3 15,-7 1-4-15,2 3 6 16,-2-1-4-16,-3 2 26 16,0 0 0-16,0 0 8 15,0 0-16-15,0 0-4 16,-1 0-27-16,1 0-5 15,0 0-11-15,0 0-3 16,0 0-6-16,0 0-10 0,0 0-18 16,0-1-46-16,0 0-32 15,1-1-172-15,20-15 6 16,56-58-73-16</inkml:trace>
+  <inkml:trace contextRef="#ctx0" brushRef="#br0" timeOffset="27753.21">11280 11724 753 0,'3'28'174'0,"-4"-8"53"16,-15-14-243-16,16-2-44 16,8 1-34-1,10 0 29-15,5-3 8 0,13-8 26 16,1-7 28-16,15-11 29 16,-1-12-26-16,12-15 1 15,-5-4 1-15,13-5 1 16,-7 3 0-16,2-7 2 15,-13 13-2-15,1-1 2 16,-18 7-1-16,-2 2 0 16,-10 15-2-16,-1 5 1 15,-7 6-2-15,0 3 0 16,-3 7-3-16,2 4-41 16,0 4-40-16,8 12-95 15,-2 4-24-15</inkml:trace>
+  <inkml:trace contextRef="#ctx0" brushRef="#br0" timeOffset="30703.87">14299 12958 838 0,'-22'4'195'16,"6"-2"81"-16,-4 1-238 0,9 0-21 16,5-2-2-16,3-1-5 15,0 1-16-15,2-2-8 16,1 1-13-16,-1 0-5 16,1 0-7-16,0-1 6 15,1 0 4-15,0-1 13 16,14-6 4-16,5-4 8 15,41-36 0-15,-38 24 1 0,6-13 0 16,3 2 2-16,9-15-1 16,3-3 0-16,19-15-1 15,1 5 0-15,11-9 2 16,-2 12 0-16,5-4 1 16,-13 12 1-16,-1 1 0 15,-13 12 0-15,-4 3 0 16,-15 14 0-16,-7 6 3 15,-14 8 3-15,-3 4 46 16,-5 2 21-16,-3 1 24 16,0 1 0-16,0 0-1 15,0 0-44-15,-1 0-20 16,-1 0-24-16,1 0-5 16,0 0-3-16,0 0-4 0,1 0-3 15,0 0-5-15,0 0 0 16,0 0-9-16,0 0-5 15,0 0-26-15,0 0-19 16,0 0-60-16,0-1-5 16,1 0-87-16,11-10-60 15,23-21 6-15</inkml:trace>
+  <inkml:trace contextRef="#ctx0" brushRef="#br0" timeOffset="37643.56">19285 14571 1070 0,'-6'5'286'0,"-4"-5"83"0,3-1-292 16,4-1-58-16,2 2-12 16,1 0-11-16,0 0-17 15,0 0-10-15,0-1-8 16,0 0 5-16,1-1 4 16,11-5 9-16,19-29 7 15,39-35 9-15,-25 21 2 16,0 5 1-16,5-11-3 15,0 4 0-15,10-14 1 16,-6 6-1-16,17-18 0 16,4 11 2-16,13-12 0 15,-10 11 1-15,15-11 2 16,-16 13-1-16,6-8 2 16,-14 13 0-16,5 1-1 0,-16 21-1 15,-7 3 2-15,-17 16 1 16,-5 3 5-16,-18 9 6 15,-3 0 16-15,-4 8 5 16,-2-1 14-16,-3-2 0 16,1 3 2-16,0-1-14 15,-1 1-4-15,1 0-15 16,-1 0-7-16,-1 0-12 0,1 0-63 16,1 0-88-1,0 0-176-15,1 0-55 0,22 3-120 16</inkml:trace>
 </inkml:ink>
 </file>
 
@@ -11629,7 +11947,7 @@
           <a:p>
             <a:pPr algn="ctr"/>
             <a:r>
-              <a:rPr lang="en-IN" sz="4400">
+              <a:rPr lang="en-IN" sz="4400" dirty="0">
                 <a:solidFill>
                   <a:schemeClr val="bg1"/>
                 </a:solidFill>
@@ -11881,6 +12199,57 @@
           </a:extLst>
         </p:spPr>
       </p:pic>
+      <mc:AlternateContent xmlns:mc="http://schemas.openxmlformats.org/markup-compatibility/2006">
+        <mc:Choice xmlns:p14="http://schemas.microsoft.com/office/powerpoint/2010/main" Requires="p14">
+          <p:contentPart p14:bwMode="auto" r:id="rId4">
+            <p14:nvContentPartPr>
+              <p14:cNvPr id="3" name="Ink 2">
+                <a:extLst>
+                  <a:ext uri="{FF2B5EF4-FFF2-40B4-BE49-F238E27FC236}">
+                    <a16:creationId xmlns:a16="http://schemas.microsoft.com/office/drawing/2014/main" id="{DB2DE498-F13F-4E62-970A-4ED7F920DBAE}"/>
+                  </a:ext>
+                </a:extLst>
+              </p14:cNvPr>
+              <p14:cNvContentPartPr/>
+              <p14:nvPr/>
+            </p14:nvContentPartPr>
+            <p14:xfrm>
+              <a:off x="3479040" y="8640"/>
+              <a:ext cx="8389440" cy="5651280"/>
+            </p14:xfrm>
+          </p:contentPart>
+        </mc:Choice>
+        <mc:Fallback>
+          <p:pic>
+            <p:nvPicPr>
+              <p:cNvPr id="3" name="Ink 2">
+                <a:extLst>
+                  <a:ext uri="{FF2B5EF4-FFF2-40B4-BE49-F238E27FC236}">
+                    <a16:creationId xmlns:a16="http://schemas.microsoft.com/office/drawing/2014/main" id="{DB2DE498-F13F-4E62-970A-4ED7F920DBAE}"/>
+                  </a:ext>
+                </a:extLst>
+              </p:cNvPr>
+              <p:cNvPicPr/>
+              <p:nvPr/>
+            </p:nvPicPr>
+            <p:blipFill>
+              <a:blip r:embed="rId5"/>
+              <a:stretch>
+                <a:fillRect/>
+              </a:stretch>
+            </p:blipFill>
+            <p:spPr>
+              <a:xfrm>
+                <a:off x="3469680" y="-720"/>
+                <a:ext cx="8408160" cy="5670000"/>
+              </a:xfrm>
+              <a:prstGeom prst="rect">
+                <a:avLst/>
+              </a:prstGeom>
+            </p:spPr>
+          </p:pic>
+        </mc:Fallback>
+      </mc:AlternateContent>
     </p:spTree>
     <p:extLst>
       <p:ext uri="{BB962C8B-B14F-4D97-AF65-F5344CB8AC3E}">
@@ -12178,6 +12547,57 @@
           </a:p>
         </p:txBody>
       </p:sp>
+      <mc:AlternateContent xmlns:mc="http://schemas.openxmlformats.org/markup-compatibility/2006">
+        <mc:Choice xmlns:p14="http://schemas.microsoft.com/office/powerpoint/2010/main" Requires="p14">
+          <p:contentPart p14:bwMode="auto" r:id="rId3">
+            <p14:nvContentPartPr>
+              <p14:cNvPr id="4" name="Ink 3">
+                <a:extLst>
+                  <a:ext uri="{FF2B5EF4-FFF2-40B4-BE49-F238E27FC236}">
+                    <a16:creationId xmlns:a16="http://schemas.microsoft.com/office/drawing/2014/main" id="{351B2898-0426-46F9-B399-8B7D5984EDCB}"/>
+                  </a:ext>
+                </a:extLst>
+              </p14:cNvPr>
+              <p14:cNvContentPartPr/>
+              <p14:nvPr/>
+            </p14:nvContentPartPr>
+            <p14:xfrm>
+              <a:off x="705240" y="1451880"/>
+              <a:ext cx="5683680" cy="4086000"/>
+            </p14:xfrm>
+          </p:contentPart>
+        </mc:Choice>
+        <mc:Fallback>
+          <p:pic>
+            <p:nvPicPr>
+              <p:cNvPr id="4" name="Ink 3">
+                <a:extLst>
+                  <a:ext uri="{FF2B5EF4-FFF2-40B4-BE49-F238E27FC236}">
+                    <a16:creationId xmlns:a16="http://schemas.microsoft.com/office/drawing/2014/main" id="{351B2898-0426-46F9-B399-8B7D5984EDCB}"/>
+                  </a:ext>
+                </a:extLst>
+              </p:cNvPr>
+              <p:cNvPicPr/>
+              <p:nvPr/>
+            </p:nvPicPr>
+            <p:blipFill>
+              <a:blip r:embed="rId4"/>
+              <a:stretch>
+                <a:fillRect/>
+              </a:stretch>
+            </p:blipFill>
+            <p:spPr>
+              <a:xfrm>
+                <a:off x="695880" y="1442520"/>
+                <a:ext cx="5702400" cy="4104720"/>
+              </a:xfrm>
+              <a:prstGeom prst="rect">
+                <a:avLst/>
+              </a:prstGeom>
+            </p:spPr>
+          </p:pic>
+        </mc:Fallback>
+      </mc:AlternateContent>
     </p:spTree>
     <p:extLst>
       <p:ext uri="{BB962C8B-B14F-4D97-AF65-F5344CB8AC3E}">
@@ -13338,7 +13758,7 @@
                 </a:solidFill>
                 <a:latin typeface="Algerian" panose="04020705040A02060702" pitchFamily="82" charset="0"/>
               </a:rPr>
-              <a:t>#9</a:t>
+              <a:t>#8</a:t>
             </a:r>
             <a:endParaRPr lang="en-IN" sz="3600" dirty="0">
               <a:solidFill>
@@ -13445,20 +13865,6 @@
                   <a:srgbClr val="00B050"/>
                 </a:solidFill>
               </a:rPr>
-              <a:t>Custom Starters</a:t>
-            </a:r>
-          </a:p>
-          <a:p>
-            <a:pPr marL="685800" indent="-685800" algn="ctr">
-              <a:buFont typeface="+mj-lt"/>
-              <a:buAutoNum type="arabicPeriod"/>
-            </a:pPr>
-            <a:r>
-              <a:rPr lang="en-IN" b="1" dirty="0">
-                <a:solidFill>
-                  <a:srgbClr val="00B050"/>
-                </a:solidFill>
-              </a:rPr>
               <a:t>Exploring </a:t>
             </a:r>
             <a:r>
@@ -13526,7 +13932,7 @@
               <a:buAutoNum type="arabicPeriod"/>
             </a:pPr>
             <a:r>
-              <a:rPr lang="en-IN" sz="3600" b="1" dirty="0">
+              <a:rPr lang="en-IN" sz="6600" b="1" dirty="0">
                 <a:solidFill>
                   <a:srgbClr val="FFFF00"/>
                 </a:solidFill>
@@ -13602,6 +14008,57 @@
           </a:extLst>
         </p:spPr>
       </p:pic>
+      <mc:AlternateContent xmlns:mc="http://schemas.openxmlformats.org/markup-compatibility/2006">
+        <mc:Choice xmlns:p14="http://schemas.microsoft.com/office/powerpoint/2010/main" Requires="p14">
+          <p:contentPart p14:bwMode="auto" r:id="rId4">
+            <p14:nvContentPartPr>
+              <p14:cNvPr id="3" name="Ink 2">
+                <a:extLst>
+                  <a:ext uri="{FF2B5EF4-FFF2-40B4-BE49-F238E27FC236}">
+                    <a16:creationId xmlns:a16="http://schemas.microsoft.com/office/drawing/2014/main" id="{8AC9394A-D1F4-4B50-8BE9-F584B7D3D072}"/>
+                  </a:ext>
+                </a:extLst>
+              </p14:cNvPr>
+              <p14:cNvContentPartPr/>
+              <p14:nvPr/>
+            </p14:nvContentPartPr>
+            <p14:xfrm>
+              <a:off x="3762360" y="467280"/>
+              <a:ext cx="6954120" cy="5313240"/>
+            </p14:xfrm>
+          </p:contentPart>
+        </mc:Choice>
+        <mc:Fallback>
+          <p:pic>
+            <p:nvPicPr>
+              <p:cNvPr id="3" name="Ink 2">
+                <a:extLst>
+                  <a:ext uri="{FF2B5EF4-FFF2-40B4-BE49-F238E27FC236}">
+                    <a16:creationId xmlns:a16="http://schemas.microsoft.com/office/drawing/2014/main" id="{8AC9394A-D1F4-4B50-8BE9-F584B7D3D072}"/>
+                  </a:ext>
+                </a:extLst>
+              </p:cNvPr>
+              <p:cNvPicPr/>
+              <p:nvPr/>
+            </p:nvPicPr>
+            <p:blipFill>
+              <a:blip r:embed="rId5"/>
+              <a:stretch>
+                <a:fillRect/>
+              </a:stretch>
+            </p:blipFill>
+            <p:spPr>
+              <a:xfrm>
+                <a:off x="3753000" y="457920"/>
+                <a:ext cx="6972840" cy="5331960"/>
+              </a:xfrm>
+              <a:prstGeom prst="rect">
+                <a:avLst/>
+              </a:prstGeom>
+            </p:spPr>
+          </p:pic>
+        </mc:Fallback>
+      </mc:AlternateContent>
     </p:spTree>
     <p:extLst>
       <p:ext uri="{BB962C8B-B14F-4D97-AF65-F5344CB8AC3E}">
@@ -13745,6 +14202,57 @@
           </a:p>
         </p:txBody>
       </p:sp>
+      <mc:AlternateContent xmlns:mc="http://schemas.openxmlformats.org/markup-compatibility/2006">
+        <mc:Choice xmlns:p14="http://schemas.microsoft.com/office/powerpoint/2010/main" Requires="p14">
+          <p:contentPart p14:bwMode="auto" r:id="rId2">
+            <p14:nvContentPartPr>
+              <p14:cNvPr id="4" name="Ink 3">
+                <a:extLst>
+                  <a:ext uri="{FF2B5EF4-FFF2-40B4-BE49-F238E27FC236}">
+                    <a16:creationId xmlns:a16="http://schemas.microsoft.com/office/drawing/2014/main" id="{AF222D99-DC26-4045-94CB-C82A647BC4B5}"/>
+                  </a:ext>
+                </a:extLst>
+              </p14:cNvPr>
+              <p14:cNvContentPartPr/>
+              <p14:nvPr/>
+            </p14:nvContentPartPr>
+            <p14:xfrm>
+              <a:off x="239400" y="7200"/>
+              <a:ext cx="11732400" cy="5909040"/>
+            </p14:xfrm>
+          </p:contentPart>
+        </mc:Choice>
+        <mc:Fallback>
+          <p:pic>
+            <p:nvPicPr>
+              <p:cNvPr id="4" name="Ink 3">
+                <a:extLst>
+                  <a:ext uri="{FF2B5EF4-FFF2-40B4-BE49-F238E27FC236}">
+                    <a16:creationId xmlns:a16="http://schemas.microsoft.com/office/drawing/2014/main" id="{AF222D99-DC26-4045-94CB-C82A647BC4B5}"/>
+                  </a:ext>
+                </a:extLst>
+              </p:cNvPr>
+              <p:cNvPicPr/>
+              <p:nvPr/>
+            </p:nvPicPr>
+            <p:blipFill>
+              <a:blip r:embed="rId3"/>
+              <a:stretch>
+                <a:fillRect/>
+              </a:stretch>
+            </p:blipFill>
+            <p:spPr>
+              <a:xfrm>
+                <a:off x="230040" y="-2160"/>
+                <a:ext cx="11751120" cy="5927760"/>
+              </a:xfrm>
+              <a:prstGeom prst="rect">
+                <a:avLst/>
+              </a:prstGeom>
+            </p:spPr>
+          </p:pic>
+        </mc:Fallback>
+      </mc:AlternateContent>
     </p:spTree>
     <p:extLst>
       <p:ext uri="{BB962C8B-B14F-4D97-AF65-F5344CB8AC3E}">
@@ -14535,7 +15043,7 @@
                 </a:solidFill>
                 <a:latin typeface="Algerian" panose="04020705040A02060702" pitchFamily="82" charset="0"/>
               </a:rPr>
-              <a:t>#10</a:t>
+              <a:t>#9</a:t>
             </a:r>
             <a:endParaRPr lang="en-IN" sz="2800" dirty="0">
               <a:solidFill>
@@ -14629,20 +15137,6 @@
                 </a:solidFill>
               </a:rPr>
               <a:t>Autoconfiguration</a:t>
-            </a:r>
-          </a:p>
-          <a:p>
-            <a:pPr marL="685800" indent="-685800" algn="ctr">
-              <a:buFont typeface="+mj-lt"/>
-              <a:buAutoNum type="arabicPeriod"/>
-            </a:pPr>
-            <a:r>
-              <a:rPr lang="en-IN" b="1" dirty="0">
-                <a:solidFill>
-                  <a:srgbClr val="00B050"/>
-                </a:solidFill>
-              </a:rPr>
-              <a:t>Custom Starters</a:t>
             </a:r>
           </a:p>
           <a:p>
@@ -14803,6 +15297,57 @@
           </a:extLst>
         </p:spPr>
       </p:pic>
+      <mc:AlternateContent xmlns:mc="http://schemas.openxmlformats.org/markup-compatibility/2006">
+        <mc:Choice xmlns:p14="http://schemas.microsoft.com/office/powerpoint/2010/main" Requires="p14">
+          <p:contentPart p14:bwMode="auto" r:id="rId4">
+            <p14:nvContentPartPr>
+              <p14:cNvPr id="3" name="Ink 2">
+                <a:extLst>
+                  <a:ext uri="{FF2B5EF4-FFF2-40B4-BE49-F238E27FC236}">
+                    <a16:creationId xmlns:a16="http://schemas.microsoft.com/office/drawing/2014/main" id="{E8CB8C37-7CDA-4994-ADE4-4138325DD36C}"/>
+                  </a:ext>
+                </a:extLst>
+              </p14:cNvPr>
+              <p14:cNvContentPartPr/>
+              <p14:nvPr/>
+            </p14:nvContentPartPr>
+            <p14:xfrm>
+              <a:off x="3736800" y="409680"/>
+              <a:ext cx="7176960" cy="6127200"/>
+            </p14:xfrm>
+          </p:contentPart>
+        </mc:Choice>
+        <mc:Fallback>
+          <p:pic>
+            <p:nvPicPr>
+              <p:cNvPr id="3" name="Ink 2">
+                <a:extLst>
+                  <a:ext uri="{FF2B5EF4-FFF2-40B4-BE49-F238E27FC236}">
+                    <a16:creationId xmlns:a16="http://schemas.microsoft.com/office/drawing/2014/main" id="{E8CB8C37-7CDA-4994-ADE4-4138325DD36C}"/>
+                  </a:ext>
+                </a:extLst>
+              </p:cNvPr>
+              <p:cNvPicPr/>
+              <p:nvPr/>
+            </p:nvPicPr>
+            <p:blipFill>
+              <a:blip r:embed="rId5"/>
+              <a:stretch>
+                <a:fillRect/>
+              </a:stretch>
+            </p:blipFill>
+            <p:spPr>
+              <a:xfrm>
+                <a:off x="3727440" y="400320"/>
+                <a:ext cx="7195680" cy="6145920"/>
+              </a:xfrm>
+              <a:prstGeom prst="rect">
+                <a:avLst/>
+              </a:prstGeom>
+            </p:spPr>
+          </p:pic>
+        </mc:Fallback>
+      </mc:AlternateContent>
     </p:spTree>
     <p:extLst>
       <p:ext uri="{BB962C8B-B14F-4D97-AF65-F5344CB8AC3E}">
@@ -15024,6 +15569,57 @@
           </a:p>
         </p:txBody>
       </p:sp>
+      <mc:AlternateContent xmlns:mc="http://schemas.openxmlformats.org/markup-compatibility/2006">
+        <mc:Choice xmlns:p14="http://schemas.microsoft.com/office/powerpoint/2010/main" Requires="p14">
+          <p:contentPart p14:bwMode="auto" r:id="rId2">
+            <p14:nvContentPartPr>
+              <p14:cNvPr id="4" name="Ink 3">
+                <a:extLst>
+                  <a:ext uri="{FF2B5EF4-FFF2-40B4-BE49-F238E27FC236}">
+                    <a16:creationId xmlns:a16="http://schemas.microsoft.com/office/drawing/2014/main" id="{0A82524D-1CBF-451D-BCF1-EE483F88EBB9}"/>
+                  </a:ext>
+                </a:extLst>
+              </p14:cNvPr>
+              <p14:cNvContentPartPr/>
+              <p14:nvPr/>
+            </p14:nvContentPartPr>
+            <p14:xfrm>
+              <a:off x="2307960" y="1755000"/>
+              <a:ext cx="5555160" cy="4316400"/>
+            </p14:xfrm>
+          </p:contentPart>
+        </mc:Choice>
+        <mc:Fallback>
+          <p:pic>
+            <p:nvPicPr>
+              <p:cNvPr id="4" name="Ink 3">
+                <a:extLst>
+                  <a:ext uri="{FF2B5EF4-FFF2-40B4-BE49-F238E27FC236}">
+                    <a16:creationId xmlns:a16="http://schemas.microsoft.com/office/drawing/2014/main" id="{0A82524D-1CBF-451D-BCF1-EE483F88EBB9}"/>
+                  </a:ext>
+                </a:extLst>
+              </p:cNvPr>
+              <p:cNvPicPr/>
+              <p:nvPr/>
+            </p:nvPicPr>
+            <p:blipFill>
+              <a:blip r:embed="rId3"/>
+              <a:stretch>
+                <a:fillRect/>
+              </a:stretch>
+            </p:blipFill>
+            <p:spPr>
+              <a:xfrm>
+                <a:off x="2298600" y="1745640"/>
+                <a:ext cx="5573880" cy="4335120"/>
+              </a:xfrm>
+              <a:prstGeom prst="rect">
+                <a:avLst/>
+              </a:prstGeom>
+            </p:spPr>
+          </p:pic>
+        </mc:Fallback>
+      </mc:AlternateContent>
     </p:spTree>
     <p:extLst>
       <p:ext uri="{BB962C8B-B14F-4D97-AF65-F5344CB8AC3E}">
@@ -16370,6 +16966,57 @@
           </a:p>
         </p:txBody>
       </p:sp>
+      <mc:AlternateContent xmlns:mc="http://schemas.openxmlformats.org/markup-compatibility/2006">
+        <mc:Choice xmlns:p14="http://schemas.microsoft.com/office/powerpoint/2010/main" Requires="p14">
+          <p:contentPart p14:bwMode="auto" r:id="rId2">
+            <p14:nvContentPartPr>
+              <p14:cNvPr id="4" name="Ink 3">
+                <a:extLst>
+                  <a:ext uri="{FF2B5EF4-FFF2-40B4-BE49-F238E27FC236}">
+                    <a16:creationId xmlns:a16="http://schemas.microsoft.com/office/drawing/2014/main" id="{8DDA6C27-0D62-4085-A8CA-A1044F5732CF}"/>
+                  </a:ext>
+                </a:extLst>
+              </p14:cNvPr>
+              <p14:cNvContentPartPr/>
+              <p14:nvPr/>
+            </p14:nvContentPartPr>
+            <p14:xfrm>
+              <a:off x="3830400" y="1683000"/>
+              <a:ext cx="3585600" cy="3564720"/>
+            </p14:xfrm>
+          </p:contentPart>
+        </mc:Choice>
+        <mc:Fallback>
+          <p:pic>
+            <p:nvPicPr>
+              <p:cNvPr id="4" name="Ink 3">
+                <a:extLst>
+                  <a:ext uri="{FF2B5EF4-FFF2-40B4-BE49-F238E27FC236}">
+                    <a16:creationId xmlns:a16="http://schemas.microsoft.com/office/drawing/2014/main" id="{8DDA6C27-0D62-4085-A8CA-A1044F5732CF}"/>
+                  </a:ext>
+                </a:extLst>
+              </p:cNvPr>
+              <p:cNvPicPr/>
+              <p:nvPr/>
+            </p:nvPicPr>
+            <p:blipFill>
+              <a:blip r:embed="rId3"/>
+              <a:stretch>
+                <a:fillRect/>
+              </a:stretch>
+            </p:blipFill>
+            <p:spPr>
+              <a:xfrm>
+                <a:off x="3821040" y="1673640"/>
+                <a:ext cx="3604320" cy="3583440"/>
+              </a:xfrm>
+              <a:prstGeom prst="rect">
+                <a:avLst/>
+              </a:prstGeom>
+            </p:spPr>
+          </p:pic>
+        </mc:Fallback>
+      </mc:AlternateContent>
     </p:spTree>
     <p:extLst>
       <p:ext uri="{BB962C8B-B14F-4D97-AF65-F5344CB8AC3E}">

--- a/Inside spring boot.pptx
+++ b/Inside spring boot.pptx
@@ -30,9 +30,10 @@
     <p:sldId id="275" r:id="rId24"/>
     <p:sldId id="277" r:id="rId25"/>
     <p:sldId id="278" r:id="rId26"/>
-    <p:sldId id="279" r:id="rId27"/>
-    <p:sldId id="280" r:id="rId28"/>
-    <p:sldId id="281" r:id="rId29"/>
+    <p:sldId id="288" r:id="rId27"/>
+    <p:sldId id="279" r:id="rId28"/>
+    <p:sldId id="280" r:id="rId29"/>
+    <p:sldId id="281" r:id="rId30"/>
   </p:sldIdLst>
   <p:sldSz cx="12192000" cy="6858000"/>
   <p:notesSz cx="6858000" cy="9144000"/>
@@ -232,7 +233,7 @@
   <inkml:trace contextRef="#ctx0" brushRef="#br0" timeOffset="3328.48">23702 3758 847 0,'0'18'196'0,"1"-16"54"15,-1-3-254-15,13-10-26 16,13 0-8-16,28-17 0 16,19-9 14-16,35-18 7 15,9-4 10-15,27-16 1 16,-9 7 5-16,20-11 9 16,-17 8 5-16,11-10 9 15,-22 12 1-15,8-1 0 16,-18 11-4-16,16-2 3 15,-10 16-10-15,16-12 1 16,-4 0 10-16,10-4-3 16,-23 10-5-16,-7 3-2 15,-29 16 0-15,-12 9-13 16,-28 12-18-16,-6 5-39 16,-13 4-40-16,-4 6-73 15,-10 3-32-15,-9 12-54 16,-11 10-21-16</inkml:trace>
   <inkml:trace contextRef="#ctx0" brushRef="#br0" timeOffset="4361.09">24470 8319 807 0,'20'-15'174'16,"10"-15"85"0,13-7-237-16,28-9-14 0,8-3 1 15,34-19-2-15,6 0-10 16,30-13 3-16,-8-1-3 15,32-7 1-15,-20 15 0 16,5-3 1-16,-19 14-2 16,7-4 6-16,-31 9 5 0,8 1 12 15,-18 10 5-15,-9 1 15 16,-18 15 5-16,-5 4 15 16,-18 7-8-16,-9 5 1 15,-19 10-9-15,-6 2 13 16,-15-1-10-16,-6 1 10 15,-1 4 4-15,0-2 5 16,-1 0-16-16,1 0-1 16,0 1-14-16,0 0-6 15,0 0-13-15,1 0-4 16,0 0-9-16,0 0-1 16,0 0-2-16,-1 0-6 15,1 0-4-15,0 0-6 16,0 0-3-16,0 0-4 15,0 0 4-15,0 0 3 16,0 0 5-16,0 0 0 16,-2 0 3-16,2 0-9 0,0 0-6 15,0 0-11-15,0 0-7 16,0 0-10-16,0 0 1 16,0 0-6-16,0 0 11 15,0 1 8-15,0 0 13 16,2 0 6-16,-1 0 13 15,0 0 4-15,0 1-1 16,0-1 3-16,0 0 1 16,1 0-1-16,-1 0 0 0,-1 0 0 15,0 1-2-15,0-1 0 16,0 0-2-16,1 0 0 16,-1 0 0-16,0 0 2 15,0 0 0-15,0 1 3 16,0-1 1-16,0 0 3 15,0 0-2-15,0 0 0 16,0 0-2-16,0 1 1 16,0-2-3-16,0 0 0 15,0 1-7-15,0 0-3 16,0 0-2-16,0 0-3 16,0 0-5-16,0-1-36 15,0 0-26-15,0 1-9 16,1 1-9-16,9 5-44 15,16-4-12-15,42 47-68 0,-36-41-23 16</inkml:trace>
   <inkml:trace contextRef="#ctx0" brushRef="#br0" timeOffset="7312.34">15372 8301 928 0,'-33'-35'159'0,"-9"-2"103"0,9 11-294 15,-13 7-4-15,1 11-17 16,-21 15-18-16,-1 14-6 16,-23 16 2-16,3 8 27 15,-27 17 18-15,3 0 19 16,-20 10 10-16,6-7 2 15,-19 9 0-15,21-5-1 16,-7 18 0-16,20-1-3 16,-7 21 0-16,26 2-1 15,1 25-3-15,21-9 3 0,8 25-1 16,24-10-1-16,11 18 1 16,16-22 2-16,13 12-3 15,12-19 2-15,5 10 0 16,5-24 0-16,4 13 1 15,-5-17 2-15,-1 5 1 16,-6-19 0-16,-7 0 2 16,-8-23 0-16,-12-5 4 15,-9-15 1-15,-16 6 3 16,-5-11 0-16,-18 6 3 16,-4-8-2-16,-20-1 1 15,4-9-3-15,-16-1-3 16,7-7-4-16,-18 2-12 15,9-7-1-15,-11-1 3 0,12-8 9 16,-6-8 32-16,18-12 16 16,0-5 16-16,18-5-3 15,1-7 7-15,16 2-27 16,10-2-7-16,15 3-18 16,10-7-5-16,9 5-19 15,9-1-9-15,6 2 0 16,11 0-1-16,3 9 4 0,16 4-1 15,4 8 4-15,12 8-1 16,1 5 3-16,12 8 0 16,-3 5 3-16,13 1 0 15,-4 1 3-15,13 8-1 16,-10 0 0-16,10 7 0 16,-12 4 1-16,7 13 0 15,-10-3-2-15,9 19 0 16,-14-2 2-16,6 12-1 15,-11-8 0-15,7 11 2 16,-10-18 0-16,13 0 0 16,-8-13 0-16,8-2 0 15,-10-15 1-15,8 1-2 16,-12-10 2-16,9-2-1 16,-8-10 1-16,8 0 1 15,-10-6 0-15,3 0 0 0,-12-5 0 16,0 4 0-16,-14-2 1 15,-2-2 0-15,-13-1 1 16,-4-2 48-16,-12-3 24 16,-1-3 38-16,-3 0 13 15,-2-1 18-15,1 0-40 16,-1 0-19-16,1 0-38 16,-1 0-11-16,1 0-19 15,0 0-5-15,0 0-7 0,0 0 2 16,-2 0 1-16,2 0 11 15,0 0 4-15,0 0 12 16,0 0 4-16,0 0 2 16,0 0-7-16,-1 0-2 15,1 0-9-15,0 0-4 16,0 0-5-16,0 0-3 16,0 0-4-16,0 0-2 15,0 0-2-15,0 0 1 16,0 0 1-16,0 0 3 15,-1 0 1-15,1 0 3 16,0 0 0-16,0 0-1 16,0 0-3-16,-1 0-3 0,1 0-4 15,-1 0-11-15,0 0-20 16,-1 0-77-16,1 0-76 16,0 0-287-16,0-1 3 15</inkml:trace>
-  <inkml:trace contextRef="#ctx0" brushRef="#br0" timeOffset="13940.86">13667 16193 508 0,'3'-1'190'16,"-1"-1"-4"-1,4-6-130-15,11-8-53 0,1-5-22 16,11-7 1-16,2 3 8 16,2 2 2-16,-6 7 3 15,4-2 1-15,-5 4 4 16,6-1 0-16,-1 3 4 15,11-8 6-15,1 3 2 16,13-4 3-16,0 0 1 16,12-3 4-16,-8 3-2 0,12-3 8 15,-11 3 2-15,6-4 13 16,-12 4 2-16,10-2 16 16,-11 1 4-16,6-3 10 15,-11 4-10-15,8-5-6 16,-12 4-19-16,0-1-10 15,-10 7-15-15,0-2 0 16,-11 6 0-16,-3 2 3 16,-7 5 1-16,-5 1 2 15,-4 3-3-15,-3 0-3 16,-1 1-4-16,-1-1-32 16,0 0-56-16,1-1-247 15,0 0 35-15</inkml:trace>
+  <inkml:trace contextRef="#ctx0" brushRef="#br0" timeOffset="13940.85">13667 16193 508 0,'3'-1'190'16,"-1"-1"-4"-1,4-6-130-15,11-8-53 0,1-5-22 16,11-7 1-16,2 3 8 16,2 2 2-16,-6 7 3 15,4-2 1-15,-5 4 4 16,6-1 0-16,-1 3 4 15,11-8 6-15,1 3 2 16,13-4 3-16,0 0 1 16,12-3 4-16,-8 3-2 0,12-3 8 15,-11 3 2-15,6-4 13 16,-12 4 2-16,10-2 16 16,-11 1 4-16,6-3 10 15,-11 4-10-15,8-5-6 16,-12 4-19-16,0-1-10 15,-10 7-15-15,0-2 0 16,-11 6 0-16,-3 2 3 16,-7 5 1-16,-5 1 2 15,-4 3-3-15,-3 0-3 16,-1 1-4-16,-1-1-32 16,0 0-56-16,1-1-247 15,0 0 35-15</inkml:trace>
   <inkml:trace contextRef="#ctx0" brushRef="#br0" timeOffset="15976.94">22730 15468 950 0,'1'0'257'0,"0"0"66"16,-1 0-269-16,0 0-41 16,0 0-15-16,0 0-10 15,0 0-6-15,0 0-1 16,0 0 5-16,1 0 0 16,4 0 3-16,24 9 4 15,38 13 4-15,-27-14 1 16,4 1 1-16,14 2 1 15,-9-3 1-15,20 0-3 16,0 0 2-16,12 0-1 16,-2 1 2-16,19 1-3 15,-6-1 2-15,16 2-1 16,-4 0 1-16,16 1-1 16,-8 0 2-16,12-1 0 0,-17-1 0 15,16-3 0-15,-15-3 1 16,16 0 4-16,-18-3 3 15,17-2 5-15,-14-2 4 16,15-4 5-16,-16 3-2 16,28-5 3-16,-10 2-2 0,17-3-4 15,-13 4-4-15,15-5-3 16,-23 5-6-16,6 1-2 16,-19 3 0-16,11 5 3 15,-18 3 0-15,13-1 3 16,-12 2 1-16,9 1 0 15,-20-2-1-15,5-4 19 16,-23-2 11-16,-7-2 16 16,-21 1 9-16,-8-1 10 15,-17 2-16-15,-8-2-7 16,-6 2-16-16,-2-1-9 16,-4-1-11-16,-1 1-6 15,0 0-8-15,0 0-29 16,0 1-32-16,0-2-164 15,13-1-215-15,26-3-11 16</inkml:trace>
 </inkml:ink>
 </file>
@@ -335,7 +336,7 @@
   </inkml:definitions>
   <inkml:trace contextRef="#ctx0" brushRef="#br0">10194 6001 627 0,'-4'-1'122'0,"5"-4"54"0,7-2-194 16,12 6-2-16,5 2-3 15,13 7 2-15,5 5 8 16,6 10 4-16,-5 7 1 15,7 12 0-15,-8 7 3 16,2 23 2-16,-3 9 0 16,12 25 0-16,-1-1 3 15,17 20 3-15,-1-18-3 16,12 5 7-16,-1-22 2 0,16-5 2 16,-9-23-2-16,16-8 1 15,-9-19-6-15,7-15 2 16,-13-11-2-16,11-14 16 15,-14-6 5-15,3-12 21 16,-17-3 8-16,-4-6 26 16,-20 4 3-16,-4-6 15 15,-15 7-10-15,-4-4 10 16,-10 6-16-16,-4-5-4 16,-6 7-18-16,-9-6-4 15,-4 3-15-15,-10-1-7 16,-2 4-11-16,-12-1-2 15,0 6-9-15,-10 7-7 16,0 5-8-16,-13 11-10 16,-4 7-4-16,-18 15-1 0,2 7 2 15,-11 16 4-15,8 4 4 16,-14 13 0-16,15 0 3 16,-17 17-3-16,12-4-1 15,-5 20-3-15,12-6 0 16,-11 12 2-16,13-10 1 15,-8 11 0-15,11-14 5 16,-3 11 0-16,15-12 0 0,-3 9 2 16,8-11 3-16,-11 14 1 15,7-16-1-15,-7 1 2 16,10-18-1-16,-5-7 1 16,10-21 0-16,-4-3 2 15,4-4-2-15,-11 0 2 16,9-4-1-16,-10 0 2 15,3-5-2-15,-1-4 3 16,11-5-3-16,-9-2 1 16,10-3-3-16,-11-1-11 15,5-6-35-15,-14-1-145 16,3 0-159-16,-13-13-30 16</inkml:trace>
   <inkml:trace contextRef="#ctx0" brushRef="#br0" timeOffset="17539.03">5867 10753 167 0,'-21'8'165'0,"0"-2"1"15,10-6-37-15,2 0 2 16,5-2-45-16,2 2-10 16,2-1-42-16,-1 0-13 15,1 0-17-15,0 0-14 16,0 0-7-16,1-2 0 15,4-5 4-15,15-20 2 16,43-40 6-16,-29 33-3 16,-2 5 1-16,8-1 0 15,2 0 2-15,10-6 2 0,0 0 1 16,11-8 1-16,-3 2 0 16,6-2 0-16,-5 8 0 15,4 2 1-15,-11 10-1 16,0 2 0-16,-15 8 0 15,-5 3 1-15,-13 5 1 16,-7 0 9-16,-7 3 5 16,-3 2 7-16,-2 1 6 15,-2 1 19-15,-1 0-4 0,1-1 0 16,-1 0-7-16,0 1-9 16,1 0-37-16,0 0-151 15,0 0-70-15,0 0-45 16</inkml:trace>
-  <inkml:trace contextRef="#ctx0" brushRef="#br0" timeOffset="18192.33">6721 12247 429 0,'-2'17'156'16,"2"-13"-6"-16,5-3-98 15,4-3-80-15,8-4 0 16,5-2 9-16,10-7 10 16,5-6 8-16,9-3 2 15,2-3-1-15,8-10 0 16,-5 2 1-16,4-9 1 0,-7 2 1 15,1-2 2-15,-11 8 2 16,2-4 5-16,-7 9 0 16,-1-1 2-16,-6 7-2 15,1 2-1-15,-9 8-6 16,0 3 0-16,-6 6-2 16,-1 5-1-16,-4 1-1 0,-2 0 1 15,-3 1-1-15,-2-1-15 16,0 0-55-16,0 0-91 15,0-1-3-15</inkml:trace>
+  <inkml:trace contextRef="#ctx0" brushRef="#br0" timeOffset="18192.32">6721 12247 429 0,'-2'17'156'16,"2"-13"-6"-16,5-3-98 15,4-3-80-15,8-4 0 16,5-2 9-16,10-7 10 16,5-6 8-16,9-3 2 15,2-3-1-15,8-10 0 16,-5 2 1-16,4-9 1 0,-7 2 1 15,1-2 2-15,-11 8 2 16,2-4 5-16,-7 9 0 16,-1-1 2-16,-6 7-2 15,1 2-1-15,-9 8-6 16,0 3 0-16,-6 6-2 16,-1 5-1-16,-4 1-1 0,-2 0 1 15,-3 1-1-15,-2-1-15 16,0 0-55-16,0 0-91 15,0-1-3-15</inkml:trace>
   <inkml:trace contextRef="#ctx0" brushRef="#br0" timeOffset="21853.88">6287 10173 393 0,'-8'-14'206'0,"1"5"-9"16,2 7-112-16,2-2-14 0,0 4-50 15,3 0-15-15,0 0-6 16,-1-1 2-16,0 0 4 15,0 0 18-15,0-1 1 16,-2 1 0-16,-4-2-1 16,-13-6-2-16,-35-18-17 0,24 16 18 15,0-2 5-15,-8-1 19 16,2 1 2-16,-9 0 1 16,6 4-20-16,-10-1-9 15,5 4-18-15,-7 2-4 16,4 0-1-16,-12-3 2 15,2 3 0-15,-12-5 2 16,3-1 2-16,-13-1-1 16,7-2-4-16,-13-2 3 15,6 4-3-15,-14-1 2 16,9 4 2-16,-10 0 3 16,12 3-2-16,-10 1 1 15,11 3-6-15,-8 1 1 16,10 3-1-16,-6 2-1 15,16 4-7-15,-11 1-9 16,10 1-11-16,-11 5-4 0,9 1 2 16,-5-1 7-16,14 1 11 15,-8-3 9-15,13-3 5 16,-4 0-2-16,10 2-1 16,-3 1-3-16,15 4-3 15,0 8-21-15,13 1-13 16,1 8-18-16,10 2-7 0,6 4-19 15,9-2 9-15,7 3 1 16,5-3 17-16,9 1 9 16,1-5 22-16,8 4 11 15,1-2 13-15,10 8 1 16,-1-3 1-16,14 9 1 16,1-1 0-16,12 3-1 15,-4-6 2-15,14 4 0 16,-5-11 2-16,13 0 0 15,-7-9 3-15,12-4 5 16,-9-5 5-16,11 0 6 16,-12-5 2-16,17 1 3 15,-10-4-4-15,11-4-4 16,-6-4-7-16,14 0-1 16,-9-4-4-16,14-2-2 15,-11-2-1-15,11-2 1 0,-11-1-1 16,8-5 2-16,-12-1-1 15,8-6 1-15,-13 1-2 16,6-3 1-16,-12 6-4 16,4 1 2-16,-14 3-2 15,4 2-1-15,-15 3 1 16,8-2 0-16,-11-3-2 16,8-2 1-16,-10 0 2 15,0-6 6-15,-14-4 5 16,-5-2 11-16,-14 2 10 0,-3 1 29 15,-10 5 11-15,-3 3 28 16,-6 5 4-16,0 0 11 16,-4 0-27-16,-4-7-9 15,-1-2-35-15,-2-6-10 16,-3-3-21-16,0-8 0 16,-3 0-8-16,-5-6 8 15,-3 1 4-15,-6 2 15 16,-2 1 5-16,-5 0 3 15,1 5-4-15,-3-4-7 16,0 2-20-16,-6 0-3 16,5 4-5-16,-6-3-7 15,1 7 1-15,-1-4 6 16,7 4-3-16,-8 1 0 16,5 7 5-16,-5-1-1 15,4 6-3-15,-7 2-2 0,10 4 0 16,-3-1-2-16,9 3-2 15,-2-3 3-15,8 0-7 16,1-1-17-16,7 2-14 16,-2-1-89-16,6 1-237 15,-6-3 38-15</inkml:trace>
   <inkml:trace contextRef="#ctx0" brushRef="#br0" timeOffset="26386.1">7077 11039 393 0,'-1'-3'250'15,"-8"1"-37"-15,-7 2-36 16,2 1-166-16,-4 2-1 15,0-2-1-15,-1 2-7 16,-2 1 1-16,-10 3 3 16,0-2 4-16,-7 2 18 15,0 1 2-15,-5-2 29 16,6-4 4-16,-4 1-2 0,3-3-18 16,-10-1 10-16,3-1-27 15,-9 2-7-15,2 0-2 16,-8-1 0-16,7 0-14 15,-8-2-2-15,7-3-2 16,-11 0 0-16,7-1-1 16,-13 5-1-16,6 0 0 15,-10 0 3-15,14 1 2 0,-9 0 0 16,9-4 3-16,-12 2-1 16,7-3-1-16,-15 4-2 15,6-2 1-15,-8 1-1 16,5-3-2-16,-13 4-1 15,7 0 0-15,-12 3 0 16,13 2 0-16,-9 0 0 16,9 0 1-16,-6 0-1 15,10 0-1-15,-12-1 0 16,15 3 0-16,-10 0 0 16,9-1 0-16,-10 5-1 15,11 0-1-15,-7 4-1 16,15 2-5-16,-5 6-15 15,13 0 1-15,-4 6-13 16,10 1-9-16,-4 10-14 0,13 3-1 16,1 14-30-16,11 0 0 15,1 16-13-15,11-3 9 16,2 12 1-16,11-5 24 16,9 13 3-16,7-10 22 15,9 10 8-15,5-10 13 16,11 8 5-16,3-11 10 15,17 8 3-15,3-13 2 16,15 4 1-16,-3-15 1 0,17 0 0 16,-3-14 0-16,19 0 0 15,-3-15 0-15,17-4 0 16,-6-8 1-16,18-3 0 16,-14-8 2-16,18-2 0 15,-11-2 1-15,23-3 0 16,-15-7 15-16,22-6 22 15,-13-2-2-15,16-4 3 16,-24-1-1-16,19-3-16 16,-20 6-20-16,9-5 0 15,-16 2-2-15,22-4 1 16,-22 4 0-16,13-7-1 16,-16 2 0-16,13-5 1 15,-25 4-1-15,10-9 1 16,-16 0 0-16,10-9 0 0,-16 3 0 15,8-7 1 1,-14 3 0-16,1-4 4 0,-19 7 7 16,-1-4 13-16,-17 4 8 15,-2 0 27-15,-14 11 15 16,-6 1 24-16,-15 8 1 16,-4 3 27-16,-9 9-15 15,-6-5-3-15,-5 1-24 16,-2-4 0-16,-6-3-22 0,-9-3-2 15,-5-1-13-15,-10-6-7 16,-2 1-15-16,-8-5-17 16,1 1-22-16,-12-3-11 15,4 4 2-15,-13-1 0 16,6 10 2-16,-13-5 10 16,11 5 12-16,-3 2 0 15,9 0-2-15,-9-3-1 16,10 5-6-16,-11 1-27 15,9 3-3-15,-6 2-10 16,16 3-2-16,0 5 2 16,12 0 23-16,-4 0 0 15,9 1 10-15,-7 2-42 16,7-1-46-16,-1 4-186 16,6 3 3-16</inkml:trace>
   <inkml:trace contextRef="#ctx0" brushRef="#br0" timeOffset="35226.01">6178 10400 332 0,'-14'9'102'15,"1"-8"16"-15,3 3-86 0,0-3-31 16,3 1-5 0,4 1-9-16,3-1-33 0,0-2-9 15,0 0 0-15,0 0 5 16,1 0 8-16,8 0 33 15,20 1 11-15,38-6 0 16,-21 0 2-16,0-8-2 16,16-3 0-16,2-1 0 0,15-1-1 15,-1 2-1-15,20 2 0 16,-3 2-1-16,23-2 0 16,-5 0 0-16,24-3 0 15,-7 1 2-15,20-3 0 16,-16 2-2-16,19-4 7 15,-19 0 1-15,16-3 7 16,-17 1 3-16,18-3 4 16,-20 0-4-16,13 1 0 15,-21 6-7-15,9-3-2 16,-23 5-2-16,5 0-3 16,-20 3 0-16,0-1 0 15,-20 7 0-15,-1 2 1 16,-19 7 1-16,-9-2 2 15,-18 1-2-15,-6-1-4 16,-14 1-1-16,-8-3-5 16,-10 3-85-16,-28 0-8 0,-11-2-26 15</inkml:trace>
@@ -417,7 +418,7 @@
   <inkml:trace contextRef="#ctx0" brushRef="#br0" timeOffset="7049.7">17774 5098 702 0,'25'-10'242'15,"-13"3"38"-15,-10 2-199 16,-2 3-25-16,1-1-34 0,-1 3-22 15,-1 0-12 1,0 0 1-16,0 2 2 0,-6 21 2 16,-14 41 7-16,12-26-1 15,2-5 0-15,7 6-1 16,7-7 2-16,7 4 0 16,3-9 0-16,12 2 1 15,0-8-3-15,10-4 0 16,-1-6-1-16,8-9-1 15,-3-5 1-15,3-10 2 16,-7-7 3-16,2-13 4 16,-5-3 5-16,0-10 21 15,-6-2 7-15,-3-9 20 16,-9 9 2-16,-7 0 16 16,-8 13-14-16,-10 1-4 15,-7 15-20-15,-13 0-11 16,-5 9-24-16,-9 4-9 0,0 6-10 15,-8 6-16-15,8 5-12 16,6 0-43-16,10-2-69 16,9 0-194-16,16-3 15 15,13 0-122-15</inkml:trace>
   <inkml:trace contextRef="#ctx0" brushRef="#br0" timeOffset="7664.69">19102 4937 571 0,'-31'0'375'0,"-19"-7"-54"16,6-8-58-16,-12-4-224 15,-1 2-14-15,1-6 4 16,11-1-6-16,2-4 26 15,14-3 1-15,5-14-6 16,9-2-13-16,14-17-15 16,11-3-30-16,19-8-5 15,7 9 2-15,16 3 2 0,-1 20 3 16,2 4 1-16,-10 19 0 16,6 7-3-16,-12 13-3 15,4 6-7-15,-10 10-2 16,-4 13 1-16,-10 9 3 15,-5 18 5-15,-15 7 7 16,-6 24 6-16,-3 0 1 16,-8 18 2-16,-3-9 0 15,3 15 1-15,6-22-2 16,8 1-2-16,6-21-4 0,10-6-6 16,6-22-4-16,11-6-3 15,5-16 1-15,20-15 3 16,5-13 4-16,22-9 4 15,-3-11 5-15,-2-10 6 16,-20 1 20-16,-10-5 50 16,-26 2 10-16,-9-4 15 15,-11 4 1-15,-8-3-11 16,-8 3-48-16,-9-2-9 16,-6 6-16-16,-10 1-5 15,2 8-10-15,-7 4-4 16,5 7-6-16,-3 4-21 15,9 6-20-15,1 2-38 16,15 2-17-16,1-1-81 16,12 0-179-16,18-26 37 15</inkml:trace>
   <inkml:trace contextRef="#ctx0" brushRef="#br0" timeOffset="8035.41">20060 3863 830 0,'29'-12'138'16,"-18"20"83"-16,-12 4-257 16,0 10 14-16,-7 20 2 15,1 11 14-15,-5 19 8 16,-3 1 2-16,5 8 0 16,7-10-1-16,4 4-1 15,7-17 0-15,16-1 0 16,5-15 0-16,18-10 1 15,6-17-1-15,22-15 3 16,-1-18 15-16,14-21 28 16,-10-12 8-16,4-14 32 15,-20-2 15-15,-4-12 12 16,-23 9-25-16,-8-12 0 16,-17 13-12-16,-12-1 4 15,-13 20-24-15,-12 6-14 16,-8 15-20-16,-21 13-53 0,-7 16-48 15,-36 22-57-15,-6 16-23 16,-18 31-104-16,4 9-105 16,-5 13 3-16</inkml:trace>
-  <inkml:trace contextRef="#ctx0" brushRef="#br0" timeOffset="8494.86">18626 6147 777 0,'-12'43'197'15,"16"-33"51"-15,15-13-190 16,15-2-69-16,35-16 31 15,23-11 19-15,37-29 2 16,11-12 0-16,38-19 8 16,-9-2-17-16,30-25 20 15,-10 7 8-15,34-13 10 16,-30 11-10-16,29-11 1 0,-32 22-20 16,7 3-7-16,-35 19-16 15,1 8-3-15,-43 27-10 16,-7 11 1-16,-34 14-5 15,-15 7 2-15,-26 7 1 16,-7 2 0-16,-16 4-2 16,-6 4 0-16,-6-2-2 15,-2 2 0-15,-2-2 0 16,0-1 1-16,1 0 1 16,-2 0 0-16,1 0-2 0,0 0-20 15,0 0-32-15,-1 0-336 16,-13 3 82-16</inkml:trace>
+  <inkml:trace contextRef="#ctx0" brushRef="#br0" timeOffset="8494.85">18626 6147 777 0,'-12'43'197'15,"16"-33"51"-15,15-13-190 16,15-2-69-16,35-16 31 15,23-11 19-15,37-29 2 16,11-12 0-16,38-19 8 16,-9-2-17-16,30-25 20 15,-10 7 8-15,34-13 10 16,-30 11-10-16,29-11 1 0,-32 22-20 16,7 3-7-16,-35 19-16 15,1 8-3-15,-43 27-10 16,-7 11 1-16,-34 14-5 15,-15 7 2-15,-26 7 1 16,-7 2 0-16,-16 4-2 16,-6 4 0-16,-6-2-2 15,-2 2 0-15,-2-2 0 16,0-1 1-16,1 0 1 16,-2 0 0-16,1 0-2 0,0 0-20 15,0 0-32-15,-1 0-336 16,-13 3 82-16</inkml:trace>
   <inkml:trace contextRef="#ctx0" brushRef="#br0" timeOffset="11295.02">16283 4769 698 0,'-17'-11'241'0,"1"-3"17"16,9-1-113-16,8 6-211 0,8-6 47 16,6 1 2-16,12-10-5 15,6-3 6 1,19-10 2-16,8 1 5 0,24-13 0 16,5 0 5-16,23-13 1 15,2 7 3-15,26-20-3 16,-7 1 1-16,34-14-1 15,-3 1 1-15,30-19-2 16,-11 9 2-16,36-20 2 16,-18 9-1-16,29-10 1 15,-21 8 2-15,32-18-3 16,-26 20 5-16,24-11-3 16,-29 19 0-16,8-7-1 15,-40 27 2-15,-1 6-6 16,-44 22 2-16,-8 7 1 15,-29 23-3-15,-8 9-1 16,-22 8-1-16,1 11 2 0,-10 4-1 16,2 5 1-16,-9 6 3 15,3 12 1-15,-9 1 0 16,2 20 0-16,-8 9-1 16,2 24-1-16,-4 0-1 15,3 25 2-15,-4-15-1 16,11 13 2-16,-2-18 1 15,3 9 0-15,-2-14 1 16,1 10 1-16,-8-14-1 16,3 7 0-16,-6-13 0 0,2 0 2 15,-5-12-3-15,2-1 2 16,-6-12-1-16,2 0 1 16,-4-13-2-16,5 6 1 15,-4-8-1-15,-2 7 0 16,-6-7-2-16,-2 0 1 15,-9-10 0-15,-2 3 2 16,-4-9 1-16,-2 4 9 16,-7 0 3-16,-9 6 6 15,-5 0 2-15,-13 7 2 16,-8-2-5-16,-17 7-1 16,-4-2-7-16,-13 5-2 15,-1-4-3-15,-23 16-2 16,6-1-3-16,-15 14 1 15,1-5-1-15,-15 5-2 16,16-10 2-16,-13 6 0 16,7-13-2-16,-19 14 2 0,17-1-1 15,-14 0 2-15,12-13-1 16,-6 4 1-16,20-13 0 16,-7-1 0-16,18-3-2 15,-11 7 0-15,15-5-1 16,-12 13 0-16,15-7-1 0,-12 4 1 15,14-4 0-15,-15 5 1 16,11-10 0-16,-12 6 2 16,8-6-3-16,-11 8 1 15,12-8 0-15,-7 7-1 16,10-5-1-16,-6 7 1 16,11-7-1-16,-8 1 2 15,12-9 0 1,-10 3 2-16,6-9 0 0,-8 4 0 15,9-5-2-15,-16 9-8 16,8-5-4-16,-9 2-1 16,16-4 1-16,3-1 8 15,20-11 9-15,-1-7 23 16,14-10 3-16,-13-5 6 16,4-4 9-16,-15-8 5 0,8-3-17 15,-7-8 4-15,11-6 1 16,-10-8-8-16,11-3-2 15,-7-7 1-15,8 2-6 16,-9-10-2-16,12 0 1 16,-5-18-4-16,5 1-6 15,-9-11 1-15,8 8-4 0,-5 2-11 16,6 16 0-16,-3-2 3 16,11 11-3-1,-5-5 1-15,6 6 0 16,-5-4-1-16,5 8-4 0,-7-2-1 15,5 9-1-15,-6-1-3 16,10 11-1-16,-3 5-6 16,9 5-3-16,-1 0-8 15,7 3-2-15,-3-3 0 16,3-3 5-16,-2-1 4 16,5 3 8-16,-2-2 5 15,6 4 4-15,3 4 1 16,8 3 0-16,2 3-18 15,7 3-24-15,2 2-33 16,3-1-3-16,-2 1 2 16,1-1 20-16,7-2 23 15,20-11 34-15,50-37 4 0,-31 12 0 16,15-15 0-16,3 0 0 16,19-18 1-16,-8 8-2 15,17-12 0-15,-12 4 0 16,24-9-1-16,-9 14-2 15,19-10 0-15,-11 6 0 16,22-4 2-16,-21 6-1 16,2-6 2-16,-17 13-1 15,-5 3 3-15,-25 14-1 16,-7 9 2-16,-18 13 0 0,-7 3 2 16,-13 11 1-16,-3 5 5 15,-8 0 3-15,-3 4 15 16,-1 1 2-16,-1 0 5 15,0 0-8-15,0 0-20 16,-1 1-44-16,-2 3-135 16,-22 24-133-16,-34 43-29 15</inkml:trace>
   <inkml:trace contextRef="#ctx0" brushRef="#br0" timeOffset="12293.76">20531 4790 790 0,'-5'8'176'0,"1"0"63"16,-4 3-234-16,-1-2-44 15,-1-1-18-15,1 1 8 0,3-1-2 16,4-7 12-16,10-3 13 16,5-4 25-16,18-11 12 15,10-5 5-15,23-15 13 16,5-4-3-16,24-15-1 15,-2 3-9 1,17-13 0-16,2 6-11 0,21-12-1 16,-10 10-2-16,17-11 1 15,-14 11 0-15,-1-1 0 16,-30 10 2-16,-4 2-2 16,-29 16 1-16,-6 5 0 15,-20 11-2-15,-3 4-3 16,-13 7-3-16,-3 2-30 15,-8 6-26-15,-4 2-52 16,-9 8 2-16,-16 15-106 0,-14 12 24 16,-33 19-8-16</inkml:trace>
   <inkml:trace contextRef="#ctx0" brushRef="#br0" timeOffset="12568.31">20316 5227 992 0,'0'13'173'0,"1"-12"88"16,7-3-292-16,21-18-20 16,12-5 17-16,31-23 5 15,13-13 20-15,36-18 2 16,-3 5 6-16,21-17 1 15,-8 6 4-15,16-6-1 16,-20 12 1-16,16-9-1 16,-16 17-1-16,13 4-21 15,-15 16-56-15,19-9-181 16,-24 7 22-16</inkml:trace>
@@ -433,17 +434,17 @@
   <inkml:trace contextRef="#ctx0" brushRef="#br0" timeOffset="30526.43">25080 5440 716 0,'11'93'120'16,"12"14"82"-16,4-8-218 15,14 32 8-15,1-6 8 16,7 26-45-16,-3-14-17 15,3 8-58-15,-10-26-42 16,1-6-40-16,-9-37-16 0</inkml:trace>
   <inkml:trace contextRef="#ctx0" brushRef="#br0" timeOffset="31539.89">25024 6207 1063 0,'4'5'115'0,"13"-8"153"16,8-2-326-16,24-1 15 16,12-6 37-16,17-6 8 15,2-3 1-15,17-7-2 16,-11-4 1-16,9-12-1 15,-16 1-3-15,-2-12-3 16,-19 5 3-16,-6-11 3 0,-19 9 1 16,-5-4 6-16,-12 15 21 15,-5 9 35-15,-9 14 8 16,-6 4-11-16,-6 7-22 16,-7-2-5-16,1 2-24 15,-3-1-2-15,8 6 6 0,5 1 7 16,2 9-15-16,2 15-17 15,-1 9-10-15,1 12 3 16,4 7 9-16,5-1-3 16,3-10 2-16,9-5-1 15,1-13-2-15,4-4-1 16,3-8 2-16,7-9 2 16,1-8 2-16,9-12 2 15,0-10 3-15,2-14 2 16,-7-5 0-16,-6-11 1 15,-11 5-2-15,-8-12 0 16,-8 6-1-16,-6-8 1 16,-4 7-1-16,-3 4 27 15,3 19 5-15,-2 10 16 16,3 16 3-16,0 6 3 0,3 6-22 16,-1 1-5-1,0-1-21-15,0 0-17 0,-1 2-5 16,-11 16-7-16,-42 39-1 15,38-36-17-15,12-2 16 16,12 5 1-16,8-2-2 16,13 10 1-16,10 2 21 15,17 0-4-15,3-7 2 16,16-1 5-16,-3-6 2 16,1-2 1-16,-14-1 0 0,-7-1-9 15,-16 1-4-15,-11 5-5 16,-15 0-2-16,-11 9-1 15,-6 2 2-15,-18 8-2 16,-8-2 1-16,-13 0-12 16,-1-9-22-16,-13-13 8 15,10-16-47-15,-4-17-21 16,13-14 3-16,0-26-34 16,13-17-81-16,7-36 105 15,16-8 44-15,6-25 69 16,7 8 93-16,7-8 129 15,-2 36-27-15,-1 15 20 16,-4 34-50-16,-2 20-27 0,-2 27-51 16,-3 5-33-1,0 6-51-15,5 5-8 0,-5-6-6 16,5 8 3-16,12 31 8 16,57 76 11-1,-30-30 2-15,14 26-2 0,-1-4-2 16,12 14 3-16,-5-17-3 15,6 1-27-15,-10-24-40 16,5 1-184-16,-17-21-23 16,-15-16-95-16</inkml:trace>
   <inkml:trace contextRef="#ctx0" brushRef="#br0" timeOffset="31706.44">26722 5319 825 0,'53'-48'220'0,"19"-11"58"15,7-5-256-15,22-10-70 16,-9 10-82-16,1 11-146 16,-27 20-44-16</inkml:trace>
-  <inkml:trace contextRef="#ctx0" brushRef="#br0" timeOffset="32009.63">26001 7498 1419 0,'12'33'321'0,"-2"-8"88"16,-4-38-373 0,20 43-100-16,8 12 27 0,18 21-16 15,9 12 13-15,15 15-38 16,-10-15-14-16,6-1-49 16,-14-13 23-16,4 3-26 15,-19-12 22-15,-5-5 11 16,-17-14 46-16,-12-8-203 15,-20-21 111-15</inkml:trace>
+  <inkml:trace contextRef="#ctx0" brushRef="#br0" timeOffset="32009.62">26001 7498 1419 0,'12'33'321'0,"-2"-8"88"16,-4-38-373 0,20 43-100-16,8 12 27 0,18 21-16 15,9 12 13-15,15 15-38 16,-10-15-14-16,6-1-49 16,-14-13 23-16,4 3-26 15,-19-12 22-15,-5-5 11 16,-17-14 46-16,-12-8-203 15,-20-21 111-15</inkml:trace>
   <inkml:trace contextRef="#ctx0" brushRef="#br0" timeOffset="32859.75">25998 7346 881 0,'-3'-49'196'0,"13"10"84"16,13-9-250-16,8-7-23 15,14-6 7-15,0 13-9 32,6 15-4-32,-8 16-4 0,5 14 1 0,-6 17 0 15,7 21 2-15,-5 11 4 16,7 26 3-16,-11 9 1 16,-2 17 0-16,-11-7-3 15,-5-10-1-15,-17-26-3 16,-13-2-176-16,-10-17-10 15,-14-9 43-15,-8-6-40 0,-5-15 41 16,9-15 198-16,3-16 32 16,14-6-32-16,7-12 51 15,14 4-26-15,10-17-16 16,8-4-18-16,12-11-7 16,7 3-11-16,15-6-3 15,3 13-6-15,8 0-4 16,-8 16-3-16,2 6-1 15,-14 12-11-15,-3 5-2 16,-6 14 2-16,4 4 0 16,-8 7-2-16,0 6 3 15,-6 4 0-15,-3 8 2 16,-8 4-4-16,-7 12-35 16,-9 5-22-16,-15 8-9 0,-8-5 11 15,-3-6 87-15,4-14 38 16,4-10 13-16,12-13 1 15,5-14-49-15,3-14-87 16,2-20-6-16,2-12 7 16,9-20 12-16,4 3 43 15,10-2 15-15,2 14 5 0,9 2 3 16,-3 15-2-16,3-2-7 16,-6 12-12-16,1 2-2 15,-11 9-6-15,-6 8 0 16,-8 9 0-16,-3 7-5 15,-4 7 8-15,4 23 5 16,0 12-1-16,7 21-1 16,0 8 4-16,8 9-8 15,-2-17-7-15,5-13-1 16,-2-17-4-16,1-13-2 16,-3-13 2-16,4-7 7 15,-6-6 6-15,2-14 12 16,-5-8 6-16,-4-18 2 15,-7-8-3-15,-10-16-3 16,-10 3-10-16,-10-2 5 16,-1 18 8-16,-1 11 78 0,1 14-79 15,-1 14-71-15,3 12-11 16,-1 12-85-16,2 6-95 16,8 14 48-16,11-2 37 15,15-3-70-15,15-8 58 16</inkml:trace>
   <inkml:trace contextRef="#ctx0" brushRef="#br0" timeOffset="33308.55">28182 6163 791 0,'1'-14'380'15,"-11"11"-25"-15,-13-5-191 16,-5 3-91-16,-14 1-60 15,0 2-9-15,-12 15-12 16,5 15-3-16,-4 19-5 16,9 10-2-16,3 15-1 15,13-1 7-15,12 0-5 16,13-17-3-16,8-4-8 16,10-18-10-16,7-8-32 15,4-14 6-15,7-13 9 16,-1-14 11-16,9-21 12 0,-4-12 35 15,7-28 3-15,-8-5-3 16,1-10 0-16,-12 12 0 16,-7 5 48-16,-17 20 10 15,-8 0 29-15,-13 13 7 16,-7 3 20-16,3 5-21 16,2 9 0-16,9 15-29 15,5 4-16-15,8 7-30 16,1 3-52-16,2 1-22 15,-3-2 0-15,4 17 7 0,67 66 8 16,-24-22 29-16,21 15-68 16,1-5-65-16,21 7-230 15,-7-9-20-15</inkml:trace>
   <inkml:trace contextRef="#ctx0" brushRef="#br0" timeOffset="34192.86">28756 961 564 0,'6'-5'49'0,"10"31"88"15,7-10-168-15,14 14 0 16,7 13 32-16,18 15 0 16,-2-10-1-16,15 14-1 15,-7-9-1-15,7 3-1 16,-15-14 0-16,3 7 0 16,-14-11 0-16,1 0 1 15,-8-7 0-15,-2 7 1 16,-9-5 3-16,-4 15-2 15,-13 0-2-15,-18 28 1 16,-17 8-2-16,-30 37-1 16,-18 1 3-16,-22 25 3 15,1-14 3-15,1 2 25 0,23-40 3 16,14-11-2-16,24-29-3 16,17-10-5-16,13-14-25 15,12 6-1-15,8 1 0 16,15 12 3-16,8 2 0 15,19 14 1-15,7-5-1 16,22 2 1-16,-7-14 0 16,7 2 0-16,-15-10 1 15,0 12 2-15,-19 5-2 16,2 28 4-16,-11 11 0 0,-1 37 0 16,-13 5-1-16,-5 23-2 15,-12-22-2-15,-13-4 0 16,-10-38 1-16,-12-10 4 15,-8-32 4-15,-10-1 1 16,2-12-1-16,-9 12-3 16,4-5-3-16,0 11-2 15,11-3-2-15,8 11 0 16,11-9 0-16,13 3 2 16,10-13 2-16,17 14 22 15,12-6 7-15,27 16 1 16,13 5 0-16,32 19 0 15,2-5-22-15,15 15-6 0,-16-11-1 16,-6 5-1-16,-36-23-2 16,-19-3-2-16,-27-27 6 15,-16 1-122-15,-17-8-103 16,-11 1 1-16</inkml:trace>
-  <inkml:trace contextRef="#ctx0" brushRef="#br0" timeOffset="37259.69">27225 3038 205 0,'-22'7'153'16,"11"-5"-38"-16,0-3-20 15,7 3-132-15,-1-1-28 16,5-3-3-16,-1 1 2 15,1 0 20-15,0 0 46 16,1-1 38-16,20-7 19 16,52-24 2-16,-15 3-2 15,9-5-27-15,24-11-10 0,-2 1-10 16,23-16-2 0,-5 2-5-16,23-18-1 0,-6 8 0 15,22-11 3-15,-3 9 6 16,16-10 8-16,-20 12 3 15,16-5 14-15,-24 10-1 16,4-1-3-16,-24 19-8 16,3 0-5-16,-30 16-15 0,-5 7-4 15,-26 11-3 1,-5 2-1-16,-17 6 2 0,-7 3-1 16,-7-2 0-16,-6 2-4 15,-5 1-2-15,-3 9-46 16,-3-3-54-16,-8 18-41 15,-18 2-48-15</inkml:trace>
+  <inkml:trace contextRef="#ctx0" brushRef="#br0" timeOffset="37259.68">27225 3038 205 0,'-22'7'153'16,"11"-5"-38"-16,0-3-20 15,7 3-132-15,-1-1-28 16,5-3-3-16,-1 1 2 15,1 0 20-15,0 0 46 16,1-1 38-16,20-7 19 16,52-24 2-16,-15 3-2 15,9-5-27-15,24-11-10 0,-2 1-10 16,23-16-2 0,-5 2-5-16,23-18-1 0,-6 8 0 15,22-11 3-15,-3 9 6 16,16-10 8-16,-20 12 3 15,16-5 14-15,-24 10-1 16,4-1-3-16,-24 19-8 16,3 0-5-16,-30 16-15 0,-5 7-4 15,-26 11-3 1,-5 2-1-16,-17 6 2 0,-7 3-1 16,-7-2 0-16,-6 2-4 15,-5 1-2-15,-3 9-46 16,-3-3-54-16,-8 18-41 15,-18 2-48-15</inkml:trace>
   <inkml:trace contextRef="#ctx0" brushRef="#br0" timeOffset="40355.67">30576 1586 743 0,'11'10'288'0,"-12"-13"12"16,-1 0-175-16,1 3-95 15,1 0 0-15,0-1-12 16,-1-1 0-16,-1 1 0 16,-24-15 1-16,-52-36-16 0,29 17 0 15,4-1 12-15,1-3 20 16,16 5 0-16,7-3-2 15,11 6-2-15,8-1-19 16,6 3-24-16,5-9-8 16,8 9-1-16,14 0-6 15,9 3-2-15,14-4-12 16,7 10 0-16,0 0-15 16,-10 8 2-16,-7 3-1 15,-19 11 13-15,-6 10 7 16,-10 16 18-16,-10 28 6 15,-12 10 11-15,-16 32 1 16,-6 5 2-16,-20 17-1 16,1-15 0-16,2 0-1 15,14-35-2-15,7-9-5 0,21-26-4 16,11-13-3-16,13-13-2 16,14 3 3-16,10-9 6 15,16-7 3-15,3-10 6 16,16-13 2-16,-5-7-1 15,2-14 0-15,-15-1 2 16,-9-2 13-16,-21 7 15 0,-12-2 21 16,-18 8-1-16,-10 2-7 15,-7 6-15-15,-11-1-25 16,-4 0-23-16,-7 6-27 16,3 5-3-16,-1 1-10 15,10 8 10-15,6 7-6 16,14-5 11-16,7 5-96 15,13-5-1-15,16-26-26 16,13-5-2-16,14-8-2 16,3-7 102-16,5 2 20 15,-11 16 25-15,-3 7 21 16,-11 13 19-16,-9 0 1 16,-9 9-6-16,-4 2-10 15,-10 5-9-15,-2 2 7 16,-1 6 11-16,0-7 31 15,0 5 14-15,-11 35 16 0,-11 48-6 16,9-23-10-16,6 1-29 16,5-4-9-16,9-17-14 15,6-5-3-15,5-13 0 16,10-6 40-16,5-10 13 16,11-12 17-16,3-6 4 15,13-13 2-15,-5-6-41 16,6-5-11-16,-10-4-13 15,-5-8 2-15,-17 2 2 16,-12 1 31-16,-19-3 0 0,-22 6-5 16,-17 5-9-16,-17 10-10 15,-5 2-34-15,-10 15-30 16,11 9-16-16,3 2-50 16,18 1-30-16,11 3-126 15,17-10 21-15,19-7-59 16</inkml:trace>
   <inkml:trace contextRef="#ctx0" brushRef="#br0" timeOffset="41028.6">31831 972 280 0,'15'22'105'0,"-14"-22"65"16,-3 8-55-1,-7-9 14-15,-8 2 28 0,-5 0-36 16,-9-2-27-16,-5-14-32 16,-3 3-7-16,5-5-30 15,-2-9-21-15,8-4 0 16,6-5-5-16,13-3-1 0,11-12-4 16,11 0-1-1,17-11-9-15,5 14 2 0,7 2 0 16,-4 13 2-16,-2 10-15 15,-9 18-1-15,-3 9-3 16,-6 10 0-16,-3 15 2 16,-7 6 18-16,-8 25 5 15,-7-1 6-15,-9 14 2 16,-5 0-1-16,0 9-1 16,6-14-1-16,9 7-4 15,10-11-1-15,16-4-3 16,9-18 1-16,12-11 8 15,0-21 6-15,9-9 10 16,-1-15 9-16,6-16 4 16,-8-9-3-16,8-11-2 15,-12-4-7-15,-7-17-3 16,-14 11-2-16,-10 0 20 0,-16 4-1 16,-15-11-5-16,-10 14-12 15,-10-5 5-15,-4 6-28 16,-1 6-1-16,11 14-13 15,3 3 28-15,11 8-7 16,10-1 1-16,7 9-7 16,11-3 10-16,16-3-19 0,17-3-3 15,5 11 6 1,18-10 10-16,-5 17 6 0,2 8-1 16,-13 8 1-16,-1 10-1 15,-16 17-4-15,-3 20 1 16,-11 22 3-16,-5 26 1 15,-6 1-4-15,6 35-128 16,1-8-121-16,10 5-9 16</inkml:trace>
   <inkml:trace contextRef="#ctx0" brushRef="#br0" timeOffset="42503.56">30484 3528 809 0,'8'4'214'0,"-7"-4"74"15,1 0-232-15,-11-5-8 16,-6-5-28-16,-11-7-21 16,-2-5 2-16,-7-7 2 15,7-2 5-15,6-9 7 16,12 1 14-16,3-9-13 15,8 2-11-15,6-8-1 16,4 10 0-16,5 2-2 16,1 8-3-16,0 8-6 15,-7 14-2-15,2 3-12 0,0 6 0 16,7 4-9-16,2 2 5 16,7 4-4-16,0 8 8 15,0 8 1-15,-9 4 10 16,-2 14 2-16,-7 4 5 15,-5 8 4-15,-8 0 1 16,-1 12 1-16,-1-8-1 16,-1 8-2-16,3-9 1 15,2 1-2-15,3-14-1 0,1-7-22 16,1-16-12-16,-1-6-4 16,1-10 1-16,-1-2 2 15,-3-2 24-15,0 0 20 16,0-2 3-16,0 1 10 15,4-9 0-15,10-30-3 16,13-43-6-16,-14 32 8 16,-9 11-7-16,-7 5-3 15,-6 10-5-15,-3-1-10 16,-4 2-13-16,-2 2-10 16,0 4-10-16,1-3-21 15,0 5-10-15,6-8-75 16,7-8-56-16,10-11-14 15,9-2-68-15</inkml:trace>
   <inkml:trace contextRef="#ctx0" brushRef="#br0" timeOffset="42924.86">31017 2861 132 0,'4'-1'190'16,"-1"1"-56"-16,-3 1-23 0,-1-1-16 15,-1 2-61-15,-11 22 2 16,-32 46-3-16,17-21 10 16,4 0-9-16,1 4 6 15,5-3-9-15,6-1-6 16,5-10-12-16,8-3-3 16,7-8-7-16,8-5-4 15,5-8 1-15,7-4 26 16,2-7 15-16,-1-6 13 15,-1-6 6-15,0-7 6 16,-9-3-22-16,-1-5-11 16,-3 0-11-16,-5-8 2 15,-6 1-3-15,-6-3 3 16,-5 0 1-16,-9-5 5 16,-1 5-4-16,-5 1-2 0,0 4-8 15,0 4-9-15,3 11-13 16,-3 4-18-16,6 3-13 15,4 4-19-15,3 1-25 16,3 1-130-16,7 0-57 16,5 3 1-16,-6-3 20 15,1 0-47-15</inkml:trace>
   <inkml:trace contextRef="#ctx0" brushRef="#br0" timeOffset="43553.37">31594 2721 626 0,'-19'33'147'16,"7"-10"51"-16,2-5-177 16,-1-1-20-16,5 0 14 15,1-5 15-15,-1-5 50 16,3-3 36-16,-12-10-34 15,-11-9-24-15,-6-11-8 16,-4-11-50-16,-4-17-37 16,12 1 34-16,8-6 8 15,12 6-5-15,9-3-1 16,7 12 1-16,10 3-4 16,8 16 0-16,10 2 0 0,2 9 1 15,9 11-4 1,-1 3 2-16,0 1-4 0,-9 9 0 15,1 12-2-15,-9 0 3 16,-5 11 3-16,-9 8 3 16,-9 18 3-16,-9 5 0 15,-8 12 1-15,-4-4-1 16,-1 0 1-16,3-18-2 0,5-10-5 16,8-16-3-16,8-7-5 15,6-12-1-15,11-8 3 16,6-8 6-16,13-8 5 15,-1-6 5-15,5-5 4 16,-11 1 1-16,-6-2 17 16,-11 4 26-16,-9 8 45 15,-7 3 13-15,-3 6 10 16,-2 1-16-16,-14-8-104 16,-6-3-42-16,-18 2-19 15,-8 3-12-15,-16 5-3 16,9 11 75-16,-1 4-3 15,17-1 7-15,11-3-52 16,15-3-38-16,16-14-109 16,18-18-115-16,20-26-6 15,7-10-97-15</inkml:trace>
-  <inkml:trace contextRef="#ctx0" brushRef="#br0" timeOffset="43939.19">32168 2003 529 0,'11'-18'136'0,"12"-6"60"15,10 6-140-15,18 3-30 16,4 1 9-16,4 5-4 16,-8 7-17-16,2-2-3 15,-16 4-3-15,-1 2-5 16,-11 4-3-16,-3 10 0 15,-11 0 0-15,-5 13 2 16,-9 8 1-16,-7 22 3 16,-4 4-1-16,-5 17 0 15,3-16-1-15,4-2-3 16,9-21-3-16,12-9 8 16,11-16 19-16,22-5 26 15,13-11 7-15,23-9 5 16,4-9-6-16,16-12-19 0,-13-2-26 15,-3-9-4-15,-24 8-5 16,-11 4-4-16,-25 10-3 16,-10 7-24-16,-13 12-37 15,-25 16-212-15,-16 14 37 16</inkml:trace>
+  <inkml:trace contextRef="#ctx0" brushRef="#br0" timeOffset="43939.18">32168 2003 529 0,'11'-18'136'0,"12"-6"60"15,10 6-140-15,18 3-30 16,4 1 9-16,4 5-4 16,-8 7-17-16,2-2-3 15,-16 4-3-15,-1 2-5 16,-11 4-3-16,-3 10 0 15,-11 0 0-15,-5 13 2 16,-9 8 1-16,-7 22 3 16,-4 4-1-16,-5 17 0 15,3-16-1-15,4-2-3 16,9-21-3-16,12-9 8 16,11-16 19-16,22-5 26 15,13-11 7-15,23-9 5 16,4-9-6-16,16-12-19 0,-13-2-26 15,-3-9-4-15,-24 8-5 16,-11 4-4-16,-25 10-3 16,-10 7-24-16,-13 12-37 15,-25 16-212-15,-16 14 37 16</inkml:trace>
   <inkml:trace contextRef="#ctx0" brushRef="#br0" timeOffset="45444.18">30706 5035 618 0,'-37'-35'208'16,"11"-12"21"-16,11-2-187 15,14-15-6-15,8-2-41 16,15-11-5-16,8 6 1 0,13-5 8 16,0 16 6-16,9 4 4 15,-7 14 1-15,-2 9-2 16,-10 13-4-16,2 3-4 16,-9 14-3-16,3 4-9 15,0 7 0-15,2 13-4 16,-3 9 2-16,-2 15 1 15,-7 9 10-15,-9 23 3 16,-10-1 3-16,-13 16 3 16,-4-8-1-16,-4 21-1 15,2-15 0-15,0 5-2 16,11-17 0-16,6 2-1 16,7-26 0-16,8-6-4 15,6-12 0-15,10-7 2 16,0-12 2-16,9-9 8 15,0-12 6-15,9-14 7 0,-1-7 0 16,2-13 1-16,-8-4-6 16,-5-8 10-16,-12 2 2 15,-10-10 12-15,-9 5 8 16,-11-17 2-16,-6 5-10 16,-14-10 2-16,0 15-9 15,-9-4-3-15,0 21 0 0,2 6 7 16,11 18 9-16,5 4-8 15,8 11-11-15,8 1-15 16,3 5-17-16,-2-1-47 16,0-1-28-16,-1 0-115 15,1 1-20-15,-3 10-122 16,-1 8-56-16</inkml:trace>
   <inkml:trace contextRef="#ctx0" brushRef="#br0" timeOffset="46405.89">27623 7615 1196 0,'-7'25'269'0,"0"-15"84"0,2-4-412 16,8-8-46-16,9-5-8 16,16-15-1-1,12-14 22-15,28-34 56 0,14-18 41 16,24-23-5-16,1 1 0 16,24-18 1-16,-8 21-1 15,13-3-1-15,-21 19 1 0,5-4-5 16,-21 21-11-1,1-1-52-15,-20 15-35 0,4 3-125 16,-14 16-28-16,-9 14-56 16</inkml:trace>
   <inkml:trace contextRef="#ctx0" brushRef="#br0" timeOffset="46704.52">27841 8002 1029 0,'-13'30'180'0,"9"-17"71"16,16-23-307-16,21-15-7 15,16-12 9-15,35-32 20 0,16-15 36 16,39-27 3-16,-2-4-1 15,21-27-1-15,-19 23-2 16,16-9 1-16,-28 17-2 16,11-2 0-16,-18 31 1 15,10-8-36-15,-23 20-47 16,1-3-134-16,-23 14-39 0,-8 1-78 16</inkml:trace>
@@ -457,7 +458,7 @@
   <inkml:trace contextRef="#ctx0" brushRef="#br0" timeOffset="68295.07">12617 9188 691 0,'6'-8'165'0,"-5"0"58"15,-3 4-209-15,5-4-9 16,7 1-12-16,13-6-2 16,4-6-2-16,12-5 3 15,5 0 8-15,7-8 0 16,-5-4 1-16,16-12 3 15,-2-5 2-15,16-13 2 16,-2-1 0-16,16-7 4 16,-8 9 2-16,8-15 15 15,-7 6 15-15,15-10 5 16,-13 9-4-16,7-4-4 16,-12 19-16-16,0 2-18 0,-18 15-5 15,1 2-1-15,-13 10 0 16,-1 3-1-16,-11 6-3 15,-2 6-34-15,-10 4-31 16,1 4-89-16,-12 4-70 16,-8 10-43-16,-12 8-64 15</inkml:trace>
   <inkml:trace contextRef="#ctx0" brushRef="#br0" timeOffset="68581.3">13161 9223 677 0,'-4'13'200'16,"-2"-12"38"-16,3-2-188 15,9-3-54-15,-5 3-5 16,13-8-2-16,25-14-1 15,78-61 15-15,-26 13 0 0,0-4 3 16,17-13 0 0,-12 6-1-16,12-7-1 15,-14 12 1-15,16-9-4 16,-10 10-4-16,18-8-158 16,-6 13-72-16,2-7-33 0</inkml:trace>
   <inkml:trace contextRef="#ctx0" brushRef="#br0" timeOffset="80020.84">13785 9278 680 0,'14'10'239'15,"-10"-8"4"-15,-4-2-165 16,4-1-121-16,-4 0 3 16,1-1 16-16,23-8 6 15,56-35 21-15,-12-2 1 16,10-9-1-16,14-15-1 16,-8-2-1-16,12-7 2 15,-17 7-2-15,5-5 1 16,-9 11 0-16,8-1 0 0,-13 8-26 15,10-8-130-15,-9 8-73 16,-2 0-45-16</inkml:trace>
-  <inkml:trace contextRef="#ctx0" brushRef="#br0" timeOffset="80244.24">14200 9463 1064 0,'36'12'157'16,"-28"-44"132"-16,61-15-322 15,25-18-60-15,62-30-201 16,18-16 58-16</inkml:trace>
+  <inkml:trace contextRef="#ctx0" brushRef="#br0" timeOffset="80244.23">14200 9463 1064 0,'36'12'157'16,"-28"-44"132"-16,61-15-322 15,25-18-60-15,62-30-201 16,18-16 58-16</inkml:trace>
   <inkml:trace contextRef="#ctx0" brushRef="#br0" timeOffset="83881.07">15778 11189 613 0,'50'-18'121'15,"-5"-4"62"-15,7-12-183 16,12-4-6-16,24-12 2 15,-4 5 1-15,16-9 0 16,-9 6 3-16,8-8 19 16,-18 11 15-16,8-5 23 15,-18 8 5-15,3-1 7 0,-14 10-19 16,2 0-14-16,-13 8-20 16,-1 3-8-1,-10 9-6-15,3 1-23 0,-8 5-36 16,5-1-137-16,1 0-57 15,10-9-61-15</inkml:trace>
   <inkml:trace contextRef="#ctx0" brushRef="#br0" timeOffset="84803.75">22958 11479 846 0,'24'2'201'0,"-2"-6"65"16,4 7-239-16,13-10-65 0,9 2-19 15,25-2-27-15,1-1-19 16,15-5-18-16,-10-3 36 16,12-14 18-1,-15-2 41-15,10-10 56 0,-12 1 36 16,12-15 20-16,-11 5 3 16,15-9-7-16,-6 6-33 15,21-14-19-15,-2 11-19 16,30-13-9-16,-5 8-6 15,25-9-23-15,-7 13-17 16,17-2-17-16,-22 13-1 0,9-3 0 16,-28 13 24-16,0-2 25 15,-30 5 32-15,-3 1 29 16,-25 9 13-16,-1-2 30 16,-23 8 0-16,-3 5-9 15,-12 3-24-15,-7 3-4 16,-10 5-31-16,-2 0-7 15,-4 2-7-15,-1 0-8 16,-1 0-15-16,-1 0-44 16,1 0-43-16,0-1-190 15,0-1 15-15</inkml:trace>
   <inkml:trace contextRef="#ctx0" brushRef="#br0" timeOffset="88841.6">2084 4368 781 0,'-65'6'146'0,"-10"15"73"16,7 13-235-16,-7 21-19 15,13 11 5-15,-1 23 0 0,11 2 6 16,7 26 1-16,14-8 10 15,2 20-1-15,11-11 5 16,9 21 2-16,8-11 4 16,6 16 1-16,16-14 3 15,16 24-1-15,9-14 0 16,15 27 0-16,6-9 1 16,5 24-1-16,-9-15 5 15,-2 22-5-15,-19-29-1 16,-7 25 4-16,-18-24 5 0,-20 18 2 15,-14-21 8-15,-20 17 7 16,-15-37-3-16,-23 20-1 16,-2-29-6-16,-22 1 0 15,7-27-3-15,-23 7 1 16,15-33-2-16,-15 0 1 16,16-19 4-16,-6-7 20 15,22-20 14-15,1-10 18 16,23-19 4-16,5-9-1 15,14-9-20-15,7-11-30 16,17-6-23-16,17-19-14 16,15-4-9-16,18-9-7 15,12 6 10-15,16-5 3 16,2 12 5-16,15 0 1 16,1 9 5-16,18 3-1 15,-6 14 1-15,13 17-4 0,-12 16 1 16,8 20-4-16,-17 11 2 15,8 17-2-15,-14 3 5 16,11 20-2-16,-12-2 4 16,14 16 1-16,-1-9 3 15,15 6 1-15,-7-20 4 0,27 2 4 16,-3-22-21-16,30 1-232 16,0-19 75-16</inkml:trace>
@@ -465,7 +466,7 @@
   <inkml:trace contextRef="#ctx0" brushRef="#br0" timeOffset="99642.56">14140 14241 981 0,'6'5'238'15,"-4"-19"71"-15,-2 14-293 16,3 1-43-16,11-1-3 15,7 0 6-15,8-3 4 16,5 2 19-16,11-2 3 16,-7 3 0-16,5 5 0 15,-7 5 0-15,5 8-3 16,-8 4-28-16,1 16-89 0,-10 4-54 16,-10 17-104-1,-15-1-11-15,-12 2 152 16,-10-15 183-16,-7-11 130 0,5-19 138 15,0-10 33-15,5-12-123 16,-1-8-96-16,9-7-76 16,-1-23-41-16,7-7-21 15,5-17-2-15,5-5 3 16,5-15 1-16,6 15 5 0,7 2-6 16,2 16-10-16,4 9-55 15,-1 22-35-15,2 10-50 16,-5 13-34-16,6 8-81 15,0 5 1-15,2 3-19 16</inkml:trace>
   <inkml:trace contextRef="#ctx0" brushRef="#br0" timeOffset="100112.56">14639 13453 1165 0,'4'-12'350'0,"-3"10"60"16,-2 2-334-16,1 1-63 16,0-1-42-16,1 1-9 15,15 33 1-15,35 61 4 16,-15-24 24-16,13 14-1 16,-9-9-12-16,8 5-59 15,-8-14-35-15,5 13-257 16,-11 3 22-16</inkml:trace>
   <inkml:trace contextRef="#ctx0" brushRef="#br0" timeOffset="100281.34">14700 14094 1003 0,'16'-24'255'0,"2"-9"82"16,-1-2-306-1,12-12-53-15,5 3-78 0,14 0-235 16,-2 7 4-16</inkml:trace>
-  <inkml:trace contextRef="#ctx0" brushRef="#br0" timeOffset="100442.91">15292 13532 1429 0,'-5'0'395'16,"10"2"92"-16,-8-2-418 16,2 0-94-16,1 0-145 15,0 0-209-15,1 0-108 16,3 1-137-16</inkml:trace>
+  <inkml:trace contextRef="#ctx0" brushRef="#br0" timeOffset="100442.9">15292 13532 1429 0,'-5'0'395'16,"10"2"92"-16,-8-2-418 16,2 0-94-16,1 0-145 15,0 0-209-15,1 0-108 16,3 1-137-16</inkml:trace>
   <inkml:trace contextRef="#ctx0" brushRef="#br0" timeOffset="100693.24">15696 13084 1254 0,'21'49'246'0,"-21"-2"124"15,14 21-370-15,5 10-13 0,14 17 5 16,3-14 3-16,8 7-2 15,3-14 0-15,6 6-30 16,-6-8-1-16,2 8-21 16,-9-7-19-16,-3 15-75 15,-12-5-49-15,-11 20-128 16,-21-9-35-16</inkml:trace>
   <inkml:trace contextRef="#ctx0" brushRef="#br0" timeOffset="100905.46">15430 13165 967 0,'29'-52'284'16,"8"-5"75"-16,3 5-292 15,19-15 5-15,3 6-49 16,13 1-84-16,-7 17-53 15,8 9-117-15,-9 20-123 16,13 17 9-16,-8 12-101 16</inkml:trace>
   <inkml:trace contextRef="#ctx0" brushRef="#br0" timeOffset="101338.87">16508 12299 1192 0,'-8'-8'326'16,"-5"7"87"-16,-8 10-338 15,0 12-63-15,-12 25-11 16,-1 14-22-16,-1 31-1 16,7 3 4-16,9 9 4 15,13-14 5-15,11-2-10 16,8-25-1-16,11-7-7 0,3-17-12 15,9-13-28-15,3-16 9 16,11-20 0-16,-1-17 14 16,5-19 20-16,-7-12 21 15,-8-14 2-15,-18 10 9 16,-10 0 36-16,-11 15 12 16,-7 6 39-16,-9 11 17 15,-5-2 17-15,1 9-25 0,-4 3 0 16,9 7-31-1,5 8-22-15,8 6-31 0,1 1-27 16,2 4-23-16,-1-5-5 16,1 2 5-16,7 24-29 15,53 43-13-15,-23-24-77 16,2-4-68-16,10 4-229 16,-3-12 5-16</inkml:trace>
@@ -545,7 +546,7 @@
   <inkml:trace contextRef="#ctx0" brushRef="#br0" timeOffset="18355.39">8650 9628 647 0,'0'-4'234'15,"-7"-2"20"-15,5 3-169 16,1 2-54-16,-1 0-27 0,2 1-10 16,0 0-12-16,0 0-6 15,0 0 2-15,0 0 0 16,2-2 7-16,-1 1 5 16,14-1 4-16,7-3 1 15,36-12-1-15,-25 1 0 16,-1 0 1-16,13-7 0 15,3-8 1-15,17-13 1 16,3 0 3-16,17-18-1 16,-3 0 0-16,17-4-1 15,-11 10 0-15,2 0-2 16,-18 14 6-16,0 0 17 16,-21 10 13-16,-2-1 20 15,-13 10 8-15,-4 1 2 16,-11 7-17-16,-1 4-11 15,-9 5-20-15,2 0-6 16,-3 2-31-16,4 0-98 16,3 4-89-16,11-2-73 0,-3-4-104 15</inkml:trace>
   <inkml:trace contextRef="#ctx0" brushRef="#br0" timeOffset="21277.89">8838 10610 510 0,'3'-2'250'0,"-1"0"-18"15,-2 1-96-15,-2 0-120 16,1 0-13-16,1 1-5 0,0 0-5 15,0 0-7-15,-1 0 3 16,1 0-1-16,0 0 1 16,0 0 0-16,0 0 5 15,0 0-8-15,0 0-1 16,0-1 3-16,0 0 3 16,1-2 6-16,16-8 7 15,50-38 1-15,-32 26-2 0,13-7-1 16,3-1-2-1,15-8-2-15,-2 1 2 0,17-8-3 16,-1 6 1-16,7-4 1 16,-10 4 1-16,9-1 2 15,-14 3 2-15,5-6 0 16,-6 7-1-16,3-5-2 16,-13 2-3-16,0 1 1 15,-15 8-2-15,-7-1 2 16,-10 11 1-16,-5 6 2 15,-9 6 2-15,-4 3 4 16,-7 5 1-16,-1 1 6 16,-2 2 6-16,-1-2-1 15,0 0-3-15,0 0 6 0,-1 0-8 16,1 0-69 0,0 0-82-16,0 1-96 0,0 1-64 15</inkml:trace>
   <inkml:trace contextRef="#ctx0" brushRef="#br0" timeOffset="23956.96">9658 11766 748 0,'-3'8'301'0,"1"-3"3"16,2-7-182-16,-1 2-94 15,1-2-34-15,0 2-23 16,0 0 1-16,0 0-13 16,0 0 8-16,0 0-9 15,0 0 15-15,0 0-2 16,0-1 13-16,1 0 0 15,13-7 11-15,15 2 4 16,41-49 0-16,-23 24-1 16,3 1 1-16,13-11 0 15,-2-1 1-15,11-5-1 0,-7 2 0 16,13-11 0-16,-10 8 1 16,6-3 0-16,-11 8 0 15,0 2 0-15,-15 11-1 16,-2 1-1-16,-12 11 0 15,-4 0 0-15,-10 6 1 16,-3 4 1-16,-8 3 3 16,-3 3 4-16,-4-1 2 15,1 3 15-15,-3 0 13 0,0 0 26 16,0 0 10 0,-1 0 7-16,1 0-10 0,-2 0-10 15,2 0-27-15,0 0-13 16,0 0-21-16,0 0-100 15,0 0-208-15,0 0-34 16,2 0-152-16</inkml:trace>
-  <inkml:trace contextRef="#ctx0" brushRef="#br0" timeOffset="29317.63">6423 12811 1056 0,'1'19'264'0,"-7"-35"75"15,3 15-301-15,-1-2-60 16,4 1-11-16,0 2-9 16,0 0 0-16,0-1 11 15,1 0 4-15,26-8 11 16,52-34 11-16,-29 4 2 16,19-18 2-16,0-4 0 15,17-11-2-15,-9 3 2 16,14-18 1-16,-12 11-1 15,11-10 0-15,-16 11 2 0,2-6-3 16,-16 26 2-16,-2 5-1 16,-19 17 1-16,-6 7 0 15,-14 18 4-15,-6 0 8 16,-8 5 9-16,-4 3 18 16,-1 2 9-16,0-3 1 15,-1 1-8-15,0 0-18 16,0 0-39-16,0 0-129 15,0 1-201-15,-20 38 7 16</inkml:trace>
+  <inkml:trace contextRef="#ctx0" brushRef="#br0" timeOffset="29317.62">6423 12811 1056 0,'1'19'264'0,"-7"-35"75"15,3 15-301-15,-1-2-60 16,4 1-11-16,0 2-9 16,0 0 0-16,0-1 11 15,1 0 4-15,26-8 11 16,52-34 11-16,-29 4 2 16,19-18 2-16,0-4 0 15,17-11-2-15,-9 3 2 16,14-18 1-16,-12 11-1 15,11-10 0-15,-16 11 2 0,2-6-3 16,-16 26 2-16,-2 5-1 16,-19 17 1-16,-6 7 0 15,-14 18 4-15,-6 0 8 16,-8 5 9-16,-4 3 18 16,-1 2 9-16,0-3 1 15,-1 1-8-15,0 0-18 16,0 0-39-16,0 0-129 15,0 1-201-15,-20 38 7 16</inkml:trace>
   <inkml:trace contextRef="#ctx0" brushRef="#br0" timeOffset="34475.98">19391 14156 354 0,'-6'14'156'16,"2"-7"-6"-16,0-5-77 15,2-2-68-15,1 0-26 16,1 0-12-16,0 0-18 15,0 0-2-15,0-1 6 16,0 0 18-16,1 0 20 16,15-9 23-16,19 6 9 15,35-54-1-15,-23 25 8 16,4-1-3-16,11-9 11 16,-2 1 2-16,21-8 4 0,-4 3-10 15,17-15-6-15,-3 3-16 16,19-10-7-1,-3 3-5-15,9-5 0 0,-11 11 0 16,8 3 12-16,-20 15 12 16,3-9 24-16,-17 12 11 15,6-2 16-15,-17 7-4 16,1-5 4-16,-15 13-12 16,-1 1-6-16,-14 8-15 15,-3 3-5-15,-14 5-18 0,-5 3-7 16,-5 3-8-16,-3 1-1 15,-6 2-3-15,3-1-31 16,0 2-30-16,-6-1-134 16,0 0-88-16,1 0-44 15</inkml:trace>
   <inkml:trace contextRef="#ctx0" brushRef="#br0" timeOffset="36124.01">8798 14727 724 0,'-11'6'165'0,"-3"-4"75"15,4 0-212-15,3-2-18 16,6 1-7-16,1-2-7 16,0 0-13-16,0 0 1 15,1 0 4-15,9-7 6 16,18-7 4-16,48-55 0 15,-31 34 3-15,12-15 1 16,-4 5-1-16,12-11 1 16,-7 9 1-16,3-6-1 15,-8 11-1-15,4-3 13 16,-14 10 4-16,1-2 2 16,-10 9 2-16,-3 2 0 15,-9 8-12-15,-6 5-3 16,-8 6-1-16,-2 2 0 0,-4 4-2 15,0 2-1-15,-2 0-6 16,0 0-46-16,0 0-36 16,0 0-74-16,0 1-44 15,1 3-43-15,5 16-30 16</inkml:trace>
   <inkml:trace contextRef="#ctx0" brushRef="#br0" timeOffset="36754.68">8951 15724 236 0,'13'0'145'16,"-1"0"-27"-16,-5-8-35 16,8-8-72-16,5-8-14 15,10-12 10-15,1-3-2 16,8-7 1-16,-1-1 0 16,8-4 5-16,-4 4 1 0,5 0 2 15,-8 11 0-15,5-1 0 16,-7 10-5-16,1-2 28 15,-9 7 2-15,-4-1 6 16,-10 8 2 0,-5 2 32-16,-6 9-16 0,-1 0 25 15,-3 4 5 1,0 0 13-16,0 0-27 0,0 0-8 16,0 0-28-16,0 0-11 15,0 0-16-15,-1 0-3 16,1 0-6-16,-1 0 1 15,1 0-1-15,0 0 1 16,0 0-4-16,0 0-2 16,0 0-19-16,0 0-81 15,0 0-96-15,0-1-122 16,0 0-68-16</inkml:trace>
@@ -580,7 +581,7 @@
     </inkml:brush>
   </inkml:definitions>
   <inkml:trace contextRef="#ctx0" brushRef="#br0">16396 6787 387 0,'0'-9'94'16,"0"-1"43"-16,0 4-118 15,0 3 3-15,0 0 1 16,4-4-17-16,32-9-3 16,51-43 1-16,-10 12 0 0,8-9-1 15,25-21 1 1,-3-5-2-16,19-17 2 0,-11 5 3 16,25-22 10-16,-14 9 7 15,22-22 13-15,-7 4 3 16,24-16 9-16,-18 18-10 15,19-9-4-15,-21 18-11 16,12 2-3-16,-29 25-10 0,7 2-3 16,-23 23-4-1,1 9-5-15,-27 18-9 0,-2 2-34 16,-24 11-25 0,-9-2-96-16,-15 5-38 0,-2-6-36 15</inkml:trace>
-  <inkml:trace contextRef="#ctx0" brushRef="#br0" timeOffset="2441.78">12878 7837 562 0,'-30'7'62'15,"-4"-1"100"-15,6-2-176 16,5 5 12-16,6 1 19 15,3 3-4-15,6-2-17 16,5 3-2-16,3-2 0 0,3-2-2 16,3-4 3-16,7-4 2 15,-1-8 7-15,10-11 15 16,6-7 7-16,9-14 8 16,2-4 2-1,14-13-4-15,0 5-11 0,14-11-7 16,0 5-8-16,16-11-5 15,-4 7-1-15,14-11 0 16,-10 9-1-16,13-9 1 16,-8 12 1-16,1-3 0 15,-18 8 3-15,-3 4 22 16,-23 12 11-16,-11 7 16 16,-14 12 7-16,-6 8 9 15,-9 7-17-15,-4 3-10 16,-1 1-15-16,0 0-9 15,-1 0-22-15,0 0-86 16,1 0-39-16,0 0-143 0,1 0-47 16</inkml:trace>
+  <inkml:trace contextRef="#ctx0" brushRef="#br0" timeOffset="2441.77">12878 7837 562 0,'-30'7'62'15,"-4"-1"100"-15,6-2-176 16,5 5 12-16,6 1 19 15,3 3-4-15,6-2-17 16,5 3-2-16,3-2 0 0,3-2-2 16,3-4 3-16,7-4 2 15,-1-8 7-15,10-11 15 16,6-7 7-16,9-14 8 16,2-4 2-1,14-13-4-15,0 5-11 0,14-11-7 16,0 5-8-16,16-11-5 15,-4 7-1-15,14-11 0 16,-10 9-1-16,13-9 1 16,-8 12 1-16,1-3 0 15,-18 8 3-15,-3 4 22 16,-23 12 11-16,-11 7 16 16,-14 12 7-16,-6 8 9 15,-9 7-17-15,-4 3-10 16,-1 1-15-16,0 0-9 15,-1 0-22-15,0 0-86 16,1 0-39-16,0 0-143 0,1 0-47 16</inkml:trace>
   <inkml:trace contextRef="#ctx0" brushRef="#br0" timeOffset="15069.71">10663 9249 447 0,'-6'6'284'15,"-1"-3"-52"1,1-3-72-16,4 0-151 0,1 0-40 16,0-2-16-16,1 1-2 15,0 0 3-15,0 0 23 16,1-1 10-16,2-1 19 16,14-12 0-16,32-35 0 15,-25 24 0-15,2 2-1 0,15-9 1 16,2-7 0-16,12-14 5 15,1-1 2-15,12-17 3 16,-5 4-2-16,11-5 1 16,-5 10-5-16,7-1-5 15,-13 14-4-15,3-5 0 16,-13 9 0-16,1-3 13 16,-12 10 7-16,-2 2 8 15,-13 14 1-15,-7 2 3 16,-9 13-10-16,-4 3-4 15,-5 3-8-15,-1 1-28 16,-1 1-43-16,0 0-131 16,1 0-58-16,3-1-61 15</inkml:trace>
   <inkml:trace contextRef="#ctx0" brushRef="#br0" timeOffset="25098.93">17038 11071 379 0,'12'-9'46'0,"-6"4"52"15,0-1-115-15,7 1 0 0,0-2 13 16,3-3 2-16,-3 1 1 16,3 2 1-16,-4 0 1 15,3-2 1-15,-3 0-1 16,6-4 1-16,-1-1 0 15,4-6 0-15,1-2-1 16,8-8 3-16,-1 1 4 0,9-7 6 16,-1 2 3-1,8-7 4-15,0 2-2 16,7-5-4-16,-4 6-6 0,8-4-2 16,-6 5-4-16,6-4-1 15,-8 5 0-15,6-9 5 16,-6 6 14-16,0 0 12 15,-10 7 3-15,-1 4 6 16,-13 11 8-16,-4 3-2 16,-9 5-11-16,-1 4 3 15,-7 1-4-15,2 3 6 16,-2-1-4-16,-3 2 26 16,0 0 0-16,0 0 8 15,0 0-16-15,0 0-4 16,-1 0-27-16,1 0-5 15,0 0-11-15,0 0-3 16,0 0-6-16,0 0-10 0,0 0-18 16,0-1-46-16,0 0-32 15,1-1-172-15,20-15 6 16,56-58-73-16</inkml:trace>
   <inkml:trace contextRef="#ctx0" brushRef="#br0" timeOffset="27753.21">11280 11724 753 0,'3'28'174'0,"-4"-8"53"16,-15-14-243-16,16-2-44 16,8 1-34-1,10 0 29-15,5-3 8 0,13-8 26 16,1-7 28-16,15-11 29 16,-1-12-26-16,12-15 1 15,-5-4 1-15,13-5 1 16,-7 3 0-16,2-7 2 15,-13 13-2-15,1-1 2 16,-18 7-1-16,-2 2 0 16,-10 15-2-16,-1 5 1 15,-7 6-2-15,0 3 0 16,-3 7-3-16,2 4-41 16,0 4-40-16,8 12-95 15,-2 4-24-15</inkml:trace>
@@ -1097,11 +1098,11 @@
   <inkml:trace contextRef="#ctx0" brushRef="#br0">21827 4209 766 0,'7'13'180'15,"-7"-21"28"-15,5 7-224 16,5 3-71-16,7 1 10 16,7 2 26-16,8-6 24 15,1 0 32-15,13-2 6 16,2-6 2-16,15-5 6 16,2 0 1-16,15-3 0 15,-5 0-4-15,16-3-1 16,-7 4-6-16,19 1 0 15,-10 1-4-15,17-1-1 16,-11 3-2-16,18-3-2 16,-11-1 1-16,16-2-1 15,-9 0 0-15,16-1 0 0,-16 3 0 16,10 1-1-16,-16 3 1 16,13 2 0-16,-18 5-1 15,13-1 1-15,-13 1 0 16,13 2 1-16,-16 2-1 15,9-1 1-15,-19 2-1 0,2 3 0 16,-20-2 0-16,0 0 0 16,-17 0 0-16,3 0-1 15,-16 3 2-15,1-2-1 16,-10 0 0-16,0 1 1 16,-4-1 0-16,5-1 0 15,-2-1 1-15,10-1-1 16,-3-1 0-16,7-1 0 15,-4 0 0-15,10-2 0 16,-6 1 0-16,14-2 0 16,-3 0 0-16,11-2 1 15,-5-1-1-15,12 0 1 16,-8-2 1-16,9 1 8 16,-6 2 3-16,8 3 2 15,-8-2 2-15,17 2 1 16,-8 1-8-16,16 1-2 15,-7-1-2-15,10 3 1 0,-12 0 1 16,10 2 3-16,-12-4 1 16,6 0 3-16,-12 2-1 15,2-4 2-15,-12 0 0 16,9-1 1-16,-9-1-1 16,9 4-2-16,-8-2-4 0,2 2-3 15,-17 1-2 1,1 1-1-16,-15-1 1 0,1 1 3 15,-11-2 1-15,-2 1-1 16,-14 1 0-16,-2-1-2 16,-9 1-3-16,0 1-1 15,-2 0 0-15,0 0-1 16,-1 0 1-16,1 0-8 16,-1 0-16-16,0 0-94 15,0 0-128-15,0-2-42 16,-10-3-115-16</inkml:trace>
   <inkml:trace contextRef="#ctx0" brushRef="#br0" timeOffset="1310">5922 6433 592 0,'-1'8'155'16,"0"-6"37"-16,-1-4-171 16,2 2-40-16,0 0-2 15,0 0-2-15,1 0 5 16,0 0 8-16,12 6 9 0,12 3 1 16,35 12 4-16,-24-18 9 15,-1-2 5-15,9-4 8 16,-1-4 1-16,11-6 0 15,-7 1-10-15,12-3-3 16,-6 1-8-16,11 0 0 16,-7 4 0-16,11-1 2 15,-11 1 3-15,10-3 7 16,-13 1 0-16,2-2 7 16,-13 1-1-16,-4 1-1 15,-16 6-6-15,-3 0-3 16,-11 4-6-16,-1 0-3 15,-4 2-8-15,-1-1-27 16,-3 1-23-16,0 0-53 16,1 0-30-16,8 0-100 15,24 1-2-15</inkml:trace>
   <inkml:trace contextRef="#ctx0" brushRef="#br0" timeOffset="2595.08">11553 6215 684 0,'-2'-3'125'0,"3"4"56"16,-1-1-213 0,0 0-5-16,0 0 7 0,0 0 2 15,0 0 18-15,0-1 11 16,0 1 5-16,0-1 4 16,0-1 0-16,1 2-1 15,0 0-4-15,16-1-1 16,8 0-4-16,43-1-2 15,-35 1 0-15,10-1 1 16,-4 0-1-16,6 1 1 16,-5-1 0-16,6-3 2 15,-4 4-1-15,6 1 0 16,-3 0 0-16,9 3 0 16,-2 3 0-16,7-2 1 15,-2 3 0-15,7-3 1 16,-4 1-1-16,9-8 4 15,-4 3 1-15,9-3-2 16,-12 1 0-16,6 4 0 0,-9 5-3 16,5-3 0-16,-5 5-1 15,12-1 1-15,-4-7-3 16,11 5-1-16,-7-2 0 16,7-3 0-16,-11 0 0 15,11 3 3-15,-8-5 4 0,8 3-3 16,-6 4 0-16,7 2 1 15,-7-2 0-15,5 1-2 16,-7-3 1-16,11-3 1 16,-8 4-2-16,9-3 0 15,-11 3-1-15,10-2 0 16,-10 1-1-16,10-2 1 16,-7 2 0-16,6-2 2 15,-10 0 0-15,10 0 0 16,-11 0-1-16,10 0 1 15,-4-2-2-15,8 3 4 16,-8 2-1-16,17-2 12 16,-6 1 7-16,17-2 8 15,-8 1-2-15,12-3 4 16,-16 0-12-16,6 0-11 16,-20 1-8-16,6-1-2 0,-16 0-2 15,5 0 1-15,-11-1 4 16,8-2 2-16,-11 1 3 15,6-2 1-15,-9 3-2 16,6 1 0-16,-9 3-3 16,2-1 0-16,-5 0-2 15,3 2 6-15,-9-3 7 16,1-1 12-16,-7-1 2 16,-1 2 5-16,-12-2-6 15,-1 0-2-15,-6 1-9 0,-3 0 3 16,-6 0-2-16,-2 0 2 15,-3 1-4-15,-1-1 2 16,-2 0-6-16,0 0-1 16,0 0-3-16,0 0-11 15,0 0-22-15,0 0-89 16,0 0-76-16,-2 0-83 16,1 0-76-16</inkml:trace>
-  <inkml:trace contextRef="#ctx0" brushRef="#br0" timeOffset="4332.47">24410 6419 741 0,'-12'12'220'16,"9"-11"36"-16,3-1-190 16,0 2-75-16,0-3 3 15,-1 1 4-15,-1 0 8 16,2 0 8-16,0 0 9 16,0 0-1-16,0 0-1 15,0-1-5-15,2 0-4 16,11-3-10-16,23-6-2 15,43-11-2-15,-23 8-2 16,-2 4 1-16,12 0-1 16,-2 0 2-16,15-2-4 15,-5 6-1-15,12-1 0 16,-5 1-1-16,10 2 0 16,-9 0 4-16,16-1 2 15,-7-1 1-15,18 2 1 16,-7-3 1-16,14-2-2 0,-13 2 1 15,12-1-1-15,-17 0 1 16,20 3 0-16,-12 0 1 16,16 2-1-16,-13 2 0 15,16-1 0-15,-22 4 0 16,15 0 0-16,-17 0 1 0,10-5 0 16,-15-1 1-16,14-1 0 15,-18-3 0-15,14 0 0 16,-15 1-1-16,16 2-2 15,-12 0-2-15,14 2-4 16,-13-4-2-16,20 7 0 16,-11-1 1-16,15 1 1 15,-15 1 5-15,12 0 0 16,-21-2 2-16,11 1 0 16,-21 2 1-16,9 1 0 15,-17-3 0-15,8 1 0 16,-13 2 1-16,4-4-1 15,-10 0 0-15,7 1 0 16,-13 2 1-16,1-1-2 16,-13 0 1-16,6-1 3 0,-12 1 2 15,0 0 3-15,-9-1 2 16,-2-1 4-16,-14 2-2 16,-7-2 0-16,-6-1-2 15,-3 1 2-15,-1 1-1 16,-1-2 4-16,0 0 2 15,0 1 0-15,0-1-2 16,-1-1-1-16,0 2-4 16,1 0 0-16,0 0-2 15,0 0 2-15,0 0-3 16,0 0-1-16,0 0-3 0,0 0-1 16,0 0-1-16,0 0-1 15,0 0 1-15,0 0 0 16,0 0 1-16,0 0 0 15,0 0 0-15,0 0-1 16,0 0 0-16,0 0-1 16,0 0 0-16,0 0 0 15,0 0 0-15,0 0 0 16,0 0 0-16,0 0 1 16,0 0 0-16,0 0 0 15,0 0 0-15,0 0 1 16,0 0-1-16,0 0 0 15,0 0 0-15,0 0 1 16,0 0 1-16,0 0 1 0,0 0 1 16,0 0 0-1,0 0 1-15,0 0 0 16,0 0-1-16,0 0-1 0,0 0 1 16,0 0 0-16,0 0 1 15,0 0 0-15,0 0-1 16,0 0-1-16,0 0-2 0,-1 0-1 15,1 0 0 1,0 0-2-16,0 0-1 0,0 0-9 16,0 0-10-16,0 0-42 15,0 0-33-15,0 0-242 16,-2 0 37-16</inkml:trace>
+  <inkml:trace contextRef="#ctx0" brushRef="#br0" timeOffset="4332.46">24410 6419 741 0,'-12'12'220'16,"9"-11"36"-16,3-1-190 16,0 2-75-16,0-3 3 15,-1 1 4-15,-1 0 8 16,2 0 8-16,0 0 9 16,0 0-1-16,0 0-1 15,0-1-5-15,2 0-4 16,11-3-10-16,23-6-2 15,43-11-2-15,-23 8-2 16,-2 4 1-16,12 0-1 16,-2 0 2-16,15-2-4 15,-5 6-1-15,12-1 0 16,-5 1-1-16,10 2 0 16,-9 0 4-16,16-1 2 15,-7-1 1-15,18 2 1 16,-7-3 1-16,14-2-2 0,-13 2 1 15,12-1-1-15,-17 0 1 16,20 3 0-16,-12 0 1 16,16 2-1-16,-13 2 0 15,16-1 0-15,-22 4 0 16,15 0 0-16,-17 0 1 0,10-5 0 16,-15-1 1-16,14-1 0 15,-18-3 0-15,14 0 0 16,-15 1-1-16,16 2-2 15,-12 0-2-15,14 2-4 16,-13-4-2-16,20 7 0 16,-11-1 1-16,15 1 1 15,-15 1 5-15,12 0 0 16,-21-2 2-16,11 1 0 16,-21 2 1-16,9 1 0 15,-17-3 0-15,8 1 0 16,-13 2 1-16,4-4-1 15,-10 0 0-15,7 1 0 16,-13 2 1-16,1-1-2 16,-13 0 1-16,6-1 3 0,-12 1 2 15,0 0 3-15,-9-1 2 16,-2-1 4-16,-14 2-2 16,-7-2 0-16,-6-1-2 15,-3 1 2-15,-1 1-1 16,-1-2 4-16,0 0 2 15,0 1 0-15,0-1-2 16,-1-1-1-16,0 2-4 16,1 0 0-16,0 0-2 15,0 0 2-15,0 0-3 16,0 0-1-16,0 0-3 0,0 0-1 16,0 0-1-16,0 0-1 15,0 0 1-15,0 0 0 16,0 0 1-16,0 0 0 15,0 0 0-15,0 0-1 16,0 0 0-16,0 0-1 16,0 0 0-16,0 0 0 15,0 0 0-15,0 0 0 16,0 0 0-16,0 0 1 16,0 0 0-16,0 0 0 15,0 0 0-15,0 0 1 16,0 0-1-16,0 0 0 15,0 0 0-15,0 0 1 16,0 0 1-16,0 0 1 0,0 0 1 16,0 0 0-1,0 0 1-15,0 0 0 16,0 0-1-16,0 0-1 0,0 0 1 16,0 0 0-16,0 0 1 15,0 0 0-15,0 0-1 16,0 0-1-16,0 0-2 0,-1 0-1 15,1 0 0 1,0 0-2-16,0 0-1 0,0 0-9 16,0 0-10-16,0 0-42 15,0 0-33-15,0 0-242 16,-2 0 37-16</inkml:trace>
   <inkml:trace contextRef="#ctx0" brushRef="#br0" timeOffset="6147.52">3442 6632 413 0,'-2'2'138'0,"0"-1"29"16,-2-1-100-16,-5 0-42 15,1-1-6-15,-1-2-3 16,2 0-17-16,-2-2-7 15,0 1-9-15,-6 0-20 0,-35 3-3 16,25 21 2-16,-4 5 4 16,-6 16 6-16,1 3 21 15,-8 14 3-15,6 9 1 16,-2 20 0-16,3 3 0 16,-6 21-1-16,9 0-1 15,4 14 0-15,4-12 1 16,9 15 4-16,9-12 5 15,9 9 18-15,2-16 9 0,12 9 1 16,4-17-2-16,13 12-4 16,-3-21-18-16,10 8-6 15,-1-12-2-15,1 12 4 16,-5-10 0-16,4 16 0 16,-9-9 0-16,-2 19 2 15,-7-12-4-15,-7 16 6 16,-9-13-1-16,-3 20 2 15,-6-14-2-15,-11 17 1 16,-8-19-5-16,-14 12-1 16,-6-18-2-16,-12 1 1 15,-1-24 2-15,-7-2 4 16,6-26 4-16,-9-8 27 16,6-23 23-16,-4-8 34 15,12-15 6-15,-2-6 15 16,13-5-20-16,-1-8-29 0,11-8-37 15,0-17-15-15,10-5-21 16,7-21-8-16,10-1 3 16,6-8 0-16,10 11 2 15,7-10 0-15,6 16 0 16,6-3-5-16,0 15-2 16,9 4-4-16,-4 19-5 0,5 7-15 15,-5 13-2-15,9 9-6 16,-3 10 2-16,9 14 0 15,-6 8 16-15,14 19 5 16,-5 0 8-16,10 16 5 16,-10 0 4-16,10 15 2 15,-10-4 0-15,7 16 3 16,-11-11-2-16,8 7 2 16,-11-12 0-16,6 2 0 15,-6-14 0-15,2 3 1 16,-9-17 0-16,4-1 1 15,-11-16 1-15,-1-8 1 16,-8-12 0-16,-1 0 3 16,-9-9 4-16,-2 1 9 15,-5-5 10-15,-3 0 31 16,-3-3 10-16,-2 0 14 16,0-2-8-16,-1 0-7 0,1 1-31 15,0 0-21-15,0 0-38 16,0 0-110-16,0 0-160 15,0 0-13-15,1 1-149 16</inkml:trace>
   <inkml:trace contextRef="#ctx0" brushRef="#br0" timeOffset="9111.06">14239 7287 396 0,'0'-5'182'0,"-8"1"6"0,6 1-118 15,5 0-51-15,-3 2-16 16,1 0-30-16,15-4-3 16,9-3 23-16,38-14 15 15,-38 12 11-15,5-4 9 16,-1 0 11-16,7-2 7 15,-3-2-9-15,11-4 0 16,-3 2-8-16,7-4-5 16,-4 0-6-16,4-2-3 15,-3 1-6-15,11-4-3 16,-5 2-4-16,16-6-1 16,-1 5 0-16,9-4 0 15,-11 9 0-15,1 0 1 16,-15 5 0-16,-2 1 3 15,-12 5 6-15,-6-2 14 16,-5 4 1-16,-2 3 1 0,-8 1-2 16,-3 0-5-16,-5 4-14 15,-2 1 0-15,-3 0 2 16,-4 0 5-16,2 1 1 16,0 0 2-16,0 0-3 15,0-2-2-15,0 2-6 16,0 0 0-16,0 0-2 15,0 0-1-15,0 0 0 16,0 0-2-16,0 0 1 0,0 0-2 16,0 0 2-16,0 0-2 15,0 0-5-15,0 0-18 16,-1 0-14-16,1 0-71 16,0 0-80-16,0 0-78 15,0 2-51-15</inkml:trace>
-  <inkml:trace contextRef="#ctx0" brushRef="#br0" timeOffset="22253.63">17473 8426 221 0,'-19'43'139'16,"19"-43"-29"-16,0 0-37 15,-1 0-109-15,1 0-24 16,0 0-3-16,0 0 3 15,0 0 19-15,0 0 22 16,0 0 33-16,0 0 15 16,0 0 8-16,1 0 6 15,1-1-4-15,15 0 3 0,6-3-9 16,44-11-2 0,-31 5-5-16,11-4 0 0,-2-2-8 15,14-4-1-15,-3 1-5 16,11-4-2-16,-3 1-2 15,10 0 11-15,-8 2 5 16,15-2 9-16,-6 5 2 0,11-5 4 16,-4 1-6-16,9 1 1 15,-13 0-5-15,5-5 8 16,-15 5-3-16,5-1-3 16,-12 2-6-16,6 1-3 15,-9 3-10-15,3 0-4 16,-6 3 0-16,6-6 4 15,-9 1 1-15,2-1 1 16,-9 3 1-16,0 1 3 16,-15 6-6-16,-1 1 0 15,-8 3-2-15,-2-1 0 16,-5 1-6-16,0 2 0 16,-8 0-1-16,-2-1 0 15,-1 2 2-15,-3 0 5 16,0 1 3-16,0-1 3 15,0 1 0-15,0 0-2 0,0 0-6 16,0 0-5-16,0 0-2 16,0 0-2-16,0 0 1 15,0 0 1-15,0 0 1 16,0 0 0-16,0 0 0 16,0 0-11-16,0 0-20 15,0 0-71-15,0 0-29 0,0 0-130 16,1 0-28-1</inkml:trace>
-  <inkml:trace contextRef="#ctx0" brushRef="#br0" timeOffset="29855.63">19124 7350 802 0,'-3'12'183'16,"12"-12"54"-16,-6 3-220 15,5 3-47-15,5 5 6 16,3 4 14-16,9 6 9 15,2-1 3-15,3 6 1 16,-5-1-1-16,0 2-1 16,-3 0-1-16,-1 8 0 15,-4-1 2-15,2 14 1 16,-2 1 0-16,5 12 1 16,6-1-1-16,7 3 0 15,4-16 0-15,18-8 0 16,2-18 2-16,17-14-1 15,-1-15-1-15,10-13-1 0,-13-7 0 16,4-9 1-16,-14-3 2 16,4-6 3-16,-13 4 4 15,0-5 8-15,-15 11 11 16,-8 5 31-16,-15 9 8 0,-5 2 15 16,-9 6-6-16,-4 1-11 15,-5-2-33 1,-7 0-13-16,-4 4-22 0,-7 2-6 15,-2 3-4-15,-5 8-5 16,-2 2 2-16,-5 6-1 16,3 0 4-16,-3 5 1 15,3-1 1-15,-6 5 0 16,6 2 2-16,-7 7-1 16,4 2 2-16,-3 8 2 15,9-2-1-15,-3 9 0 16,9 0 2-16,2 15 1 15,2-1 3-15,-4 24 9 16,1 4 4-16,1 18 0 16,3-7 0-16,2 3-3 15,8-19-8-15,4-5-2 16,2-19-1-16,-4-6 0 0,4-12 2 16,1-7 24-16,1-15 16 15,1-8 26-15,4-6 8 16,-1-5 8-16,-2-2-23 15,2 2-17-15,0 0-26 16,0-1-11-16,0-1-10 16,0 1-6-16,-1-5-6 15,1 0-29-15,0 3-21 16,0-2-62-16,0-2-42 0,0 0-149 16,-2-1-62-1,-5-5-46-15</inkml:trace>
+  <inkml:trace contextRef="#ctx0" brushRef="#br0" timeOffset="22253.62">17473 8426 221 0,'-19'43'139'16,"19"-43"-29"-16,0 0-37 15,-1 0-109-15,1 0-24 16,0 0-3-16,0 0 3 15,0 0 19-15,0 0 22 16,0 0 33-16,0 0 15 16,0 0 8-16,1 0 6 15,1-1-4-15,15 0 3 0,6-3-9 16,44-11-2 0,-31 5-5-16,11-4 0 0,-2-2-8 15,14-4-1-15,-3 1-5 16,11-4-2-16,-3 1-2 15,10 0 11-15,-8 2 5 16,15-2 9-16,-6 5 2 0,11-5 4 16,-4 1-6-16,9 1 1 15,-13 0-5-15,5-5 8 16,-15 5-3-16,5-1-3 16,-12 2-6-16,6 1-3 15,-9 3-10-15,3 0-4 16,-6 3 0-16,6-6 4 15,-9 1 1-15,2-1 1 16,-9 3 1-16,0 1 3 16,-15 6-6-16,-1 1 0 15,-8 3-2-15,-2-1 0 16,-5 1-6-16,0 2 0 16,-8 0-1-16,-2-1 0 15,-1 2 2-15,-3 0 5 16,0 1 3-16,0-1 3 15,0 1 0-15,0 0-2 0,0 0-6 16,0 0-5-16,0 0-2 16,0 0-2-16,0 0 1 15,0 0 1-15,0 0 1 16,0 0 0-16,0 0 0 16,0 0-11-16,0 0-20 15,0 0-71-15,0 0-29 0,0 0-130 16,1 0-28-1</inkml:trace>
+  <inkml:trace contextRef="#ctx0" brushRef="#br0" timeOffset="29855.62">19124 7350 802 0,'-3'12'183'16,"12"-12"54"-16,-6 3-220 15,5 3-47-15,5 5 6 16,3 4 14-16,9 6 9 15,2-1 3-15,3 6 1 16,-5-1-1-16,0 2-1 16,-3 0-1-16,-1 8 0 15,-4-1 2-15,2 14 1 16,-2 1 0-16,5 12 1 16,6-1-1-16,7 3 0 15,4-16 0-15,18-8 0 16,2-18 2-16,17-14-1 15,-1-15-1-15,10-13-1 0,-13-7 0 16,4-9 1-16,-14-3 2 16,4-6 3-16,-13 4 4 15,0-5 8-15,-15 11 11 16,-8 5 31-16,-15 9 8 0,-5 2 15 16,-9 6-6-16,-4 1-11 15,-5-2-33 1,-7 0-13-16,-4 4-22 0,-7 2-6 15,-2 3-4-15,-5 8-5 16,-2 2 2-16,-5 6-1 16,3 0 4-16,-3 5 1 15,3-1 1-15,-6 5 0 16,6 2 2-16,-7 7-1 16,4 2 2-16,-3 8 2 15,9-2-1-15,-3 9 0 16,9 0 2-16,2 15 1 15,2-1 3-15,-4 24 9 16,1 4 4-16,1 18 0 16,3-7 0-16,2 3-3 15,8-19-8-15,4-5-2 16,2-19-1-16,-4-6 0 0,4-12 2 16,1-7 24-16,1-15 16 15,1-8 26-15,4-6 8 16,-1-5 8-16,-2-2-23 15,2 2-17-15,0 0-26 16,0-1-11-16,0-1-10 16,0 1-6-16,-1-5-6 15,1 0-29-15,0 3-21 16,0-2-62-16,0-2-42 0,0 0-149 16,-2-1-62-1,-5-5-46-15</inkml:trace>
   <inkml:trace contextRef="#ctx0" brushRef="#br0" timeOffset="32741.57">16006 9442 436 0,'-1'1'153'16,"-1"0"17"-16,0 0-100 15,-1 1-109-15,1-1-58 16,0 0-23-16,-1 0-8 16,1 0-1-16,0 0 53 15,1 2 67-15,0 0 44 16,-1-2 23-16,1 0 32 15,0 1 6-15,0-1 2 16,0 0-26-16,0 0-19 16,-1 0-31-16,1 0-17 15,0 1-15-15,0-2-23 16,0 0-13-16,0 0-27 16,0 0-2-16,-1 0 0 15,1 0 21-15,0 1 13 16,0 0 28-16,1 0 7 0,0 0 5 15,0 4 1-15,0-2 0 16,3 9-1-16,2-1 1 16,3 3-2-16,25 36 1 15,-13-38 0-15,0-1 0 16,5-2 1-16,0-3 2 16,7-7 5-16,-2 1 4 15,4-9 11-15,0-4 6 0,8-8 11 16,2-1 0-16,10-16 16 15,3 0-9-15,14-8-3 16,-2-1-11-16,9-10 0 16,-8 10-19-16,6-3 1 15,-13 11 0-15,2 0 4 16,-13 13 0-16,-4 5 0 16,-15 4 0-16,-7 5 8 15,-11 7 1-15,-5 2 11 16,-4-1 8-16,-4 6 16 15,0-2-1-15,-4-1 4 16,1 0-14-16,1 1-4 16,-1-1-18-16,1 1-7 15,0 0-10-15,0 0-2 16,0 0-3-16,0 0 0 0,0 0-2 16,0 0-1-16,0 0-1 15,0 0-1-15,0 0-1 16,0 0-3-16,-1 0 1 15,1 0-3-15,-1 0 0 16,1 0-2-16,0 0 2 16,0 0-3-16,0 0 3 15,0 0-1-15,0 0 1 16,0 0 0-16,0 0 2 16,0 0-2-16,0 0 2 0,0 0-1 15,0 0 1-15,0 0 0 16,0 0 2-16,0 0 0 15,0 0 2-15,0 0-1 16,0 0 0-16,0 0-1 16,0 0 1-16,0 0 0 15,0 0 0-15,0 0 0 16,0 0 1-16,0 0-2 16,0 0 1-16,0 0-1 15,0 0 1-15,0 0-1 16,0 0 0-16,0 0 1 15,0 0 0-15,0 0 1 16,0 0 0-16,0 0 0 16,0 0 0-16,0 0 0 15,0 0 0-15,0 0 1 0,0 0 0 16,0 0 0-16,0 0-2 16,0 0 3-16,0 0 0 15,0 0-1-15,0 0 2 16,0 0 1-16,0 0-3 15,0 0 1-15,0 0 0 16,0 0-1-16,0 0 0 16,0 0 0-16,0 0 0 15,0 0-1-15,0 0 0 0,0 0-1 16,0 0 0-16,0 0-1 16,0 0-1-16,0 0 0 15,0 0 1-15,0 0-1 16,0 0 1-16,0 0 0 15,0 0 1-15,0 0-1 16,0 0 1-16,0 0-2 16,0 0 1-16,0 0-1 15,1 0-1-15,0 0 1 16,-1 0-1-16,0 0 1 16,0 0 0-16,0 0 1 15,0 0 1-15,0 0 0 16,0 0 2-16,0 0-1 15,0 0 1-15,0-1-2 16,0 1 0-16,0 0-2 0,0 0 0 16,0 0 0-16,0 0-1 15,0 0-4-15,0 0-3 16,0 0-27-16,1 0-7 16,0 0-80-16,5 0-60 15,21-2-78-15,37-26-48 16</inkml:trace>
   <inkml:trace contextRef="#ctx0" brushRef="#br0" timeOffset="35190.33">15994 11024 182 0,'0'-3'50'0,"0"0"11"16,2 3-54-1,-2-1-1-15,0 0-4 0,1 0-2 16,11-2 4-16,13-3 1 16,36-6 1-16,-27 3 4 15,0-1 4-15,8-1 0 16,-2-1-3-16,13-5 1 16,-1-3-4-16,17-4-1 15,-2-2 1-15,18-9 6 16,-1-1 2-16,21-6 3 15,-4 1-5-15,19-6 0 0,-11 3-5 16,17-5 0-16,-12 6 1 16,9-12 14-16,-14 2 10 15,8-6 28-15,-18 8 6 16,3-3 13-16,-23 15-11 16,1 5-5-16,-22 10-27 15,-7 3-9-15,-15 7-15 16,-4 6 4-16,-11 3 1 15,-7 2 9-15,-6 2 2 16,-4 0 1-16,-3 1-7 0,-1-1-14 16,-1 0-64-16,1 1-179 15,0 0 33-15</inkml:trace>
   <inkml:trace contextRef="#ctx0" brushRef="#br0" timeOffset="39383.24">8718 10820 266 0,'10'3'57'0,"5"-4"49"15,1-7-86-15,11-2 11 16,0-1 0-16,11 0-11 16,0 0-19-16,10-4 1 15,-3 0-1-15,7-2 1 16,-7 2 1-16,4-2 4 16,-5 3 2-16,7 0 12 15,-5 3 3-15,11 0 0 16,-6 3-4-16,8 1-1 15,-8 1-12-15,9 2-1 0,-7-1 2 16,11-1 3-16,-2-1 7 16,14 3 2-16,-7-2-1 15,9-1-2-15,-7 0-4 16,7 3-6-16,-11-4-4 16,11 2-2-16,-7 2 0 15,3 4-3-15,-9 0-1 16,7 0 1-16,-13 3 1 0,10-3-1 15,-6 0 2-15,11-1 0 16,-9 2 0-16,8 1-2 16,-13 1 1-16,9 4 0 15,-9 1 0-15,14 3-1 16,-5-1 2-16,12 2 0 16,-9-4 0-16,9 0 1 15,-11-5 0-15,11 0 1 16,-7-2-1-16,5-1 0 15,-8 2-1-15,9 3 1 16,-13-1-1-16,9 2 0 16,-3 0 0-16,5 0 0 15,-10-1 0-15,13 2 0 16,-14-1 0-16,10 0 1 16,-9-2-1-16,12 1 0 0,-10 2 0 15,9-2-1-15,-9 0 2 16,11 2-1-16,-9-2 1 15,12-1-1-15,-5 1 1 16,6-3 0-16,-12 2 0 16,6-2 0-16,-11-1 1 15,6 3-1-15,-6-1 1 16,9-1 16-16,-5 0 6 16,9-6 3-16,-8 0 2 15,13-6-1-15,-8 3-14 0,5 2-7 16,-13 0-2-16,9 3-2 15,-16 3 1-15,10-1-1 16,-10 2-1-16,9 1 0 16,-17 0-1-16,6 0-1 15,-9 1 0-15,3 1 1 16,-9-2-1-16,10 2 1 16,-10 0 0-16,3 1 0 15,-7 1 0-15,1-1-1 16,-9 0 0-16,1-2 2 15,-13 0-2-15,1-1 2 16,-6 1 0-16,-1-1 4 16,-5-2-1-16,2 3 5 15,-5-3 1-15,-3-1 4 0,1 0-2 16,-3 0-1 0,-3-1-4-16,0 1-4 0,0 0-5 15,1 0-56-15,1 0-87 16,23 0-69-16,36-8-60 15</inkml:trace>
@@ -1147,12 +1148,12 @@
   <inkml:trace contextRef="#ctx0" brushRef="#br0" timeOffset="9715.04">23744 10817 317 0,'10'4'88'15,"-2"-6"13"-15,8-5-61 16,1-3-58-16,7 0 6 15,-1-2 16-15,4 0 15 16,-6 1 7-16,6-1 30 16,-1-3 14-16,8-7 22 15,-4 0-8-15,10-6 0 16,-1-1-17-16,9-2-3 16,-2 1-23-16,10 0-7 15,-6 4-13-15,11-6-10 16,-6-1-11-16,10-2 0 15,-4-1 0-15,10-1 0 16,-12 8-1-16,-1 3 1 16,-13 6 0-16,-3 2 1 0,-16 4 1 15,-4 2 16-15,-8 4 13 16,-4 2 30-16,-4 3 12 16,0 1 17-16,-4 0-7 15,-2 1-5-15,0 1-27 16,-1-1-10-16,0 0-16 15,1 1-7-15,0 0-9 0,0 0-1 16,0 0-2-16,0 0 1 16,0 0 2-16,0 0 3 15,0 0 2-15,-1 0 1 16,1 0-2-16,-1 0-1 16,1 0-6-16,0 0-1 15,0 0-3-15,0 0-3 16,0 0-2-16,0 0-5 15,0 0-8-15,0 0-29 16,0 0-28-16,0 0-89 16,0 0-59-16,0 0-42 15,1 0-2-15,0 1-36 16,14 8 51-16</inkml:trace>
   <inkml:trace contextRef="#ctx0" brushRef="#br0" timeOffset="10750.68">23738 11507 895 0,'1'-3'157'15,"-1"3"18"1,7-1-291-16,-6 0-25 0,17-5 7 15,65-22 7-15,-30 3 80 16,16-8 31-16,-6-5 29 16,12-12 33-16,-7 0 20 15,11-12 28-15,-6 6 8 16,9-3-2-16,-6 6-26 16,13-3-17-16,-6 8-27 0,3-3-15 15,-10 4-9-15,5 2-3 16,-18 7-2-16,-1 5-2 15,-12 11 1-15,-6 4-1 16,-15 8 1-16,-9 6 3 16,-9 0 5-16,-4 3 23 15,-5 2 10-15,-1-2 14 16,-2 0 1-16,1 1 3 16,0 0-20-16,0 0-4 15,0 0-10-15,0 0 6 16,-1 0-3-16,1 0-1 15,0 0-6-15,0 0-6 16,0 0-11-16,0 0-5 16,0 0-1-16,-1 0-3 15,0 0 1-15,1 0-1 16,0 0 2-16,0 0-1 0,0 0 1 16,0 0 1-16,0 0-1 15,0 0 0-15,0 0 1 16,0 0 0-16,0 0 0 15,0 0 2-15,0 0 0 0,0 0 1 16,0 0 0-16,-2 0-2 16,2 0 1-16,0 0-2 15,0 0 0-15,0 0 1 16,0 0 0-16,0 0 3 16,0 0 1-16,0 0 3 15,0 0 2-15,0 0 0 16,0 0-1-16,0 0-1 15,0 0-4-15,0 0-1 16,0 0-2-16,0 0 0 16,0 0 0-16,0 0-3 15,0 0-2-15,0 0-21 16,0 0-14-16,0 0-74 16,0 0-57-16,2-1-120 15,9-1-26-15,28-9-69 16</inkml:trace>
   <inkml:trace contextRef="#ctx0" brushRef="#br0" timeOffset="13293.7">26072 11368 589 0,'8'5'176'16,"-3"-7"70"-16,-6-4-158 0,-2-2-14 16,1-5-8-16,-4-8-10 15,-1 3-29-15,-4-2 10 16,-1 2-5-16,-4 1 22 15,0 3-4-15,-5-3 0 16,1 3-14-16,-5-4 6 16,5 2-22-16,-6-1-5 15,4 1-4-15,-4-1-2 16,-1 3-10-16,-4-2 0 16,3 2 0-16,-6 1-2 15,7 3 1-15,-4 0-1 0,8 5 0 16,-4 0-1-16,3 3 2 15,-7-2-2-15,2 2 0 16,-9 1-1-16,-1 0 1 16,-9 1 0-16,5 2 0 15,-6 1 0-15,4 0 1 16,-3 0-1-16,9 3-1 16,-14 4-1-16,5 3 1 15,-10 7-1-15,0 2 1 0,-8 3 1 16,7-3 2-16,-10 4 1 15,4-3 1-15,-4 3-2 16,5-2 0-16,-7 11-4 16,12-7-3-16,-3 9-2 15,10-6 2-15,1-1 0 16,13-11 5-16,0 3 4 16,8-12 1-16,-2 2 0 15,2 1-1-15,-3 5-2 16,3-4 0-16,-7 8-2 15,8 1-2-15,-2 0-2 16,9-1 2-16,1-1-4 16,7-4 1-16,2 1-2 15,4-2 0-15,-4 8 0 16,2 8 0-16,-2 3-10 0,2 3-4 16,-1 6-6-16,3-9 3 15,3-2 1-15,3-6 12 16,-2-1 8-16,0-3 8 15,2 5-1-15,-1-5 0 16,-1 3 0-16,3-2-1 0,-1-4-15 16,3-2 0-1,1 0-1-15,3-2 0 0,0 1-2 16,5-2 15-16,1 6-1 16,1-4 1-16,2 5-1 15,4 0 0-15,4 6-5 16,-3-6 0-16,9 2-2 15,2-3-1-15,6 1-3 16,0-8 6-16,12-3 2 16,-2-1 3-16,9 1 0 15,-4-2 4-15,13 1 1 16,-2 5-2-16,13-1-2 16,-1-5 0-16,14 1-2 15,-6-5-1-15,8-6 0 16,-13-4 3-16,10-8 1 15,-13-2 5-15,13-8 2 0,-7 2 1 16,13-5 2 0,-8 1-1-16,17-7 0 0,-12 3-2 15,8-10 2-15,-13 2 0 16,9-6 5-16,-17 2 5 16,1-6 6-16,-14 9 5 15,-3 0 15-15,-17 5-3 16,-3 1 16-16,-10 8-1 15,-7-2 9-15,-4 7-4 16,-4-3 10-16,-7 4-16 16,1-8 10-16,-1-1-12 0,-3-12-11 15,-2 3-7-15,-5-9 2 16,-4 2-2-16,-7-5 12 16,-4 5 12-16,-11-7 11 15,-5 4-5-15,-24-20-26 16,-5 5-14-16,-25-10-62 15,-14 6-65-15,-56 11-336 16,-18 23 58-16</inkml:trace>
-  <inkml:trace contextRef="#ctx0" brushRef="#br0" timeOffset="19530.81">11706 11661 918 0,'-21'-37'253'15,"-14"-5"81"-15,-9 3-260 16,-6 3-27-16,7 9-24 16,-13 3-12-16,-3 10-37 0,-20 11-23 15,-4 12-11-15,-21 13-5 16,0 7 13-16,-18 16 13 16,11 1 21-16,-8 8 11 15,8 1 6-15,-10 24-1 16,19 0-1-16,-6 18-4 15,19 1-1-15,5 20-5 16,25-13-1-16,7 13-4 16,19-7 0-16,6 14-3 15,19-18 1-15,14 10-3 16,10-18 4-16,14 3-2 16,3-23 4-16,8 7 0 15,-4-17 2-15,7 7 2 16,-4-9 5-16,5 12 1 0,-6-7 3 15,0 12 6 1,-6-9 0-16,-6 7 3 0,-12-13 1 16,-12 14 5-16,-15-7-1 15,-14 21 2-15,-14-7 0 16,-16 18 2-16,1-14-4 16,-17 6 7-16,0-22 0 15,-13 4 7-15,7-18 1 0,-14-6 25 16,16-20 2-16,-9-8 18 15,14-12-1 1,-6-11 9-16,15-10-12 0,-8-6-3 16,17-6-22-16,-2-13-19 15,15-6-19-15,2-15-17 16,11-5-11-16,9-19-2 16,15 0 7-16,10-9 1 15,12 13 4-15,12-3 0 16,3 19 0-16,16 5-13 15,2 19-3-15,18 7-4 16,-1 16 1-16,15 13-3 16,-6 14 14-16,14 9 5 15,-8 8 5-15,14 12 1 16,-9-1 5-16,13 14 1 16,-13-1 2-16,15 13 2 0,-11-8-2 15,13 12 2 1,-10-11 1-16,17 2 0 0,-14-15-1 15,5 0 1-15,-17-16 1 16,-7-4-2-16,-26-14 1 16,-11-4 3-16,-19-9 2 15,-10-6 58-15,-9-1 30 16,-3 0 45-16,-2-1 12 16,-1 0 15-16,0-1-55 15,0 1-28-15,-1 0-49 16,1 0-63-16,0 0-76 0,0-1-333 15,0-1 41-15</inkml:trace>
+  <inkml:trace contextRef="#ctx0" brushRef="#br0" timeOffset="19530.8">11706 11661 918 0,'-21'-37'253'15,"-14"-5"81"-15,-9 3-260 16,-6 3-27-16,7 9-24 16,-13 3-12-16,-3 10-37 0,-20 11-23 15,-4 12-11-15,-21 13-5 16,0 7 13-16,-18 16 13 16,11 1 21-16,-8 8 11 15,8 1 6-15,-10 24-1 16,19 0-1-16,-6 18-4 15,19 1-1-15,5 20-5 16,25-13-1-16,7 13-4 16,19-7 0-16,6 14-3 15,19-18 1-15,14 10-3 16,10-18 4-16,14 3-2 16,3-23 4-16,8 7 0 15,-4-17 2-15,7 7 2 16,-4-9 5-16,5 12 1 0,-6-7 3 15,0 12 6 1,-6-9 0-16,-6 7 3 0,-12-13 1 16,-12 14 5-16,-15-7-1 15,-14 21 2-15,-14-7 0 16,-16 18 2-16,1-14-4 16,-17 6 7-16,0-22 0 15,-13 4 7-15,7-18 1 0,-14-6 25 16,16-20 2-16,-9-8 18 15,14-12-1 1,-6-11 9-16,15-10-12 0,-8-6-3 16,17-6-22-16,-2-13-19 15,15-6-19-15,2-15-17 16,11-5-11-16,9-19-2 16,15 0 7-16,10-9 1 15,12 13 4-15,12-3 0 16,3 19 0-16,16 5-13 15,2 19-3-15,18 7-4 16,-1 16 1-16,15 13-3 16,-6 14 14-16,14 9 5 15,-8 8 5-15,14 12 1 16,-9-1 5-16,13 14 1 16,-13-1 2-16,15 13 2 0,-11-8-2 15,13 12 2 1,-10-11 1-16,17 2 0 0,-14-15-1 15,5 0 1-15,-17-16 1 16,-7-4-2-16,-26-14 1 16,-11-4 3-16,-19-9 2 15,-10-6 58-15,-9-1 30 16,-3 0 45-16,-2-1 12 16,-1 0 15-16,0-1-55 15,0 1-28-15,-1 0-49 16,1 0-63-16,0 0-76 0,0-1-333 15,0-1 41-15</inkml:trace>
   <inkml:trace contextRef="#ctx0" brushRef="#br0" timeOffset="20897.43">14645 8456 99 0,'-23'3'0'0,"-11"2"-53"16,1 6 41-16,-9 5 66 15,0 0 48-15,-10 7 14 16,2-1-10-16,-17 10-3 16,2 2-21-16,-21 16-11 15,5 8-32-15,-14 19-9 16,11 3-10-16,-8 17-4 0,17-4-12 15,2 22 1-15,14-3-6 16,4 22 1-16,17-1 1 16,9 21 1-16,8-17-6 15,6 13 5-15,11-19-1 16,0 17 1-16,0-22 0 16,1 13 0-16,-4-14 0 15,-4 3 3-15,-6-28 0 16,-12 0 5-16,-8-27 20 15,-14-5 34-15,-9-16 1 0,-15 4 2 16,-1-10-5 0,-16 2-17-16,6-10-34 0,-11-7 13 15,10-13 9-15,-6-10 20 16,19-9 1-16,-7-9 4 16,15-7-16-16,-11-12-11 15,12-5-17-15,-6-4-2 16,17-2-2-16,3-2-1 15,20 9 0-15,7-2 4 16,10 8-4-16,6 1-3 16,5 7-3-16,4-4-10 15,7 4-7-15,9-3-5 16,5 0 0-16,14 3-5 16,2 4 5-16,13 7-3 0,2 10 4 15,10 12 3-15,-3 7 5 16,8 12 3-1,-7 4 3-15,12 9-1 16,-7-2 0-16,12 9 1 0,-5-3 1 16,7 7-1-16,-12-5 2 15,6 8 1-15,-12-5-1 16,4 6 1-16,-14-4 0 16,4 5 1-16,-14-9 0 15,-3-2 1-15,-12-10 0 16,-7-8 0-16,-8-14 0 0,-3-3 4 15,-5-9 12-15,-3-4 43 16,-1-2 17-16,-1-1 29 16,-1-1 6-16,2 0 3 15,-1 1-35-15,1 0-12 16,0 0-24-16,0 0-10 16,0 0-15-16,0 0-8 15,0-2-23-15,0 1-86 16,0 0-86-16,0 0-218 15,0 1-39-15</inkml:trace>
   <inkml:trace contextRef="#ctx0" brushRef="#br0" timeOffset="55627.94">27610 14397 508 0,'89'-25'194'0,"18"-4"62"16,-12 3-134-16,35-9 7 15,1 6-21-15,27-8-2 16,-14 4-44-16,11-4-9 15,-27 8-20-15,3 2-5 16,-32 8-13-16,6-1 4 16,-16 10-3-16,2-1 2 15,-19 3-5-15,5 3-3 16,-23 1-8-16,-3 2-17 16,-18 0-28-16,-7 0-111 15,-14 2-103-15,-12 4-81 0,-17 2-102 16</inkml:trace>
   <inkml:trace contextRef="#ctx0" brushRef="#br0" timeOffset="57037.88">28046 14743 550 0,'3'19'251'15,"12"-14"-16"-15,9-14-120 0,33-13-79 16,20-5-23-16,39-11 15 16,6 0 3-16,28-7 7 15,-11 5-4-15,26-4 2 16,-15 7-10-16,34-3 4 16,-18 3-1-16,16 4 6 15,-31 4-5-15,7-1 16 16,-33 3-1-16,4 5 2 15,-25 3-6-15,1-1 1 16,-27 6-13-16,-9 5-4 0,-27 3-5 16,-11 3-2-16,-15 3-3 15,-7 1-4-15,-5-1-5 16,-2 1-1-16,-1-1-2 16,-2 0-7-16,0-1-5 15,0 0-6-15,1 0-1 16,-1 0-1-16,1 1 4 0,0 0 2 15,0 0 5 1,-2 0-2-16,2 0 1 16,0 0-5-16,0 0 0 0,0 0-1 15,0 0 2-15,0 0 2 16,0 0 5-16,0 0 3 16,0 0 4-16,0 0 0 15,0 0 1-15,2 0-1 16,-1 0-1-16,0 0 0 15,0 0-2-15,-1 0 0 16,0 0 1-16,0 0 1 16,0 0 0-16,0 0 0 15,1 0 0-15,-1 0-2 16,0 0 1-16,0 0-3 16,0 0 1-16,0 0-1 15,0 0 0-15,1 0 1 0,-1 0 1 16,0 0 1-16,0 1 0 15,0 0 0-15,0-1 0 16,0 0 0-16,0 0-1 16,0 0 0-16,0 0 0 15,0 0-1-15,0 0 0 16,0 0 0-16,0 0 0 16,0 0 0-16,0 0 1 15,0 0 1-15,0 0 0 16,0 0 0-16,0 0 1 0,0 0-2 15,0 0 1-15,0 0-1 16,0 0 0-16,0 0 0 16,1 0 2-16,-1 0 0 15,0 0 1-15,0 0 1 16,0 0 0-16,0 0-1 16,0 0-2-16,0 0 0 15,0 0-1-15,0 0 0 16,0 0 0-16,0 0 1 15,0 0 2-15,0 0 8 16,0 0 3-16,0 0 1 16,0 0-1-16,0 0-2 15,0 0-8-15,0 0-2 16,0 0-2-16,0 0 1 0,0 0 0 16,0 0 0-1,0 0 2-15,0 0-1 0,0 0 1 16,0 0 1-16,0 0 1 15,0 0 0-15,0 0 0 16,0 0-1-16,0 1 0 16,0-1-2-16,0 0-1 15,0 0 0-15,0 0 0 0,2 0 0 16,-2 0 0-16,0 0-1 16,0 0-1-16,1 1 1 15,-1-1-1-15,0 0 0 16,0 0 1-16,0 0 0 15,0 0 1-15,0 0 0 16,0 0 1-16,1 0 0 16,-1 0 2-16,1 0-2 15,-1 0 0-15,0 0 0 16,0 0-2-16,0 0 0 16,0 0 0-16,0 0 0 15,0 0 1-15,0 0 0 16,0 0 0-16,0 0 1 15,0 0-1-15,0 0 1 16,0 0-2-16,0 0 0 0,0 0 0 16,0 0 0-16,0 0 0 15,0 0-1-15,0 0 0 16,0 0 0-16,0 0-1 16,0 0-9-16,0 0-3 15,0 0-19-15,1 0-16 16,0 0-49-16,1 1-26 15,4 3-182-15,14 9-38 16,40 12-62-16</inkml:trace>
   <inkml:trace contextRef="#ctx0" brushRef="#br0" timeOffset="65286.07">24113 10459 229 0,'33'-14'91'0,"12"-7"13"15,4-5-57-15,23-7 23 16,3 0-10-16,23-11 10 15,-4 5 1-15,19-5 2 16,-13 6-22-16,17-3-2 16,-16 8-18-16,12 0-8 0,-16 5-13 15,3-1-1 1,-21 8-5-16,-5 0 6 0,-22 5 0 16,-4 2 3-16,-17 5-2 15,-4 3-3-15,-11 4-15 16,-4-1-60-16,-7 8-31 0,-5 5-62 15,-8 5-48-15,-20 13-25 16</inkml:trace>
-  <inkml:trace contextRef="#ctx0" brushRef="#br0" timeOffset="65639.41">24021 11032 822 0,'-3'3'215'0,"6"-9"46"16,14-2-232-16,24-8-39 15,15-2-20-15,30-14-6 16,9-4 4-16,25-8 2 0,-7 5 2 15,8-10 10-15,-14 8 13 16,8 1 4-16,-24 5 3 16,1 0 1-16,-18 10 2 15,-2 4 2-15,-18 7-1 16,-2 2 0-16,-15 4-2 16,1 5-1-16,-11 2-6 15,-1 5-36-15,-5 4-40 16,1 4-156-16,-7 5 3 15</inkml:trace>
+  <inkml:trace contextRef="#ctx0" brushRef="#br0" timeOffset="65639.4">24021 11032 822 0,'-3'3'215'0,"6"-9"46"16,14-2-232-16,24-8-39 15,15-2-20-15,30-14-6 16,9-4 4-16,25-8 2 0,-7 5 2 15,8-10 10-15,-14 8 13 16,8 1 4-16,-24 5 3 16,1 0 1-16,-18 10 2 15,-2 4 2-15,-18 7-1 16,-2 2 0-16,-15 4-2 16,1 5-1-16,-11 2-6 15,-1 5-36-15,-5 4-40 16,1 4-156-16,-7 5 3 15</inkml:trace>
 </inkml:ink>
 </file>
 
@@ -1305,7 +1306,7 @@
           <a:p>
             <a:fld id="{88D38747-4367-4BD2-8D51-C97E202738E2}" type="datetime1">
               <a:rPr lang="en-US" smtClean="0"/>
-              <a:t>3/11/2020</a:t>
+              <a:t>1/21/2024</a:t>
             </a:fld>
             <a:endParaRPr lang="en-US" dirty="0"/>
           </a:p>
@@ -1506,7 +1507,7 @@
           <a:p>
             <a:fld id="{217E833E-1B6D-415F-AD29-75AE8C43BD0D}" type="datetime1">
               <a:rPr lang="en-US" smtClean="0"/>
-              <a:t>3/11/2020</a:t>
+              <a:t>1/21/2024</a:t>
             </a:fld>
             <a:endParaRPr lang="en-US" dirty="0"/>
           </a:p>
@@ -1716,7 +1717,7 @@
           <a:p>
             <a:fld id="{8452596F-08A7-4B70-989A-F2B1CF31E66B}" type="datetime1">
               <a:rPr lang="en-US" smtClean="0"/>
-              <a:t>3/11/2020</a:t>
+              <a:t>1/21/2024</a:t>
             </a:fld>
             <a:endParaRPr lang="en-US" dirty="0"/>
           </a:p>
@@ -1916,7 +1917,7 @@
           <a:p>
             <a:fld id="{73C55A3C-5767-4844-A0A3-83778C2E5409}" type="datetime1">
               <a:rPr lang="en-US" smtClean="0"/>
-              <a:t>3/11/2020</a:t>
+              <a:t>1/21/2024</a:t>
             </a:fld>
             <a:endParaRPr lang="en-US" dirty="0"/>
           </a:p>
@@ -2192,7 +2193,7 @@
           <a:p>
             <a:fld id="{CAE507A8-A5CF-4D38-AB86-7EDDA87A85D4}" type="datetime1">
               <a:rPr lang="en-US" smtClean="0"/>
-              <a:t>3/11/2020</a:t>
+              <a:t>1/21/2024</a:t>
             </a:fld>
             <a:endParaRPr lang="en-US" dirty="0"/>
           </a:p>
@@ -2461,7 +2462,7 @@
           <a:p>
             <a:fld id="{BDFCD27C-8599-43EF-BA1D-14DDC1946E06}" type="datetime1">
               <a:rPr lang="en-US" smtClean="0"/>
-              <a:t>3/11/2020</a:t>
+              <a:t>1/21/2024</a:t>
             </a:fld>
             <a:endParaRPr lang="en-US" dirty="0"/>
           </a:p>
@@ -2876,7 +2877,7 @@
           <a:p>
             <a:fld id="{49343D99-809A-49C0-96E5-4250D0B498EE}" type="datetime1">
               <a:rPr lang="en-US" smtClean="0"/>
-              <a:t>3/11/2020</a:t>
+              <a:t>1/21/2024</a:t>
             </a:fld>
             <a:endParaRPr lang="en-US" dirty="0"/>
           </a:p>
@@ -3018,7 +3019,7 @@
           <a:p>
             <a:fld id="{A143DE9B-B678-4EFB-BB7D-A4370204A0B0}" type="datetime1">
               <a:rPr lang="en-US" smtClean="0"/>
-              <a:t>3/11/2020</a:t>
+              <a:t>1/21/2024</a:t>
             </a:fld>
             <a:endParaRPr lang="en-US" dirty="0"/>
           </a:p>
@@ -3131,7 +3132,7 @@
           <a:p>
             <a:fld id="{E68812DA-F765-4142-A6A3-A8ED7235E082}" type="datetime1">
               <a:rPr lang="en-US" smtClean="0"/>
-              <a:t>3/11/2020</a:t>
+              <a:t>1/21/2024</a:t>
             </a:fld>
             <a:endParaRPr lang="en-US" dirty="0"/>
           </a:p>
@@ -3444,7 +3445,7 @@
           <a:p>
             <a:fld id="{3E0277FD-7DE6-41D4-930D-AC99F5AFE54E}" type="datetime1">
               <a:rPr lang="en-US" smtClean="0"/>
-              <a:t>3/11/2020</a:t>
+              <a:t>1/21/2024</a:t>
             </a:fld>
             <a:endParaRPr lang="en-US" dirty="0"/>
           </a:p>
@@ -3734,7 +3735,7 @@
           <a:p>
             <a:fld id="{9EA15526-7079-4B7B-987C-1B5FAE11A0FF}" type="datetime1">
               <a:rPr lang="en-US" smtClean="0"/>
-              <a:t>3/11/2020</a:t>
+              <a:t>1/21/2024</a:t>
             </a:fld>
             <a:endParaRPr lang="en-US" dirty="0"/>
           </a:p>
@@ -3978,7 +3979,7 @@
           <a:p>
             <a:fld id="{073ED0CC-082F-4160-86E5-0D6041F12778}" type="datetime1">
               <a:rPr lang="en-US" smtClean="0"/>
-              <a:t>3/11/2020</a:t>
+              <a:t>1/21/2024</a:t>
             </a:fld>
             <a:endParaRPr lang="en-US" dirty="0"/>
           </a:p>
@@ -9456,8 +9457,8 @@
           </a:p>
         </p:txBody>
       </p:sp>
-      <mc:AlternateContent xmlns:mc="http://schemas.openxmlformats.org/markup-compatibility/2006">
-        <mc:Choice xmlns:p14="http://schemas.microsoft.com/office/powerpoint/2010/main" Requires="p14">
+      <mc:AlternateContent xmlns:mc="http://schemas.openxmlformats.org/markup-compatibility/2006" xmlns:p14="http://schemas.microsoft.com/office/powerpoint/2010/main">
+        <mc:Choice Requires="p14">
           <p:contentPart p14:bwMode="auto" r:id="rId2">
             <p14:nvContentPartPr>
               <p14:cNvPr id="4" name="Ink 3">
@@ -9476,7 +9477,7 @@
             </p14:xfrm>
           </p:contentPart>
         </mc:Choice>
-        <mc:Fallback>
+        <mc:Fallback xmlns="">
           <p:pic>
             <p:nvPicPr>
               <p:cNvPr id="4" name="Ink 3">
@@ -10578,8 +10579,8 @@
           </a:extLst>
         </p:spPr>
       </p:pic>
-      <mc:AlternateContent xmlns:mc="http://schemas.openxmlformats.org/markup-compatibility/2006">
-        <mc:Choice xmlns:p14="http://schemas.microsoft.com/office/powerpoint/2010/main" Requires="p14">
+      <mc:AlternateContent xmlns:mc="http://schemas.openxmlformats.org/markup-compatibility/2006" xmlns:p14="http://schemas.microsoft.com/office/powerpoint/2010/main">
+        <mc:Choice Requires="p14">
           <p:contentPart p14:bwMode="auto" r:id="rId4">
             <p14:nvContentPartPr>
               <p14:cNvPr id="3" name="Ink 2">
@@ -10598,7 +10599,7 @@
             </p14:xfrm>
           </p:contentPart>
         </mc:Choice>
-        <mc:Fallback>
+        <mc:Fallback xmlns="">
           <p:pic>
             <p:nvPicPr>
               <p:cNvPr id="3" name="Ink 2">
@@ -11168,8 +11169,8 @@
           </a:extLst>
         </p:spPr>
       </p:pic>
-      <mc:AlternateContent xmlns:mc="http://schemas.openxmlformats.org/markup-compatibility/2006">
-        <mc:Choice xmlns:p14="http://schemas.microsoft.com/office/powerpoint/2010/main" Requires="p14">
+      <mc:AlternateContent xmlns:mc="http://schemas.openxmlformats.org/markup-compatibility/2006" xmlns:p14="http://schemas.microsoft.com/office/powerpoint/2010/main">
+        <mc:Choice Requires="p14">
           <p:contentPart p14:bwMode="auto" r:id="rId4">
             <p14:nvContentPartPr>
               <p14:cNvPr id="3" name="Ink 2">
@@ -11188,7 +11189,7 @@
             </p14:xfrm>
           </p:contentPart>
         </mc:Choice>
-        <mc:Fallback>
+        <mc:Fallback xmlns="">
           <p:pic>
             <p:nvPicPr>
               <p:cNvPr id="3" name="Ink 2">
@@ -11342,8 +11343,8 @@
           </a:p>
         </p:txBody>
       </p:sp>
-      <mc:AlternateContent xmlns:mc="http://schemas.openxmlformats.org/markup-compatibility/2006">
-        <mc:Choice xmlns:p14="http://schemas.microsoft.com/office/powerpoint/2010/main" Requires="p14">
+      <mc:AlternateContent xmlns:mc="http://schemas.openxmlformats.org/markup-compatibility/2006" xmlns:p14="http://schemas.microsoft.com/office/powerpoint/2010/main">
+        <mc:Choice Requires="p14">
           <p:contentPart p14:bwMode="auto" r:id="rId2">
             <p14:nvContentPartPr>
               <p14:cNvPr id="4" name="Ink 3">
@@ -11362,7 +11363,7 @@
             </p14:xfrm>
           </p:contentPart>
         </mc:Choice>
-        <mc:Fallback>
+        <mc:Fallback xmlns="">
           <p:pic>
             <p:nvPicPr>
               <p:cNvPr id="4" name="Ink 3">
@@ -12199,8 +12200,8 @@
           </a:extLst>
         </p:spPr>
       </p:pic>
-      <mc:AlternateContent xmlns:mc="http://schemas.openxmlformats.org/markup-compatibility/2006">
-        <mc:Choice xmlns:p14="http://schemas.microsoft.com/office/powerpoint/2010/main" Requires="p14">
+      <mc:AlternateContent xmlns:mc="http://schemas.openxmlformats.org/markup-compatibility/2006" xmlns:p14="http://schemas.microsoft.com/office/powerpoint/2010/main">
+        <mc:Choice Requires="p14">
           <p:contentPart p14:bwMode="auto" r:id="rId4">
             <p14:nvContentPartPr>
               <p14:cNvPr id="3" name="Ink 2">
@@ -12219,7 +12220,7 @@
             </p14:xfrm>
           </p:contentPart>
         </mc:Choice>
-        <mc:Fallback>
+        <mc:Fallback xmlns="">
           <p:pic>
             <p:nvPicPr>
               <p:cNvPr id="3" name="Ink 2">
@@ -12547,8 +12548,8 @@
           </a:p>
         </p:txBody>
       </p:sp>
-      <mc:AlternateContent xmlns:mc="http://schemas.openxmlformats.org/markup-compatibility/2006">
-        <mc:Choice xmlns:p14="http://schemas.microsoft.com/office/powerpoint/2010/main" Requires="p14">
+      <mc:AlternateContent xmlns:mc="http://schemas.openxmlformats.org/markup-compatibility/2006" xmlns:p14="http://schemas.microsoft.com/office/powerpoint/2010/main">
+        <mc:Choice Requires="p14">
           <p:contentPart p14:bwMode="auto" r:id="rId3">
             <p14:nvContentPartPr>
               <p14:cNvPr id="4" name="Ink 3">
@@ -12567,7 +12568,7 @@
             </p14:xfrm>
           </p:contentPart>
         </mc:Choice>
-        <mc:Fallback>
+        <mc:Fallback xmlns="">
           <p:pic>
             <p:nvPicPr>
               <p:cNvPr id="4" name="Ink 3">
@@ -14008,8 +14009,8 @@
           </a:extLst>
         </p:spPr>
       </p:pic>
-      <mc:AlternateContent xmlns:mc="http://schemas.openxmlformats.org/markup-compatibility/2006">
-        <mc:Choice xmlns:p14="http://schemas.microsoft.com/office/powerpoint/2010/main" Requires="p14">
+      <mc:AlternateContent xmlns:mc="http://schemas.openxmlformats.org/markup-compatibility/2006" xmlns:p14="http://schemas.microsoft.com/office/powerpoint/2010/main">
+        <mc:Choice Requires="p14">
           <p:contentPart p14:bwMode="auto" r:id="rId4">
             <p14:nvContentPartPr>
               <p14:cNvPr id="3" name="Ink 2">
@@ -14028,7 +14029,7 @@
             </p14:xfrm>
           </p:contentPart>
         </mc:Choice>
-        <mc:Fallback>
+        <mc:Fallback xmlns="">
           <p:pic>
             <p:nvPicPr>
               <p:cNvPr id="3" name="Ink 2">
@@ -14202,8 +14203,8 @@
           </a:p>
         </p:txBody>
       </p:sp>
-      <mc:AlternateContent xmlns:mc="http://schemas.openxmlformats.org/markup-compatibility/2006">
-        <mc:Choice xmlns:p14="http://schemas.microsoft.com/office/powerpoint/2010/main" Requires="p14">
+      <mc:AlternateContent xmlns:mc="http://schemas.openxmlformats.org/markup-compatibility/2006" xmlns:p14="http://schemas.microsoft.com/office/powerpoint/2010/main">
+        <mc:Choice Requires="p14">
           <p:contentPart p14:bwMode="auto" r:id="rId2">
             <p14:nvContentPartPr>
               <p14:cNvPr id="4" name="Ink 3">
@@ -14222,7 +14223,7 @@
             </p14:xfrm>
           </p:contentPart>
         </mc:Choice>
-        <mc:Fallback>
+        <mc:Fallback xmlns="">
           <p:pic>
             <p:nvPicPr>
               <p:cNvPr id="4" name="Ink 3">
@@ -15297,8 +15298,8 @@
           </a:extLst>
         </p:spPr>
       </p:pic>
-      <mc:AlternateContent xmlns:mc="http://schemas.openxmlformats.org/markup-compatibility/2006">
-        <mc:Choice xmlns:p14="http://schemas.microsoft.com/office/powerpoint/2010/main" Requires="p14">
+      <mc:AlternateContent xmlns:mc="http://schemas.openxmlformats.org/markup-compatibility/2006" xmlns:p14="http://schemas.microsoft.com/office/powerpoint/2010/main">
+        <mc:Choice Requires="p14">
           <p:contentPart p14:bwMode="auto" r:id="rId4">
             <p14:nvContentPartPr>
               <p14:cNvPr id="3" name="Ink 2">
@@ -15317,7 +15318,7 @@
             </p14:xfrm>
           </p:contentPart>
         </mc:Choice>
-        <mc:Fallback>
+        <mc:Fallback xmlns="">
           <p:pic>
             <p:nvPicPr>
               <p:cNvPr id="3" name="Ink 2">
@@ -15569,8 +15570,8 @@
           </a:p>
         </p:txBody>
       </p:sp>
-      <mc:AlternateContent xmlns:mc="http://schemas.openxmlformats.org/markup-compatibility/2006">
-        <mc:Choice xmlns:p14="http://schemas.microsoft.com/office/powerpoint/2010/main" Requires="p14">
+      <mc:AlternateContent xmlns:mc="http://schemas.openxmlformats.org/markup-compatibility/2006" xmlns:p14="http://schemas.microsoft.com/office/powerpoint/2010/main">
+        <mc:Choice Requires="p14">
           <p:contentPart p14:bwMode="auto" r:id="rId2">
             <p14:nvContentPartPr>
               <p14:cNvPr id="4" name="Ink 3">
@@ -15589,7 +15590,7 @@
             </p14:xfrm>
           </p:contentPart>
         </mc:Choice>
-        <mc:Fallback>
+        <mc:Fallback xmlns="">
           <p:pic>
             <p:nvPicPr>
               <p:cNvPr id="4" name="Ink 3">
@@ -16966,8 +16967,8 @@
           </a:p>
         </p:txBody>
       </p:sp>
-      <mc:AlternateContent xmlns:mc="http://schemas.openxmlformats.org/markup-compatibility/2006">
-        <mc:Choice xmlns:p14="http://schemas.microsoft.com/office/powerpoint/2010/main" Requires="p14">
+      <mc:AlternateContent xmlns:mc="http://schemas.openxmlformats.org/markup-compatibility/2006" xmlns:p14="http://schemas.microsoft.com/office/powerpoint/2010/main">
+        <mc:Choice Requires="p14">
           <p:contentPart p14:bwMode="auto" r:id="rId2">
             <p14:nvContentPartPr>
               <p14:cNvPr id="4" name="Ink 3">
@@ -16986,7 +16987,7 @@
             </p14:xfrm>
           </p:contentPart>
         </mc:Choice>
-        <mc:Fallback>
+        <mc:Fallback xmlns="">
           <p:pic>
             <p:nvPicPr>
               <p:cNvPr id="4" name="Ink 3">
@@ -17867,12 +17868,41 @@
           <a:chExt cx="0" cy="0"/>
         </a:xfrm>
       </p:grpSpPr>
+      <p:pic>
+        <p:nvPicPr>
+          <p:cNvPr id="4" name="Picture 3">
+            <a:extLst>
+              <a:ext uri="{FF2B5EF4-FFF2-40B4-BE49-F238E27FC236}">
+                <a16:creationId xmlns:a16="http://schemas.microsoft.com/office/drawing/2014/main" id="{A73D6C18-6660-4FAB-B152-FD9F3B9EE11E}"/>
+              </a:ext>
+            </a:extLst>
+          </p:cNvPr>
+          <p:cNvPicPr>
+            <a:picLocks noChangeAspect="1"/>
+          </p:cNvPicPr>
+          <p:nvPr/>
+        </p:nvPicPr>
+        <p:blipFill rotWithShape="1">
+          <a:blip r:embed="rId2"/>
+          <a:srcRect t="8107" b="7624"/>
+          <a:stretch/>
+        </p:blipFill>
+        <p:spPr>
+          <a:xfrm>
+            <a:off x="20" y="10"/>
+            <a:ext cx="12191980" cy="6857990"/>
+          </a:xfrm>
+          <a:prstGeom prst="rect">
+            <a:avLst/>
+          </a:prstGeom>
+        </p:spPr>
+      </p:pic>
       <p:sp>
         <p:nvSpPr>
           <p:cNvPr id="2" name="Title 1">
             <a:extLst>
               <a:ext uri="{FF2B5EF4-FFF2-40B4-BE49-F238E27FC236}">
-                <a16:creationId xmlns:a16="http://schemas.microsoft.com/office/drawing/2014/main" id="{F7C7A7AD-168E-4859-B7F1-00E770DAFE0E}"/>
+                <a16:creationId xmlns:a16="http://schemas.microsoft.com/office/drawing/2014/main" id="{6C932BB9-2D1C-4F9B-8C9D-6C800303CA0B}"/>
               </a:ext>
             </a:extLst>
           </p:cNvPr>
@@ -17880,226 +17910,320 @@
             <a:spLocks noGrp="1"/>
           </p:cNvSpPr>
           <p:nvPr>
-            <p:ph type="title"/>
+            <p:ph type="ctrTitle"/>
           </p:nvPr>
         </p:nvSpPr>
         <p:spPr>
-          <a:solidFill>
-            <a:schemeClr val="accent6">
-              <a:lumMod val="40000"/>
-              <a:lumOff val="60000"/>
+          <a:xfrm>
+            <a:off x="1655547" y="1239253"/>
+            <a:ext cx="10260530" cy="4379493"/>
+          </a:xfrm>
+        </p:spPr>
+        <p:style>
+          <a:lnRef idx="2">
+            <a:schemeClr val="dk1">
+              <a:shade val="50000"/>
             </a:schemeClr>
-          </a:solidFill>
-        </p:spPr>
+          </a:lnRef>
+          <a:fillRef idx="1">
+            <a:schemeClr val="dk1"/>
+          </a:fillRef>
+          <a:effectRef idx="0">
+            <a:schemeClr val="dk1"/>
+          </a:effectRef>
+          <a:fontRef idx="minor">
+            <a:schemeClr val="lt1"/>
+          </a:fontRef>
+        </p:style>
         <p:txBody>
-          <a:bodyPr/>
+          <a:bodyPr>
+            <a:noAutofit/>
+          </a:bodyPr>
           <a:lstStyle/>
           <a:p>
-            <a:endParaRPr lang="en-IN" dirty="0">
-              <a:latin typeface="Algerian" panose="04020705040A02060702" pitchFamily="82" charset="0"/>
-            </a:endParaRPr>
+            <a:r>
+              <a:rPr lang="en-US" sz="8800" dirty="0">
+                <a:solidFill>
+                  <a:srgbClr val="00B050"/>
+                </a:solidFill>
+                <a:latin typeface="Algerian" panose="04020705040A02060702" pitchFamily="82" charset="0"/>
+              </a:rPr>
+              <a:t>How to </a:t>
+            </a:r>
+            <a:r>
+              <a:rPr lang="en-US" sz="8800" dirty="0">
+                <a:solidFill>
+                  <a:srgbClr val="FF0000"/>
+                </a:solidFill>
+                <a:latin typeface="Algerian" panose="04020705040A02060702" pitchFamily="82" charset="0"/>
+              </a:rPr>
+              <a:t>securely</a:t>
+            </a:r>
+            <a:r>
+              <a:rPr lang="en-US" sz="8800" dirty="0">
+                <a:solidFill>
+                  <a:srgbClr val="00B050"/>
+                </a:solidFill>
+                <a:latin typeface="Algerian" panose="04020705040A02060702" pitchFamily="82" charset="0"/>
+              </a:rPr>
+              <a:t> </a:t>
+            </a:r>
+            <a:r>
+              <a:rPr lang="en-US" sz="8800" dirty="0">
+                <a:solidFill>
+                  <a:srgbClr val="FF0000"/>
+                </a:solidFill>
+                <a:latin typeface="Algerian" panose="04020705040A02060702" pitchFamily="82" charset="0"/>
+              </a:rPr>
+              <a:t>Store</a:t>
+            </a:r>
+            <a:r>
+              <a:rPr lang="en-US" sz="8800" dirty="0">
+                <a:solidFill>
+                  <a:srgbClr val="00B050"/>
+                </a:solidFill>
+                <a:latin typeface="Algerian" panose="04020705040A02060702" pitchFamily="82" charset="0"/>
+              </a:rPr>
+              <a:t> config like </a:t>
+            </a:r>
+            <a:r>
+              <a:rPr lang="en-US" sz="8800" dirty="0">
+                <a:solidFill>
+                  <a:srgbClr val="FF0000"/>
+                </a:solidFill>
+                <a:latin typeface="Algerian" panose="04020705040A02060702" pitchFamily="82" charset="0"/>
+              </a:rPr>
+              <a:t>passwords</a:t>
+            </a:r>
           </a:p>
         </p:txBody>
       </p:sp>
-      <p:sp>
-        <p:nvSpPr>
-          <p:cNvPr id="3" name="Content Placeholder 2">
+      <p:pic>
+        <p:nvPicPr>
+          <p:cNvPr id="1032" name="Picture 8" descr="Image result for spring boot">
             <a:extLst>
               <a:ext uri="{FF2B5EF4-FFF2-40B4-BE49-F238E27FC236}">
-                <a16:creationId xmlns:a16="http://schemas.microsoft.com/office/drawing/2014/main" id="{21475D0B-8934-4CDF-9263-310490EE9888}"/>
+                <a16:creationId xmlns:a16="http://schemas.microsoft.com/office/drawing/2014/main" id="{BDCFC6E3-9BA9-4E09-A1F7-9D5A9F5903A0}"/>
               </a:ext>
             </a:extLst>
           </p:cNvPr>
-          <p:cNvSpPr>
-            <a:spLocks noGrp="1"/>
-          </p:cNvSpPr>
-          <p:nvPr>
-            <p:ph idx="1"/>
-          </p:nvPr>
-        </p:nvSpPr>
-        <p:spPr>
-          <a:solidFill>
-            <a:schemeClr val="accent2">
-              <a:lumMod val="20000"/>
-              <a:lumOff val="80000"/>
-            </a:schemeClr>
-          </a:solidFill>
+          <p:cNvPicPr>
+            <a:picLocks noChangeAspect="1" noChangeArrowheads="1"/>
+          </p:cNvPicPr>
+          <p:nvPr/>
+        </p:nvPicPr>
+        <p:blipFill>
+          <a:blip r:embed="rId3">
+            <a:extLst>
+              <a:ext uri="{28A0092B-C50C-407E-A947-70E740481C1C}">
+                <a14:useLocalDpi xmlns:a14="http://schemas.microsoft.com/office/drawing/2010/main" val="0"/>
+              </a:ext>
+            </a:extLst>
+          </a:blip>
+          <a:srcRect/>
+          <a:stretch>
+            <a:fillRect/>
+          </a:stretch>
+        </p:blipFill>
+        <p:spPr bwMode="auto">
+          <a:xfrm rot="16200000">
+            <a:off x="-732449" y="732450"/>
+            <a:ext cx="3036524" cy="1571625"/>
+          </a:xfrm>
+          <a:prstGeom prst="rect">
+            <a:avLst/>
+          </a:prstGeom>
+          <a:ln>
+            <a:noFill/>
+          </a:ln>
+          <a:effectLst>
+            <a:outerShdw blurRad="292100" dist="139700" dir="2700000" algn="tl" rotWithShape="0">
+              <a:srgbClr val="333333">
+                <a:alpha val="65000"/>
+              </a:srgbClr>
+            </a:outerShdw>
+          </a:effectLst>
+          <a:extLst>
+            <a:ext uri="{909E8E84-426E-40DD-AFC4-6F175D3DCCD1}">
+              <a14:hiddenFill xmlns:a14="http://schemas.microsoft.com/office/drawing/2010/main">
+                <a:solidFill>
+                  <a:srgbClr val="FFFFFF"/>
+                </a:solidFill>
+              </a14:hiddenFill>
+            </a:ext>
+          </a:extLst>
         </p:spPr>
-        <p:txBody>
-          <a:bodyPr/>
-          <a:lstStyle/>
-          <a:p>
-            <a:pPr>
-              <a:buFont typeface="Wingdings" panose="05000000000000000000" pitchFamily="2" charset="2"/>
-              <a:buChar char="q"/>
-            </a:pPr>
-            <a:endParaRPr lang="en-IN" dirty="0"/>
-          </a:p>
-        </p:txBody>
-      </p:sp>
+      </p:pic>
+      <p:grpSp>
+        <p:nvGrpSpPr>
+          <p:cNvPr id="5" name="Group 4">
+            <a:extLst>
+              <a:ext uri="{FF2B5EF4-FFF2-40B4-BE49-F238E27FC236}">
+                <a16:creationId xmlns:a16="http://schemas.microsoft.com/office/drawing/2014/main" id="{5672B878-A603-B278-7B61-771033C12210}"/>
+              </a:ext>
+            </a:extLst>
+          </p:cNvPr>
+          <p:cNvGrpSpPr/>
+          <p:nvPr/>
+        </p:nvGrpSpPr>
+        <p:grpSpPr>
+          <a:xfrm>
+            <a:off x="9621849" y="5906747"/>
+            <a:ext cx="1808151" cy="503804"/>
+            <a:chOff x="8402649" y="5231833"/>
+            <a:chExt cx="3415772" cy="1007608"/>
+          </a:xfrm>
+        </p:grpSpPr>
+        <p:pic>
+          <p:nvPicPr>
+            <p:cNvPr id="9" name="Picture 8">
+              <a:extLst>
+                <a:ext uri="{FF2B5EF4-FFF2-40B4-BE49-F238E27FC236}">
+                  <a16:creationId xmlns:a16="http://schemas.microsoft.com/office/drawing/2014/main" id="{6CB1496F-AFB8-BBD4-E926-CEE96C24B142}"/>
+                </a:ext>
+              </a:extLst>
+            </p:cNvPr>
+            <p:cNvPicPr>
+              <a:picLocks noChangeAspect="1"/>
+            </p:cNvPicPr>
+            <p:nvPr/>
+          </p:nvPicPr>
+          <p:blipFill>
+            <a:blip r:embed="rId4">
+              <a:duotone>
+                <a:prstClr val="black"/>
+                <a:schemeClr val="accent2">
+                  <a:tint val="45000"/>
+                  <a:satMod val="400000"/>
+                </a:schemeClr>
+              </a:duotone>
+              <a:extLst>
+                <a:ext uri="{BEBA8EAE-BF5A-486C-A8C5-ECC9F3942E4B}">
+                  <a14:imgProps xmlns:a14="http://schemas.microsoft.com/office/drawing/2010/main">
+                    <a14:imgLayer r:embed="rId5">
+                      <a14:imgEffect>
+                        <a14:colorTemperature colorTemp="5300"/>
+                      </a14:imgEffect>
+                    </a14:imgLayer>
+                  </a14:imgProps>
+                </a:ext>
+              </a:extLst>
+            </a:blip>
+            <a:stretch>
+              <a:fillRect/>
+            </a:stretch>
+          </p:blipFill>
+          <p:spPr>
+            <a:xfrm>
+              <a:off x="8605860" y="5231833"/>
+              <a:ext cx="3212561" cy="1007608"/>
+            </a:xfrm>
+            <a:prstGeom prst="rect">
+              <a:avLst/>
+            </a:prstGeom>
+            <a:ln>
+              <a:noFill/>
+            </a:ln>
+            <a:effectLst>
+              <a:outerShdw blurRad="292100" dist="139700" dir="2700000" algn="tl" rotWithShape="0">
+                <a:srgbClr val="333333">
+                  <a:alpha val="65000"/>
+                </a:srgbClr>
+              </a:outerShdw>
+            </a:effectLst>
+          </p:spPr>
+        </p:pic>
+        <p:pic>
+          <p:nvPicPr>
+            <p:cNvPr id="11" name="Picture 10">
+              <a:extLst>
+                <a:ext uri="{FF2B5EF4-FFF2-40B4-BE49-F238E27FC236}">
+                  <a16:creationId xmlns:a16="http://schemas.microsoft.com/office/drawing/2014/main" id="{DB2192DD-9F73-B1B0-05DD-C35D3E7DE6AC}"/>
+                </a:ext>
+              </a:extLst>
+            </p:cNvPr>
+            <p:cNvPicPr>
+              <a:picLocks noChangeAspect="1"/>
+            </p:cNvPicPr>
+            <p:nvPr/>
+          </p:nvPicPr>
+          <p:blipFill>
+            <a:blip r:embed="rId6"/>
+            <a:stretch>
+              <a:fillRect/>
+            </a:stretch>
+          </p:blipFill>
+          <p:spPr>
+            <a:xfrm>
+              <a:off x="8466153" y="5816357"/>
+              <a:ext cx="279414" cy="285765"/>
+            </a:xfrm>
+            <a:prstGeom prst="rect">
+              <a:avLst/>
+            </a:prstGeom>
+            <a:ln>
+              <a:noFill/>
+            </a:ln>
+            <a:effectLst>
+              <a:outerShdw blurRad="292100" dist="139700" dir="2700000" algn="tl" rotWithShape="0">
+                <a:srgbClr val="333333">
+                  <a:alpha val="65000"/>
+                </a:srgbClr>
+              </a:outerShdw>
+            </a:effectLst>
+          </p:spPr>
+        </p:pic>
+        <p:pic>
+          <p:nvPicPr>
+            <p:cNvPr id="12" name="Picture 11">
+              <a:extLst>
+                <a:ext uri="{FF2B5EF4-FFF2-40B4-BE49-F238E27FC236}">
+                  <a16:creationId xmlns:a16="http://schemas.microsoft.com/office/drawing/2014/main" id="{AC4E7824-1280-0DAB-7A3E-93278BAC8215}"/>
+                </a:ext>
+              </a:extLst>
+            </p:cNvPr>
+            <p:cNvPicPr>
+              <a:picLocks noChangeAspect="1"/>
+            </p:cNvPicPr>
+            <p:nvPr/>
+          </p:nvPicPr>
+          <p:blipFill>
+            <a:blip r:embed="rId7"/>
+            <a:stretch>
+              <a:fillRect/>
+            </a:stretch>
+          </p:blipFill>
+          <p:spPr>
+            <a:xfrm>
+              <a:off x="8402649" y="5424471"/>
+              <a:ext cx="311166" cy="311166"/>
+            </a:xfrm>
+            <a:prstGeom prst="rect">
+              <a:avLst/>
+            </a:prstGeom>
+            <a:ln>
+              <a:noFill/>
+            </a:ln>
+            <a:effectLst>
+              <a:outerShdw blurRad="292100" dist="139700" dir="2700000" algn="tl" rotWithShape="0">
+                <a:srgbClr val="333333">
+                  <a:alpha val="65000"/>
+                </a:srgbClr>
+              </a:outerShdw>
+            </a:effectLst>
+          </p:spPr>
+        </p:pic>
+      </p:grpSp>
     </p:spTree>
     <p:extLst>
       <p:ext uri="{BB962C8B-B14F-4D97-AF65-F5344CB8AC3E}">
-        <p14:creationId xmlns:p14="http://schemas.microsoft.com/office/powerpoint/2010/main" val="2271095980"/>
+        <p14:creationId xmlns:p14="http://schemas.microsoft.com/office/powerpoint/2010/main" val="164887381"/>
       </p:ext>
     </p:extLst>
   </p:cSld>
   <p:clrMapOvr>
     <a:masterClrMapping/>
   </p:clrMapOvr>
-  <p:timing>
-    <p:tnLst>
-      <p:par>
-        <p:cTn id="1" dur="indefinite" restart="never" nodeType="tmRoot">
-          <p:childTnLst>
-            <p:seq concurrent="1" nextAc="seek">
-              <p:cTn id="2" dur="indefinite" nodeType="mainSeq">
-                <p:childTnLst>
-                  <p:par>
-                    <p:cTn id="3" fill="hold">
-                      <p:stCondLst>
-                        <p:cond delay="indefinite"/>
-                      </p:stCondLst>
-                      <p:childTnLst>
-                        <p:par>
-                          <p:cTn id="4" fill="hold">
-                            <p:stCondLst>
-                              <p:cond delay="0"/>
-                            </p:stCondLst>
-                            <p:childTnLst>
-                              <p:par>
-                                <p:cTn id="5" presetID="42" presetClass="entr" presetSubtype="0" fill="hold" grpId="0" nodeType="clickEffect" nodePh="1">
-                                  <p:stCondLst>
-                                    <p:cond delay="0"/>
-                                  </p:stCondLst>
-                                  <p:endCondLst>
-                                    <p:cond evt="begin" delay="0">
-                                      <p:tn val="5"/>
-                                    </p:cond>
-                                  </p:endCondLst>
-                                  <p:childTnLst>
-                                    <p:set>
-                                      <p:cBhvr>
-                                        <p:cTn id="6" dur="1" fill="hold">
-                                          <p:stCondLst>
-                                            <p:cond delay="0"/>
-                                          </p:stCondLst>
-                                        </p:cTn>
-                                        <p:tgtEl>
-                                          <p:spTgt spid="3">
-                                            <p:txEl>
-                                              <p:pRg st="0" end="0"/>
-                                            </p:txEl>
-                                          </p:spTgt>
-                                        </p:tgtEl>
-                                        <p:attrNameLst>
-                                          <p:attrName>style.visibility</p:attrName>
-                                        </p:attrNameLst>
-                                      </p:cBhvr>
-                                      <p:to>
-                                        <p:strVal val="visible"/>
-                                      </p:to>
-                                    </p:set>
-                                    <p:animEffect transition="in" filter="fade">
-                                      <p:cBhvr>
-                                        <p:cTn id="7" dur="1000"/>
-                                        <p:tgtEl>
-                                          <p:spTgt spid="3">
-                                            <p:txEl>
-                                              <p:pRg st="0" end="0"/>
-                                            </p:txEl>
-                                          </p:spTgt>
-                                        </p:tgtEl>
-                                      </p:cBhvr>
-                                    </p:animEffect>
-                                    <p:anim calcmode="lin" valueType="num">
-                                      <p:cBhvr>
-                                        <p:cTn id="8" dur="1000" fill="hold"/>
-                                        <p:tgtEl>
-                                          <p:spTgt spid="3">
-                                            <p:txEl>
-                                              <p:pRg st="0" end="0"/>
-                                            </p:txEl>
-                                          </p:spTgt>
-                                        </p:tgtEl>
-                                        <p:attrNameLst>
-                                          <p:attrName>ppt_x</p:attrName>
-                                        </p:attrNameLst>
-                                      </p:cBhvr>
-                                      <p:tavLst>
-                                        <p:tav tm="0">
-                                          <p:val>
-                                            <p:strVal val="#ppt_x"/>
-                                          </p:val>
-                                        </p:tav>
-                                        <p:tav tm="100000">
-                                          <p:val>
-                                            <p:strVal val="#ppt_x"/>
-                                          </p:val>
-                                        </p:tav>
-                                      </p:tavLst>
-                                    </p:anim>
-                                    <p:anim calcmode="lin" valueType="num">
-                                      <p:cBhvr>
-                                        <p:cTn id="9" dur="1000" fill="hold"/>
-                                        <p:tgtEl>
-                                          <p:spTgt spid="3">
-                                            <p:txEl>
-                                              <p:pRg st="0" end="0"/>
-                                            </p:txEl>
-                                          </p:spTgt>
-                                        </p:tgtEl>
-                                        <p:attrNameLst>
-                                          <p:attrName>ppt_y</p:attrName>
-                                        </p:attrNameLst>
-                                      </p:cBhvr>
-                                      <p:tavLst>
-                                        <p:tav tm="0">
-                                          <p:val>
-                                            <p:strVal val="#ppt_y+.1"/>
-                                          </p:val>
-                                        </p:tav>
-                                        <p:tav tm="100000">
-                                          <p:val>
-                                            <p:strVal val="#ppt_y"/>
-                                          </p:val>
-                                        </p:tav>
-                                      </p:tavLst>
-                                    </p:anim>
-                                  </p:childTnLst>
-                                </p:cTn>
-                              </p:par>
-                            </p:childTnLst>
-                          </p:cTn>
-                        </p:par>
-                      </p:childTnLst>
-                    </p:cTn>
-                  </p:par>
-                </p:childTnLst>
-              </p:cTn>
-              <p:prevCondLst>
-                <p:cond evt="onPrev" delay="0">
-                  <p:tgtEl>
-                    <p:sldTgt/>
-                  </p:tgtEl>
-                </p:cond>
-              </p:prevCondLst>
-              <p:nextCondLst>
-                <p:cond evt="onNext" delay="0">
-                  <p:tgtEl>
-                    <p:sldTgt/>
-                  </p:tgtEl>
-                </p:cond>
-              </p:nextCondLst>
-            </p:seq>
-          </p:childTnLst>
-        </p:cTn>
-      </p:par>
-    </p:tnLst>
-    <p:bldLst>
-      <p:bldP spid="3" grpId="0" uiExpand="1" build="p"/>
-    </p:bldLst>
-  </p:timing>
 </p:sld>
 </file>
 
@@ -18193,7 +18317,7 @@
     </p:spTree>
     <p:extLst>
       <p:ext uri="{BB962C8B-B14F-4D97-AF65-F5344CB8AC3E}">
-        <p14:creationId xmlns:p14="http://schemas.microsoft.com/office/powerpoint/2010/main" val="1465250471"/>
+        <p14:creationId xmlns:p14="http://schemas.microsoft.com/office/powerpoint/2010/main" val="2271095980"/>
       </p:ext>
     </p:extLst>
   </p:cSld>
@@ -18357,6 +18481,259 @@
 </file>
 
 <file path=ppt/slides/slide28.xml><?xml version="1.0" encoding="utf-8"?>
+<p:sld xmlns:a="http://schemas.openxmlformats.org/drawingml/2006/main" xmlns:r="http://schemas.openxmlformats.org/officeDocument/2006/relationships" xmlns:p="http://schemas.openxmlformats.org/presentationml/2006/main">
+  <p:cSld>
+    <p:spTree>
+      <p:nvGrpSpPr>
+        <p:cNvPr id="1" name=""/>
+        <p:cNvGrpSpPr/>
+        <p:nvPr/>
+      </p:nvGrpSpPr>
+      <p:grpSpPr>
+        <a:xfrm>
+          <a:off x="0" y="0"/>
+          <a:ext cx="0" cy="0"/>
+          <a:chOff x="0" y="0"/>
+          <a:chExt cx="0" cy="0"/>
+        </a:xfrm>
+      </p:grpSpPr>
+      <p:sp>
+        <p:nvSpPr>
+          <p:cNvPr id="2" name="Title 1">
+            <a:extLst>
+              <a:ext uri="{FF2B5EF4-FFF2-40B4-BE49-F238E27FC236}">
+                <a16:creationId xmlns:a16="http://schemas.microsoft.com/office/drawing/2014/main" id="{F7C7A7AD-168E-4859-B7F1-00E770DAFE0E}"/>
+              </a:ext>
+            </a:extLst>
+          </p:cNvPr>
+          <p:cNvSpPr>
+            <a:spLocks noGrp="1"/>
+          </p:cNvSpPr>
+          <p:nvPr>
+            <p:ph type="title"/>
+          </p:nvPr>
+        </p:nvSpPr>
+        <p:spPr>
+          <a:solidFill>
+            <a:schemeClr val="accent6">
+              <a:lumMod val="40000"/>
+              <a:lumOff val="60000"/>
+            </a:schemeClr>
+          </a:solidFill>
+        </p:spPr>
+        <p:txBody>
+          <a:bodyPr/>
+          <a:lstStyle/>
+          <a:p>
+            <a:endParaRPr lang="en-IN" dirty="0">
+              <a:latin typeface="Algerian" panose="04020705040A02060702" pitchFamily="82" charset="0"/>
+            </a:endParaRPr>
+          </a:p>
+        </p:txBody>
+      </p:sp>
+      <p:sp>
+        <p:nvSpPr>
+          <p:cNvPr id="3" name="Content Placeholder 2">
+            <a:extLst>
+              <a:ext uri="{FF2B5EF4-FFF2-40B4-BE49-F238E27FC236}">
+                <a16:creationId xmlns:a16="http://schemas.microsoft.com/office/drawing/2014/main" id="{21475D0B-8934-4CDF-9263-310490EE9888}"/>
+              </a:ext>
+            </a:extLst>
+          </p:cNvPr>
+          <p:cNvSpPr>
+            <a:spLocks noGrp="1"/>
+          </p:cNvSpPr>
+          <p:nvPr>
+            <p:ph idx="1"/>
+          </p:nvPr>
+        </p:nvSpPr>
+        <p:spPr>
+          <a:solidFill>
+            <a:schemeClr val="accent2">
+              <a:lumMod val="20000"/>
+              <a:lumOff val="80000"/>
+            </a:schemeClr>
+          </a:solidFill>
+        </p:spPr>
+        <p:txBody>
+          <a:bodyPr/>
+          <a:lstStyle/>
+          <a:p>
+            <a:pPr>
+              <a:buFont typeface="Wingdings" panose="05000000000000000000" pitchFamily="2" charset="2"/>
+              <a:buChar char="q"/>
+            </a:pPr>
+            <a:endParaRPr lang="en-IN" dirty="0"/>
+          </a:p>
+        </p:txBody>
+      </p:sp>
+    </p:spTree>
+    <p:extLst>
+      <p:ext uri="{BB962C8B-B14F-4D97-AF65-F5344CB8AC3E}">
+        <p14:creationId xmlns:p14="http://schemas.microsoft.com/office/powerpoint/2010/main" val="1465250471"/>
+      </p:ext>
+    </p:extLst>
+  </p:cSld>
+  <p:clrMapOvr>
+    <a:masterClrMapping/>
+  </p:clrMapOvr>
+  <p:timing>
+    <p:tnLst>
+      <p:par>
+        <p:cTn id="1" dur="indefinite" restart="never" nodeType="tmRoot">
+          <p:childTnLst>
+            <p:seq concurrent="1" nextAc="seek">
+              <p:cTn id="2" dur="indefinite" nodeType="mainSeq">
+                <p:childTnLst>
+                  <p:par>
+                    <p:cTn id="3" fill="hold">
+                      <p:stCondLst>
+                        <p:cond delay="indefinite"/>
+                      </p:stCondLst>
+                      <p:childTnLst>
+                        <p:par>
+                          <p:cTn id="4" fill="hold">
+                            <p:stCondLst>
+                              <p:cond delay="0"/>
+                            </p:stCondLst>
+                            <p:childTnLst>
+                              <p:par>
+                                <p:cTn id="5" presetID="42" presetClass="entr" presetSubtype="0" fill="hold" grpId="0" nodeType="clickEffect" nodePh="1">
+                                  <p:stCondLst>
+                                    <p:cond delay="0"/>
+                                  </p:stCondLst>
+                                  <p:endCondLst>
+                                    <p:cond evt="begin" delay="0">
+                                      <p:tn val="5"/>
+                                    </p:cond>
+                                  </p:endCondLst>
+                                  <p:childTnLst>
+                                    <p:set>
+                                      <p:cBhvr>
+                                        <p:cTn id="6" dur="1" fill="hold">
+                                          <p:stCondLst>
+                                            <p:cond delay="0"/>
+                                          </p:stCondLst>
+                                        </p:cTn>
+                                        <p:tgtEl>
+                                          <p:spTgt spid="3">
+                                            <p:txEl>
+                                              <p:pRg st="0" end="0"/>
+                                            </p:txEl>
+                                          </p:spTgt>
+                                        </p:tgtEl>
+                                        <p:attrNameLst>
+                                          <p:attrName>style.visibility</p:attrName>
+                                        </p:attrNameLst>
+                                      </p:cBhvr>
+                                      <p:to>
+                                        <p:strVal val="visible"/>
+                                      </p:to>
+                                    </p:set>
+                                    <p:animEffect transition="in" filter="fade">
+                                      <p:cBhvr>
+                                        <p:cTn id="7" dur="1000"/>
+                                        <p:tgtEl>
+                                          <p:spTgt spid="3">
+                                            <p:txEl>
+                                              <p:pRg st="0" end="0"/>
+                                            </p:txEl>
+                                          </p:spTgt>
+                                        </p:tgtEl>
+                                      </p:cBhvr>
+                                    </p:animEffect>
+                                    <p:anim calcmode="lin" valueType="num">
+                                      <p:cBhvr>
+                                        <p:cTn id="8" dur="1000" fill="hold"/>
+                                        <p:tgtEl>
+                                          <p:spTgt spid="3">
+                                            <p:txEl>
+                                              <p:pRg st="0" end="0"/>
+                                            </p:txEl>
+                                          </p:spTgt>
+                                        </p:tgtEl>
+                                        <p:attrNameLst>
+                                          <p:attrName>ppt_x</p:attrName>
+                                        </p:attrNameLst>
+                                      </p:cBhvr>
+                                      <p:tavLst>
+                                        <p:tav tm="0">
+                                          <p:val>
+                                            <p:strVal val="#ppt_x"/>
+                                          </p:val>
+                                        </p:tav>
+                                        <p:tav tm="100000">
+                                          <p:val>
+                                            <p:strVal val="#ppt_x"/>
+                                          </p:val>
+                                        </p:tav>
+                                      </p:tavLst>
+                                    </p:anim>
+                                    <p:anim calcmode="lin" valueType="num">
+                                      <p:cBhvr>
+                                        <p:cTn id="9" dur="1000" fill="hold"/>
+                                        <p:tgtEl>
+                                          <p:spTgt spid="3">
+                                            <p:txEl>
+                                              <p:pRg st="0" end="0"/>
+                                            </p:txEl>
+                                          </p:spTgt>
+                                        </p:tgtEl>
+                                        <p:attrNameLst>
+                                          <p:attrName>ppt_y</p:attrName>
+                                        </p:attrNameLst>
+                                      </p:cBhvr>
+                                      <p:tavLst>
+                                        <p:tav tm="0">
+                                          <p:val>
+                                            <p:strVal val="#ppt_y+.1"/>
+                                          </p:val>
+                                        </p:tav>
+                                        <p:tav tm="100000">
+                                          <p:val>
+                                            <p:strVal val="#ppt_y"/>
+                                          </p:val>
+                                        </p:tav>
+                                      </p:tavLst>
+                                    </p:anim>
+                                  </p:childTnLst>
+                                </p:cTn>
+                              </p:par>
+                            </p:childTnLst>
+                          </p:cTn>
+                        </p:par>
+                      </p:childTnLst>
+                    </p:cTn>
+                  </p:par>
+                </p:childTnLst>
+              </p:cTn>
+              <p:prevCondLst>
+                <p:cond evt="onPrev" delay="0">
+                  <p:tgtEl>
+                    <p:sldTgt/>
+                  </p:tgtEl>
+                </p:cond>
+              </p:prevCondLst>
+              <p:nextCondLst>
+                <p:cond evt="onNext" delay="0">
+                  <p:tgtEl>
+                    <p:sldTgt/>
+                  </p:tgtEl>
+                </p:cond>
+              </p:nextCondLst>
+            </p:seq>
+          </p:childTnLst>
+        </p:cTn>
+      </p:par>
+    </p:tnLst>
+    <p:bldLst>
+      <p:bldP spid="3" grpId="0" uiExpand="1" build="p"/>
+    </p:bldLst>
+  </p:timing>
+</p:sld>
+</file>
+
+<file path=ppt/slides/slide29.xml><?xml version="1.0" encoding="utf-8"?>
 <p:sld xmlns:a="http://schemas.openxmlformats.org/drawingml/2006/main" xmlns:r="http://schemas.openxmlformats.org/officeDocument/2006/relationships" xmlns:p="http://schemas.openxmlformats.org/presentationml/2006/main">
   <p:cSld>
     <p:spTree>
